--- a/文档/令牌管理.pptx
+++ b/文档/令牌管理.pptx
@@ -7,6 +7,15 @@
   <p:sldIdLst>
     <p:sldId id="256" r:id="rId2"/>
     <p:sldId id="257" r:id="rId3"/>
+    <p:sldId id="264" r:id="rId4"/>
+    <p:sldId id="258" r:id="rId5"/>
+    <p:sldId id="259" r:id="rId6"/>
+    <p:sldId id="260" r:id="rId7"/>
+    <p:sldId id="261" r:id="rId8"/>
+    <p:sldId id="263" r:id="rId9"/>
+    <p:sldId id="265" r:id="rId10"/>
+    <p:sldId id="266" r:id="rId11"/>
+    <p:sldId id="267" r:id="rId12"/>
   </p:sldIdLst>
   <p:sldSz cx="9144000" cy="6858000" type="screen4x3"/>
   <p:notesSz cx="6858000" cy="9144000"/>
@@ -289,7 +298,7 @@
           <a:p>
             <a:fld id="{530820CF-B880-4189-942D-D702A7CBA730}" type="datetimeFigureOut">
               <a:rPr lang="zh-CN" altLang="en-US" smtClean="0"/>
-              <a:t>2014/4/4</a:t>
+              <a:t>2014/4/9</a:t>
             </a:fld>
             <a:endParaRPr lang="zh-CN" altLang="en-US"/>
           </a:p>
@@ -454,7 +463,7 @@
           <a:p>
             <a:fld id="{530820CF-B880-4189-942D-D702A7CBA730}" type="datetimeFigureOut">
               <a:rPr lang="zh-CN" altLang="en-US" smtClean="0"/>
-              <a:t>2014/4/4</a:t>
+              <a:t>2014/4/9</a:t>
             </a:fld>
             <a:endParaRPr lang="zh-CN" altLang="en-US"/>
           </a:p>
@@ -629,7 +638,7 @@
           <a:p>
             <a:fld id="{530820CF-B880-4189-942D-D702A7CBA730}" type="datetimeFigureOut">
               <a:rPr lang="zh-CN" altLang="en-US" smtClean="0"/>
-              <a:t>2014/4/4</a:t>
+              <a:t>2014/4/9</a:t>
             </a:fld>
             <a:endParaRPr lang="zh-CN" altLang="en-US"/>
           </a:p>
@@ -794,7 +803,7 @@
           <a:p>
             <a:fld id="{530820CF-B880-4189-942D-D702A7CBA730}" type="datetimeFigureOut">
               <a:rPr lang="zh-CN" altLang="en-US" smtClean="0"/>
-              <a:t>2014/4/4</a:t>
+              <a:t>2014/4/9</a:t>
             </a:fld>
             <a:endParaRPr lang="zh-CN" altLang="en-US"/>
           </a:p>
@@ -1035,7 +1044,7 @@
           <a:p>
             <a:fld id="{530820CF-B880-4189-942D-D702A7CBA730}" type="datetimeFigureOut">
               <a:rPr lang="zh-CN" altLang="en-US" smtClean="0"/>
-              <a:t>2014/4/4</a:t>
+              <a:t>2014/4/9</a:t>
             </a:fld>
             <a:endParaRPr lang="zh-CN" altLang="en-US"/>
           </a:p>
@@ -1318,7 +1327,7 @@
           <a:p>
             <a:fld id="{530820CF-B880-4189-942D-D702A7CBA730}" type="datetimeFigureOut">
               <a:rPr lang="zh-CN" altLang="en-US" smtClean="0"/>
-              <a:t>2014/4/4</a:t>
+              <a:t>2014/4/9</a:t>
             </a:fld>
             <a:endParaRPr lang="zh-CN" altLang="en-US"/>
           </a:p>
@@ -1735,7 +1744,7 @@
           <a:p>
             <a:fld id="{530820CF-B880-4189-942D-D702A7CBA730}" type="datetimeFigureOut">
               <a:rPr lang="zh-CN" altLang="en-US" smtClean="0"/>
-              <a:t>2014/4/4</a:t>
+              <a:t>2014/4/9</a:t>
             </a:fld>
             <a:endParaRPr lang="zh-CN" altLang="en-US"/>
           </a:p>
@@ -1848,7 +1857,7 @@
           <a:p>
             <a:fld id="{530820CF-B880-4189-942D-D702A7CBA730}" type="datetimeFigureOut">
               <a:rPr lang="zh-CN" altLang="en-US" smtClean="0"/>
-              <a:t>2014/4/4</a:t>
+              <a:t>2014/4/9</a:t>
             </a:fld>
             <a:endParaRPr lang="zh-CN" altLang="en-US"/>
           </a:p>
@@ -1938,7 +1947,7 @@
           <a:p>
             <a:fld id="{530820CF-B880-4189-942D-D702A7CBA730}" type="datetimeFigureOut">
               <a:rPr lang="zh-CN" altLang="en-US" smtClean="0"/>
-              <a:t>2014/4/4</a:t>
+              <a:t>2014/4/9</a:t>
             </a:fld>
             <a:endParaRPr lang="zh-CN" altLang="en-US"/>
           </a:p>
@@ -2210,7 +2219,7 @@
           <a:p>
             <a:fld id="{530820CF-B880-4189-942D-D702A7CBA730}" type="datetimeFigureOut">
               <a:rPr lang="zh-CN" altLang="en-US" smtClean="0"/>
-              <a:t>2014/4/4</a:t>
+              <a:t>2014/4/9</a:t>
             </a:fld>
             <a:endParaRPr lang="zh-CN" altLang="en-US"/>
           </a:p>
@@ -2458,7 +2467,7 @@
           <a:p>
             <a:fld id="{530820CF-B880-4189-942D-D702A7CBA730}" type="datetimeFigureOut">
               <a:rPr lang="zh-CN" altLang="en-US" smtClean="0"/>
-              <a:t>2014/4/4</a:t>
+              <a:t>2014/4/9</a:t>
             </a:fld>
             <a:endParaRPr lang="zh-CN" altLang="en-US"/>
           </a:p>
@@ -2666,7 +2675,7 @@
           <a:p>
             <a:fld id="{530820CF-B880-4189-942D-D702A7CBA730}" type="datetimeFigureOut">
               <a:rPr lang="zh-CN" altLang="en-US" smtClean="0"/>
-              <a:t>2014/4/4</a:t>
+              <a:t>2014/4/9</a:t>
             </a:fld>
             <a:endParaRPr lang="zh-CN" altLang="en-US"/>
           </a:p>
@@ -3091,6 +3100,1282 @@
 </p:sld>
 </file>
 
+<file path=ppt/slides/slide10.xml><?xml version="1.0" encoding="utf-8"?>
+<p:sld xmlns:a="http://schemas.openxmlformats.org/drawingml/2006/main" xmlns:r="http://schemas.openxmlformats.org/officeDocument/2006/relationships" xmlns:p="http://schemas.openxmlformats.org/presentationml/2006/main">
+  <p:cSld>
+    <p:spTree>
+      <p:nvGrpSpPr>
+        <p:cNvPr id="1" name=""/>
+        <p:cNvGrpSpPr/>
+        <p:nvPr/>
+      </p:nvGrpSpPr>
+      <p:grpSpPr>
+        <a:xfrm>
+          <a:off x="0" y="0"/>
+          <a:ext cx="0" cy="0"/>
+          <a:chOff x="0" y="0"/>
+          <a:chExt cx="0" cy="0"/>
+        </a:xfrm>
+      </p:grpSpPr>
+      <p:sp>
+        <p:nvSpPr>
+          <p:cNvPr id="2" name="标题 1"/>
+          <p:cNvSpPr>
+            <a:spLocks noGrp="1"/>
+          </p:cNvSpPr>
+          <p:nvPr>
+            <p:ph type="title"/>
+          </p:nvPr>
+        </p:nvSpPr>
+        <p:spPr/>
+        <p:txBody>
+          <a:bodyPr/>
+          <a:lstStyle/>
+          <a:p>
+            <a:r>
+              <a:rPr lang="zh-CN" altLang="en-US" dirty="0" smtClean="0"/>
+              <a:t>令牌非对称加解密介绍</a:t>
+            </a:r>
+            <a:endParaRPr lang="zh-CN" altLang="en-US" dirty="0"/>
+          </a:p>
+        </p:txBody>
+      </p:sp>
+      <p:sp>
+        <p:nvSpPr>
+          <p:cNvPr id="3" name="内容占位符 2"/>
+          <p:cNvSpPr>
+            <a:spLocks noGrp="1"/>
+          </p:cNvSpPr>
+          <p:nvPr>
+            <p:ph idx="1"/>
+          </p:nvPr>
+        </p:nvSpPr>
+        <p:spPr/>
+        <p:txBody>
+          <a:bodyPr>
+            <a:normAutofit fontScale="25000" lnSpcReduction="20000"/>
+          </a:bodyPr>
+          <a:lstStyle/>
+          <a:p>
+            <a:pPr marL="1828800" lvl="4" indent="0">
+              <a:buNone/>
+            </a:pPr>
+            <a:r>
+              <a:rPr lang="en-US" altLang="zh-CN" sz="3600" dirty="0" smtClean="0"/>
+              <a:t>String </a:t>
+            </a:r>
+            <a:r>
+              <a:rPr lang="en-US" altLang="zh-CN" sz="3600" dirty="0" err="1"/>
+              <a:t>inputStr</a:t>
+            </a:r>
+            <a:r>
+              <a:rPr lang="en-US" altLang="zh-CN" sz="3600" dirty="0"/>
+              <a:t> = "</a:t>
+            </a:r>
+            <a:r>
+              <a:rPr lang="zh-CN" altLang="en-US" sz="3600" dirty="0"/>
+              <a:t>尹标平</a:t>
+            </a:r>
+            <a:r>
+              <a:rPr lang="en-US" altLang="zh-CN" sz="3600" dirty="0"/>
+              <a:t>";</a:t>
+            </a:r>
+          </a:p>
+          <a:p>
+            <a:r>
+              <a:rPr lang="en-US" altLang="zh-CN" sz="4800" dirty="0"/>
+              <a:t>		byte[] data = </a:t>
+            </a:r>
+            <a:r>
+              <a:rPr lang="en-US" altLang="zh-CN" sz="4800" dirty="0" err="1"/>
+              <a:t>inputStr.getBytes</a:t>
+            </a:r>
+            <a:r>
+              <a:rPr lang="en-US" altLang="zh-CN" sz="4800" dirty="0"/>
+              <a:t>();</a:t>
+            </a:r>
+          </a:p>
+          <a:p>
+            <a:endParaRPr lang="en-US" altLang="zh-CN" sz="4800" dirty="0"/>
+          </a:p>
+          <a:p>
+            <a:r>
+              <a:rPr lang="en-US" altLang="zh-CN" sz="4800" dirty="0"/>
+              <a:t>		</a:t>
+            </a:r>
+            <a:r>
+              <a:rPr lang="en-US" altLang="zh-CN" sz="4800" dirty="0" err="1"/>
+              <a:t>ECKeyPair</a:t>
+            </a:r>
+            <a:r>
+              <a:rPr lang="en-US" altLang="zh-CN" sz="4800" dirty="0"/>
+              <a:t> </a:t>
+            </a:r>
+            <a:r>
+              <a:rPr lang="en-US" altLang="zh-CN" sz="4800" dirty="0" err="1"/>
+              <a:t>keyMap</a:t>
+            </a:r>
+            <a:r>
+              <a:rPr lang="en-US" altLang="zh-CN" sz="4800" dirty="0"/>
+              <a:t> = </a:t>
+            </a:r>
+            <a:r>
+              <a:rPr lang="en-US" altLang="zh-CN" sz="4800" dirty="0" err="1"/>
+              <a:t>ECCCoder.genECKeyPair</a:t>
+            </a:r>
+            <a:r>
+              <a:rPr lang="en-US" altLang="zh-CN" sz="4800" dirty="0"/>
+              <a:t>();</a:t>
+            </a:r>
+          </a:p>
+          <a:p>
+            <a:endParaRPr lang="en-US" altLang="zh-CN" sz="4800" dirty="0"/>
+          </a:p>
+          <a:p>
+            <a:r>
+              <a:rPr lang="en-US" altLang="zh-CN" sz="4800" dirty="0"/>
+              <a:t>		String </a:t>
+            </a:r>
+            <a:r>
+              <a:rPr lang="en-US" altLang="zh-CN" sz="4800" dirty="0" err="1"/>
+              <a:t>publicKey</a:t>
+            </a:r>
+            <a:r>
+              <a:rPr lang="en-US" altLang="zh-CN" sz="4800" dirty="0"/>
+              <a:t> = </a:t>
+            </a:r>
+            <a:r>
+              <a:rPr lang="en-US" altLang="zh-CN" sz="4800" dirty="0" err="1"/>
+              <a:t>keyMap.getPublicKey</a:t>
+            </a:r>
+            <a:r>
+              <a:rPr lang="en-US" altLang="zh-CN" sz="4800" dirty="0"/>
+              <a:t>();</a:t>
+            </a:r>
+          </a:p>
+          <a:p>
+            <a:r>
+              <a:rPr lang="en-US" altLang="zh-CN" sz="4800" dirty="0"/>
+              <a:t>		String </a:t>
+            </a:r>
+            <a:r>
+              <a:rPr lang="en-US" altLang="zh-CN" sz="4800" dirty="0" err="1"/>
+              <a:t>privateKey</a:t>
+            </a:r>
+            <a:r>
+              <a:rPr lang="en-US" altLang="zh-CN" sz="4800" dirty="0"/>
+              <a:t> = </a:t>
+            </a:r>
+            <a:r>
+              <a:rPr lang="en-US" altLang="zh-CN" sz="4800" dirty="0" err="1"/>
+              <a:t>keyMap.getPrivateKey</a:t>
+            </a:r>
+            <a:r>
+              <a:rPr lang="en-US" altLang="zh-CN" sz="4800" dirty="0"/>
+              <a:t>();</a:t>
+            </a:r>
+          </a:p>
+          <a:p>
+            <a:r>
+              <a:rPr lang="en-US" altLang="zh-CN" sz="4800" dirty="0"/>
+              <a:t>		</a:t>
+            </a:r>
+            <a:r>
+              <a:rPr lang="en-US" altLang="zh-CN" sz="4800" dirty="0" err="1"/>
+              <a:t>System.err.println</a:t>
+            </a:r>
+            <a:r>
+              <a:rPr lang="en-US" altLang="zh-CN" sz="4800" dirty="0"/>
+              <a:t>("</a:t>
+            </a:r>
+            <a:r>
+              <a:rPr lang="zh-CN" altLang="en-US" sz="4800" dirty="0"/>
+              <a:t>公钥</a:t>
+            </a:r>
+            <a:r>
+              <a:rPr lang="en-US" altLang="zh-CN" sz="4800" dirty="0"/>
+              <a:t>: \n" + </a:t>
+            </a:r>
+            <a:r>
+              <a:rPr lang="en-US" altLang="zh-CN" sz="4800" dirty="0" err="1"/>
+              <a:t>publicKey</a:t>
+            </a:r>
+            <a:r>
+              <a:rPr lang="en-US" altLang="zh-CN" sz="4800" dirty="0"/>
+              <a:t>);</a:t>
+            </a:r>
+          </a:p>
+          <a:p>
+            <a:r>
+              <a:rPr lang="en-US" altLang="zh-CN" sz="4800" dirty="0"/>
+              <a:t>		</a:t>
+            </a:r>
+            <a:r>
+              <a:rPr lang="en-US" altLang="zh-CN" sz="4800" dirty="0" err="1"/>
+              <a:t>System.err.println</a:t>
+            </a:r>
+            <a:r>
+              <a:rPr lang="en-US" altLang="zh-CN" sz="4800" dirty="0"/>
+              <a:t>("</a:t>
+            </a:r>
+            <a:r>
+              <a:rPr lang="zh-CN" altLang="en-US" sz="4800" dirty="0"/>
+              <a:t>私钥： </a:t>
+            </a:r>
+            <a:r>
+              <a:rPr lang="en-US" altLang="zh-CN" sz="4800" dirty="0"/>
+              <a:t>\n" + </a:t>
+            </a:r>
+            <a:r>
+              <a:rPr lang="en-US" altLang="zh-CN" sz="4800" dirty="0" err="1"/>
+              <a:t>privateKey</a:t>
+            </a:r>
+            <a:r>
+              <a:rPr lang="en-US" altLang="zh-CN" sz="4800" dirty="0"/>
+              <a:t>);</a:t>
+            </a:r>
+          </a:p>
+          <a:p>
+            <a:r>
+              <a:rPr lang="en-US" altLang="zh-CN" sz="4800" dirty="0"/>
+              <a:t>		byte[] </a:t>
+            </a:r>
+            <a:r>
+              <a:rPr lang="en-US" altLang="zh-CN" sz="4800" dirty="0" err="1"/>
+              <a:t>encodedData</a:t>
+            </a:r>
+            <a:r>
+              <a:rPr lang="en-US" altLang="zh-CN" sz="4800" dirty="0"/>
+              <a:t> = </a:t>
+            </a:r>
+            <a:r>
+              <a:rPr lang="en-US" altLang="zh-CN" sz="4800" dirty="0" err="1"/>
+              <a:t>ECCCoder.encrypt</a:t>
+            </a:r>
+            <a:r>
+              <a:rPr lang="en-US" altLang="zh-CN" sz="4800" dirty="0"/>
+              <a:t>(data, </a:t>
+            </a:r>
+            <a:r>
+              <a:rPr lang="en-US" altLang="zh-CN" sz="4800" dirty="0" err="1"/>
+              <a:t>publicKey</a:t>
+            </a:r>
+            <a:r>
+              <a:rPr lang="en-US" altLang="zh-CN" sz="4800" dirty="0"/>
+              <a:t>);</a:t>
+            </a:r>
+          </a:p>
+          <a:p>
+            <a:r>
+              <a:rPr lang="en-US" altLang="zh-CN" sz="4800" dirty="0"/>
+              <a:t>		byte[] </a:t>
+            </a:r>
+            <a:r>
+              <a:rPr lang="en-US" altLang="zh-CN" sz="4800" dirty="0" err="1"/>
+              <a:t>decodedData</a:t>
+            </a:r>
+            <a:r>
+              <a:rPr lang="en-US" altLang="zh-CN" sz="4800" dirty="0"/>
+              <a:t> = </a:t>
+            </a:r>
+            <a:r>
+              <a:rPr lang="en-US" altLang="zh-CN" sz="4800" dirty="0" err="1"/>
+              <a:t>ECCCoder.decrypt</a:t>
+            </a:r>
+            <a:r>
+              <a:rPr lang="en-US" altLang="zh-CN" sz="4800" dirty="0"/>
+              <a:t>(</a:t>
+            </a:r>
+            <a:r>
+              <a:rPr lang="en-US" altLang="zh-CN" sz="4800" dirty="0" err="1"/>
+              <a:t>encodedData</a:t>
+            </a:r>
+            <a:r>
+              <a:rPr lang="en-US" altLang="zh-CN" sz="4800" dirty="0"/>
+              <a:t>, </a:t>
+            </a:r>
+            <a:r>
+              <a:rPr lang="en-US" altLang="zh-CN" sz="4800" dirty="0" err="1"/>
+              <a:t>privateKey</a:t>
+            </a:r>
+            <a:r>
+              <a:rPr lang="en-US" altLang="zh-CN" sz="4800" dirty="0"/>
+              <a:t>);</a:t>
+            </a:r>
+          </a:p>
+          <a:p>
+            <a:r>
+              <a:rPr lang="en-US" altLang="zh-CN" sz="4800" dirty="0"/>
+              <a:t>		</a:t>
+            </a:r>
+            <a:r>
+              <a:rPr lang="en-US" altLang="zh-CN" sz="4800" dirty="0" err="1"/>
+              <a:t>inputStr</a:t>
+            </a:r>
+            <a:r>
+              <a:rPr lang="en-US" altLang="zh-CN" sz="4800" dirty="0"/>
+              <a:t> = "</a:t>
+            </a:r>
+            <a:r>
+              <a:rPr lang="zh-CN" altLang="en-US" sz="4800" dirty="0"/>
+              <a:t>解密局解密局</a:t>
+            </a:r>
+            <a:r>
+              <a:rPr lang="en-US" altLang="zh-CN" sz="4800" dirty="0"/>
+              <a:t>";</a:t>
+            </a:r>
+          </a:p>
+          <a:p>
+            <a:r>
+              <a:rPr lang="en-US" altLang="zh-CN" sz="4800" dirty="0"/>
+              <a:t>		data = </a:t>
+            </a:r>
+            <a:r>
+              <a:rPr lang="en-US" altLang="zh-CN" sz="4800" dirty="0" err="1"/>
+              <a:t>inputStr.getBytes</a:t>
+            </a:r>
+            <a:r>
+              <a:rPr lang="en-US" altLang="zh-CN" sz="4800" dirty="0"/>
+              <a:t>();</a:t>
+            </a:r>
+          </a:p>
+          <a:p>
+            <a:r>
+              <a:rPr lang="en-US" altLang="zh-CN" sz="4800" dirty="0"/>
+              <a:t>		long start = </a:t>
+            </a:r>
+            <a:r>
+              <a:rPr lang="en-US" altLang="zh-CN" sz="4800" dirty="0" err="1"/>
+              <a:t>System.currentTimeMillis</a:t>
+            </a:r>
+            <a:r>
+              <a:rPr lang="en-US" altLang="zh-CN" sz="4800" dirty="0"/>
+              <a:t>();</a:t>
+            </a:r>
+          </a:p>
+          <a:p>
+            <a:r>
+              <a:rPr lang="en-US" altLang="zh-CN" sz="4800" dirty="0"/>
+              <a:t>		</a:t>
+            </a:r>
+            <a:r>
+              <a:rPr lang="en-US" altLang="zh-CN" sz="4800" dirty="0" err="1"/>
+              <a:t>encodedData</a:t>
+            </a:r>
+            <a:r>
+              <a:rPr lang="en-US" altLang="zh-CN" sz="4800" dirty="0"/>
+              <a:t> = </a:t>
+            </a:r>
+            <a:r>
+              <a:rPr lang="en-US" altLang="zh-CN" sz="4800" dirty="0" err="1"/>
+              <a:t>ECCCoder.encrypt</a:t>
+            </a:r>
+            <a:r>
+              <a:rPr lang="en-US" altLang="zh-CN" sz="4800" dirty="0"/>
+              <a:t>(data, </a:t>
+            </a:r>
+            <a:r>
+              <a:rPr lang="en-US" altLang="zh-CN" sz="4800" dirty="0" err="1"/>
+              <a:t>ECCCoder.evalECPublicKey</a:t>
+            </a:r>
+            <a:r>
+              <a:rPr lang="en-US" altLang="zh-CN" sz="4800" dirty="0"/>
+              <a:t>(</a:t>
+            </a:r>
+            <a:r>
+              <a:rPr lang="en-US" altLang="zh-CN" sz="4800" dirty="0" err="1"/>
+              <a:t>publicKey</a:t>
+            </a:r>
+            <a:r>
+              <a:rPr lang="en-US" altLang="zh-CN" sz="4800" dirty="0"/>
+              <a:t>));</a:t>
+            </a:r>
+          </a:p>
+          <a:p>
+            <a:r>
+              <a:rPr lang="en-US" altLang="zh-CN" sz="4800" dirty="0"/>
+              <a:t>		long end = </a:t>
+            </a:r>
+            <a:r>
+              <a:rPr lang="en-US" altLang="zh-CN" sz="4800" dirty="0" err="1"/>
+              <a:t>System.currentTimeMillis</a:t>
+            </a:r>
+            <a:r>
+              <a:rPr lang="en-US" altLang="zh-CN" sz="4800" dirty="0"/>
+              <a:t>();</a:t>
+            </a:r>
+          </a:p>
+          <a:p>
+            <a:r>
+              <a:rPr lang="en-US" altLang="zh-CN" sz="4800" dirty="0"/>
+              <a:t>		</a:t>
+            </a:r>
+            <a:r>
+              <a:rPr lang="en-US" altLang="zh-CN" sz="4800" dirty="0" err="1"/>
+              <a:t>System.out.println</a:t>
+            </a:r>
+            <a:r>
+              <a:rPr lang="en-US" altLang="zh-CN" sz="4800" dirty="0"/>
+              <a:t>("</a:t>
+            </a:r>
+            <a:r>
+              <a:rPr lang="zh-CN" altLang="en-US" sz="4800" dirty="0"/>
+              <a:t>加密耗时</a:t>
+            </a:r>
+            <a:r>
+              <a:rPr lang="en-US" altLang="zh-CN" sz="4800" dirty="0"/>
+              <a:t>:"+(end-start));</a:t>
+            </a:r>
+          </a:p>
+          <a:p>
+            <a:r>
+              <a:rPr lang="en-US" altLang="zh-CN" sz="4800" dirty="0"/>
+              <a:t>		</a:t>
+            </a:r>
+          </a:p>
+          <a:p>
+            <a:r>
+              <a:rPr lang="en-US" altLang="zh-CN" sz="4800" dirty="0"/>
+              <a:t>		start = </a:t>
+            </a:r>
+            <a:r>
+              <a:rPr lang="en-US" altLang="zh-CN" sz="4800" dirty="0" err="1"/>
+              <a:t>System.currentTimeMillis</a:t>
+            </a:r>
+            <a:r>
+              <a:rPr lang="en-US" altLang="zh-CN" sz="4800" dirty="0"/>
+              <a:t>();</a:t>
+            </a:r>
+          </a:p>
+          <a:p>
+            <a:r>
+              <a:rPr lang="en-US" altLang="zh-CN" sz="4800" dirty="0"/>
+              <a:t>		</a:t>
+            </a:r>
+            <a:r>
+              <a:rPr lang="en-US" altLang="zh-CN" sz="4800" dirty="0" err="1"/>
+              <a:t>decodedData</a:t>
+            </a:r>
+            <a:r>
+              <a:rPr lang="en-US" altLang="zh-CN" sz="4800" dirty="0"/>
+              <a:t> = </a:t>
+            </a:r>
+            <a:r>
+              <a:rPr lang="en-US" altLang="zh-CN" sz="4800" dirty="0" err="1"/>
+              <a:t>ECCCoder.decrypt</a:t>
+            </a:r>
+            <a:r>
+              <a:rPr lang="en-US" altLang="zh-CN" sz="4800" dirty="0"/>
+              <a:t>(</a:t>
+            </a:r>
+            <a:r>
+              <a:rPr lang="en-US" altLang="zh-CN" sz="4800" dirty="0" err="1"/>
+              <a:t>encodedData</a:t>
+            </a:r>
+            <a:r>
+              <a:rPr lang="en-US" altLang="zh-CN" sz="4800" dirty="0"/>
+              <a:t>, </a:t>
+            </a:r>
+            <a:r>
+              <a:rPr lang="en-US" altLang="zh-CN" sz="4800" dirty="0" err="1"/>
+              <a:t>ECCCoder.evalECPrivateKey</a:t>
+            </a:r>
+            <a:r>
+              <a:rPr lang="en-US" altLang="zh-CN" sz="4800" dirty="0"/>
+              <a:t>(</a:t>
+            </a:r>
+            <a:r>
+              <a:rPr lang="en-US" altLang="zh-CN" sz="4800" dirty="0" err="1"/>
+              <a:t>privateKey</a:t>
+            </a:r>
+            <a:r>
+              <a:rPr lang="en-US" altLang="zh-CN" sz="4800" dirty="0"/>
+              <a:t>));</a:t>
+            </a:r>
+          </a:p>
+          <a:p>
+            <a:r>
+              <a:rPr lang="en-US" altLang="zh-CN" sz="4800" dirty="0"/>
+              <a:t>		end = </a:t>
+            </a:r>
+            <a:r>
+              <a:rPr lang="en-US" altLang="zh-CN" sz="4800" dirty="0" err="1"/>
+              <a:t>System.currentTimeMillis</a:t>
+            </a:r>
+            <a:r>
+              <a:rPr lang="en-US" altLang="zh-CN" sz="4800" dirty="0"/>
+              <a:t>();</a:t>
+            </a:r>
+          </a:p>
+          <a:p>
+            <a:r>
+              <a:rPr lang="en-US" altLang="zh-CN" sz="4800" dirty="0"/>
+              <a:t>		</a:t>
+            </a:r>
+            <a:r>
+              <a:rPr lang="en-US" altLang="zh-CN" sz="4800" dirty="0" err="1"/>
+              <a:t>System.out.println</a:t>
+            </a:r>
+            <a:r>
+              <a:rPr lang="en-US" altLang="zh-CN" sz="4800" dirty="0"/>
+              <a:t>("</a:t>
+            </a:r>
+            <a:r>
+              <a:rPr lang="zh-CN" altLang="en-US" sz="4800" dirty="0"/>
+              <a:t>解密耗时</a:t>
+            </a:r>
+            <a:r>
+              <a:rPr lang="en-US" altLang="zh-CN" sz="4800" dirty="0"/>
+              <a:t>:"+(end-start));</a:t>
+            </a:r>
+          </a:p>
+          <a:p>
+            <a:r>
+              <a:rPr lang="en-US" altLang="zh-CN" sz="4800" dirty="0"/>
+              <a:t>		String </a:t>
+            </a:r>
+            <a:r>
+              <a:rPr lang="en-US" altLang="zh-CN" sz="4800" dirty="0" err="1"/>
+              <a:t>outputStr</a:t>
+            </a:r>
+            <a:r>
+              <a:rPr lang="en-US" altLang="zh-CN" sz="4800" dirty="0"/>
+              <a:t> = new String(</a:t>
+            </a:r>
+            <a:r>
+              <a:rPr lang="en-US" altLang="zh-CN" sz="4800" dirty="0" err="1"/>
+              <a:t>decodedData</a:t>
+            </a:r>
+            <a:r>
+              <a:rPr lang="en-US" altLang="zh-CN" sz="4800" dirty="0"/>
+              <a:t>);</a:t>
+            </a:r>
+          </a:p>
+          <a:p>
+            <a:r>
+              <a:rPr lang="en-US" altLang="zh-CN" sz="4800" dirty="0"/>
+              <a:t>		</a:t>
+            </a:r>
+            <a:r>
+              <a:rPr lang="en-US" altLang="zh-CN" sz="4800" dirty="0" err="1"/>
+              <a:t>System.err.println</a:t>
+            </a:r>
+            <a:r>
+              <a:rPr lang="en-US" altLang="zh-CN" sz="4800" dirty="0"/>
+              <a:t>("</a:t>
+            </a:r>
+            <a:r>
+              <a:rPr lang="zh-CN" altLang="en-US" sz="4800" dirty="0"/>
+              <a:t>加密前</a:t>
+            </a:r>
+            <a:r>
+              <a:rPr lang="en-US" altLang="zh-CN" sz="4800" dirty="0"/>
+              <a:t>: " + </a:t>
+            </a:r>
+            <a:r>
+              <a:rPr lang="en-US" altLang="zh-CN" sz="4800" dirty="0" err="1"/>
+              <a:t>inputStr</a:t>
+            </a:r>
+            <a:r>
+              <a:rPr lang="en-US" altLang="zh-CN" sz="4800" dirty="0"/>
+              <a:t> + "\n\r" + "</a:t>
+            </a:r>
+            <a:r>
+              <a:rPr lang="zh-CN" altLang="en-US" sz="4800" dirty="0"/>
+              <a:t>解密后</a:t>
+            </a:r>
+            <a:r>
+              <a:rPr lang="en-US" altLang="zh-CN" sz="4800" dirty="0"/>
+              <a:t>: " + </a:t>
+            </a:r>
+            <a:r>
+              <a:rPr lang="en-US" altLang="zh-CN" sz="4800" dirty="0" err="1"/>
+              <a:t>outputStr</a:t>
+            </a:r>
+            <a:r>
+              <a:rPr lang="en-US" altLang="zh-CN" sz="4800" dirty="0"/>
+              <a:t>);</a:t>
+            </a:r>
+          </a:p>
+          <a:p>
+            <a:r>
+              <a:rPr lang="en-US" altLang="zh-CN" sz="4800" dirty="0"/>
+              <a:t>		</a:t>
+            </a:r>
+            <a:r>
+              <a:rPr lang="en-US" altLang="zh-CN" sz="4800" dirty="0" err="1"/>
+              <a:t>org.junit.Assert.assertEquals</a:t>
+            </a:r>
+            <a:r>
+              <a:rPr lang="en-US" altLang="zh-CN" sz="4800" dirty="0"/>
+              <a:t>(</a:t>
+            </a:r>
+            <a:r>
+              <a:rPr lang="en-US" altLang="zh-CN" sz="4800" dirty="0" err="1"/>
+              <a:t>inputStr</a:t>
+            </a:r>
+            <a:r>
+              <a:rPr lang="en-US" altLang="zh-CN" sz="4800" dirty="0"/>
+              <a:t>, </a:t>
+            </a:r>
+            <a:r>
+              <a:rPr lang="en-US" altLang="zh-CN" sz="4800" dirty="0" err="1"/>
+              <a:t>outputStr</a:t>
+            </a:r>
+            <a:r>
+              <a:rPr lang="en-US" altLang="zh-CN" sz="4800" dirty="0"/>
+              <a:t>);</a:t>
+            </a:r>
+            <a:endParaRPr lang="zh-CN" altLang="en-US" sz="4800" dirty="0"/>
+          </a:p>
+        </p:txBody>
+      </p:sp>
+      <p:sp>
+        <p:nvSpPr>
+          <p:cNvPr id="4" name="矩形 3"/>
+          <p:cNvSpPr/>
+          <p:nvPr/>
+        </p:nvSpPr>
+        <p:spPr>
+          <a:xfrm>
+            <a:off x="467544" y="1052736"/>
+            <a:ext cx="2257862" cy="369332"/>
+          </a:xfrm>
+          <a:prstGeom prst="rect">
+            <a:avLst/>
+          </a:prstGeom>
+        </p:spPr>
+        <p:txBody>
+          <a:bodyPr wrap="none">
+            <a:spAutoFit/>
+          </a:bodyPr>
+          <a:lstStyle/>
+          <a:p>
+            <a:r>
+              <a:rPr lang="en-US" altLang="zh-CN" dirty="0" err="1"/>
+              <a:t>ECCCoder</a:t>
+            </a:r>
+            <a:r>
+              <a:rPr lang="zh-CN" altLang="en-US" dirty="0"/>
+              <a:t>使用案例：</a:t>
+            </a:r>
+            <a:endParaRPr lang="en-US" altLang="zh-CN" dirty="0"/>
+          </a:p>
+        </p:txBody>
+      </p:sp>
+    </p:spTree>
+    <p:extLst>
+      <p:ext uri="{BB962C8B-B14F-4D97-AF65-F5344CB8AC3E}">
+        <p14:creationId xmlns:p14="http://schemas.microsoft.com/office/powerpoint/2010/main" val="1999547473"/>
+      </p:ext>
+    </p:extLst>
+  </p:cSld>
+  <p:clrMapOvr>
+    <a:masterClrMapping/>
+  </p:clrMapOvr>
+</p:sld>
+</file>
+
+<file path=ppt/slides/slide11.xml><?xml version="1.0" encoding="utf-8"?>
+<p:sld xmlns:a="http://schemas.openxmlformats.org/drawingml/2006/main" xmlns:r="http://schemas.openxmlformats.org/officeDocument/2006/relationships" xmlns:p="http://schemas.openxmlformats.org/presentationml/2006/main">
+  <p:cSld>
+    <p:spTree>
+      <p:nvGrpSpPr>
+        <p:cNvPr id="1" name=""/>
+        <p:cNvGrpSpPr/>
+        <p:nvPr/>
+      </p:nvGrpSpPr>
+      <p:grpSpPr>
+        <a:xfrm>
+          <a:off x="0" y="0"/>
+          <a:ext cx="0" cy="0"/>
+          <a:chOff x="0" y="0"/>
+          <a:chExt cx="0" cy="0"/>
+        </a:xfrm>
+      </p:grpSpPr>
+      <p:sp>
+        <p:nvSpPr>
+          <p:cNvPr id="2" name="标题 1"/>
+          <p:cNvSpPr>
+            <a:spLocks noGrp="1"/>
+          </p:cNvSpPr>
+          <p:nvPr>
+            <p:ph type="title"/>
+          </p:nvPr>
+        </p:nvSpPr>
+        <p:spPr/>
+        <p:txBody>
+          <a:bodyPr/>
+          <a:lstStyle/>
+          <a:p>
+            <a:r>
+              <a:rPr lang="zh-CN" altLang="en-US" dirty="0" smtClean="0"/>
+              <a:t>认证签名令牌单点登录机制</a:t>
+            </a:r>
+            <a:endParaRPr lang="zh-CN" altLang="en-US" dirty="0"/>
+          </a:p>
+        </p:txBody>
+      </p:sp>
+      <p:sp>
+        <p:nvSpPr>
+          <p:cNvPr id="6" name="矩形 5"/>
+          <p:cNvSpPr/>
+          <p:nvPr/>
+        </p:nvSpPr>
+        <p:spPr>
+          <a:xfrm>
+            <a:off x="2843808" y="2278612"/>
+            <a:ext cx="2016224" cy="2446532"/>
+          </a:xfrm>
+          <a:prstGeom prst="rect">
+            <a:avLst/>
+          </a:prstGeom>
+        </p:spPr>
+        <p:style>
+          <a:lnRef idx="1">
+            <a:schemeClr val="accent3"/>
+          </a:lnRef>
+          <a:fillRef idx="3">
+            <a:schemeClr val="accent3"/>
+          </a:fillRef>
+          <a:effectRef idx="2">
+            <a:schemeClr val="accent3"/>
+          </a:effectRef>
+          <a:fontRef idx="minor">
+            <a:schemeClr val="lt1"/>
+          </a:fontRef>
+        </p:style>
+        <p:txBody>
+          <a:bodyPr rtlCol="0" anchor="ctr"/>
+          <a:lstStyle/>
+          <a:p>
+            <a:pPr algn="ctr"/>
+            <a:endParaRPr lang="zh-CN" altLang="en-US" dirty="0"/>
+          </a:p>
+        </p:txBody>
+      </p:sp>
+      <p:sp>
+        <p:nvSpPr>
+          <p:cNvPr id="7" name="TextBox 6"/>
+          <p:cNvSpPr txBox="1"/>
+          <p:nvPr/>
+        </p:nvSpPr>
+        <p:spPr>
+          <a:xfrm>
+            <a:off x="323528" y="2278613"/>
+            <a:ext cx="1008112" cy="646331"/>
+          </a:xfrm>
+          <a:prstGeom prst="rect">
+            <a:avLst/>
+          </a:prstGeom>
+        </p:spPr>
+        <p:style>
+          <a:lnRef idx="1">
+            <a:schemeClr val="accent5"/>
+          </a:lnRef>
+          <a:fillRef idx="3">
+            <a:schemeClr val="accent5"/>
+          </a:fillRef>
+          <a:effectRef idx="2">
+            <a:schemeClr val="accent5"/>
+          </a:effectRef>
+          <a:fontRef idx="minor">
+            <a:schemeClr val="lt1"/>
+          </a:fontRef>
+        </p:style>
+        <p:txBody>
+          <a:bodyPr wrap="square" rtlCol="0">
+            <a:spAutoFit/>
+          </a:bodyPr>
+          <a:lstStyle/>
+          <a:p>
+            <a:r>
+              <a:rPr lang="zh-CN" altLang="en-US" dirty="0" smtClean="0"/>
+              <a:t>单点登录请求</a:t>
+            </a:r>
+            <a:endParaRPr lang="zh-CN" altLang="en-US" dirty="0"/>
+          </a:p>
+        </p:txBody>
+      </p:sp>
+      <p:cxnSp>
+        <p:nvCxnSpPr>
+          <p:cNvPr id="9" name="直接箭头连接符 8"/>
+          <p:cNvCxnSpPr>
+            <a:stCxn id="7" idx="3"/>
+            <a:endCxn id="6" idx="1"/>
+          </p:cNvCxnSpPr>
+          <p:nvPr/>
+        </p:nvCxnSpPr>
+        <p:spPr>
+          <a:xfrm>
+            <a:off x="1331640" y="2601779"/>
+            <a:ext cx="1512168" cy="900099"/>
+          </a:xfrm>
+          <a:prstGeom prst="straightConnector1">
+            <a:avLst/>
+          </a:prstGeom>
+          <a:ln>
+            <a:tailEnd type="arrow"/>
+          </a:ln>
+        </p:spPr>
+        <p:style>
+          <a:lnRef idx="2">
+            <a:schemeClr val="accent2"/>
+          </a:lnRef>
+          <a:fillRef idx="0">
+            <a:schemeClr val="accent2"/>
+          </a:fillRef>
+          <a:effectRef idx="1">
+            <a:schemeClr val="accent2"/>
+          </a:effectRef>
+          <a:fontRef idx="minor">
+            <a:schemeClr val="tx1"/>
+          </a:fontRef>
+        </p:style>
+      </p:cxnSp>
+      <p:sp>
+        <p:nvSpPr>
+          <p:cNvPr id="10" name="TextBox 9"/>
+          <p:cNvSpPr txBox="1"/>
+          <p:nvPr/>
+        </p:nvSpPr>
+        <p:spPr>
+          <a:xfrm>
+            <a:off x="1731022" y="1860491"/>
+            <a:ext cx="771943" cy="923330"/>
+          </a:xfrm>
+          <a:prstGeom prst="rect">
+            <a:avLst/>
+          </a:prstGeom>
+        </p:spPr>
+        <p:style>
+          <a:lnRef idx="1">
+            <a:schemeClr val="accent6"/>
+          </a:lnRef>
+          <a:fillRef idx="2">
+            <a:schemeClr val="accent6"/>
+          </a:fillRef>
+          <a:effectRef idx="1">
+            <a:schemeClr val="accent6"/>
+          </a:effectRef>
+          <a:fontRef idx="minor">
+            <a:schemeClr val="dk1"/>
+          </a:fontRef>
+        </p:style>
+        <p:txBody>
+          <a:bodyPr wrap="none" rtlCol="0">
+            <a:spAutoFit/>
+          </a:bodyPr>
+          <a:lstStyle/>
+          <a:p>
+            <a:r>
+              <a:rPr lang="en-US" altLang="zh-CN" dirty="0" err="1" smtClean="0"/>
+              <a:t>Appid</a:t>
+            </a:r>
+            <a:endParaRPr lang="en-US" altLang="zh-CN" dirty="0" smtClean="0"/>
+          </a:p>
+          <a:p>
+            <a:r>
+              <a:rPr lang="en-US" altLang="zh-CN" dirty="0" smtClean="0"/>
+              <a:t>Secret</a:t>
+            </a:r>
+          </a:p>
+          <a:p>
+            <a:r>
+              <a:rPr lang="en-US" altLang="zh-CN" dirty="0"/>
+              <a:t>Token</a:t>
+            </a:r>
+            <a:endParaRPr lang="zh-CN" altLang="en-US" dirty="0"/>
+          </a:p>
+        </p:txBody>
+      </p:sp>
+      <p:sp>
+        <p:nvSpPr>
+          <p:cNvPr id="12" name="矩形 11"/>
+          <p:cNvSpPr/>
+          <p:nvPr/>
+        </p:nvSpPr>
+        <p:spPr>
+          <a:xfrm>
+            <a:off x="3227810" y="4077072"/>
+            <a:ext cx="1193853" cy="369332"/>
+          </a:xfrm>
+          <a:prstGeom prst="rect">
+            <a:avLst/>
+          </a:prstGeom>
+        </p:spPr>
+        <p:style>
+          <a:lnRef idx="1">
+            <a:schemeClr val="accent4"/>
+          </a:lnRef>
+          <a:fillRef idx="3">
+            <a:schemeClr val="accent4"/>
+          </a:fillRef>
+          <a:effectRef idx="2">
+            <a:schemeClr val="accent4"/>
+          </a:effectRef>
+          <a:fontRef idx="minor">
+            <a:schemeClr val="lt1"/>
+          </a:fontRef>
+        </p:style>
+        <p:txBody>
+          <a:bodyPr wrap="none">
+            <a:spAutoFit/>
+          </a:bodyPr>
+          <a:lstStyle/>
+          <a:p>
+            <a:pPr algn="ctr"/>
+            <a:r>
+              <a:rPr lang="zh-CN" altLang="en-US" dirty="0"/>
+              <a:t>校验</a:t>
+            </a:r>
+            <a:r>
+              <a:rPr lang="en-US" altLang="zh-CN" dirty="0"/>
+              <a:t>Token</a:t>
+            </a:r>
+            <a:endParaRPr lang="zh-CN" altLang="en-US" dirty="0"/>
+          </a:p>
+        </p:txBody>
+      </p:sp>
+      <p:sp>
+        <p:nvSpPr>
+          <p:cNvPr id="13" name="矩形 12"/>
+          <p:cNvSpPr/>
+          <p:nvPr/>
+        </p:nvSpPr>
+        <p:spPr>
+          <a:xfrm>
+            <a:off x="3109569" y="2430067"/>
+            <a:ext cx="1484702" cy="369332"/>
+          </a:xfrm>
+          <a:prstGeom prst="rect">
+            <a:avLst/>
+          </a:prstGeom>
+        </p:spPr>
+        <p:style>
+          <a:lnRef idx="1">
+            <a:schemeClr val="accent4"/>
+          </a:lnRef>
+          <a:fillRef idx="3">
+            <a:schemeClr val="accent4"/>
+          </a:fillRef>
+          <a:effectRef idx="2">
+            <a:schemeClr val="accent4"/>
+          </a:effectRef>
+          <a:fontRef idx="minor">
+            <a:schemeClr val="lt1"/>
+          </a:fontRef>
+        </p:style>
+        <p:txBody>
+          <a:bodyPr wrap="none">
+            <a:spAutoFit/>
+          </a:bodyPr>
+          <a:lstStyle/>
+          <a:p>
+            <a:pPr algn="ctr"/>
+            <a:r>
+              <a:rPr lang="zh-CN" altLang="en-US" dirty="0" smtClean="0"/>
+              <a:t>获取</a:t>
+            </a:r>
+            <a:r>
+              <a:rPr lang="en-US" altLang="zh-CN" dirty="0" smtClean="0"/>
+              <a:t>App</a:t>
+            </a:r>
+            <a:r>
+              <a:rPr lang="zh-CN" altLang="en-US" dirty="0" smtClean="0"/>
+              <a:t>私钥</a:t>
+            </a:r>
+            <a:endParaRPr lang="zh-CN" altLang="en-US" dirty="0"/>
+          </a:p>
+        </p:txBody>
+      </p:sp>
+      <p:sp>
+        <p:nvSpPr>
+          <p:cNvPr id="18" name="矩形 17"/>
+          <p:cNvSpPr/>
+          <p:nvPr/>
+        </p:nvSpPr>
+        <p:spPr>
+          <a:xfrm>
+            <a:off x="2843808" y="1785026"/>
+            <a:ext cx="2016224" cy="507832"/>
+          </a:xfrm>
+          <a:prstGeom prst="rect">
+            <a:avLst/>
+          </a:prstGeom>
+        </p:spPr>
+        <p:style>
+          <a:lnRef idx="1">
+            <a:schemeClr val="accent3"/>
+          </a:lnRef>
+          <a:fillRef idx="3">
+            <a:schemeClr val="accent3"/>
+          </a:fillRef>
+          <a:effectRef idx="2">
+            <a:schemeClr val="accent3"/>
+          </a:effectRef>
+          <a:fontRef idx="minor">
+            <a:schemeClr val="lt1"/>
+          </a:fontRef>
+        </p:style>
+        <p:txBody>
+          <a:bodyPr rtlCol="0" anchor="ctr"/>
+          <a:lstStyle/>
+          <a:p>
+            <a:pPr algn="ctr"/>
+            <a:r>
+              <a:rPr lang="en-US" altLang="zh-CN" dirty="0" smtClean="0"/>
+              <a:t>SSO</a:t>
+            </a:r>
+            <a:r>
+              <a:rPr lang="zh-CN" altLang="en-US" dirty="0" smtClean="0"/>
+              <a:t>拦截器</a:t>
+            </a:r>
+            <a:endParaRPr lang="zh-CN" altLang="en-US" dirty="0"/>
+          </a:p>
+        </p:txBody>
+      </p:sp>
+      <p:sp>
+        <p:nvSpPr>
+          <p:cNvPr id="20" name="矩形 19"/>
+          <p:cNvSpPr/>
+          <p:nvPr/>
+        </p:nvSpPr>
+        <p:spPr>
+          <a:xfrm>
+            <a:off x="5940152" y="2347862"/>
+            <a:ext cx="2016224" cy="507832"/>
+          </a:xfrm>
+          <a:prstGeom prst="rect">
+            <a:avLst/>
+          </a:prstGeom>
+        </p:spPr>
+        <p:style>
+          <a:lnRef idx="1">
+            <a:schemeClr val="accent3"/>
+          </a:lnRef>
+          <a:fillRef idx="3">
+            <a:schemeClr val="accent3"/>
+          </a:fillRef>
+          <a:effectRef idx="2">
+            <a:schemeClr val="accent3"/>
+          </a:effectRef>
+          <a:fontRef idx="minor">
+            <a:schemeClr val="lt1"/>
+          </a:fontRef>
+        </p:style>
+        <p:txBody>
+          <a:bodyPr rtlCol="0" anchor="ctr"/>
+          <a:lstStyle/>
+          <a:p>
+            <a:pPr algn="ctr"/>
+            <a:r>
+              <a:rPr lang="en-US" altLang="zh-CN" dirty="0" err="1" smtClean="0"/>
+              <a:t>TokeStore</a:t>
+            </a:r>
+            <a:endParaRPr lang="en-US" altLang="zh-CN" dirty="0" smtClean="0"/>
+          </a:p>
+          <a:p>
+            <a:pPr algn="ctr"/>
+            <a:r>
+              <a:rPr lang="zh-CN" altLang="en-US" dirty="0" smtClean="0"/>
+              <a:t>查询私钥服务</a:t>
+            </a:r>
+            <a:endParaRPr lang="zh-CN" altLang="en-US" dirty="0"/>
+          </a:p>
+        </p:txBody>
+      </p:sp>
+      <p:cxnSp>
+        <p:nvCxnSpPr>
+          <p:cNvPr id="23" name="直接箭头连接符 22"/>
+          <p:cNvCxnSpPr>
+            <a:stCxn id="13" idx="3"/>
+            <a:endCxn id="20" idx="1"/>
+          </p:cNvCxnSpPr>
+          <p:nvPr/>
+        </p:nvCxnSpPr>
+        <p:spPr>
+          <a:xfrm flipV="1">
+            <a:off x="4594271" y="2601778"/>
+            <a:ext cx="1345881" cy="12955"/>
+          </a:xfrm>
+          <a:prstGeom prst="straightConnector1">
+            <a:avLst/>
+          </a:prstGeom>
+          <a:ln>
+            <a:tailEnd type="arrow"/>
+          </a:ln>
+        </p:spPr>
+        <p:style>
+          <a:lnRef idx="2">
+            <a:schemeClr val="accent2"/>
+          </a:lnRef>
+          <a:fillRef idx="0">
+            <a:schemeClr val="accent2"/>
+          </a:fillRef>
+          <a:effectRef idx="1">
+            <a:schemeClr val="accent2"/>
+          </a:effectRef>
+          <a:fontRef idx="minor">
+            <a:schemeClr val="tx1"/>
+          </a:fontRef>
+        </p:style>
+      </p:cxnSp>
+      <p:sp>
+        <p:nvSpPr>
+          <p:cNvPr id="28" name="TextBox 27"/>
+          <p:cNvSpPr txBox="1"/>
+          <p:nvPr/>
+        </p:nvSpPr>
+        <p:spPr>
+          <a:xfrm>
+            <a:off x="4952184" y="1888850"/>
+            <a:ext cx="771943" cy="646331"/>
+          </a:xfrm>
+          <a:prstGeom prst="rect">
+            <a:avLst/>
+          </a:prstGeom>
+        </p:spPr>
+        <p:style>
+          <a:lnRef idx="1">
+            <a:schemeClr val="accent6"/>
+          </a:lnRef>
+          <a:fillRef idx="2">
+            <a:schemeClr val="accent6"/>
+          </a:fillRef>
+          <a:effectRef idx="1">
+            <a:schemeClr val="accent6"/>
+          </a:effectRef>
+          <a:fontRef idx="minor">
+            <a:schemeClr val="dk1"/>
+          </a:fontRef>
+        </p:style>
+        <p:txBody>
+          <a:bodyPr wrap="none" rtlCol="0">
+            <a:spAutoFit/>
+          </a:bodyPr>
+          <a:lstStyle/>
+          <a:p>
+            <a:r>
+              <a:rPr lang="en-US" altLang="zh-CN" dirty="0" err="1" smtClean="0"/>
+              <a:t>Appid</a:t>
+            </a:r>
+            <a:endParaRPr lang="en-US" altLang="zh-CN" dirty="0" smtClean="0"/>
+          </a:p>
+          <a:p>
+            <a:r>
+              <a:rPr lang="en-US" altLang="zh-CN" dirty="0" smtClean="0"/>
+              <a:t>Secret</a:t>
+            </a:r>
+            <a:endParaRPr lang="zh-CN" altLang="en-US" dirty="0"/>
+          </a:p>
+        </p:txBody>
+      </p:sp>
+      <p:sp>
+        <p:nvSpPr>
+          <p:cNvPr id="31" name="矩形 30"/>
+          <p:cNvSpPr/>
+          <p:nvPr/>
+        </p:nvSpPr>
+        <p:spPr>
+          <a:xfrm>
+            <a:off x="3109569" y="2865239"/>
+            <a:ext cx="1484702" cy="507832"/>
+          </a:xfrm>
+          <a:prstGeom prst="rect">
+            <a:avLst/>
+          </a:prstGeom>
+        </p:spPr>
+        <p:style>
+          <a:lnRef idx="1">
+            <a:schemeClr val="accent4"/>
+          </a:lnRef>
+          <a:fillRef idx="3">
+            <a:schemeClr val="accent4"/>
+          </a:fillRef>
+          <a:effectRef idx="2">
+            <a:schemeClr val="accent4"/>
+          </a:effectRef>
+          <a:fontRef idx="minor">
+            <a:schemeClr val="lt1"/>
+          </a:fontRef>
+        </p:style>
+        <p:txBody>
+          <a:bodyPr rtlCol="0" anchor="ctr"/>
+          <a:lstStyle/>
+          <a:p>
+            <a:pPr algn="ctr"/>
+            <a:r>
+              <a:rPr lang="zh-CN" altLang="en-US" dirty="0" smtClean="0"/>
+              <a:t>解码</a:t>
+            </a:r>
+            <a:r>
+              <a:rPr lang="en-US" altLang="zh-CN" dirty="0" smtClean="0"/>
+              <a:t>Token</a:t>
+            </a:r>
+            <a:endParaRPr lang="zh-CN" altLang="en-US" dirty="0"/>
+          </a:p>
+        </p:txBody>
+      </p:sp>
+      <p:sp>
+        <p:nvSpPr>
+          <p:cNvPr id="32" name="矩形 31"/>
+          <p:cNvSpPr/>
+          <p:nvPr/>
+        </p:nvSpPr>
+        <p:spPr>
+          <a:xfrm>
+            <a:off x="3109568" y="3488282"/>
+            <a:ext cx="1450505" cy="507832"/>
+          </a:xfrm>
+          <a:prstGeom prst="rect">
+            <a:avLst/>
+          </a:prstGeom>
+        </p:spPr>
+        <p:style>
+          <a:lnRef idx="1">
+            <a:schemeClr val="accent4"/>
+          </a:lnRef>
+          <a:fillRef idx="3">
+            <a:schemeClr val="accent4"/>
+          </a:fillRef>
+          <a:effectRef idx="2">
+            <a:schemeClr val="accent4"/>
+          </a:effectRef>
+          <a:fontRef idx="minor">
+            <a:schemeClr val="lt1"/>
+          </a:fontRef>
+        </p:style>
+        <p:txBody>
+          <a:bodyPr rtlCol="0" anchor="ctr"/>
+          <a:lstStyle/>
+          <a:p>
+            <a:pPr algn="ctr"/>
+            <a:r>
+              <a:rPr lang="zh-CN" altLang="en-US" dirty="0" smtClean="0"/>
+              <a:t>解码</a:t>
+            </a:r>
+            <a:r>
+              <a:rPr lang="en-US" altLang="zh-CN" dirty="0" smtClean="0"/>
+              <a:t>Token</a:t>
+            </a:r>
+            <a:endParaRPr lang="zh-CN" altLang="en-US" dirty="0"/>
+          </a:p>
+        </p:txBody>
+      </p:sp>
+    </p:spTree>
+    <p:extLst>
+      <p:ext uri="{BB962C8B-B14F-4D97-AF65-F5344CB8AC3E}">
+        <p14:creationId xmlns:p14="http://schemas.microsoft.com/office/powerpoint/2010/main" val="2610053250"/>
+      </p:ext>
+    </p:extLst>
+  </p:cSld>
+  <p:clrMapOvr>
+    <a:masterClrMapping/>
+  </p:clrMapOvr>
+</p:sld>
+</file>
+
 <file path=ppt/slides/slide2.xml><?xml version="1.0" encoding="utf-8"?>
 <p:sld xmlns:a="http://schemas.openxmlformats.org/drawingml/2006/main" xmlns:r="http://schemas.openxmlformats.org/officeDocument/2006/relationships" xmlns:p="http://schemas.openxmlformats.org/presentationml/2006/main">
   <p:cSld>
@@ -4939,6 +6224,1731 @@
     <p:extLst>
       <p:ext uri="{BB962C8B-B14F-4D97-AF65-F5344CB8AC3E}">
         <p14:creationId xmlns:p14="http://schemas.microsoft.com/office/powerpoint/2010/main" val="1407131166"/>
+      </p:ext>
+    </p:extLst>
+  </p:cSld>
+  <p:clrMapOvr>
+    <a:masterClrMapping/>
+  </p:clrMapOvr>
+</p:sld>
+</file>
+
+<file path=ppt/slides/slide3.xml><?xml version="1.0" encoding="utf-8"?>
+<p:sld xmlns:a="http://schemas.openxmlformats.org/drawingml/2006/main" xmlns:r="http://schemas.openxmlformats.org/officeDocument/2006/relationships" xmlns:p="http://schemas.openxmlformats.org/presentationml/2006/main">
+  <p:cSld>
+    <p:spTree>
+      <p:nvGrpSpPr>
+        <p:cNvPr id="1" name=""/>
+        <p:cNvGrpSpPr/>
+        <p:nvPr/>
+      </p:nvGrpSpPr>
+      <p:grpSpPr>
+        <a:xfrm>
+          <a:off x="0" y="0"/>
+          <a:ext cx="0" cy="0"/>
+          <a:chOff x="0" y="0"/>
+          <a:chExt cx="0" cy="0"/>
+        </a:xfrm>
+      </p:grpSpPr>
+      <p:sp>
+        <p:nvSpPr>
+          <p:cNvPr id="2" name="标题 1"/>
+          <p:cNvSpPr>
+            <a:spLocks noGrp="1"/>
+          </p:cNvSpPr>
+          <p:nvPr>
+            <p:ph type="title"/>
+          </p:nvPr>
+        </p:nvSpPr>
+        <p:spPr/>
+        <p:txBody>
+          <a:bodyPr/>
+          <a:lstStyle/>
+          <a:p>
+            <a:r>
+              <a:rPr lang="zh-CN" altLang="en-US" dirty="0" smtClean="0"/>
+              <a:t>令牌组件接口方法说明</a:t>
+            </a:r>
+            <a:endParaRPr lang="zh-CN" altLang="en-US" dirty="0"/>
+          </a:p>
+        </p:txBody>
+      </p:sp>
+      <p:sp>
+        <p:nvSpPr>
+          <p:cNvPr id="3" name="内容占位符 2"/>
+          <p:cNvSpPr>
+            <a:spLocks noGrp="1"/>
+          </p:cNvSpPr>
+          <p:nvPr>
+            <p:ph idx="1"/>
+          </p:nvPr>
+        </p:nvSpPr>
+        <p:spPr/>
+        <p:txBody>
+          <a:bodyPr>
+            <a:normAutofit fontScale="40000" lnSpcReduction="20000"/>
+          </a:bodyPr>
+          <a:lstStyle/>
+          <a:p>
+            <a:pPr marL="0" indent="0">
+              <a:buNone/>
+            </a:pPr>
+            <a:r>
+              <a:rPr lang="zh-CN" altLang="en-US" dirty="0" smtClean="0"/>
+              <a:t>组件接口：</a:t>
+            </a:r>
+            <a:r>
+              <a:rPr lang="en-US" altLang="zh-CN" dirty="0" err="1" smtClean="0"/>
+              <a:t>com.sany.common.action</a:t>
+            </a:r>
+            <a:r>
+              <a:rPr lang="en-US" altLang="zh-CN" dirty="0"/>
+              <a:t>. </a:t>
+            </a:r>
+            <a:r>
+              <a:rPr lang="en-US" altLang="zh-CN" dirty="0" err="1" smtClean="0"/>
+              <a:t>TokenService</a:t>
+            </a:r>
+            <a:endParaRPr lang="en-US" altLang="zh-CN" dirty="0" smtClean="0"/>
+          </a:p>
+          <a:p>
+            <a:pPr marL="0" indent="0">
+              <a:buNone/>
+            </a:pPr>
+            <a:r>
+              <a:rPr lang="zh-CN" altLang="en-US" dirty="0" smtClean="0"/>
+              <a:t>组件支持调用模式：</a:t>
+            </a:r>
+            <a:r>
+              <a:rPr lang="en-US" altLang="zh-CN" dirty="0" smtClean="0"/>
+              <a:t>hessian</a:t>
+            </a:r>
+            <a:r>
+              <a:rPr lang="zh-CN" altLang="en-US" dirty="0" smtClean="0"/>
+              <a:t>模式，</a:t>
+            </a:r>
+            <a:r>
+              <a:rPr lang="en-US" altLang="zh-CN" dirty="0" err="1" smtClean="0"/>
+              <a:t>webservice</a:t>
+            </a:r>
+            <a:r>
+              <a:rPr lang="zh-CN" altLang="en-US" dirty="0" smtClean="0"/>
+              <a:t>服务模式，</a:t>
+            </a:r>
+            <a:r>
+              <a:rPr lang="en-US" altLang="zh-CN" dirty="0" smtClean="0"/>
+              <a:t>http</a:t>
+            </a:r>
+            <a:r>
+              <a:rPr lang="zh-CN" altLang="en-US" dirty="0" smtClean="0"/>
+              <a:t>服务模式（后续章节详细介绍）</a:t>
+            </a:r>
+            <a:endParaRPr lang="en-US" altLang="zh-CN" dirty="0"/>
+          </a:p>
+          <a:p>
+            <a:r>
+              <a:rPr lang="zh-CN" altLang="en-US" dirty="0" smtClean="0"/>
+              <a:t>令牌组件提供了以下接口方法：</a:t>
+            </a:r>
+            <a:endParaRPr lang="en-US" altLang="zh-CN" dirty="0" smtClean="0"/>
+          </a:p>
+          <a:p>
+            <a:r>
+              <a:rPr lang="zh-CN" altLang="en-US" dirty="0" smtClean="0"/>
+              <a:t>获取带认证的临时一次性令牌</a:t>
+            </a:r>
+            <a:r>
+              <a:rPr lang="en-US" altLang="zh-CN" dirty="0"/>
+              <a:t>-</a:t>
+            </a:r>
+            <a:r>
+              <a:rPr lang="zh-CN" altLang="en-US" dirty="0"/>
+              <a:t>返回的</a:t>
+            </a:r>
+            <a:r>
+              <a:rPr lang="en-US" altLang="zh-CN" dirty="0"/>
+              <a:t>token</a:t>
+            </a:r>
+            <a:r>
+              <a:rPr lang="zh-CN" altLang="en-US" dirty="0"/>
+              <a:t>包含令牌和用户账号信息</a:t>
+            </a:r>
+            <a:endParaRPr lang="en-US" altLang="zh-CN" dirty="0" smtClean="0"/>
+          </a:p>
+          <a:p>
+            <a:r>
+              <a:rPr lang="en-US" altLang="zh-CN" dirty="0" smtClean="0"/>
+              <a:t>public String </a:t>
+            </a:r>
+            <a:r>
+              <a:rPr lang="en-US" altLang="zh-CN" dirty="0" err="1"/>
+              <a:t>genAuthTempToken</a:t>
+            </a:r>
+            <a:r>
+              <a:rPr lang="en-US" altLang="zh-CN" dirty="0"/>
+              <a:t>(</a:t>
+            </a:r>
+          </a:p>
+          <a:p>
+            <a:r>
+              <a:rPr lang="en-US" altLang="zh-CN" dirty="0"/>
+              <a:t>			</a:t>
+            </a:r>
+            <a:r>
+              <a:rPr lang="en-US" altLang="zh-CN" dirty="0" smtClean="0"/>
+              <a:t>String </a:t>
+            </a:r>
+            <a:r>
+              <a:rPr lang="en-US" altLang="zh-CN" dirty="0" err="1"/>
+              <a:t>appid</a:t>
+            </a:r>
+            <a:r>
+              <a:rPr lang="en-US" altLang="zh-CN" dirty="0" smtClean="0"/>
+              <a:t>,//</a:t>
+            </a:r>
+            <a:r>
+              <a:rPr lang="zh-CN" altLang="en-US" dirty="0" smtClean="0"/>
+              <a:t>应用标识</a:t>
+            </a:r>
+            <a:endParaRPr lang="en-US" altLang="zh-CN" dirty="0"/>
+          </a:p>
+          <a:p>
+            <a:r>
+              <a:rPr lang="en-US" altLang="zh-CN" dirty="0"/>
+              <a:t>			</a:t>
+            </a:r>
+            <a:r>
+              <a:rPr lang="en-US" altLang="zh-CN" dirty="0" smtClean="0"/>
+              <a:t>String </a:t>
+            </a:r>
+            <a:r>
+              <a:rPr lang="en-US" altLang="zh-CN" dirty="0"/>
+              <a:t>secret</a:t>
+            </a:r>
+            <a:r>
+              <a:rPr lang="en-US" altLang="zh-CN" dirty="0" smtClean="0"/>
+              <a:t>,//</a:t>
+            </a:r>
+            <a:r>
+              <a:rPr lang="zh-CN" altLang="en-US" dirty="0" smtClean="0"/>
+              <a:t>应用口令</a:t>
+            </a:r>
+            <a:endParaRPr lang="en-US" altLang="zh-CN" dirty="0"/>
+          </a:p>
+          <a:p>
+            <a:r>
+              <a:rPr lang="en-US" altLang="zh-CN" dirty="0"/>
+              <a:t>			</a:t>
+            </a:r>
+            <a:r>
+              <a:rPr lang="en-US" altLang="zh-CN" dirty="0" smtClean="0"/>
+              <a:t>String </a:t>
+            </a:r>
+            <a:r>
+              <a:rPr lang="en-US" altLang="zh-CN" dirty="0"/>
+              <a:t>account</a:t>
+            </a:r>
+            <a:r>
+              <a:rPr lang="en-US" altLang="zh-CN" dirty="0" smtClean="0"/>
+              <a:t>) //</a:t>
+            </a:r>
+            <a:r>
+              <a:rPr lang="zh-CN" altLang="en-US" dirty="0" smtClean="0"/>
+              <a:t>用户账号</a:t>
+            </a:r>
+            <a:r>
+              <a:rPr lang="en-US" altLang="zh-CN" dirty="0" smtClean="0"/>
+              <a:t>-</a:t>
+            </a:r>
+            <a:r>
+              <a:rPr lang="zh-CN" altLang="en-US" dirty="0" smtClean="0"/>
+              <a:t>用于单点登录</a:t>
+            </a:r>
+            <a:endParaRPr lang="en-US" altLang="zh-CN" dirty="0"/>
+          </a:p>
+          <a:p>
+            <a:r>
+              <a:rPr lang="en-US" altLang="zh-CN" dirty="0"/>
+              <a:t>			throws Exception;</a:t>
+            </a:r>
+          </a:p>
+          <a:p>
+            <a:r>
+              <a:rPr lang="zh-CN" altLang="en-US" dirty="0" smtClean="0"/>
+              <a:t>获取带认证的有效期令牌</a:t>
+            </a:r>
+            <a:r>
+              <a:rPr lang="en-US" altLang="zh-CN" dirty="0" smtClean="0"/>
+              <a:t>-</a:t>
+            </a:r>
+            <a:r>
+              <a:rPr lang="zh-CN" altLang="en-US" dirty="0" smtClean="0"/>
+              <a:t>返回的</a:t>
+            </a:r>
+            <a:r>
+              <a:rPr lang="en-US" altLang="zh-CN" dirty="0" smtClean="0"/>
+              <a:t>token</a:t>
+            </a:r>
+            <a:r>
+              <a:rPr lang="zh-CN" altLang="en-US" dirty="0" smtClean="0"/>
+              <a:t>包含令牌和用户账号信息</a:t>
+            </a:r>
+            <a:endParaRPr lang="en-US" altLang="zh-CN" dirty="0"/>
+          </a:p>
+          <a:p>
+            <a:r>
+              <a:rPr lang="en-US" altLang="zh-CN" dirty="0" smtClean="0"/>
+              <a:t>public  String </a:t>
+            </a:r>
+            <a:r>
+              <a:rPr lang="en-US" altLang="zh-CN" dirty="0" err="1"/>
+              <a:t>genDualToken</a:t>
+            </a:r>
+            <a:r>
+              <a:rPr lang="en-US" altLang="zh-CN" dirty="0"/>
+              <a:t>(</a:t>
+            </a:r>
+          </a:p>
+          <a:p>
+            <a:r>
+              <a:rPr lang="en-US" altLang="zh-CN" dirty="0"/>
+              <a:t>			</a:t>
+            </a:r>
+            <a:r>
+              <a:rPr lang="en-US" altLang="zh-CN" dirty="0" smtClean="0"/>
+              <a:t>String </a:t>
+            </a:r>
+            <a:r>
+              <a:rPr lang="en-US" altLang="zh-CN" dirty="0" err="1"/>
+              <a:t>appid</a:t>
+            </a:r>
+            <a:r>
+              <a:rPr lang="en-US" altLang="zh-CN" dirty="0" smtClean="0"/>
+              <a:t>,</a:t>
+            </a:r>
+            <a:r>
+              <a:rPr lang="en-US" altLang="zh-CN" dirty="0"/>
+              <a:t> </a:t>
+            </a:r>
+            <a:r>
+              <a:rPr lang="en-US" altLang="zh-CN" dirty="0" smtClean="0"/>
+              <a:t>//</a:t>
+            </a:r>
+            <a:r>
+              <a:rPr lang="zh-CN" altLang="en-US" dirty="0"/>
+              <a:t>应用</a:t>
+            </a:r>
+            <a:r>
+              <a:rPr lang="zh-CN" altLang="en-US" dirty="0" smtClean="0"/>
+              <a:t>标识</a:t>
+            </a:r>
+            <a:endParaRPr lang="en-US" altLang="zh-CN" dirty="0"/>
+          </a:p>
+          <a:p>
+            <a:r>
+              <a:rPr lang="en-US" altLang="zh-CN" dirty="0"/>
+              <a:t>			</a:t>
+            </a:r>
+            <a:r>
+              <a:rPr lang="en-US" altLang="zh-CN" dirty="0" smtClean="0"/>
+              <a:t>String </a:t>
+            </a:r>
+            <a:r>
+              <a:rPr lang="en-US" altLang="zh-CN" dirty="0"/>
+              <a:t>secret</a:t>
+            </a:r>
+            <a:r>
+              <a:rPr lang="en-US" altLang="zh-CN" dirty="0" smtClean="0"/>
+              <a:t>,</a:t>
+            </a:r>
+            <a:r>
+              <a:rPr lang="en-US" altLang="zh-CN" dirty="0"/>
+              <a:t> </a:t>
+            </a:r>
+            <a:r>
+              <a:rPr lang="en-US" altLang="zh-CN" dirty="0" smtClean="0"/>
+              <a:t>//</a:t>
+            </a:r>
+            <a:r>
+              <a:rPr lang="zh-CN" altLang="en-US" dirty="0"/>
+              <a:t>应用口令</a:t>
+            </a:r>
+            <a:endParaRPr lang="en-US" altLang="zh-CN" dirty="0"/>
+          </a:p>
+          <a:p>
+            <a:r>
+              <a:rPr lang="en-US" altLang="zh-CN" dirty="0"/>
+              <a:t>			</a:t>
+            </a:r>
+            <a:r>
+              <a:rPr lang="en-US" altLang="zh-CN" dirty="0" smtClean="0"/>
+              <a:t>String </a:t>
+            </a:r>
+            <a:r>
+              <a:rPr lang="en-US" altLang="zh-CN" dirty="0"/>
+              <a:t>account</a:t>
+            </a:r>
+            <a:r>
+              <a:rPr lang="en-US" altLang="zh-CN" dirty="0" smtClean="0"/>
+              <a:t>)</a:t>
+            </a:r>
+            <a:r>
+              <a:rPr lang="en-US" altLang="zh-CN" dirty="0"/>
+              <a:t> //</a:t>
+            </a:r>
+            <a:r>
+              <a:rPr lang="zh-CN" altLang="en-US" dirty="0"/>
+              <a:t>用户账号</a:t>
+            </a:r>
+            <a:r>
+              <a:rPr lang="en-US" altLang="zh-CN" dirty="0"/>
+              <a:t>-</a:t>
+            </a:r>
+            <a:r>
+              <a:rPr lang="zh-CN" altLang="en-US" dirty="0"/>
+              <a:t>用于单点登录</a:t>
+            </a:r>
+            <a:endParaRPr lang="en-US" altLang="zh-CN" dirty="0"/>
+          </a:p>
+          <a:p>
+            <a:r>
+              <a:rPr lang="en-US" altLang="zh-CN" dirty="0"/>
+              <a:t>			throws Exception;</a:t>
+            </a:r>
+          </a:p>
+          <a:p>
+            <a:r>
+              <a:rPr lang="zh-CN" altLang="en-US" dirty="0" smtClean="0"/>
+              <a:t>获取给应用颁发的公钥</a:t>
+            </a:r>
+            <a:endParaRPr lang="en-US" altLang="zh-CN" dirty="0"/>
+          </a:p>
+          <a:p>
+            <a:r>
+              <a:rPr lang="en-US" altLang="zh-CN" dirty="0" smtClean="0"/>
+              <a:t>public  String </a:t>
+            </a:r>
+            <a:r>
+              <a:rPr lang="en-US" altLang="zh-CN" dirty="0" err="1"/>
+              <a:t>getPublicKey</a:t>
+            </a:r>
+            <a:r>
+              <a:rPr lang="en-US" altLang="zh-CN" dirty="0"/>
+              <a:t>(</a:t>
+            </a:r>
+          </a:p>
+          <a:p>
+            <a:r>
+              <a:rPr lang="en-US" altLang="zh-CN" dirty="0"/>
+              <a:t>			</a:t>
+            </a:r>
+            <a:r>
+              <a:rPr lang="en-US" altLang="zh-CN" dirty="0" smtClean="0"/>
+              <a:t>String </a:t>
+            </a:r>
+            <a:r>
+              <a:rPr lang="en-US" altLang="zh-CN" dirty="0" err="1"/>
+              <a:t>appid</a:t>
+            </a:r>
+            <a:r>
+              <a:rPr lang="en-US" altLang="zh-CN" dirty="0" smtClean="0"/>
+              <a:t>,</a:t>
+            </a:r>
+            <a:r>
+              <a:rPr lang="en-US" altLang="zh-CN" dirty="0"/>
+              <a:t> //</a:t>
+            </a:r>
+            <a:r>
+              <a:rPr lang="zh-CN" altLang="en-US" dirty="0"/>
+              <a:t>应用标识</a:t>
+            </a:r>
+            <a:endParaRPr lang="en-US" altLang="zh-CN" dirty="0"/>
+          </a:p>
+          <a:p>
+            <a:r>
+              <a:rPr lang="en-US" altLang="zh-CN" dirty="0"/>
+              <a:t>			</a:t>
+            </a:r>
+            <a:r>
+              <a:rPr lang="en-US" altLang="zh-CN" dirty="0" smtClean="0"/>
+              <a:t>String </a:t>
+            </a:r>
+            <a:r>
+              <a:rPr lang="en-US" altLang="zh-CN" dirty="0"/>
+              <a:t>secret</a:t>
+            </a:r>
+            <a:r>
+              <a:rPr lang="en-US" altLang="zh-CN" dirty="0" smtClean="0"/>
+              <a:t>)</a:t>
+            </a:r>
+            <a:r>
+              <a:rPr lang="en-US" altLang="zh-CN" dirty="0"/>
+              <a:t> //</a:t>
+            </a:r>
+            <a:r>
+              <a:rPr lang="zh-CN" altLang="en-US" dirty="0"/>
+              <a:t>应用口令</a:t>
+            </a:r>
+            <a:endParaRPr lang="en-US" altLang="zh-CN" dirty="0"/>
+          </a:p>
+          <a:p>
+            <a:r>
+              <a:rPr lang="en-US" altLang="zh-CN" dirty="0"/>
+              <a:t>			throws Exception</a:t>
+            </a:r>
+            <a:r>
+              <a:rPr lang="en-US" altLang="zh-CN" dirty="0" smtClean="0"/>
+              <a:t>;</a:t>
+            </a:r>
+          </a:p>
+          <a:p>
+            <a:r>
+              <a:rPr lang="zh-CN" altLang="en-US" dirty="0" smtClean="0"/>
+              <a:t>获取一次性的临时令牌</a:t>
+            </a:r>
+            <a:endParaRPr lang="en-US" altLang="zh-CN" dirty="0"/>
+          </a:p>
+          <a:p>
+            <a:r>
+              <a:rPr lang="en-US" altLang="zh-CN" dirty="0" smtClean="0"/>
+              <a:t>public String </a:t>
+            </a:r>
+            <a:r>
+              <a:rPr lang="en-US" altLang="zh-CN" dirty="0" err="1"/>
+              <a:t>genTempToken</a:t>
+            </a:r>
+            <a:r>
+              <a:rPr lang="en-US" altLang="zh-CN" dirty="0"/>
+              <a:t>() throws Exception;</a:t>
+            </a:r>
+            <a:endParaRPr lang="en-US" altLang="zh-CN" dirty="0" smtClean="0"/>
+          </a:p>
+          <a:p>
+            <a:pPr marL="0" indent="0">
+              <a:buNone/>
+            </a:pPr>
+            <a:endParaRPr lang="zh-CN" altLang="en-US" dirty="0"/>
+          </a:p>
+        </p:txBody>
+      </p:sp>
+    </p:spTree>
+    <p:extLst>
+      <p:ext uri="{BB962C8B-B14F-4D97-AF65-F5344CB8AC3E}">
+        <p14:creationId xmlns:p14="http://schemas.microsoft.com/office/powerpoint/2010/main" val="1693685630"/>
+      </p:ext>
+    </p:extLst>
+  </p:cSld>
+  <p:clrMapOvr>
+    <a:masterClrMapping/>
+  </p:clrMapOvr>
+</p:sld>
+</file>
+
+<file path=ppt/slides/slide4.xml><?xml version="1.0" encoding="utf-8"?>
+<p:sld xmlns:a="http://schemas.openxmlformats.org/drawingml/2006/main" xmlns:r="http://schemas.openxmlformats.org/officeDocument/2006/relationships" xmlns:p="http://schemas.openxmlformats.org/presentationml/2006/main">
+  <p:cSld>
+    <p:spTree>
+      <p:nvGrpSpPr>
+        <p:cNvPr id="1" name=""/>
+        <p:cNvGrpSpPr/>
+        <p:nvPr/>
+      </p:nvGrpSpPr>
+      <p:grpSpPr>
+        <a:xfrm>
+          <a:off x="0" y="0"/>
+          <a:ext cx="0" cy="0"/>
+          <a:chOff x="0" y="0"/>
+          <a:chExt cx="0" cy="0"/>
+        </a:xfrm>
+      </p:grpSpPr>
+      <p:sp>
+        <p:nvSpPr>
+          <p:cNvPr id="2" name="标题 1"/>
+          <p:cNvSpPr>
+            <a:spLocks noGrp="1"/>
+          </p:cNvSpPr>
+          <p:nvPr>
+            <p:ph type="title"/>
+          </p:nvPr>
+        </p:nvSpPr>
+        <p:spPr/>
+        <p:txBody>
+          <a:bodyPr/>
+          <a:lstStyle/>
+          <a:p>
+            <a:r>
+              <a:rPr lang="zh-CN" altLang="en-US" dirty="0" smtClean="0"/>
+              <a:t>令牌使用方法</a:t>
+            </a:r>
+            <a:endParaRPr lang="zh-CN" altLang="en-US" dirty="0"/>
+          </a:p>
+        </p:txBody>
+      </p:sp>
+      <p:sp>
+        <p:nvSpPr>
+          <p:cNvPr id="3" name="内容占位符 2"/>
+          <p:cNvSpPr>
+            <a:spLocks noGrp="1"/>
+          </p:cNvSpPr>
+          <p:nvPr>
+            <p:ph idx="1"/>
+          </p:nvPr>
+        </p:nvSpPr>
+        <p:spPr/>
+        <p:txBody>
+          <a:bodyPr>
+            <a:normAutofit fontScale="77500" lnSpcReduction="20000"/>
+          </a:bodyPr>
+          <a:lstStyle/>
+          <a:p>
+            <a:r>
+              <a:rPr lang="zh-CN" altLang="en-US" dirty="0" smtClean="0"/>
+              <a:t>客户端获取令牌服务组件</a:t>
+            </a:r>
+            <a:r>
+              <a:rPr lang="en-US" altLang="zh-CN" dirty="0" smtClean="0"/>
+              <a:t>-</a:t>
+            </a:r>
+            <a:r>
+              <a:rPr lang="en-US" altLang="zh-CN" dirty="0"/>
+              <a:t> hessian</a:t>
+            </a:r>
+            <a:r>
+              <a:rPr lang="zh-CN" altLang="en-US" dirty="0"/>
+              <a:t>服务方式申请</a:t>
+            </a:r>
+            <a:r>
+              <a:rPr lang="en-US" altLang="zh-CN" dirty="0"/>
+              <a:t>token</a:t>
+            </a:r>
+          </a:p>
+          <a:p>
+            <a:pPr marL="0" indent="0">
+              <a:buNone/>
+            </a:pPr>
+            <a:r>
+              <a:rPr lang="en-US" altLang="zh-CN" dirty="0" err="1"/>
+              <a:t>HessianProxyFactory</a:t>
+            </a:r>
+            <a:r>
+              <a:rPr lang="en-US" altLang="zh-CN" dirty="0"/>
+              <a:t> factory = new </a:t>
+            </a:r>
+            <a:r>
+              <a:rPr lang="en-US" altLang="zh-CN" dirty="0" err="1"/>
+              <a:t>HessianProxyFactory</a:t>
+            </a:r>
+            <a:r>
+              <a:rPr lang="en-US" altLang="zh-CN" dirty="0"/>
+              <a:t>();</a:t>
+            </a:r>
+          </a:p>
+          <a:p>
+            <a:pPr marL="0" indent="0">
+              <a:buNone/>
+            </a:pPr>
+            <a:r>
+              <a:rPr lang="en-US" altLang="zh-CN" dirty="0"/>
+              <a:t>//String </a:t>
+            </a:r>
+            <a:r>
+              <a:rPr lang="en-US" altLang="zh-CN" dirty="0" err="1"/>
+              <a:t>url</a:t>
+            </a:r>
+            <a:r>
+              <a:rPr lang="en-US" altLang="zh-CN" dirty="0"/>
+              <a:t> = "http://localhost:8081/context/</a:t>
+            </a:r>
+            <a:r>
+              <a:rPr lang="en-US" altLang="zh-CN" dirty="0" err="1"/>
+              <a:t>hessian?service</a:t>
+            </a:r>
+            <a:r>
+              <a:rPr lang="en-US" altLang="zh-CN" dirty="0"/>
+              <a:t>=</a:t>
+            </a:r>
+            <a:r>
+              <a:rPr lang="en-US" altLang="zh-CN" dirty="0" err="1"/>
+              <a:t>tokenService</a:t>
+            </a:r>
+            <a:r>
+              <a:rPr lang="en-US" altLang="zh-CN" dirty="0"/>
+              <a:t>";</a:t>
+            </a:r>
+          </a:p>
+          <a:p>
+            <a:pPr marL="0" indent="0">
+              <a:buNone/>
+            </a:pPr>
+            <a:r>
+              <a:rPr lang="en-US" altLang="zh-CN" dirty="0"/>
+              <a:t>String </a:t>
+            </a:r>
+            <a:r>
+              <a:rPr lang="en-US" altLang="zh-CN" dirty="0" err="1"/>
+              <a:t>url</a:t>
+            </a:r>
+            <a:r>
+              <a:rPr lang="en-US" altLang="zh-CN" dirty="0"/>
+              <a:t> = "http://10.25.192.142:8081"+request.getContextPath()+"/</a:t>
+            </a:r>
+            <a:r>
+              <a:rPr lang="en-US" altLang="zh-CN" dirty="0" err="1"/>
+              <a:t>hessian?service</a:t>
+            </a:r>
+            <a:r>
+              <a:rPr lang="en-US" altLang="zh-CN" dirty="0"/>
+              <a:t>=</a:t>
+            </a:r>
+            <a:r>
+              <a:rPr lang="en-US" altLang="zh-CN" dirty="0" err="1"/>
+              <a:t>tokenService</a:t>
+            </a:r>
+            <a:r>
+              <a:rPr lang="en-US" altLang="zh-CN" dirty="0"/>
+              <a:t>";</a:t>
+            </a:r>
+          </a:p>
+          <a:p>
+            <a:pPr marL="0" indent="0">
+              <a:buNone/>
+            </a:pPr>
+            <a:r>
+              <a:rPr lang="en-US" altLang="zh-CN" dirty="0" err="1"/>
+              <a:t>TokenService</a:t>
+            </a:r>
+            <a:r>
+              <a:rPr lang="en-US" altLang="zh-CN" dirty="0"/>
+              <a:t> </a:t>
+            </a:r>
+            <a:r>
+              <a:rPr lang="en-US" altLang="zh-CN" dirty="0" err="1"/>
+              <a:t>tokenService</a:t>
+            </a:r>
+            <a:r>
+              <a:rPr lang="en-US" altLang="zh-CN" dirty="0"/>
+              <a:t> = (</a:t>
+            </a:r>
+            <a:r>
+              <a:rPr lang="en-US" altLang="zh-CN" dirty="0" err="1"/>
+              <a:t>TokenService</a:t>
+            </a:r>
+            <a:r>
+              <a:rPr lang="en-US" altLang="zh-CN" dirty="0"/>
+              <a:t>) </a:t>
+            </a:r>
+            <a:r>
+              <a:rPr lang="en-US" altLang="zh-CN" dirty="0" err="1"/>
+              <a:t>factory.create</a:t>
+            </a:r>
+            <a:r>
+              <a:rPr lang="en-US" altLang="zh-CN" dirty="0"/>
+              <a:t>(</a:t>
+            </a:r>
+            <a:r>
+              <a:rPr lang="en-US" altLang="zh-CN" dirty="0" err="1"/>
+              <a:t>TokenService.class</a:t>
+            </a:r>
+            <a:r>
+              <a:rPr lang="en-US" altLang="zh-CN" dirty="0"/>
+              <a:t>, </a:t>
+            </a:r>
+            <a:r>
+              <a:rPr lang="en-US" altLang="zh-CN" dirty="0" err="1"/>
+              <a:t>url</a:t>
+            </a:r>
+            <a:r>
+              <a:rPr lang="en-US" altLang="zh-CN" dirty="0" smtClean="0"/>
+              <a:t>);</a:t>
+            </a:r>
+          </a:p>
+          <a:p>
+            <a:pPr marL="0" indent="0">
+              <a:buNone/>
+            </a:pPr>
+            <a:r>
+              <a:rPr lang="en-US" altLang="zh-CN" dirty="0"/>
+              <a:t>String token = </a:t>
+            </a:r>
+            <a:r>
+              <a:rPr lang="en-US" altLang="zh-CN" dirty="0" err="1"/>
+              <a:t>tokenService.genAuthTempToken</a:t>
+            </a:r>
+            <a:r>
+              <a:rPr lang="en-US" altLang="zh-CN" dirty="0"/>
+              <a:t>(</a:t>
+            </a:r>
+            <a:r>
+              <a:rPr lang="en-US" altLang="zh-CN" dirty="0" err="1"/>
+              <a:t>appid</a:t>
+            </a:r>
+            <a:r>
+              <a:rPr lang="en-US" altLang="zh-CN" dirty="0"/>
+              <a:t>, secret, account);</a:t>
+            </a:r>
+          </a:p>
+          <a:p>
+            <a:pPr marL="0" indent="0">
+              <a:buNone/>
+            </a:pPr>
+            <a:r>
+              <a:rPr lang="en-US" altLang="zh-CN" dirty="0"/>
+              <a:t>//token = </a:t>
+            </a:r>
+            <a:r>
+              <a:rPr lang="en-US" altLang="zh-CN" dirty="0" err="1"/>
+              <a:t>tokenService.genDualToken</a:t>
+            </a:r>
+            <a:r>
+              <a:rPr lang="en-US" altLang="zh-CN" dirty="0"/>
+              <a:t>(</a:t>
+            </a:r>
+            <a:r>
+              <a:rPr lang="en-US" altLang="zh-CN" dirty="0" err="1"/>
+              <a:t>appid</a:t>
+            </a:r>
+            <a:r>
+              <a:rPr lang="en-US" altLang="zh-CN" dirty="0"/>
+              <a:t>, secret, account);</a:t>
+            </a:r>
+            <a:endParaRPr lang="zh-CN" altLang="en-US" dirty="0"/>
+          </a:p>
+        </p:txBody>
+      </p:sp>
+    </p:spTree>
+    <p:extLst>
+      <p:ext uri="{BB962C8B-B14F-4D97-AF65-F5344CB8AC3E}">
+        <p14:creationId xmlns:p14="http://schemas.microsoft.com/office/powerpoint/2010/main" val="2072845419"/>
+      </p:ext>
+    </p:extLst>
+  </p:cSld>
+  <p:clrMapOvr>
+    <a:masterClrMapping/>
+  </p:clrMapOvr>
+</p:sld>
+</file>
+
+<file path=ppt/slides/slide5.xml><?xml version="1.0" encoding="utf-8"?>
+<p:sld xmlns:a="http://schemas.openxmlformats.org/drawingml/2006/main" xmlns:r="http://schemas.openxmlformats.org/officeDocument/2006/relationships" xmlns:p="http://schemas.openxmlformats.org/presentationml/2006/main">
+  <p:cSld>
+    <p:spTree>
+      <p:nvGrpSpPr>
+        <p:cNvPr id="1" name=""/>
+        <p:cNvGrpSpPr/>
+        <p:nvPr/>
+      </p:nvGrpSpPr>
+      <p:grpSpPr>
+        <a:xfrm>
+          <a:off x="0" y="0"/>
+          <a:ext cx="0" cy="0"/>
+          <a:chOff x="0" y="0"/>
+          <a:chExt cx="0" cy="0"/>
+        </a:xfrm>
+      </p:grpSpPr>
+      <p:sp>
+        <p:nvSpPr>
+          <p:cNvPr id="2" name="标题 1"/>
+          <p:cNvSpPr>
+            <a:spLocks noGrp="1"/>
+          </p:cNvSpPr>
+          <p:nvPr>
+            <p:ph type="title"/>
+          </p:nvPr>
+        </p:nvSpPr>
+        <p:spPr/>
+        <p:txBody>
+          <a:bodyPr/>
+          <a:lstStyle/>
+          <a:p>
+            <a:r>
+              <a:rPr lang="zh-CN" altLang="en-US" dirty="0" smtClean="0"/>
+              <a:t>令牌使用方法</a:t>
+            </a:r>
+            <a:endParaRPr lang="zh-CN" altLang="en-US" dirty="0"/>
+          </a:p>
+        </p:txBody>
+      </p:sp>
+      <p:sp>
+        <p:nvSpPr>
+          <p:cNvPr id="3" name="内容占位符 2"/>
+          <p:cNvSpPr>
+            <a:spLocks noGrp="1"/>
+          </p:cNvSpPr>
+          <p:nvPr>
+            <p:ph idx="1"/>
+          </p:nvPr>
+        </p:nvSpPr>
+        <p:spPr/>
+        <p:txBody>
+          <a:bodyPr>
+            <a:normAutofit fontScale="70000" lnSpcReduction="20000"/>
+          </a:bodyPr>
+          <a:lstStyle/>
+          <a:p>
+            <a:r>
+              <a:rPr lang="zh-CN" altLang="en-US" dirty="0" smtClean="0"/>
+              <a:t>客户端获取令牌服务组件</a:t>
+            </a:r>
+            <a:r>
+              <a:rPr lang="en-US" altLang="zh-CN" dirty="0" smtClean="0"/>
+              <a:t>-</a:t>
+            </a:r>
+            <a:r>
+              <a:rPr lang="en-US" altLang="zh-CN" dirty="0"/>
+              <a:t> </a:t>
+            </a:r>
+            <a:r>
+              <a:rPr lang="en-US" altLang="zh-CN" dirty="0" err="1" smtClean="0"/>
+              <a:t>webservice</a:t>
+            </a:r>
+            <a:r>
+              <a:rPr lang="zh-CN" altLang="en-US" dirty="0" smtClean="0"/>
+              <a:t>服务</a:t>
+            </a:r>
+            <a:r>
+              <a:rPr lang="zh-CN" altLang="en-US" dirty="0"/>
+              <a:t>方式申请</a:t>
+            </a:r>
+            <a:r>
+              <a:rPr lang="en-US" altLang="zh-CN" dirty="0"/>
+              <a:t>token</a:t>
+            </a:r>
+          </a:p>
+          <a:p>
+            <a:pPr marL="0" indent="0">
+              <a:buNone/>
+            </a:pPr>
+            <a:r>
+              <a:rPr lang="en-US" altLang="zh-CN" dirty="0" err="1"/>
+              <a:t>url</a:t>
+            </a:r>
+            <a:r>
+              <a:rPr lang="en-US" altLang="zh-CN" dirty="0"/>
+              <a:t> = "http://10.25.192.142:8081/</a:t>
+            </a:r>
+            <a:r>
+              <a:rPr lang="en-US" altLang="zh-CN" dirty="0" err="1"/>
+              <a:t>SanyPDP</a:t>
+            </a:r>
+            <a:r>
+              <a:rPr lang="en-US" altLang="zh-CN" dirty="0"/>
+              <a:t>/</a:t>
+            </a:r>
+            <a:r>
+              <a:rPr lang="en-US" altLang="zh-CN" dirty="0" err="1"/>
+              <a:t>cxfservices</a:t>
+            </a:r>
+            <a:r>
+              <a:rPr lang="en-US" altLang="zh-CN" dirty="0"/>
+              <a:t>/</a:t>
+            </a:r>
+            <a:r>
+              <a:rPr lang="en-US" altLang="zh-CN" dirty="0" err="1"/>
+              <a:t>tokenService</a:t>
+            </a:r>
+            <a:r>
+              <a:rPr lang="en-US" altLang="zh-CN" dirty="0"/>
+              <a:t>";</a:t>
+            </a:r>
+          </a:p>
+          <a:p>
+            <a:pPr marL="0" indent="0">
+              <a:buNone/>
+            </a:pPr>
+            <a:r>
+              <a:rPr lang="en-US" altLang="zh-CN" dirty="0" err="1"/>
+              <a:t>JaxWsProxyFactoryBean</a:t>
+            </a:r>
+            <a:r>
+              <a:rPr lang="en-US" altLang="zh-CN" dirty="0"/>
+              <a:t> </a:t>
+            </a:r>
+            <a:r>
+              <a:rPr lang="en-US" altLang="zh-CN" dirty="0" err="1"/>
+              <a:t>WSServiceClientFactory</a:t>
+            </a:r>
+            <a:r>
+              <a:rPr lang="en-US" altLang="zh-CN" dirty="0"/>
+              <a:t> = new  </a:t>
+            </a:r>
+            <a:r>
+              <a:rPr lang="en-US" altLang="zh-CN" dirty="0" err="1"/>
+              <a:t>JaxWsProxyFactoryBean</a:t>
+            </a:r>
+            <a:r>
+              <a:rPr lang="en-US" altLang="zh-CN" dirty="0"/>
+              <a:t>();</a:t>
+            </a:r>
+          </a:p>
+          <a:p>
+            <a:pPr marL="0" indent="0">
+              <a:buNone/>
+            </a:pPr>
+            <a:r>
+              <a:rPr lang="en-US" altLang="zh-CN" dirty="0" err="1"/>
+              <a:t>WSServiceClientFactory.setAddress</a:t>
+            </a:r>
+            <a:r>
+              <a:rPr lang="en-US" altLang="zh-CN" dirty="0"/>
+              <a:t>(</a:t>
+            </a:r>
+            <a:r>
+              <a:rPr lang="en-US" altLang="zh-CN" dirty="0" err="1"/>
+              <a:t>url</a:t>
+            </a:r>
+            <a:r>
+              <a:rPr lang="en-US" altLang="zh-CN" dirty="0"/>
+              <a:t>);</a:t>
+            </a:r>
+          </a:p>
+          <a:p>
+            <a:pPr marL="0" indent="0">
+              <a:buNone/>
+            </a:pPr>
+            <a:r>
+              <a:rPr lang="en-US" altLang="zh-CN" dirty="0" err="1"/>
+              <a:t>WSServiceClientFactory.setServiceClass</a:t>
+            </a:r>
+            <a:r>
+              <a:rPr lang="en-US" altLang="zh-CN" dirty="0"/>
+              <a:t>(</a:t>
+            </a:r>
+            <a:r>
+              <a:rPr lang="en-US" altLang="zh-CN" dirty="0" err="1"/>
+              <a:t>TokenService.class</a:t>
+            </a:r>
+            <a:r>
+              <a:rPr lang="en-US" altLang="zh-CN" dirty="0"/>
+              <a:t>);</a:t>
+            </a:r>
+          </a:p>
+          <a:p>
+            <a:pPr marL="0" indent="0">
+              <a:buNone/>
+            </a:pPr>
+            <a:r>
+              <a:rPr lang="en-US" altLang="zh-CN" dirty="0" err="1"/>
+              <a:t>TokenService</a:t>
+            </a:r>
+            <a:r>
+              <a:rPr lang="en-US" altLang="zh-CN" dirty="0"/>
+              <a:t> </a:t>
+            </a:r>
+            <a:r>
+              <a:rPr lang="en-US" altLang="zh-CN" dirty="0" smtClean="0"/>
+              <a:t> </a:t>
+            </a:r>
+            <a:r>
+              <a:rPr lang="en-US" altLang="zh-CN" dirty="0" err="1" smtClean="0"/>
+              <a:t>tokenService</a:t>
+            </a:r>
+            <a:r>
+              <a:rPr lang="en-US" altLang="zh-CN" dirty="0" smtClean="0"/>
+              <a:t> </a:t>
+            </a:r>
+            <a:r>
+              <a:rPr lang="en-US" altLang="zh-CN" dirty="0"/>
+              <a:t>= (</a:t>
+            </a:r>
+            <a:r>
+              <a:rPr lang="en-US" altLang="zh-CN" dirty="0" err="1"/>
+              <a:t>TokenService</a:t>
+            </a:r>
+            <a:r>
+              <a:rPr lang="en-US" altLang="zh-CN" dirty="0"/>
+              <a:t>)</a:t>
+            </a:r>
+            <a:r>
+              <a:rPr lang="en-US" altLang="zh-CN" dirty="0" err="1"/>
+              <a:t>WSServiceClientFactory.create</a:t>
+            </a:r>
+            <a:r>
+              <a:rPr lang="en-US" altLang="zh-CN" dirty="0" smtClean="0"/>
+              <a:t>();</a:t>
+            </a:r>
+          </a:p>
+          <a:p>
+            <a:pPr marL="0" indent="0">
+              <a:buNone/>
+            </a:pPr>
+            <a:r>
+              <a:rPr lang="en-US" altLang="zh-CN" dirty="0"/>
+              <a:t>String token = </a:t>
+            </a:r>
+            <a:r>
+              <a:rPr lang="en-US" altLang="zh-CN" dirty="0" err="1"/>
+              <a:t>tokenService.genAuthTempToken</a:t>
+            </a:r>
+            <a:r>
+              <a:rPr lang="en-US" altLang="zh-CN" dirty="0"/>
+              <a:t>(</a:t>
+            </a:r>
+            <a:r>
+              <a:rPr lang="en-US" altLang="zh-CN" dirty="0" err="1"/>
+              <a:t>appid</a:t>
+            </a:r>
+            <a:r>
+              <a:rPr lang="en-US" altLang="zh-CN" dirty="0"/>
+              <a:t>, secret, account);</a:t>
+            </a:r>
+          </a:p>
+          <a:p>
+            <a:pPr marL="0" indent="0">
+              <a:buNone/>
+            </a:pPr>
+            <a:r>
+              <a:rPr lang="en-US" altLang="zh-CN" dirty="0"/>
+              <a:t>//token = </a:t>
+            </a:r>
+            <a:r>
+              <a:rPr lang="en-US" altLang="zh-CN" dirty="0" err="1"/>
+              <a:t>tokenService.genDualToken</a:t>
+            </a:r>
+            <a:r>
+              <a:rPr lang="en-US" altLang="zh-CN" dirty="0"/>
+              <a:t>(</a:t>
+            </a:r>
+            <a:r>
+              <a:rPr lang="en-US" altLang="zh-CN" dirty="0" err="1"/>
+              <a:t>appid</a:t>
+            </a:r>
+            <a:r>
+              <a:rPr lang="en-US" altLang="zh-CN" dirty="0"/>
+              <a:t>, secret, account);</a:t>
+            </a:r>
+            <a:endParaRPr lang="zh-CN" altLang="en-US" dirty="0"/>
+          </a:p>
+        </p:txBody>
+      </p:sp>
+    </p:spTree>
+    <p:extLst>
+      <p:ext uri="{BB962C8B-B14F-4D97-AF65-F5344CB8AC3E}">
+        <p14:creationId xmlns:p14="http://schemas.microsoft.com/office/powerpoint/2010/main" val="4219826641"/>
+      </p:ext>
+    </p:extLst>
+  </p:cSld>
+  <p:clrMapOvr>
+    <a:masterClrMapping/>
+  </p:clrMapOvr>
+</p:sld>
+</file>
+
+<file path=ppt/slides/slide6.xml><?xml version="1.0" encoding="utf-8"?>
+<p:sld xmlns:a="http://schemas.openxmlformats.org/drawingml/2006/main" xmlns:r="http://schemas.openxmlformats.org/officeDocument/2006/relationships" xmlns:p="http://schemas.openxmlformats.org/presentationml/2006/main">
+  <p:cSld>
+    <p:spTree>
+      <p:nvGrpSpPr>
+        <p:cNvPr id="1" name=""/>
+        <p:cNvGrpSpPr/>
+        <p:nvPr/>
+      </p:nvGrpSpPr>
+      <p:grpSpPr>
+        <a:xfrm>
+          <a:off x="0" y="0"/>
+          <a:ext cx="0" cy="0"/>
+          <a:chOff x="0" y="0"/>
+          <a:chExt cx="0" cy="0"/>
+        </a:xfrm>
+      </p:grpSpPr>
+      <p:sp>
+        <p:nvSpPr>
+          <p:cNvPr id="2" name="标题 1"/>
+          <p:cNvSpPr>
+            <a:spLocks noGrp="1"/>
+          </p:cNvSpPr>
+          <p:nvPr>
+            <p:ph type="title"/>
+          </p:nvPr>
+        </p:nvSpPr>
+        <p:spPr/>
+        <p:txBody>
+          <a:bodyPr/>
+          <a:lstStyle/>
+          <a:p>
+            <a:r>
+              <a:rPr lang="zh-CN" altLang="en-US" dirty="0" smtClean="0"/>
+              <a:t>令牌使用方法</a:t>
+            </a:r>
+            <a:endParaRPr lang="zh-CN" altLang="en-US" dirty="0"/>
+          </a:p>
+        </p:txBody>
+      </p:sp>
+      <p:sp>
+        <p:nvSpPr>
+          <p:cNvPr id="3" name="内容占位符 2"/>
+          <p:cNvSpPr>
+            <a:spLocks noGrp="1"/>
+          </p:cNvSpPr>
+          <p:nvPr>
+            <p:ph idx="1"/>
+          </p:nvPr>
+        </p:nvSpPr>
+        <p:spPr/>
+        <p:txBody>
+          <a:bodyPr>
+            <a:normAutofit fontScale="77500" lnSpcReduction="20000"/>
+          </a:bodyPr>
+          <a:lstStyle/>
+          <a:p>
+            <a:r>
+              <a:rPr lang="zh-CN" altLang="en-US" dirty="0" smtClean="0"/>
+              <a:t>客户端获取令牌服务组件</a:t>
+            </a:r>
+            <a:r>
+              <a:rPr lang="en-US" altLang="zh-CN" dirty="0" smtClean="0"/>
+              <a:t>-</a:t>
+            </a:r>
+            <a:r>
+              <a:rPr lang="en-US" altLang="zh-CN" dirty="0"/>
+              <a:t> </a:t>
+            </a:r>
+            <a:r>
+              <a:rPr lang="en-US" altLang="zh-CN" dirty="0" smtClean="0"/>
+              <a:t>http</a:t>
+            </a:r>
+            <a:r>
+              <a:rPr lang="zh-CN" altLang="en-US" dirty="0" smtClean="0"/>
+              <a:t>服务</a:t>
+            </a:r>
+            <a:r>
+              <a:rPr lang="zh-CN" altLang="en-US" dirty="0"/>
+              <a:t>方式申请</a:t>
+            </a:r>
+            <a:r>
+              <a:rPr lang="en-US" altLang="zh-CN" dirty="0"/>
+              <a:t>token</a:t>
+            </a:r>
+          </a:p>
+          <a:p>
+            <a:pPr marL="0" indent="0">
+              <a:buNone/>
+            </a:pPr>
+            <a:endParaRPr lang="en-US" altLang="zh-CN" dirty="0"/>
+          </a:p>
+          <a:p>
+            <a:pPr marL="0" indent="0">
+              <a:buNone/>
+            </a:pPr>
+            <a:r>
+              <a:rPr lang="en-US" altLang="zh-CN" dirty="0" smtClean="0"/>
+              <a:t>String </a:t>
+            </a:r>
+            <a:r>
+              <a:rPr lang="en-US" altLang="zh-CN" dirty="0" err="1" smtClean="0"/>
+              <a:t>url</a:t>
+            </a:r>
+            <a:r>
+              <a:rPr lang="en-US" altLang="zh-CN" dirty="0" smtClean="0"/>
+              <a:t> </a:t>
+            </a:r>
+            <a:r>
+              <a:rPr lang="en-US" altLang="zh-CN" dirty="0"/>
+              <a:t>= "http://10.25.192.142:8081/</a:t>
+            </a:r>
+            <a:r>
+              <a:rPr lang="en-US" altLang="zh-CN" dirty="0" err="1"/>
+              <a:t>SanyPDP</a:t>
+            </a:r>
+            <a:r>
+              <a:rPr lang="en-US" altLang="zh-CN" dirty="0"/>
+              <a:t>/token/</a:t>
+            </a:r>
+            <a:r>
+              <a:rPr lang="en-US" altLang="zh-CN" dirty="0" err="1"/>
+              <a:t>genAuthTempToken.freepage?appid</a:t>
+            </a:r>
+            <a:r>
+              <a:rPr lang="en-US" altLang="zh-CN" dirty="0"/>
+              <a:t>="+</a:t>
+            </a:r>
+            <a:r>
+              <a:rPr lang="en-US" altLang="zh-CN" dirty="0" err="1"/>
+              <a:t>appid</a:t>
+            </a:r>
+            <a:r>
+              <a:rPr lang="en-US" altLang="zh-CN" dirty="0"/>
+              <a:t> + "&amp;secret="+secret + "&amp;account="+account;</a:t>
+            </a:r>
+          </a:p>
+          <a:p>
+            <a:pPr marL="0" indent="0">
+              <a:buNone/>
+            </a:pPr>
+            <a:r>
+              <a:rPr lang="en-US" altLang="zh-CN" dirty="0"/>
+              <a:t>//</a:t>
+            </a:r>
+            <a:r>
+              <a:rPr lang="en-US" altLang="zh-CN" dirty="0" err="1"/>
+              <a:t>url</a:t>
+            </a:r>
+            <a:r>
+              <a:rPr lang="en-US" altLang="zh-CN" dirty="0"/>
+              <a:t> = "http://10.25.192.142:8081/</a:t>
+            </a:r>
+            <a:r>
+              <a:rPr lang="en-US" altLang="zh-CN" dirty="0" err="1"/>
+              <a:t>SanyPDP</a:t>
+            </a:r>
+            <a:r>
+              <a:rPr lang="en-US" altLang="zh-CN" dirty="0"/>
+              <a:t>/token/</a:t>
+            </a:r>
+            <a:r>
+              <a:rPr lang="en-US" altLang="zh-CN" dirty="0" err="1"/>
+              <a:t>genDualToken.freepage?appid</a:t>
+            </a:r>
+            <a:r>
+              <a:rPr lang="en-US" altLang="zh-CN" dirty="0"/>
+              <a:t>="+</a:t>
+            </a:r>
+            <a:r>
+              <a:rPr lang="en-US" altLang="zh-CN" dirty="0" err="1"/>
+              <a:t>appid</a:t>
+            </a:r>
+            <a:r>
+              <a:rPr lang="en-US" altLang="zh-CN" dirty="0"/>
+              <a:t> + "&amp;secret="+secret + "&amp;account="+account;</a:t>
+            </a:r>
+          </a:p>
+          <a:p>
+            <a:pPr marL="0" indent="0">
+              <a:buNone/>
+            </a:pPr>
+            <a:r>
+              <a:rPr lang="en-US" altLang="zh-CN" dirty="0" smtClean="0"/>
+              <a:t>String token </a:t>
+            </a:r>
+            <a:r>
+              <a:rPr lang="en-US" altLang="zh-CN" dirty="0"/>
+              <a:t>= </a:t>
+            </a:r>
+            <a:r>
+              <a:rPr lang="en-US" altLang="zh-CN" dirty="0" err="1"/>
+              <a:t>org.frameworkset.spi.remote.http.HttpReqeust.httpPostforString</a:t>
+            </a:r>
+            <a:r>
+              <a:rPr lang="en-US" altLang="zh-CN" dirty="0"/>
+              <a:t>(</a:t>
+            </a:r>
+            <a:r>
+              <a:rPr lang="en-US" altLang="zh-CN" dirty="0" err="1"/>
+              <a:t>url</a:t>
+            </a:r>
+            <a:r>
+              <a:rPr lang="en-US" altLang="zh-CN" dirty="0"/>
+              <a:t>);</a:t>
+            </a:r>
+            <a:endParaRPr lang="zh-CN" altLang="en-US" dirty="0"/>
+          </a:p>
+        </p:txBody>
+      </p:sp>
+    </p:spTree>
+    <p:extLst>
+      <p:ext uri="{BB962C8B-B14F-4D97-AF65-F5344CB8AC3E}">
+        <p14:creationId xmlns:p14="http://schemas.microsoft.com/office/powerpoint/2010/main" val="2291734992"/>
+      </p:ext>
+    </p:extLst>
+  </p:cSld>
+  <p:clrMapOvr>
+    <a:masterClrMapping/>
+  </p:clrMapOvr>
+</p:sld>
+</file>
+
+<file path=ppt/slides/slide7.xml><?xml version="1.0" encoding="utf-8"?>
+<p:sld xmlns:a="http://schemas.openxmlformats.org/drawingml/2006/main" xmlns:r="http://schemas.openxmlformats.org/officeDocument/2006/relationships" xmlns:p="http://schemas.openxmlformats.org/presentationml/2006/main">
+  <p:cSld>
+    <p:spTree>
+      <p:nvGrpSpPr>
+        <p:cNvPr id="1" name=""/>
+        <p:cNvGrpSpPr/>
+        <p:nvPr/>
+      </p:nvGrpSpPr>
+      <p:grpSpPr>
+        <a:xfrm>
+          <a:off x="0" y="0"/>
+          <a:ext cx="0" cy="0"/>
+          <a:chOff x="0" y="0"/>
+          <a:chExt cx="0" cy="0"/>
+        </a:xfrm>
+      </p:grpSpPr>
+      <p:sp>
+        <p:nvSpPr>
+          <p:cNvPr id="2" name="标题 1"/>
+          <p:cNvSpPr>
+            <a:spLocks noGrp="1"/>
+          </p:cNvSpPr>
+          <p:nvPr>
+            <p:ph type="title"/>
+          </p:nvPr>
+        </p:nvSpPr>
+        <p:spPr/>
+        <p:txBody>
+          <a:bodyPr/>
+          <a:lstStyle/>
+          <a:p>
+            <a:r>
+              <a:rPr lang="zh-CN" altLang="en-US" dirty="0" smtClean="0"/>
+              <a:t>令牌使用方法</a:t>
+            </a:r>
+            <a:endParaRPr lang="zh-CN" altLang="en-US" dirty="0"/>
+          </a:p>
+        </p:txBody>
+      </p:sp>
+      <p:sp>
+        <p:nvSpPr>
+          <p:cNvPr id="3" name="内容占位符 2"/>
+          <p:cNvSpPr>
+            <a:spLocks noGrp="1"/>
+          </p:cNvSpPr>
+          <p:nvPr>
+            <p:ph idx="1"/>
+          </p:nvPr>
+        </p:nvSpPr>
+        <p:spPr/>
+        <p:txBody>
+          <a:bodyPr>
+            <a:normAutofit/>
+          </a:bodyPr>
+          <a:lstStyle/>
+          <a:p>
+            <a:r>
+              <a:rPr lang="zh-CN" altLang="en-US" dirty="0" smtClean="0"/>
+              <a:t>构建令牌参数</a:t>
+            </a:r>
+            <a:endParaRPr lang="en-US" altLang="zh-CN" dirty="0"/>
+          </a:p>
+          <a:p>
+            <a:pPr marL="0" indent="0">
+              <a:buNone/>
+            </a:pPr>
+            <a:r>
+              <a:rPr lang="en-US" altLang="zh-CN" dirty="0"/>
+              <a:t>String </a:t>
+            </a:r>
+            <a:r>
+              <a:rPr lang="en-US" altLang="zh-CN" dirty="0" err="1"/>
+              <a:t>accounttokenrequest</a:t>
+            </a:r>
+            <a:r>
+              <a:rPr lang="en-US" altLang="zh-CN" dirty="0"/>
+              <a:t> </a:t>
+            </a:r>
+            <a:r>
+              <a:rPr lang="en-US" altLang="zh-CN" dirty="0" smtClean="0"/>
+              <a:t>= </a:t>
+            </a:r>
+            <a:r>
+              <a:rPr lang="en-US" altLang="zh-CN" dirty="0" err="1"/>
+              <a:t>TokenStore.temptoken_param_name</a:t>
+            </a:r>
+            <a:r>
+              <a:rPr lang="en-US" altLang="zh-CN" dirty="0"/>
+              <a:t> + "=" + token + "&amp;</a:t>
+            </a:r>
+            <a:r>
+              <a:rPr lang="en-US" altLang="zh-CN" dirty="0" err="1"/>
+              <a:t>appid</a:t>
+            </a:r>
+            <a:r>
+              <a:rPr lang="en-US" altLang="zh-CN" dirty="0"/>
+              <a:t>=" + </a:t>
+            </a:r>
+            <a:r>
+              <a:rPr lang="en-US" altLang="zh-CN" dirty="0" err="1"/>
+              <a:t>appid</a:t>
+            </a:r>
+            <a:r>
+              <a:rPr lang="en-US" altLang="zh-CN" dirty="0"/>
+              <a:t> + "&amp;secret="+secret;</a:t>
+            </a:r>
+            <a:endParaRPr lang="zh-CN" altLang="en-US" dirty="0"/>
+          </a:p>
+        </p:txBody>
+      </p:sp>
+    </p:spTree>
+    <p:extLst>
+      <p:ext uri="{BB962C8B-B14F-4D97-AF65-F5344CB8AC3E}">
+        <p14:creationId xmlns:p14="http://schemas.microsoft.com/office/powerpoint/2010/main" val="4024104941"/>
+      </p:ext>
+    </p:extLst>
+  </p:cSld>
+  <p:clrMapOvr>
+    <a:masterClrMapping/>
+  </p:clrMapOvr>
+</p:sld>
+</file>
+
+<file path=ppt/slides/slide8.xml><?xml version="1.0" encoding="utf-8"?>
+<p:sld xmlns:a="http://schemas.openxmlformats.org/drawingml/2006/main" xmlns:r="http://schemas.openxmlformats.org/officeDocument/2006/relationships" xmlns:p="http://schemas.openxmlformats.org/presentationml/2006/main">
+  <p:cSld>
+    <p:spTree>
+      <p:nvGrpSpPr>
+        <p:cNvPr id="1" name=""/>
+        <p:cNvGrpSpPr/>
+        <p:nvPr/>
+      </p:nvGrpSpPr>
+      <p:grpSpPr>
+        <a:xfrm>
+          <a:off x="0" y="0"/>
+          <a:ext cx="0" cy="0"/>
+          <a:chOff x="0" y="0"/>
+          <a:chExt cx="0" cy="0"/>
+        </a:xfrm>
+      </p:grpSpPr>
+      <p:sp>
+        <p:nvSpPr>
+          <p:cNvPr id="2" name="标题 1"/>
+          <p:cNvSpPr>
+            <a:spLocks noGrp="1"/>
+          </p:cNvSpPr>
+          <p:nvPr>
+            <p:ph type="title"/>
+          </p:nvPr>
+        </p:nvSpPr>
+        <p:spPr/>
+        <p:txBody>
+          <a:bodyPr/>
+          <a:lstStyle/>
+          <a:p>
+            <a:r>
+              <a:rPr lang="zh-CN" altLang="en-US" dirty="0" smtClean="0"/>
+              <a:t>令牌使用方法</a:t>
+            </a:r>
+            <a:endParaRPr lang="zh-CN" altLang="en-US" dirty="0"/>
+          </a:p>
+        </p:txBody>
+      </p:sp>
+      <p:sp>
+        <p:nvSpPr>
+          <p:cNvPr id="3" name="内容占位符 2"/>
+          <p:cNvSpPr>
+            <a:spLocks noGrp="1"/>
+          </p:cNvSpPr>
+          <p:nvPr>
+            <p:ph idx="1"/>
+          </p:nvPr>
+        </p:nvSpPr>
+        <p:spPr/>
+        <p:txBody>
+          <a:bodyPr>
+            <a:normAutofit/>
+          </a:bodyPr>
+          <a:lstStyle/>
+          <a:p>
+            <a:r>
+              <a:rPr lang="zh-CN" altLang="en-US" dirty="0" smtClean="0"/>
+              <a:t>依据令牌实现单点登录到指定的页面</a:t>
+            </a:r>
+            <a:endParaRPr lang="en-US" altLang="zh-CN" dirty="0" smtClean="0"/>
+          </a:p>
+          <a:p>
+            <a:pPr marL="0" indent="0">
+              <a:buNone/>
+            </a:pPr>
+            <a:r>
+              <a:rPr lang="en-US" altLang="zh-CN" dirty="0" smtClean="0"/>
+              <a:t>http://10.0.15.38:9081/SanyPDP/sso/ssowithtoken.page</a:t>
+            </a:r>
+            <a:r>
+              <a:rPr lang="en-US" altLang="zh-CN" dirty="0"/>
+              <a:t>?&lt;%=accounttokenrequest %&gt;&amp;</a:t>
+            </a:r>
+            <a:r>
+              <a:rPr lang="en-US" altLang="zh-CN" dirty="0" err="1"/>
+              <a:t>loginType</a:t>
+            </a:r>
+            <a:r>
+              <a:rPr lang="en-US" altLang="zh-CN" dirty="0"/>
+              <a:t>=1&amp;successRedirect=&lt;%=</a:t>
+            </a:r>
+            <a:r>
+              <a:rPr lang="en-US" altLang="zh-CN" dirty="0" err="1"/>
+              <a:t>URLEncoder.encode</a:t>
+            </a:r>
+            <a:r>
+              <a:rPr lang="en-US" altLang="zh-CN" dirty="0"/>
+              <a:t>("/</a:t>
+            </a:r>
+            <a:r>
+              <a:rPr lang="en-US" altLang="zh-CN" dirty="0" err="1"/>
+              <a:t>appbom</a:t>
+            </a:r>
+            <a:r>
+              <a:rPr lang="en-US" altLang="zh-CN" dirty="0"/>
+              <a:t>/</a:t>
+            </a:r>
+            <a:r>
+              <a:rPr lang="en-US" altLang="zh-CN" dirty="0" err="1"/>
+              <a:t>aaa.page?a</a:t>
+            </a:r>
+            <a:r>
+              <a:rPr lang="en-US" altLang="zh-CN" dirty="0"/>
+              <a:t>=</a:t>
+            </a:r>
+            <a:r>
+              <a:rPr lang="en-US" altLang="zh-CN" dirty="0" err="1"/>
+              <a:t>b&amp;c</a:t>
+            </a:r>
+            <a:r>
+              <a:rPr lang="en-US" altLang="zh-CN" dirty="0"/>
+              <a:t>=d") %&gt;&amp;</a:t>
+            </a:r>
+            <a:r>
+              <a:rPr lang="en-US" altLang="zh-CN" dirty="0" err="1" smtClean="0"/>
+              <a:t>subsystem_id</a:t>
+            </a:r>
+            <a:r>
+              <a:rPr lang="en-US" altLang="zh-CN" dirty="0" smtClean="0"/>
+              <a:t>=module“</a:t>
+            </a:r>
+          </a:p>
+          <a:p>
+            <a:pPr marL="0" indent="0">
+              <a:buNone/>
+            </a:pPr>
+            <a:endParaRPr lang="zh-CN" altLang="en-US" dirty="0"/>
+          </a:p>
+        </p:txBody>
+      </p:sp>
+    </p:spTree>
+    <p:extLst>
+      <p:ext uri="{BB962C8B-B14F-4D97-AF65-F5344CB8AC3E}">
+        <p14:creationId xmlns:p14="http://schemas.microsoft.com/office/powerpoint/2010/main" val="3594022491"/>
+      </p:ext>
+    </p:extLst>
+  </p:cSld>
+  <p:clrMapOvr>
+    <a:masterClrMapping/>
+  </p:clrMapOvr>
+</p:sld>
+</file>
+
+<file path=ppt/slides/slide9.xml><?xml version="1.0" encoding="utf-8"?>
+<p:sld xmlns:a="http://schemas.openxmlformats.org/drawingml/2006/main" xmlns:r="http://schemas.openxmlformats.org/officeDocument/2006/relationships" xmlns:p="http://schemas.openxmlformats.org/presentationml/2006/main">
+  <p:cSld>
+    <p:spTree>
+      <p:nvGrpSpPr>
+        <p:cNvPr id="1" name=""/>
+        <p:cNvGrpSpPr/>
+        <p:nvPr/>
+      </p:nvGrpSpPr>
+      <p:grpSpPr>
+        <a:xfrm>
+          <a:off x="0" y="0"/>
+          <a:ext cx="0" cy="0"/>
+          <a:chOff x="0" y="0"/>
+          <a:chExt cx="0" cy="0"/>
+        </a:xfrm>
+      </p:grpSpPr>
+      <p:sp>
+        <p:nvSpPr>
+          <p:cNvPr id="2" name="标题 1"/>
+          <p:cNvSpPr>
+            <a:spLocks noGrp="1"/>
+          </p:cNvSpPr>
+          <p:nvPr>
+            <p:ph type="title"/>
+          </p:nvPr>
+        </p:nvSpPr>
+        <p:spPr/>
+        <p:txBody>
+          <a:bodyPr/>
+          <a:lstStyle/>
+          <a:p>
+            <a:r>
+              <a:rPr lang="zh-CN" altLang="en-US" dirty="0" smtClean="0"/>
+              <a:t>令牌非对称加解密介绍</a:t>
+            </a:r>
+            <a:endParaRPr lang="zh-CN" altLang="en-US" dirty="0"/>
+          </a:p>
+        </p:txBody>
+      </p:sp>
+      <p:sp>
+        <p:nvSpPr>
+          <p:cNvPr id="3" name="内容占位符 2"/>
+          <p:cNvSpPr>
+            <a:spLocks noGrp="1"/>
+          </p:cNvSpPr>
+          <p:nvPr>
+            <p:ph idx="1"/>
+          </p:nvPr>
+        </p:nvSpPr>
+        <p:spPr/>
+        <p:txBody>
+          <a:bodyPr>
+            <a:normAutofit/>
+          </a:bodyPr>
+          <a:lstStyle/>
+          <a:p>
+            <a:r>
+              <a:rPr lang="zh-CN" altLang="en-US" dirty="0" smtClean="0"/>
+              <a:t>非对称加密算法</a:t>
+            </a:r>
+            <a:r>
+              <a:rPr lang="en-US" altLang="zh-CN" dirty="0" smtClean="0"/>
+              <a:t>-ECC(</a:t>
+            </a:r>
+            <a:r>
+              <a:rPr lang="zh-CN" altLang="en-US" dirty="0" smtClean="0"/>
+              <a:t>椭圆曲线</a:t>
+            </a:r>
+            <a:r>
+              <a:rPr lang="zh-CN" altLang="en-US" dirty="0"/>
+              <a:t>密码编码</a:t>
+            </a:r>
+            <a:r>
+              <a:rPr lang="zh-CN" altLang="en-US" dirty="0" smtClean="0"/>
+              <a:t>学</a:t>
+            </a:r>
+            <a:r>
+              <a:rPr lang="en-US" altLang="zh-CN" dirty="0" smtClean="0"/>
+              <a:t>)</a:t>
+            </a:r>
+          </a:p>
+          <a:p>
+            <a:r>
+              <a:rPr lang="zh-CN" altLang="en-US" dirty="0" smtClean="0"/>
+              <a:t>非对称加密解密组件</a:t>
+            </a:r>
+            <a:r>
+              <a:rPr lang="en-US" altLang="zh-CN" dirty="0"/>
+              <a:t>- </a:t>
+            </a:r>
+            <a:r>
+              <a:rPr lang="en-US" altLang="zh-CN" dirty="0" err="1"/>
+              <a:t>org.frameworkset.security.ecc</a:t>
+            </a:r>
+            <a:r>
+              <a:rPr lang="en-US" altLang="zh-CN" dirty="0"/>
+              <a:t> </a:t>
+            </a:r>
+            <a:r>
+              <a:rPr lang="en-US" altLang="zh-CN" dirty="0" smtClean="0"/>
+              <a:t>.</a:t>
+            </a:r>
+            <a:r>
+              <a:rPr lang="en-US" altLang="zh-CN" dirty="0" err="1" smtClean="0"/>
+              <a:t>ECCCoder</a:t>
+            </a:r>
+            <a:endParaRPr lang="en-US" altLang="zh-CN" dirty="0" smtClean="0"/>
+          </a:p>
+          <a:p>
+            <a:pPr marL="0" indent="0">
+              <a:buNone/>
+            </a:pPr>
+            <a:endParaRPr lang="en-US" altLang="zh-CN" dirty="0" smtClean="0"/>
+          </a:p>
+          <a:p>
+            <a:endParaRPr lang="zh-CN" altLang="en-US" dirty="0"/>
+          </a:p>
+        </p:txBody>
+      </p:sp>
+    </p:spTree>
+    <p:extLst>
+      <p:ext uri="{BB962C8B-B14F-4D97-AF65-F5344CB8AC3E}">
+        <p14:creationId xmlns:p14="http://schemas.microsoft.com/office/powerpoint/2010/main" val="2970590165"/>
       </p:ext>
     </p:extLst>
   </p:cSld>

--- a/文档/令牌管理.pptx
+++ b/文档/令牌管理.pptx
@@ -4,6 +4,9 @@
   <p:sldMasterIdLst>
     <p:sldMasterId id="2147483648" r:id="rId1"/>
   </p:sldMasterIdLst>
+  <p:notesMasterIdLst>
+    <p:notesMasterId r:id="rId22"/>
+  </p:notesMasterIdLst>
   <p:sldIdLst>
     <p:sldId id="256" r:id="rId2"/>
     <p:sldId id="257" r:id="rId3"/>
@@ -20,8 +23,11 @@
     <p:sldId id="271" r:id="rId14"/>
     <p:sldId id="265" r:id="rId15"/>
     <p:sldId id="266" r:id="rId16"/>
-    <p:sldId id="272" r:id="rId17"/>
-    <p:sldId id="273" r:id="rId18"/>
+    <p:sldId id="274" r:id="rId17"/>
+    <p:sldId id="275" r:id="rId18"/>
+    <p:sldId id="276" r:id="rId19"/>
+    <p:sldId id="272" r:id="rId20"/>
+    <p:sldId id="273" r:id="rId21"/>
   </p:sldIdLst>
   <p:sldSz cx="9144000" cy="6858000" type="screen4x3"/>
   <p:notesSz cx="6858000" cy="9144000"/>
@@ -123,6 +129,440 @@
 </p:presentation>
 </file>
 
+<file path=ppt/notesMasters/notesMaster1.xml><?xml version="1.0" encoding="utf-8"?>
+<p:notesMaster xmlns:a="http://schemas.openxmlformats.org/drawingml/2006/main" xmlns:r="http://schemas.openxmlformats.org/officeDocument/2006/relationships" xmlns:p="http://schemas.openxmlformats.org/presentationml/2006/main">
+  <p:cSld>
+    <p:bg>
+      <p:bgRef idx="1001">
+        <a:schemeClr val="bg1"/>
+      </p:bgRef>
+    </p:bg>
+    <p:spTree>
+      <p:nvGrpSpPr>
+        <p:cNvPr id="1" name=""/>
+        <p:cNvGrpSpPr/>
+        <p:nvPr/>
+      </p:nvGrpSpPr>
+      <p:grpSpPr>
+        <a:xfrm>
+          <a:off x="0" y="0"/>
+          <a:ext cx="0" cy="0"/>
+          <a:chOff x="0" y="0"/>
+          <a:chExt cx="0" cy="0"/>
+        </a:xfrm>
+      </p:grpSpPr>
+      <p:sp>
+        <p:nvSpPr>
+          <p:cNvPr id="2" name="页眉占位符 1"/>
+          <p:cNvSpPr>
+            <a:spLocks noGrp="1"/>
+          </p:cNvSpPr>
+          <p:nvPr>
+            <p:ph type="hdr" sz="quarter"/>
+          </p:nvPr>
+        </p:nvSpPr>
+        <p:spPr>
+          <a:xfrm>
+            <a:off x="0" y="0"/>
+            <a:ext cx="2971800" cy="457200"/>
+          </a:xfrm>
+          <a:prstGeom prst="rect">
+            <a:avLst/>
+          </a:prstGeom>
+        </p:spPr>
+        <p:txBody>
+          <a:bodyPr vert="horz" lIns="91440" tIns="45720" rIns="91440" bIns="45720" rtlCol="0"/>
+          <a:lstStyle>
+            <a:lvl1pPr algn="l">
+              <a:defRPr sz="1200"/>
+            </a:lvl1pPr>
+          </a:lstStyle>
+          <a:p>
+            <a:endParaRPr lang="zh-CN" altLang="en-US"/>
+          </a:p>
+        </p:txBody>
+      </p:sp>
+      <p:sp>
+        <p:nvSpPr>
+          <p:cNvPr id="3" name="日期占位符 2"/>
+          <p:cNvSpPr>
+            <a:spLocks noGrp="1"/>
+          </p:cNvSpPr>
+          <p:nvPr>
+            <p:ph type="dt" idx="1"/>
+          </p:nvPr>
+        </p:nvSpPr>
+        <p:spPr>
+          <a:xfrm>
+            <a:off x="3884613" y="0"/>
+            <a:ext cx="2971800" cy="457200"/>
+          </a:xfrm>
+          <a:prstGeom prst="rect">
+            <a:avLst/>
+          </a:prstGeom>
+        </p:spPr>
+        <p:txBody>
+          <a:bodyPr vert="horz" lIns="91440" tIns="45720" rIns="91440" bIns="45720" rtlCol="0"/>
+          <a:lstStyle>
+            <a:lvl1pPr algn="r">
+              <a:defRPr sz="1200"/>
+            </a:lvl1pPr>
+          </a:lstStyle>
+          <a:p>
+            <a:fld id="{8EF8AF17-AEFD-4E2D-BED8-885C2519CD75}" type="datetimeFigureOut">
+              <a:rPr lang="zh-CN" altLang="en-US" smtClean="0"/>
+              <a:t>2014/4/15</a:t>
+            </a:fld>
+            <a:endParaRPr lang="zh-CN" altLang="en-US"/>
+          </a:p>
+        </p:txBody>
+      </p:sp>
+      <p:sp>
+        <p:nvSpPr>
+          <p:cNvPr id="4" name="幻灯片图像占位符 3"/>
+          <p:cNvSpPr>
+            <a:spLocks noGrp="1" noRot="1" noChangeAspect="1"/>
+          </p:cNvSpPr>
+          <p:nvPr>
+            <p:ph type="sldImg" idx="2"/>
+          </p:nvPr>
+        </p:nvSpPr>
+        <p:spPr>
+          <a:xfrm>
+            <a:off x="1143000" y="685800"/>
+            <a:ext cx="4572000" cy="3429000"/>
+          </a:xfrm>
+          <a:prstGeom prst="rect">
+            <a:avLst/>
+          </a:prstGeom>
+          <a:noFill/>
+          <a:ln w="12700">
+            <a:solidFill>
+              <a:prstClr val="black"/>
+            </a:solidFill>
+          </a:ln>
+        </p:spPr>
+        <p:txBody>
+          <a:bodyPr vert="horz" lIns="91440" tIns="45720" rIns="91440" bIns="45720" rtlCol="0" anchor="ctr"/>
+          <a:lstStyle/>
+          <a:p>
+            <a:endParaRPr lang="zh-CN" altLang="en-US"/>
+          </a:p>
+        </p:txBody>
+      </p:sp>
+      <p:sp>
+        <p:nvSpPr>
+          <p:cNvPr id="5" name="备注占位符 4"/>
+          <p:cNvSpPr>
+            <a:spLocks noGrp="1"/>
+          </p:cNvSpPr>
+          <p:nvPr>
+            <p:ph type="body" sz="quarter" idx="3"/>
+          </p:nvPr>
+        </p:nvSpPr>
+        <p:spPr>
+          <a:xfrm>
+            <a:off x="685800" y="4343400"/>
+            <a:ext cx="5486400" cy="4114800"/>
+          </a:xfrm>
+          <a:prstGeom prst="rect">
+            <a:avLst/>
+          </a:prstGeom>
+        </p:spPr>
+        <p:txBody>
+          <a:bodyPr vert="horz" lIns="91440" tIns="45720" rIns="91440" bIns="45720" rtlCol="0"/>
+          <a:lstStyle/>
+          <a:p>
+            <a:pPr lvl="0"/>
+            <a:r>
+              <a:rPr lang="zh-CN" altLang="en-US" smtClean="0"/>
+              <a:t>单击此处编辑母版文本样式</a:t>
+            </a:r>
+          </a:p>
+          <a:p>
+            <a:pPr lvl="1"/>
+            <a:r>
+              <a:rPr lang="zh-CN" altLang="en-US" smtClean="0"/>
+              <a:t>第二级</a:t>
+            </a:r>
+          </a:p>
+          <a:p>
+            <a:pPr lvl="2"/>
+            <a:r>
+              <a:rPr lang="zh-CN" altLang="en-US" smtClean="0"/>
+              <a:t>第三级</a:t>
+            </a:r>
+          </a:p>
+          <a:p>
+            <a:pPr lvl="3"/>
+            <a:r>
+              <a:rPr lang="zh-CN" altLang="en-US" smtClean="0"/>
+              <a:t>第四级</a:t>
+            </a:r>
+          </a:p>
+          <a:p>
+            <a:pPr lvl="4"/>
+            <a:r>
+              <a:rPr lang="zh-CN" altLang="en-US" smtClean="0"/>
+              <a:t>第五级</a:t>
+            </a:r>
+            <a:endParaRPr lang="zh-CN" altLang="en-US"/>
+          </a:p>
+        </p:txBody>
+      </p:sp>
+      <p:sp>
+        <p:nvSpPr>
+          <p:cNvPr id="6" name="页脚占位符 5"/>
+          <p:cNvSpPr>
+            <a:spLocks noGrp="1"/>
+          </p:cNvSpPr>
+          <p:nvPr>
+            <p:ph type="ftr" sz="quarter" idx="4"/>
+          </p:nvPr>
+        </p:nvSpPr>
+        <p:spPr>
+          <a:xfrm>
+            <a:off x="0" y="8685213"/>
+            <a:ext cx="2971800" cy="457200"/>
+          </a:xfrm>
+          <a:prstGeom prst="rect">
+            <a:avLst/>
+          </a:prstGeom>
+        </p:spPr>
+        <p:txBody>
+          <a:bodyPr vert="horz" lIns="91440" tIns="45720" rIns="91440" bIns="45720" rtlCol="0" anchor="b"/>
+          <a:lstStyle>
+            <a:lvl1pPr algn="l">
+              <a:defRPr sz="1200"/>
+            </a:lvl1pPr>
+          </a:lstStyle>
+          <a:p>
+            <a:endParaRPr lang="zh-CN" altLang="en-US"/>
+          </a:p>
+        </p:txBody>
+      </p:sp>
+      <p:sp>
+        <p:nvSpPr>
+          <p:cNvPr id="7" name="灯片编号占位符 6"/>
+          <p:cNvSpPr>
+            <a:spLocks noGrp="1"/>
+          </p:cNvSpPr>
+          <p:nvPr>
+            <p:ph type="sldNum" sz="quarter" idx="5"/>
+          </p:nvPr>
+        </p:nvSpPr>
+        <p:spPr>
+          <a:xfrm>
+            <a:off x="3884613" y="8685213"/>
+            <a:ext cx="2971800" cy="457200"/>
+          </a:xfrm>
+          <a:prstGeom prst="rect">
+            <a:avLst/>
+          </a:prstGeom>
+        </p:spPr>
+        <p:txBody>
+          <a:bodyPr vert="horz" lIns="91440" tIns="45720" rIns="91440" bIns="45720" rtlCol="0" anchor="b"/>
+          <a:lstStyle>
+            <a:lvl1pPr algn="r">
+              <a:defRPr sz="1200"/>
+            </a:lvl1pPr>
+          </a:lstStyle>
+          <a:p>
+            <a:fld id="{9B32862A-1A29-43A6-BAAF-E2967D2F5DEF}" type="slidenum">
+              <a:rPr lang="zh-CN" altLang="en-US" smtClean="0"/>
+              <a:t>‹#›</a:t>
+            </a:fld>
+            <a:endParaRPr lang="zh-CN" altLang="en-US"/>
+          </a:p>
+        </p:txBody>
+      </p:sp>
+    </p:spTree>
+    <p:extLst>
+      <p:ext uri="{BB962C8B-B14F-4D97-AF65-F5344CB8AC3E}">
+        <p14:creationId xmlns:p14="http://schemas.microsoft.com/office/powerpoint/2010/main" val="1949780636"/>
+      </p:ext>
+    </p:extLst>
+  </p:cSld>
+  <p:clrMap bg1="lt1" tx1="dk1" bg2="lt2" tx2="dk2" accent1="accent1" accent2="accent2" accent3="accent3" accent4="accent4" accent5="accent5" accent6="accent6" hlink="hlink" folHlink="folHlink"/>
+  <p:notesStyle>
+    <a:lvl1pPr marL="0" algn="l" defTabSz="914400" rtl="0" eaLnBrk="1" latinLnBrk="0" hangingPunct="1">
+      <a:defRPr sz="1200" kern="1200">
+        <a:solidFill>
+          <a:schemeClr val="tx1"/>
+        </a:solidFill>
+        <a:latin typeface="+mn-lt"/>
+        <a:ea typeface="+mn-ea"/>
+        <a:cs typeface="+mn-cs"/>
+      </a:defRPr>
+    </a:lvl1pPr>
+    <a:lvl2pPr marL="457200" algn="l" defTabSz="914400" rtl="0" eaLnBrk="1" latinLnBrk="0" hangingPunct="1">
+      <a:defRPr sz="1200" kern="1200">
+        <a:solidFill>
+          <a:schemeClr val="tx1"/>
+        </a:solidFill>
+        <a:latin typeface="+mn-lt"/>
+        <a:ea typeface="+mn-ea"/>
+        <a:cs typeface="+mn-cs"/>
+      </a:defRPr>
+    </a:lvl2pPr>
+    <a:lvl3pPr marL="914400" algn="l" defTabSz="914400" rtl="0" eaLnBrk="1" latinLnBrk="0" hangingPunct="1">
+      <a:defRPr sz="1200" kern="1200">
+        <a:solidFill>
+          <a:schemeClr val="tx1"/>
+        </a:solidFill>
+        <a:latin typeface="+mn-lt"/>
+        <a:ea typeface="+mn-ea"/>
+        <a:cs typeface="+mn-cs"/>
+      </a:defRPr>
+    </a:lvl3pPr>
+    <a:lvl4pPr marL="1371600" algn="l" defTabSz="914400" rtl="0" eaLnBrk="1" latinLnBrk="0" hangingPunct="1">
+      <a:defRPr sz="1200" kern="1200">
+        <a:solidFill>
+          <a:schemeClr val="tx1"/>
+        </a:solidFill>
+        <a:latin typeface="+mn-lt"/>
+        <a:ea typeface="+mn-ea"/>
+        <a:cs typeface="+mn-cs"/>
+      </a:defRPr>
+    </a:lvl4pPr>
+    <a:lvl5pPr marL="1828800" algn="l" defTabSz="914400" rtl="0" eaLnBrk="1" latinLnBrk="0" hangingPunct="1">
+      <a:defRPr sz="1200" kern="1200">
+        <a:solidFill>
+          <a:schemeClr val="tx1"/>
+        </a:solidFill>
+        <a:latin typeface="+mn-lt"/>
+        <a:ea typeface="+mn-ea"/>
+        <a:cs typeface="+mn-cs"/>
+      </a:defRPr>
+    </a:lvl5pPr>
+    <a:lvl6pPr marL="2286000" algn="l" defTabSz="914400" rtl="0" eaLnBrk="1" latinLnBrk="0" hangingPunct="1">
+      <a:defRPr sz="1200" kern="1200">
+        <a:solidFill>
+          <a:schemeClr val="tx1"/>
+        </a:solidFill>
+        <a:latin typeface="+mn-lt"/>
+        <a:ea typeface="+mn-ea"/>
+        <a:cs typeface="+mn-cs"/>
+      </a:defRPr>
+    </a:lvl6pPr>
+    <a:lvl7pPr marL="2743200" algn="l" defTabSz="914400" rtl="0" eaLnBrk="1" latinLnBrk="0" hangingPunct="1">
+      <a:defRPr sz="1200" kern="1200">
+        <a:solidFill>
+          <a:schemeClr val="tx1"/>
+        </a:solidFill>
+        <a:latin typeface="+mn-lt"/>
+        <a:ea typeface="+mn-ea"/>
+        <a:cs typeface="+mn-cs"/>
+      </a:defRPr>
+    </a:lvl7pPr>
+    <a:lvl8pPr marL="3200400" algn="l" defTabSz="914400" rtl="0" eaLnBrk="1" latinLnBrk="0" hangingPunct="1">
+      <a:defRPr sz="1200" kern="1200">
+        <a:solidFill>
+          <a:schemeClr val="tx1"/>
+        </a:solidFill>
+        <a:latin typeface="+mn-lt"/>
+        <a:ea typeface="+mn-ea"/>
+        <a:cs typeface="+mn-cs"/>
+      </a:defRPr>
+    </a:lvl8pPr>
+    <a:lvl9pPr marL="3657600" algn="l" defTabSz="914400" rtl="0" eaLnBrk="1" latinLnBrk="0" hangingPunct="1">
+      <a:defRPr sz="1200" kern="1200">
+        <a:solidFill>
+          <a:schemeClr val="tx1"/>
+        </a:solidFill>
+        <a:latin typeface="+mn-lt"/>
+        <a:ea typeface="+mn-ea"/>
+        <a:cs typeface="+mn-cs"/>
+      </a:defRPr>
+    </a:lvl9pPr>
+  </p:notesStyle>
+</p:notesMaster>
+</file>
+
+<file path=ppt/notesSlides/notesSlide1.xml><?xml version="1.0" encoding="utf-8"?>
+<p:notes xmlns:a="http://schemas.openxmlformats.org/drawingml/2006/main" xmlns:r="http://schemas.openxmlformats.org/officeDocument/2006/relationships" xmlns:p="http://schemas.openxmlformats.org/presentationml/2006/main">
+  <p:cSld>
+    <p:spTree>
+      <p:nvGrpSpPr>
+        <p:cNvPr id="1" name=""/>
+        <p:cNvGrpSpPr/>
+        <p:nvPr/>
+      </p:nvGrpSpPr>
+      <p:grpSpPr>
+        <a:xfrm>
+          <a:off x="0" y="0"/>
+          <a:ext cx="0" cy="0"/>
+          <a:chOff x="0" y="0"/>
+          <a:chExt cx="0" cy="0"/>
+        </a:xfrm>
+      </p:grpSpPr>
+      <p:sp>
+        <p:nvSpPr>
+          <p:cNvPr id="2" name="幻灯片图像占位符 1"/>
+          <p:cNvSpPr>
+            <a:spLocks noGrp="1" noRot="1" noChangeAspect="1"/>
+          </p:cNvSpPr>
+          <p:nvPr>
+            <p:ph type="sldImg"/>
+          </p:nvPr>
+        </p:nvSpPr>
+        <p:spPr/>
+      </p:sp>
+      <p:sp>
+        <p:nvSpPr>
+          <p:cNvPr id="3" name="备注占位符 2"/>
+          <p:cNvSpPr>
+            <a:spLocks noGrp="1"/>
+          </p:cNvSpPr>
+          <p:nvPr>
+            <p:ph type="body" idx="1"/>
+          </p:nvPr>
+        </p:nvSpPr>
+        <p:spPr/>
+        <p:txBody>
+          <a:bodyPr/>
+          <a:lstStyle/>
+          <a:p>
+            <a:endParaRPr lang="zh-CN" altLang="en-US" dirty="0"/>
+          </a:p>
+        </p:txBody>
+      </p:sp>
+      <p:sp>
+        <p:nvSpPr>
+          <p:cNvPr id="4" name="灯片编号占位符 3"/>
+          <p:cNvSpPr>
+            <a:spLocks noGrp="1"/>
+          </p:cNvSpPr>
+          <p:nvPr>
+            <p:ph type="sldNum" sz="quarter" idx="10"/>
+          </p:nvPr>
+        </p:nvSpPr>
+        <p:spPr/>
+        <p:txBody>
+          <a:bodyPr/>
+          <a:lstStyle/>
+          <a:p>
+            <a:fld id="{9B32862A-1A29-43A6-BAAF-E2967D2F5DEF}" type="slidenum">
+              <a:rPr lang="zh-CN" altLang="en-US" smtClean="0"/>
+              <a:t>20</a:t>
+            </a:fld>
+            <a:endParaRPr lang="zh-CN" altLang="en-US"/>
+          </a:p>
+        </p:txBody>
+      </p:sp>
+    </p:spTree>
+    <p:extLst>
+      <p:ext uri="{BB962C8B-B14F-4D97-AF65-F5344CB8AC3E}">
+        <p14:creationId xmlns:p14="http://schemas.microsoft.com/office/powerpoint/2010/main" val="1692689982"/>
+      </p:ext>
+    </p:extLst>
+  </p:cSld>
+  <p:clrMapOvr>
+    <a:masterClrMapping/>
+  </p:clrMapOvr>
+</p:notes>
+</file>
+
 <file path=ppt/slideLayouts/slideLayout1.xml><?xml version="1.0" encoding="utf-8"?>
 <p:sldLayout xmlns:a="http://schemas.openxmlformats.org/drawingml/2006/main" xmlns:r="http://schemas.openxmlformats.org/officeDocument/2006/relationships" xmlns:p="http://schemas.openxmlformats.org/presentationml/2006/main" type="title" preserve="1">
   <p:cSld name="标题幻灯片">
@@ -304,7 +744,7 @@
           <a:p>
             <a:fld id="{530820CF-B880-4189-942D-D702A7CBA730}" type="datetimeFigureOut">
               <a:rPr lang="zh-CN" altLang="en-US" smtClean="0"/>
-              <a:t>2014/4/14</a:t>
+              <a:t>2014/4/15</a:t>
             </a:fld>
             <a:endParaRPr lang="zh-CN" altLang="en-US"/>
           </a:p>
@@ -469,7 +909,7 @@
           <a:p>
             <a:fld id="{530820CF-B880-4189-942D-D702A7CBA730}" type="datetimeFigureOut">
               <a:rPr lang="zh-CN" altLang="en-US" smtClean="0"/>
-              <a:t>2014/4/14</a:t>
+              <a:t>2014/4/15</a:t>
             </a:fld>
             <a:endParaRPr lang="zh-CN" altLang="en-US"/>
           </a:p>
@@ -644,7 +1084,7 @@
           <a:p>
             <a:fld id="{530820CF-B880-4189-942D-D702A7CBA730}" type="datetimeFigureOut">
               <a:rPr lang="zh-CN" altLang="en-US" smtClean="0"/>
-              <a:t>2014/4/14</a:t>
+              <a:t>2014/4/15</a:t>
             </a:fld>
             <a:endParaRPr lang="zh-CN" altLang="en-US"/>
           </a:p>
@@ -809,7 +1249,7 @@
           <a:p>
             <a:fld id="{530820CF-B880-4189-942D-D702A7CBA730}" type="datetimeFigureOut">
               <a:rPr lang="zh-CN" altLang="en-US" smtClean="0"/>
-              <a:t>2014/4/14</a:t>
+              <a:t>2014/4/15</a:t>
             </a:fld>
             <a:endParaRPr lang="zh-CN" altLang="en-US"/>
           </a:p>
@@ -1050,7 +1490,7 @@
           <a:p>
             <a:fld id="{530820CF-B880-4189-942D-D702A7CBA730}" type="datetimeFigureOut">
               <a:rPr lang="zh-CN" altLang="en-US" smtClean="0"/>
-              <a:t>2014/4/14</a:t>
+              <a:t>2014/4/15</a:t>
             </a:fld>
             <a:endParaRPr lang="zh-CN" altLang="en-US"/>
           </a:p>
@@ -1333,7 +1773,7 @@
           <a:p>
             <a:fld id="{530820CF-B880-4189-942D-D702A7CBA730}" type="datetimeFigureOut">
               <a:rPr lang="zh-CN" altLang="en-US" smtClean="0"/>
-              <a:t>2014/4/14</a:t>
+              <a:t>2014/4/15</a:t>
             </a:fld>
             <a:endParaRPr lang="zh-CN" altLang="en-US"/>
           </a:p>
@@ -1750,7 +2190,7 @@
           <a:p>
             <a:fld id="{530820CF-B880-4189-942D-D702A7CBA730}" type="datetimeFigureOut">
               <a:rPr lang="zh-CN" altLang="en-US" smtClean="0"/>
-              <a:t>2014/4/14</a:t>
+              <a:t>2014/4/15</a:t>
             </a:fld>
             <a:endParaRPr lang="zh-CN" altLang="en-US"/>
           </a:p>
@@ -1863,7 +2303,7 @@
           <a:p>
             <a:fld id="{530820CF-B880-4189-942D-D702A7CBA730}" type="datetimeFigureOut">
               <a:rPr lang="zh-CN" altLang="en-US" smtClean="0"/>
-              <a:t>2014/4/14</a:t>
+              <a:t>2014/4/15</a:t>
             </a:fld>
             <a:endParaRPr lang="zh-CN" altLang="en-US"/>
           </a:p>
@@ -1953,7 +2393,7 @@
           <a:p>
             <a:fld id="{530820CF-B880-4189-942D-D702A7CBA730}" type="datetimeFigureOut">
               <a:rPr lang="zh-CN" altLang="en-US" smtClean="0"/>
-              <a:t>2014/4/14</a:t>
+              <a:t>2014/4/15</a:t>
             </a:fld>
             <a:endParaRPr lang="zh-CN" altLang="en-US"/>
           </a:p>
@@ -2225,7 +2665,7 @@
           <a:p>
             <a:fld id="{530820CF-B880-4189-942D-D702A7CBA730}" type="datetimeFigureOut">
               <a:rPr lang="zh-CN" altLang="en-US" smtClean="0"/>
-              <a:t>2014/4/14</a:t>
+              <a:t>2014/4/15</a:t>
             </a:fld>
             <a:endParaRPr lang="zh-CN" altLang="en-US"/>
           </a:p>
@@ -2473,7 +2913,7 @@
           <a:p>
             <a:fld id="{530820CF-B880-4189-942D-D702A7CBA730}" type="datetimeFigureOut">
               <a:rPr lang="zh-CN" altLang="en-US" smtClean="0"/>
-              <a:t>2014/4/14</a:t>
+              <a:t>2014/4/15</a:t>
             </a:fld>
             <a:endParaRPr lang="zh-CN" altLang="en-US"/>
           </a:p>
@@ -2681,7 +3121,7 @@
           <a:p>
             <a:fld id="{530820CF-B880-4189-942D-D702A7CBA730}" type="datetimeFigureOut">
               <a:rPr lang="zh-CN" altLang="en-US" smtClean="0"/>
-              <a:t>2014/4/14</a:t>
+              <a:t>2014/4/15</a:t>
             </a:fld>
             <a:endParaRPr lang="zh-CN" altLang="en-US"/>
           </a:p>
@@ -4862,188 +5302,69 @@
             <p:ph type="title"/>
           </p:nvPr>
         </p:nvSpPr>
-        <p:spPr>
-          <a:xfrm>
-            <a:off x="467544" y="260648"/>
-            <a:ext cx="8229600" cy="1143000"/>
-          </a:xfrm>
-        </p:spPr>
+        <p:spPr/>
         <p:txBody>
           <a:bodyPr/>
           <a:lstStyle/>
           <a:p>
             <a:r>
-              <a:rPr lang="zh-CN" altLang="en-US" dirty="0" smtClean="0"/>
-              <a:t>会话</a:t>
-            </a:r>
-            <a:r>
-              <a:rPr lang="zh-CN" altLang="en-US" dirty="0" smtClean="0"/>
-              <a:t>管理</a:t>
-            </a:r>
-            <a:r>
-              <a:rPr lang="en-US" altLang="zh-CN" dirty="0" smtClean="0"/>
-              <a:t>-</a:t>
-            </a:r>
-            <a:r>
-              <a:rPr lang="zh-CN" altLang="en-US" dirty="0" smtClean="0"/>
-              <a:t>基本模型</a:t>
-            </a:r>
-            <a:endParaRPr lang="zh-CN" altLang="en-US" dirty="0"/>
-          </a:p>
-        </p:txBody>
-      </p:sp>
-      <p:sp>
-        <p:nvSpPr>
-          <p:cNvPr id="4" name="矩形 3"/>
+              <a:rPr lang="en-US" altLang="zh-CN" dirty="0" err="1" smtClean="0"/>
+              <a:t>MongoDB</a:t>
+            </a:r>
+            <a:r>
+              <a:rPr lang="zh-CN" altLang="en-US" dirty="0"/>
+              <a:t>配置</a:t>
+            </a:r>
+          </a:p>
+        </p:txBody>
+      </p:sp>
+      <p:sp>
+        <p:nvSpPr>
+          <p:cNvPr id="6" name="矩形 5"/>
           <p:cNvSpPr/>
           <p:nvPr/>
         </p:nvSpPr>
         <p:spPr>
           <a:xfrm>
-            <a:off x="971600" y="1628800"/>
-            <a:ext cx="1872208" cy="2448272"/>
+            <a:off x="827584" y="1233626"/>
+            <a:ext cx="7087197" cy="646331"/>
           </a:xfrm>
           <a:prstGeom prst="rect">
             <a:avLst/>
           </a:prstGeom>
         </p:spPr>
-        <p:style>
-          <a:lnRef idx="1">
-            <a:schemeClr val="accent2"/>
-          </a:lnRef>
-          <a:fillRef idx="3">
-            <a:schemeClr val="accent2"/>
-          </a:fillRef>
-          <a:effectRef idx="2">
-            <a:schemeClr val="accent2"/>
-          </a:effectRef>
-          <a:fontRef idx="minor">
-            <a:schemeClr val="lt1"/>
-          </a:fontRef>
-        </p:style>
-        <p:txBody>
-          <a:bodyPr rtlCol="0" anchor="ctr"/>
-          <a:lstStyle/>
-          <a:p>
-            <a:pPr algn="ctr"/>
-            <a:endParaRPr lang="zh-CN" altLang="en-US" dirty="0"/>
-          </a:p>
-        </p:txBody>
-      </p:sp>
-      <p:sp>
-        <p:nvSpPr>
-          <p:cNvPr id="5" name="矩形 4"/>
-          <p:cNvSpPr/>
-          <p:nvPr/>
-        </p:nvSpPr>
-        <p:spPr>
-          <a:xfrm>
-            <a:off x="3851920" y="1628800"/>
-            <a:ext cx="1872208" cy="2376264"/>
-          </a:xfrm>
-          <a:prstGeom prst="rect">
-            <a:avLst/>
-          </a:prstGeom>
-        </p:spPr>
-        <p:style>
-          <a:lnRef idx="1">
-            <a:schemeClr val="accent2"/>
-          </a:lnRef>
-          <a:fillRef idx="3">
-            <a:schemeClr val="accent2"/>
-          </a:fillRef>
-          <a:effectRef idx="2">
-            <a:schemeClr val="accent2"/>
-          </a:effectRef>
-          <a:fontRef idx="minor">
-            <a:schemeClr val="lt1"/>
-          </a:fontRef>
-        </p:style>
-        <p:txBody>
-          <a:bodyPr rtlCol="0" anchor="ctr"/>
-          <a:lstStyle/>
-          <a:p>
-            <a:pPr algn="ctr"/>
-            <a:endParaRPr lang="zh-CN" altLang="en-US" dirty="0"/>
-          </a:p>
-        </p:txBody>
-      </p:sp>
-      <p:cxnSp>
-        <p:nvCxnSpPr>
-          <p:cNvPr id="7" name="直接箭头连接符 6"/>
-          <p:cNvCxnSpPr>
-            <a:stCxn id="4" idx="3"/>
-            <a:endCxn id="5" idx="1"/>
-          </p:cNvCxnSpPr>
-          <p:nvPr/>
-        </p:nvCxnSpPr>
-        <p:spPr>
-          <a:xfrm flipV="1">
-            <a:off x="2843808" y="2816932"/>
-            <a:ext cx="1008112" cy="36004"/>
-          </a:xfrm>
-          <a:prstGeom prst="straightConnector1">
-            <a:avLst/>
-          </a:prstGeom>
-          <a:ln>
-            <a:headEnd type="arrow" w="med" len="med"/>
-            <a:tailEnd type="none" w="med" len="med"/>
-          </a:ln>
-        </p:spPr>
-        <p:style>
-          <a:lnRef idx="2">
-            <a:schemeClr val="accent2"/>
-          </a:lnRef>
-          <a:fillRef idx="0">
-            <a:schemeClr val="accent2"/>
-          </a:fillRef>
-          <a:effectRef idx="1">
-            <a:schemeClr val="accent2"/>
-          </a:effectRef>
-          <a:fontRef idx="minor">
-            <a:schemeClr val="tx1"/>
-          </a:fontRef>
-        </p:style>
-      </p:cxnSp>
-      <p:sp>
-        <p:nvSpPr>
-          <p:cNvPr id="10" name="矩形 9"/>
-          <p:cNvSpPr/>
-          <p:nvPr/>
-        </p:nvSpPr>
-        <p:spPr>
-          <a:xfrm>
-            <a:off x="1122874" y="1696162"/>
-            <a:ext cx="1569660" cy="369332"/>
-          </a:xfrm>
-          <a:prstGeom prst="rect">
-            <a:avLst/>
-          </a:prstGeom>
-        </p:spPr>
-        <p:style>
-          <a:lnRef idx="1">
-            <a:schemeClr val="accent6"/>
-          </a:lnRef>
-          <a:fillRef idx="3">
-            <a:schemeClr val="accent6"/>
-          </a:fillRef>
-          <a:effectRef idx="2">
-            <a:schemeClr val="accent6"/>
-          </a:effectRef>
-          <a:fontRef idx="minor">
-            <a:schemeClr val="lt1"/>
-          </a:fontRef>
-        </p:style>
         <p:txBody>
           <a:bodyPr wrap="none">
             <a:spAutoFit/>
           </a:bodyPr>
           <a:lstStyle/>
           <a:p>
-            <a:pPr algn="ctr"/>
-            <a:r>
-              <a:rPr lang="zh-CN" altLang="en-US" dirty="0"/>
-              <a:t>会话基本信息</a:t>
+            <a:r>
+              <a:rPr lang="zh-CN" altLang="en-US" dirty="0" smtClean="0"/>
+              <a:t>只有在启用</a:t>
+            </a:r>
+            <a:r>
+              <a:rPr lang="en-US" altLang="zh-CN" dirty="0" err="1" smtClean="0"/>
+              <a:t>mongodb</a:t>
+            </a:r>
+            <a:r>
+              <a:rPr lang="zh-CN" altLang="en-US" dirty="0" smtClean="0"/>
+              <a:t>存储令牌的情况下才需要配置，配置文件地址：</a:t>
+            </a:r>
+            <a:endParaRPr lang="en-US" altLang="zh-CN" dirty="0" smtClean="0"/>
+          </a:p>
+          <a:p>
+            <a:r>
+              <a:rPr lang="en-US" altLang="zh-CN" dirty="0" smtClean="0"/>
+              <a:t>/</a:t>
+            </a:r>
+            <a:r>
+              <a:rPr lang="en-US" altLang="zh-CN" dirty="0" err="1"/>
+              <a:t>SanyPDP</a:t>
+            </a:r>
+            <a:r>
+              <a:rPr lang="en-US" altLang="zh-CN" dirty="0"/>
+              <a:t>/resources/mongodb.xml</a:t>
             </a:r>
             <a:endParaRPr lang="zh-CN" altLang="en-US" dirty="0"/>
           </a:p>
@@ -5051,312 +5372,224 @@
       </p:sp>
       <p:sp>
         <p:nvSpPr>
-          <p:cNvPr id="11" name="矩形 10"/>
+          <p:cNvPr id="7" name="矩形 6"/>
           <p:cNvSpPr/>
           <p:nvPr/>
         </p:nvSpPr>
         <p:spPr>
           <a:xfrm>
-            <a:off x="1059170" y="2621596"/>
-            <a:ext cx="1697068" cy="288032"/>
+            <a:off x="1021104" y="2027468"/>
+            <a:ext cx="6534472" cy="3323987"/>
           </a:xfrm>
           <a:prstGeom prst="rect">
             <a:avLst/>
           </a:prstGeom>
         </p:spPr>
-        <p:style>
-          <a:lnRef idx="1">
-            <a:schemeClr val="accent4"/>
-          </a:lnRef>
-          <a:fillRef idx="3">
-            <a:schemeClr val="accent4"/>
-          </a:fillRef>
-          <a:effectRef idx="2">
-            <a:schemeClr val="accent4"/>
-          </a:effectRef>
-          <a:fontRef idx="minor">
-            <a:schemeClr val="lt1"/>
-          </a:fontRef>
-        </p:style>
-        <p:txBody>
-          <a:bodyPr rtlCol="0" anchor="ctr"/>
-          <a:lstStyle/>
-          <a:p>
-            <a:r>
-              <a:rPr lang="zh-CN" altLang="en-US" dirty="0" smtClean="0"/>
-              <a:t>有效期</a:t>
-            </a:r>
-            <a:endParaRPr lang="zh-CN" altLang="en-US" dirty="0"/>
-          </a:p>
-        </p:txBody>
-      </p:sp>
-      <p:sp>
-        <p:nvSpPr>
-          <p:cNvPr id="12" name="矩形 11"/>
-          <p:cNvSpPr/>
-          <p:nvPr/>
-        </p:nvSpPr>
-        <p:spPr>
-          <a:xfrm>
-            <a:off x="1049088" y="3068960"/>
-            <a:ext cx="1707150" cy="288032"/>
-          </a:xfrm>
-          <a:prstGeom prst="rect">
-            <a:avLst/>
-          </a:prstGeom>
-        </p:spPr>
-        <p:style>
-          <a:lnRef idx="1">
-            <a:schemeClr val="accent4"/>
-          </a:lnRef>
-          <a:fillRef idx="3">
-            <a:schemeClr val="accent4"/>
-          </a:fillRef>
-          <a:effectRef idx="2">
-            <a:schemeClr val="accent4"/>
-          </a:effectRef>
-          <a:fontRef idx="minor">
-            <a:schemeClr val="lt1"/>
-          </a:fontRef>
-        </p:style>
-        <p:txBody>
-          <a:bodyPr rtlCol="0" anchor="ctr"/>
-          <a:lstStyle/>
-          <a:p>
-            <a:r>
-              <a:rPr lang="zh-CN" altLang="en-US" dirty="0" smtClean="0"/>
-              <a:t>创建时间</a:t>
-            </a:r>
-            <a:endParaRPr lang="zh-CN" altLang="en-US" dirty="0"/>
-          </a:p>
-        </p:txBody>
-      </p:sp>
-      <p:sp>
-        <p:nvSpPr>
-          <p:cNvPr id="13" name="矩形 12"/>
-          <p:cNvSpPr/>
-          <p:nvPr/>
-        </p:nvSpPr>
-        <p:spPr>
-          <a:xfrm>
-            <a:off x="1049088" y="3573016"/>
-            <a:ext cx="1707150" cy="288032"/>
-          </a:xfrm>
-          <a:prstGeom prst="rect">
-            <a:avLst/>
-          </a:prstGeom>
-        </p:spPr>
-        <p:style>
-          <a:lnRef idx="1">
-            <a:schemeClr val="accent4"/>
-          </a:lnRef>
-          <a:fillRef idx="3">
-            <a:schemeClr val="accent4"/>
-          </a:fillRef>
-          <a:effectRef idx="2">
-            <a:schemeClr val="accent4"/>
-          </a:effectRef>
-          <a:fontRef idx="minor">
-            <a:schemeClr val="lt1"/>
-          </a:fontRef>
-        </p:style>
-        <p:txBody>
-          <a:bodyPr rtlCol="0" anchor="ctr"/>
-          <a:lstStyle/>
-          <a:p>
-            <a:r>
-              <a:rPr lang="zh-CN" altLang="en-US" dirty="0" smtClean="0"/>
-              <a:t>最后访问时间</a:t>
-            </a:r>
-            <a:endParaRPr lang="zh-CN" altLang="en-US" dirty="0"/>
-          </a:p>
-        </p:txBody>
-      </p:sp>
-      <p:sp>
-        <p:nvSpPr>
-          <p:cNvPr id="14" name="矩形 13"/>
-          <p:cNvSpPr/>
-          <p:nvPr/>
-        </p:nvSpPr>
-        <p:spPr>
-          <a:xfrm>
-            <a:off x="1074732" y="2204864"/>
-            <a:ext cx="1697068" cy="288032"/>
-          </a:xfrm>
-          <a:prstGeom prst="rect">
-            <a:avLst/>
-          </a:prstGeom>
-        </p:spPr>
-        <p:style>
-          <a:lnRef idx="1">
-            <a:schemeClr val="accent4"/>
-          </a:lnRef>
-          <a:fillRef idx="3">
-            <a:schemeClr val="accent4"/>
-          </a:fillRef>
-          <a:effectRef idx="2">
-            <a:schemeClr val="accent4"/>
-          </a:effectRef>
-          <a:fontRef idx="minor">
-            <a:schemeClr val="lt1"/>
-          </a:fontRef>
-        </p:style>
-        <p:txBody>
-          <a:bodyPr rtlCol="0" anchor="ctr"/>
-          <a:lstStyle/>
-          <a:p>
-            <a:r>
-              <a:rPr lang="zh-CN" altLang="en-US" dirty="0" smtClean="0"/>
-              <a:t>会话标识</a:t>
-            </a:r>
-            <a:endParaRPr lang="zh-CN" altLang="en-US" dirty="0"/>
-          </a:p>
-        </p:txBody>
-      </p:sp>
-      <p:sp>
-        <p:nvSpPr>
-          <p:cNvPr id="16" name="矩形 15"/>
-          <p:cNvSpPr/>
-          <p:nvPr/>
-        </p:nvSpPr>
-        <p:spPr>
-          <a:xfrm>
-            <a:off x="4234026" y="1696162"/>
-            <a:ext cx="1107996" cy="369332"/>
-          </a:xfrm>
-          <a:prstGeom prst="rect">
-            <a:avLst/>
-          </a:prstGeom>
-        </p:spPr>
-        <p:style>
-          <a:lnRef idx="1">
-            <a:schemeClr val="accent6"/>
-          </a:lnRef>
-          <a:fillRef idx="3">
-            <a:schemeClr val="accent6"/>
-          </a:fillRef>
-          <a:effectRef idx="2">
-            <a:schemeClr val="accent6"/>
-          </a:effectRef>
-          <a:fontRef idx="minor">
-            <a:schemeClr val="lt1"/>
-          </a:fontRef>
-        </p:style>
-        <p:txBody>
-          <a:bodyPr wrap="none">
+        <p:txBody>
+          <a:bodyPr wrap="square">
             <a:spAutoFit/>
           </a:bodyPr>
           <a:lstStyle/>
           <a:p>
-            <a:pPr algn="ctr"/>
-            <a:r>
-              <a:rPr lang="zh-CN" altLang="en-US" dirty="0"/>
-              <a:t>会话</a:t>
-            </a:r>
-            <a:r>
-              <a:rPr lang="zh-CN" altLang="en-US" dirty="0" smtClean="0"/>
-              <a:t>属性</a:t>
-            </a:r>
-            <a:endParaRPr lang="zh-CN" altLang="en-US" dirty="0"/>
-          </a:p>
-        </p:txBody>
-      </p:sp>
-      <p:sp>
-        <p:nvSpPr>
-          <p:cNvPr id="17" name="矩形 16"/>
-          <p:cNvSpPr/>
-          <p:nvPr/>
-        </p:nvSpPr>
-        <p:spPr>
-          <a:xfrm>
-            <a:off x="4003194" y="2164214"/>
-            <a:ext cx="1569661" cy="369332"/>
-          </a:xfrm>
-          <a:prstGeom prst="rect">
-            <a:avLst/>
-          </a:prstGeom>
-        </p:spPr>
-        <p:style>
-          <a:lnRef idx="1">
-            <a:schemeClr val="accent4"/>
-          </a:lnRef>
-          <a:fillRef idx="3">
-            <a:schemeClr val="accent4"/>
-          </a:fillRef>
-          <a:effectRef idx="2">
-            <a:schemeClr val="accent4"/>
-          </a:effectRef>
-          <a:fontRef idx="minor">
-            <a:schemeClr val="lt1"/>
-          </a:fontRef>
-        </p:style>
-        <p:txBody>
-          <a:bodyPr rot="0" spcFirstLastPara="0" vertOverflow="overflow" horzOverflow="overflow" vert="horz" wrap="square" lIns="91440" tIns="45720" rIns="91440" bIns="45720" numCol="1" spcCol="0" rtlCol="0" fromWordArt="0" anchor="ctr" anchorCtr="0" forceAA="0" compatLnSpc="1">
-            <a:prstTxWarp prst="textNoShape">
-              <a:avLst/>
-            </a:prstTxWarp>
-            <a:noAutofit/>
-          </a:bodyPr>
-          <a:lstStyle/>
-          <a:p>
-            <a:r>
-              <a:rPr lang="zh-CN" altLang="en-US" dirty="0"/>
-              <a:t>会话属性名称</a:t>
-            </a:r>
-            <a:endParaRPr lang="zh-CN" altLang="en-US" dirty="0"/>
-          </a:p>
-        </p:txBody>
-      </p:sp>
-      <p:sp>
-        <p:nvSpPr>
-          <p:cNvPr id="18" name="矩形 17"/>
-          <p:cNvSpPr/>
-          <p:nvPr/>
-        </p:nvSpPr>
-        <p:spPr>
-          <a:xfrm>
-            <a:off x="4003194" y="2668270"/>
-            <a:ext cx="1454245" cy="369332"/>
-          </a:xfrm>
-          <a:prstGeom prst="rect">
-            <a:avLst/>
-          </a:prstGeom>
-        </p:spPr>
-        <p:style>
-          <a:lnRef idx="1">
-            <a:schemeClr val="accent4"/>
-          </a:lnRef>
-          <a:fillRef idx="3">
-            <a:schemeClr val="accent4"/>
-          </a:fillRef>
-          <a:effectRef idx="2">
-            <a:schemeClr val="accent4"/>
-          </a:effectRef>
-          <a:fontRef idx="minor">
-            <a:schemeClr val="lt1"/>
-          </a:fontRef>
-        </p:style>
-        <p:txBody>
-          <a:bodyPr rot="0" spcFirstLastPara="0" vertOverflow="overflow" horzOverflow="overflow" vert="horz" wrap="square" lIns="91440" tIns="45720" rIns="91440" bIns="45720" numCol="1" spcCol="0" rtlCol="0" fromWordArt="0" anchor="ctr" anchorCtr="0" forceAA="0" compatLnSpc="1">
-            <a:prstTxWarp prst="textNoShape">
-              <a:avLst/>
-            </a:prstTxWarp>
-            <a:noAutofit/>
-          </a:bodyPr>
-          <a:lstStyle/>
-          <a:p>
-            <a:r>
-              <a:rPr lang="zh-CN" altLang="en-US" dirty="0"/>
-              <a:t>会话属性值</a:t>
-            </a:r>
-            <a:endParaRPr lang="zh-CN" altLang="en-US" dirty="0"/>
+            <a:r>
+              <a:rPr lang="zh-CN" altLang="en-US" sz="1400" dirty="0" smtClean="0"/>
+              <a:t>配置内容如下：</a:t>
+            </a:r>
+            <a:endParaRPr lang="en-US" altLang="zh-CN" sz="1400" dirty="0" smtClean="0"/>
+          </a:p>
+          <a:p>
+            <a:r>
+              <a:rPr lang="en-US" altLang="zh-CN" sz="1400" dirty="0" smtClean="0"/>
+              <a:t>&lt;</a:t>
+            </a:r>
+            <a:r>
+              <a:rPr lang="en-US" altLang="zh-CN" sz="1400" dirty="0"/>
+              <a:t>property name=</a:t>
+            </a:r>
+            <a:r>
+              <a:rPr lang="en-US" altLang="zh-CN" sz="1400" i="1" dirty="0"/>
+              <a:t>"default" factory-class="</a:t>
+            </a:r>
+            <a:r>
+              <a:rPr lang="en-US" altLang="zh-CN" sz="1400" i="1" dirty="0" err="1"/>
+              <a:t>org.frameworkset.nosql.mongodb.MongoDB</a:t>
+            </a:r>
+            <a:r>
+              <a:rPr lang="en-US" altLang="zh-CN" sz="1400" i="1" dirty="0"/>
+              <a:t>"</a:t>
+            </a:r>
+          </a:p>
+          <a:p>
+            <a:r>
+              <a:rPr lang="en-US" altLang="zh-CN" sz="1400" dirty="0" err="1"/>
+              <a:t>init</a:t>
+            </a:r>
+            <a:r>
+              <a:rPr lang="en-US" altLang="zh-CN" sz="1400" dirty="0"/>
+              <a:t>-method=</a:t>
+            </a:r>
+            <a:r>
+              <a:rPr lang="en-US" altLang="zh-CN" sz="1400" i="1" dirty="0"/>
+              <a:t>"</a:t>
+            </a:r>
+            <a:r>
+              <a:rPr lang="en-US" altLang="zh-CN" sz="1400" i="1" dirty="0" err="1"/>
+              <a:t>init</a:t>
+            </a:r>
+            <a:r>
+              <a:rPr lang="en-US" altLang="zh-CN" sz="1400" i="1" dirty="0"/>
+              <a:t>" destroy-method="close" factory-method="</a:t>
+            </a:r>
+            <a:r>
+              <a:rPr lang="en-US" altLang="zh-CN" sz="1400" i="1" dirty="0" err="1"/>
+              <a:t>getMongoClient</a:t>
+            </a:r>
+            <a:r>
+              <a:rPr lang="en-US" altLang="zh-CN" sz="1400" i="1" dirty="0"/>
+              <a:t>"&gt;</a:t>
+            </a:r>
+          </a:p>
+          <a:p>
+            <a:r>
+              <a:rPr lang="en-US" altLang="zh-CN" sz="1400" dirty="0" smtClean="0"/>
+              <a:t>&lt;</a:t>
+            </a:r>
+            <a:r>
+              <a:rPr lang="en-US" altLang="zh-CN" sz="1400" dirty="0"/>
+              <a:t>property name=</a:t>
+            </a:r>
+            <a:r>
+              <a:rPr lang="en-US" altLang="zh-CN" sz="1400" i="1" dirty="0"/>
+              <a:t>"</a:t>
+            </a:r>
+            <a:r>
+              <a:rPr lang="en-US" altLang="zh-CN" sz="1400" i="1" dirty="0" err="1"/>
+              <a:t>serverAddresses</a:t>
+            </a:r>
+            <a:r>
+              <a:rPr lang="en-US" altLang="zh-CN" sz="1400" i="1" dirty="0"/>
+              <a:t>" &gt;</a:t>
+            </a:r>
+          </a:p>
+          <a:p>
+            <a:r>
+              <a:rPr lang="en-US" altLang="zh-CN" sz="1400" dirty="0"/>
+              <a:t>10.0.15.134:27017</a:t>
+            </a:r>
+          </a:p>
+          <a:p>
+            <a:r>
+              <a:rPr lang="en-US" altLang="zh-CN" sz="1400" dirty="0"/>
+              <a:t>10.0.15.134:27018</a:t>
+            </a:r>
+          </a:p>
+          <a:p>
+            <a:r>
+              <a:rPr lang="en-US" altLang="zh-CN" sz="1400" dirty="0"/>
+              <a:t>10.0.15.38:27017</a:t>
+            </a:r>
+          </a:p>
+          <a:p>
+            <a:r>
+              <a:rPr lang="en-US" altLang="zh-CN" sz="1400" dirty="0"/>
+              <a:t>10.0.15.39:27017</a:t>
+            </a:r>
+          </a:p>
+          <a:p>
+            <a:r>
+              <a:rPr lang="en-US" altLang="zh-CN" sz="1400" dirty="0"/>
+              <a:t>&lt;/property&gt;</a:t>
+            </a:r>
+          </a:p>
+          <a:p>
+            <a:r>
+              <a:rPr lang="en-US" altLang="zh-CN" sz="1400" dirty="0"/>
+              <a:t>&lt;property name=</a:t>
+            </a:r>
+            <a:r>
+              <a:rPr lang="en-US" altLang="zh-CN" sz="1400" i="1" dirty="0"/>
+              <a:t>"option" &gt;</a:t>
+            </a:r>
+          </a:p>
+          <a:p>
+            <a:r>
+              <a:rPr lang="en-US" altLang="zh-CN" sz="1400" dirty="0"/>
+              <a:t>QUERYOPTION_SLAVEOK</a:t>
+            </a:r>
+          </a:p>
+          <a:p>
+            <a:r>
+              <a:rPr lang="en-US" altLang="zh-CN" sz="1400" dirty="0"/>
+              <a:t>&lt;/property</a:t>
+            </a:r>
+            <a:r>
+              <a:rPr lang="en-US" altLang="zh-CN" sz="1400" dirty="0" smtClean="0"/>
+              <a:t>&gt;</a:t>
+            </a:r>
+            <a:endParaRPr lang="zh-CN" altLang="en-US" sz="1400" dirty="0"/>
+          </a:p>
+          <a:p>
+            <a:r>
+              <a:rPr lang="en-US" altLang="zh-CN" sz="1400" dirty="0" smtClean="0"/>
+              <a:t>&lt;</a:t>
+            </a:r>
+            <a:r>
+              <a:rPr lang="en-US" altLang="zh-CN" sz="1400" dirty="0"/>
+              <a:t>property name=</a:t>
+            </a:r>
+            <a:r>
+              <a:rPr lang="en-US" altLang="zh-CN" sz="1400" i="1" dirty="0"/>
+              <a:t>"</a:t>
+            </a:r>
+            <a:r>
+              <a:rPr lang="en-US" altLang="zh-CN" sz="1400" i="1" dirty="0" err="1"/>
+              <a:t>writeConcern</a:t>
+            </a:r>
+            <a:r>
+              <a:rPr lang="en-US" altLang="zh-CN" sz="1400" i="1" dirty="0"/>
+              <a:t>" value="JOURNAL_SAFE"/&gt;</a:t>
+            </a:r>
+          </a:p>
+          <a:p>
+            <a:r>
+              <a:rPr lang="en-US" altLang="zh-CN" sz="1400" dirty="0" smtClean="0"/>
+              <a:t>&lt;</a:t>
+            </a:r>
+            <a:r>
+              <a:rPr lang="en-US" altLang="zh-CN" sz="1400" dirty="0"/>
+              <a:t>property name=</a:t>
+            </a:r>
+            <a:r>
+              <a:rPr lang="en-US" altLang="zh-CN" sz="1400" i="1" dirty="0"/>
+              <a:t>"</a:t>
+            </a:r>
+            <a:r>
+              <a:rPr lang="en-US" altLang="zh-CN" sz="1400" i="1" dirty="0" err="1"/>
+              <a:t>readPreference</a:t>
+            </a:r>
+            <a:r>
+              <a:rPr lang="en-US" altLang="zh-CN" sz="1400" i="1" dirty="0"/>
+              <a:t>" value="NEAREST</a:t>
+            </a:r>
+            <a:r>
+              <a:rPr lang="en-US" altLang="zh-CN" sz="1400" i="1" dirty="0" smtClean="0"/>
+              <a:t>"/&gt;</a:t>
+            </a:r>
+            <a:endParaRPr lang="zh-CN" altLang="en-US" sz="1400" dirty="0"/>
+          </a:p>
+          <a:p>
+            <a:r>
+              <a:rPr lang="en-US" altLang="zh-CN" sz="1400" dirty="0"/>
+              <a:t>&lt;/property&gt;</a:t>
+            </a:r>
+            <a:endParaRPr lang="zh-CN" altLang="en-US" sz="1400" dirty="0"/>
           </a:p>
         </p:txBody>
       </p:sp>
     </p:spTree>
     <p:extLst>
       <p:ext uri="{BB962C8B-B14F-4D97-AF65-F5344CB8AC3E}">
-        <p14:creationId xmlns:p14="http://schemas.microsoft.com/office/powerpoint/2010/main" val="2953062712"/>
+        <p14:creationId xmlns:p14="http://schemas.microsoft.com/office/powerpoint/2010/main" val="822729831"/>
       </p:ext>
     </p:extLst>
   </p:cSld>
@@ -5393,31 +5626,14 @@
             <p:ph type="title"/>
           </p:nvPr>
         </p:nvSpPr>
-        <p:spPr>
-          <a:xfrm>
-            <a:off x="467544" y="260648"/>
-            <a:ext cx="8229600" cy="1143000"/>
-          </a:xfrm>
-        </p:spPr>
+        <p:spPr/>
         <p:txBody>
           <a:bodyPr/>
           <a:lstStyle/>
           <a:p>
             <a:r>
               <a:rPr lang="zh-CN" altLang="en-US" dirty="0" smtClean="0"/>
-              <a:t>会话</a:t>
-            </a:r>
-            <a:r>
-              <a:rPr lang="zh-CN" altLang="en-US" dirty="0" smtClean="0"/>
-              <a:t>管理</a:t>
-            </a:r>
-            <a:r>
-              <a:rPr lang="en-US" altLang="zh-CN" dirty="0" smtClean="0"/>
-              <a:t>-</a:t>
-            </a:r>
-            <a:r>
-              <a:rPr lang="zh-CN" altLang="en-US" dirty="0" smtClean="0"/>
-              <a:t>生命周期管理</a:t>
+              <a:t>数据库配置</a:t>
             </a:r>
             <a:endParaRPr lang="zh-CN" altLang="en-US" dirty="0"/>
           </a:p>
@@ -5425,190 +5641,515 @@
       </p:sp>
       <p:sp>
         <p:nvSpPr>
-          <p:cNvPr id="4" name="矩形 3"/>
+          <p:cNvPr id="6" name="矩形 5"/>
           <p:cNvSpPr/>
           <p:nvPr/>
         </p:nvSpPr>
         <p:spPr>
           <a:xfrm>
-            <a:off x="1979712" y="1628800"/>
-            <a:ext cx="1872208" cy="3096344"/>
+            <a:off x="827584" y="1233626"/>
+            <a:ext cx="8339142" cy="1477328"/>
           </a:xfrm>
           <a:prstGeom prst="rect">
             <a:avLst/>
           </a:prstGeom>
         </p:spPr>
-        <p:style>
-          <a:lnRef idx="1">
-            <a:schemeClr val="accent2"/>
-          </a:lnRef>
-          <a:fillRef idx="3">
-            <a:schemeClr val="accent2"/>
-          </a:fillRef>
-          <a:effectRef idx="2">
-            <a:schemeClr val="accent2"/>
-          </a:effectRef>
-          <a:fontRef idx="minor">
-            <a:schemeClr val="lt1"/>
-          </a:fontRef>
-        </p:style>
-        <p:txBody>
-          <a:bodyPr rtlCol="0" anchor="ctr"/>
-          <a:lstStyle/>
-          <a:p>
-            <a:pPr algn="ctr"/>
-            <a:endParaRPr lang="zh-CN" altLang="en-US" sz="1200" dirty="0"/>
-          </a:p>
-        </p:txBody>
-      </p:sp>
-      <p:sp>
-        <p:nvSpPr>
-          <p:cNvPr id="10" name="矩形 9"/>
-          <p:cNvSpPr/>
-          <p:nvPr/>
-        </p:nvSpPr>
-        <p:spPr>
-          <a:xfrm>
-            <a:off x="2515706" y="1696162"/>
-            <a:ext cx="800219" cy="276999"/>
-          </a:xfrm>
-          <a:prstGeom prst="rect">
-            <a:avLst/>
-          </a:prstGeom>
-        </p:spPr>
-        <p:style>
-          <a:lnRef idx="1">
-            <a:schemeClr val="accent6"/>
-          </a:lnRef>
-          <a:fillRef idx="3">
-            <a:schemeClr val="accent6"/>
-          </a:fillRef>
-          <a:effectRef idx="2">
-            <a:schemeClr val="accent6"/>
-          </a:effectRef>
-          <a:fontRef idx="minor">
-            <a:schemeClr val="lt1"/>
-          </a:fontRef>
-        </p:style>
         <p:txBody>
           <a:bodyPr wrap="none">
             <a:spAutoFit/>
           </a:bodyPr>
           <a:lstStyle/>
           <a:p>
-            <a:pPr algn="ctr"/>
-            <a:r>
-              <a:rPr lang="zh-CN" altLang="en-US" sz="1200" dirty="0" smtClean="0"/>
-              <a:t>会话工厂</a:t>
-            </a:r>
-            <a:endParaRPr lang="zh-CN" altLang="en-US" sz="1200" dirty="0"/>
-          </a:p>
-        </p:txBody>
-      </p:sp>
-      <p:sp>
-        <p:nvSpPr>
-          <p:cNvPr id="15" name="矩形 14"/>
+            <a:r>
+              <a:rPr lang="zh-CN" altLang="en-US" dirty="0" smtClean="0"/>
+              <a:t>令牌存储到数据库时，使用</a:t>
+            </a:r>
+            <a:r>
+              <a:rPr lang="en-US" altLang="zh-CN" dirty="0" smtClean="0"/>
+              <a:t>poolman.xml</a:t>
+            </a:r>
+            <a:r>
+              <a:rPr lang="zh-CN" altLang="en-US" dirty="0" smtClean="0"/>
+              <a:t>中配置的第一个数据源（默认数据源），</a:t>
+            </a:r>
+            <a:endParaRPr lang="en-US" altLang="zh-CN" dirty="0" smtClean="0"/>
+          </a:p>
+          <a:p>
+            <a:r>
+              <a:rPr lang="zh-CN" altLang="en-US" dirty="0" smtClean="0"/>
+              <a:t>需要在数据库中创建一系列的表，建表脚本：</a:t>
+            </a:r>
+            <a:endParaRPr lang="en-US" altLang="zh-CN" dirty="0" smtClean="0"/>
+          </a:p>
+          <a:p>
+            <a:r>
+              <a:rPr lang="en-US" altLang="zh-CN" dirty="0" smtClean="0"/>
+              <a:t>bboss-mvc.jar\org\</a:t>
+            </a:r>
+            <a:r>
+              <a:rPr lang="en-US" altLang="zh-CN" dirty="0" err="1" smtClean="0"/>
+              <a:t>frameworkset</a:t>
+            </a:r>
+            <a:r>
+              <a:rPr lang="en-US" altLang="zh-CN" dirty="0" smtClean="0"/>
+              <a:t>\web\token\</a:t>
+            </a:r>
+            <a:r>
+              <a:rPr lang="en-US" altLang="zh-CN" dirty="0" err="1" smtClean="0"/>
+              <a:t>token.sql</a:t>
+            </a:r>
+            <a:endParaRPr lang="en-US" altLang="zh-CN" dirty="0" smtClean="0"/>
+          </a:p>
+          <a:p>
+            <a:endParaRPr lang="en-US" altLang="zh-CN" dirty="0" smtClean="0"/>
+          </a:p>
+          <a:p>
+            <a:r>
+              <a:rPr lang="zh-CN" altLang="en-US" dirty="0" smtClean="0"/>
+              <a:t>如果是</a:t>
+            </a:r>
+            <a:r>
+              <a:rPr lang="en-US" altLang="zh-CN" dirty="0" smtClean="0"/>
+              <a:t>PDP</a:t>
+            </a:r>
+            <a:r>
+              <a:rPr lang="zh-CN" altLang="en-US" dirty="0" smtClean="0"/>
+              <a:t>平台，在平台库初始化时</a:t>
+            </a:r>
+            <a:r>
+              <a:rPr lang="en-US" altLang="zh-CN" dirty="0" smtClean="0"/>
+              <a:t>token</a:t>
+            </a:r>
+            <a:r>
+              <a:rPr lang="zh-CN" altLang="en-US" dirty="0" smtClean="0"/>
+              <a:t>表会自动创建</a:t>
+            </a:r>
+            <a:endParaRPr lang="zh-CN" altLang="en-US" dirty="0"/>
+          </a:p>
+        </p:txBody>
+      </p:sp>
+    </p:spTree>
+    <p:extLst>
+      <p:ext uri="{BB962C8B-B14F-4D97-AF65-F5344CB8AC3E}">
+        <p14:creationId xmlns:p14="http://schemas.microsoft.com/office/powerpoint/2010/main" val="1926977630"/>
+      </p:ext>
+    </p:extLst>
+  </p:cSld>
+  <p:clrMapOvr>
+    <a:masterClrMapping/>
+  </p:clrMapOvr>
+</p:sld>
+</file>
+
+<file path=ppt/slides/slide18.xml><?xml version="1.0" encoding="utf-8"?>
+<p:sld xmlns:a="http://schemas.openxmlformats.org/drawingml/2006/main" xmlns:r="http://schemas.openxmlformats.org/officeDocument/2006/relationships" xmlns:p="http://schemas.openxmlformats.org/presentationml/2006/main">
+  <p:cSld>
+    <p:spTree>
+      <p:nvGrpSpPr>
+        <p:cNvPr id="1" name=""/>
+        <p:cNvGrpSpPr/>
+        <p:nvPr/>
+      </p:nvGrpSpPr>
+      <p:grpSpPr>
+        <a:xfrm>
+          <a:off x="0" y="0"/>
+          <a:ext cx="0" cy="0"/>
+          <a:chOff x="0" y="0"/>
+          <a:chExt cx="0" cy="0"/>
+        </a:xfrm>
+      </p:grpSpPr>
+      <p:sp>
+        <p:nvSpPr>
+          <p:cNvPr id="2" name="标题 1"/>
+          <p:cNvSpPr>
+            <a:spLocks noGrp="1"/>
+          </p:cNvSpPr>
+          <p:nvPr>
+            <p:ph type="title"/>
+          </p:nvPr>
+        </p:nvSpPr>
+        <p:spPr/>
+        <p:txBody>
+          <a:bodyPr/>
+          <a:lstStyle/>
+          <a:p>
+            <a:r>
+              <a:rPr lang="zh-CN" altLang="en-US" dirty="0" smtClean="0"/>
+              <a:t>令牌存储机制配置</a:t>
+            </a:r>
+            <a:r>
+              <a:rPr lang="en-US" altLang="zh-CN" dirty="0" smtClean="0"/>
+              <a:t>-web.xml</a:t>
+            </a:r>
+            <a:endParaRPr lang="zh-CN" altLang="en-US" dirty="0"/>
+          </a:p>
+        </p:txBody>
+      </p:sp>
+      <p:sp>
+        <p:nvSpPr>
+          <p:cNvPr id="6" name="矩形 5"/>
           <p:cNvSpPr/>
           <p:nvPr/>
         </p:nvSpPr>
         <p:spPr>
           <a:xfrm>
-            <a:off x="251520" y="5081120"/>
-            <a:ext cx="1872208" cy="1363506"/>
+            <a:off x="783036" y="1340768"/>
+            <a:ext cx="7850354" cy="3693319"/>
           </a:xfrm>
           <a:prstGeom prst="rect">
             <a:avLst/>
           </a:prstGeom>
         </p:spPr>
-        <p:style>
-          <a:lnRef idx="1">
-            <a:schemeClr val="accent2"/>
-          </a:lnRef>
-          <a:fillRef idx="3">
-            <a:schemeClr val="accent2"/>
-          </a:fillRef>
-          <a:effectRef idx="2">
-            <a:schemeClr val="accent2"/>
-          </a:effectRef>
-          <a:fontRef idx="minor">
-            <a:schemeClr val="lt1"/>
-          </a:fontRef>
-        </p:style>
-        <p:txBody>
-          <a:bodyPr rtlCol="0" anchor="ctr"/>
-          <a:lstStyle/>
-          <a:p>
-            <a:pPr algn="ctr"/>
-            <a:endParaRPr lang="zh-CN" altLang="en-US" sz="1200" dirty="0"/>
-          </a:p>
-        </p:txBody>
-      </p:sp>
-      <p:sp>
-        <p:nvSpPr>
-          <p:cNvPr id="19" name="矩形 18"/>
-          <p:cNvSpPr/>
-          <p:nvPr/>
-        </p:nvSpPr>
-        <p:spPr>
-          <a:xfrm>
-            <a:off x="787513" y="5148482"/>
-            <a:ext cx="800219" cy="461665"/>
-          </a:xfrm>
-          <a:prstGeom prst="rect">
-            <a:avLst/>
-          </a:prstGeom>
-        </p:spPr>
-        <p:style>
-          <a:lnRef idx="1">
-            <a:schemeClr val="accent6"/>
-          </a:lnRef>
-          <a:fillRef idx="3">
-            <a:schemeClr val="accent6"/>
-          </a:fillRef>
-          <a:effectRef idx="2">
-            <a:schemeClr val="accent6"/>
-          </a:effectRef>
-          <a:fontRef idx="minor">
-            <a:schemeClr val="lt1"/>
-          </a:fontRef>
-        </p:style>
         <p:txBody>
           <a:bodyPr wrap="none">
             <a:spAutoFit/>
           </a:bodyPr>
           <a:lstStyle/>
           <a:p>
-            <a:pPr algn="ctr"/>
-            <a:r>
-              <a:rPr lang="zh-CN" altLang="en-US" sz="1200" dirty="0" smtClean="0"/>
-              <a:t>过期会话</a:t>
-            </a:r>
-            <a:endParaRPr lang="en-US" altLang="zh-CN" sz="1200" dirty="0" smtClean="0"/>
-          </a:p>
-          <a:p>
-            <a:pPr algn="ctr"/>
-            <a:r>
-              <a:rPr lang="zh-CN" altLang="en-US" sz="1200" dirty="0" smtClean="0"/>
-              <a:t>扫描</a:t>
-            </a:r>
-            <a:r>
-              <a:rPr lang="zh-CN" altLang="en-US" sz="1200" dirty="0"/>
-              <a:t>器</a:t>
-            </a:r>
-            <a:endParaRPr lang="zh-CN" altLang="en-US" sz="1200" dirty="0"/>
-          </a:p>
-        </p:txBody>
-      </p:sp>
-      <p:sp>
-        <p:nvSpPr>
-          <p:cNvPr id="20" name="矩形 19"/>
+            <a:r>
+              <a:rPr lang="zh-CN" altLang="en-US" dirty="0" smtClean="0"/>
+              <a:t>令牌管理提供</a:t>
+            </a:r>
+            <a:r>
+              <a:rPr lang="en-US" altLang="zh-CN" dirty="0" smtClean="0"/>
+              <a:t>3</a:t>
+            </a:r>
+            <a:r>
+              <a:rPr lang="zh-CN" altLang="en-US" dirty="0" smtClean="0"/>
+              <a:t>种令牌存储机制</a:t>
+            </a:r>
+            <a:r>
+              <a:rPr lang="en-US" altLang="zh-CN" dirty="0" smtClean="0"/>
+              <a:t>,</a:t>
+            </a:r>
+            <a:r>
+              <a:rPr lang="zh-CN" altLang="en-US" dirty="0" smtClean="0"/>
+              <a:t>分别为：</a:t>
+            </a:r>
+            <a:endParaRPr lang="en-US" altLang="zh-CN" dirty="0" smtClean="0"/>
+          </a:p>
+          <a:p>
+            <a:r>
+              <a:rPr lang="en-US" altLang="zh-CN" dirty="0" err="1" smtClean="0">
+                <a:solidFill>
+                  <a:srgbClr val="0070C0"/>
+                </a:solidFill>
+              </a:rPr>
+              <a:t>mem</a:t>
+            </a:r>
+            <a:endParaRPr lang="en-US" altLang="zh-CN" dirty="0" smtClean="0">
+              <a:solidFill>
+                <a:srgbClr val="0070C0"/>
+              </a:solidFill>
+            </a:endParaRPr>
+          </a:p>
+          <a:p>
+            <a:r>
+              <a:rPr lang="en-US" altLang="zh-CN" dirty="0" err="1" smtClean="0">
+                <a:solidFill>
+                  <a:srgbClr val="0070C0"/>
+                </a:solidFill>
+              </a:rPr>
+              <a:t>org.frameworkset.web.token.MongodbTokenStore</a:t>
+            </a:r>
+            <a:endParaRPr lang="en-US" altLang="zh-CN" dirty="0" smtClean="0">
+              <a:solidFill>
+                <a:srgbClr val="0070C0"/>
+              </a:solidFill>
+            </a:endParaRPr>
+          </a:p>
+          <a:p>
+            <a:r>
+              <a:rPr lang="en-US" altLang="zh-CN" dirty="0" err="1" smtClean="0">
+                <a:solidFill>
+                  <a:srgbClr val="0070C0"/>
+                </a:solidFill>
+              </a:rPr>
+              <a:t>org.frameworkset.web.token.DBTokenStore</a:t>
+            </a:r>
+            <a:endParaRPr lang="en-US" altLang="zh-CN" dirty="0" smtClean="0">
+              <a:solidFill>
+                <a:srgbClr val="0070C0"/>
+              </a:solidFill>
+            </a:endParaRPr>
+          </a:p>
+          <a:p>
+            <a:endParaRPr lang="en-US" altLang="zh-CN" dirty="0">
+              <a:solidFill>
+                <a:srgbClr val="0070C0"/>
+              </a:solidFill>
+            </a:endParaRPr>
+          </a:p>
+          <a:p>
+            <a:r>
+              <a:rPr lang="zh-CN" altLang="en-US" dirty="0"/>
+              <a:t>这三种机制只要在</a:t>
+            </a:r>
+            <a:r>
+              <a:rPr lang="en-US" altLang="zh-CN" dirty="0" smtClean="0"/>
+              <a:t>web.xml</a:t>
+            </a:r>
+            <a:r>
+              <a:rPr lang="zh-CN" altLang="en-US" dirty="0" smtClean="0"/>
+              <a:t>修改过滤器</a:t>
+            </a:r>
+            <a:r>
+              <a:rPr lang="en-US" altLang="zh-CN" dirty="0" err="1" smtClean="0"/>
+              <a:t>securityFilter</a:t>
+            </a:r>
+            <a:r>
+              <a:rPr lang="zh-CN" altLang="en-US" dirty="0" smtClean="0"/>
+              <a:t>的</a:t>
+            </a:r>
+            <a:r>
+              <a:rPr lang="en-US" altLang="zh-CN" u="sng" dirty="0" err="1" smtClean="0"/>
+              <a:t>tokenstore</a:t>
+            </a:r>
+            <a:r>
+              <a:rPr lang="zh-CN" altLang="en-US" u="sng" dirty="0" smtClean="0"/>
+              <a:t>参数即可：</a:t>
+            </a:r>
+            <a:endParaRPr lang="en-US" altLang="zh-CN" u="sng" dirty="0" smtClean="0"/>
+          </a:p>
+          <a:p>
+            <a:r>
+              <a:rPr lang="en-US" altLang="zh-CN" dirty="0"/>
+              <a:t>&lt;</a:t>
+            </a:r>
+            <a:r>
+              <a:rPr lang="en-US" altLang="zh-CN" dirty="0" err="1"/>
+              <a:t>init-param</a:t>
+            </a:r>
+            <a:r>
+              <a:rPr lang="en-US" altLang="zh-CN" dirty="0"/>
+              <a:t>&gt;</a:t>
+            </a:r>
+          </a:p>
+          <a:p>
+            <a:r>
+              <a:rPr lang="en-US" altLang="zh-CN" dirty="0"/>
+              <a:t>&lt;</a:t>
+            </a:r>
+            <a:r>
+              <a:rPr lang="en-US" altLang="zh-CN" dirty="0" err="1"/>
+              <a:t>param</a:t>
+            </a:r>
+            <a:r>
+              <a:rPr lang="en-US" altLang="zh-CN" dirty="0"/>
+              <a:t>-name&gt;</a:t>
+            </a:r>
+            <a:r>
+              <a:rPr lang="en-US" altLang="zh-CN" u="sng" dirty="0" err="1"/>
+              <a:t>tokenstore</a:t>
+            </a:r>
+            <a:r>
+              <a:rPr lang="en-US" altLang="zh-CN" u="sng" dirty="0"/>
+              <a:t>&lt;/</a:t>
+            </a:r>
+            <a:r>
+              <a:rPr lang="en-US" altLang="zh-CN" u="sng" dirty="0" err="1"/>
+              <a:t>param</a:t>
+            </a:r>
+            <a:r>
+              <a:rPr lang="en-US" altLang="zh-CN" u="sng" dirty="0"/>
+              <a:t>-name&gt;</a:t>
+            </a:r>
+          </a:p>
+          <a:p>
+            <a:r>
+              <a:rPr lang="en-US" altLang="zh-CN" dirty="0"/>
+              <a:t> &lt;</a:t>
+            </a:r>
+            <a:r>
+              <a:rPr lang="en-US" altLang="zh-CN" dirty="0" err="1"/>
+              <a:t>param</a:t>
+            </a:r>
+            <a:r>
+              <a:rPr lang="en-US" altLang="zh-CN" dirty="0"/>
+              <a:t>-value&gt;</a:t>
+            </a:r>
+            <a:r>
+              <a:rPr lang="en-US" altLang="zh-CN" dirty="0" err="1"/>
+              <a:t>org.frameworkset.web.token.MongodbTokenStore</a:t>
+            </a:r>
+            <a:r>
+              <a:rPr lang="en-US" altLang="zh-CN" dirty="0"/>
+              <a:t>&lt;/</a:t>
+            </a:r>
+            <a:r>
+              <a:rPr lang="en-US" altLang="zh-CN" dirty="0" err="1"/>
+              <a:t>param</a:t>
+            </a:r>
+            <a:r>
+              <a:rPr lang="en-US" altLang="zh-CN" dirty="0"/>
+              <a:t>-value&gt;</a:t>
+            </a:r>
+          </a:p>
+          <a:p>
+            <a:r>
+              <a:rPr lang="en-US" altLang="zh-CN" dirty="0"/>
+              <a:t>&lt;!--&lt;</a:t>
+            </a:r>
+            <a:r>
+              <a:rPr lang="en-US" altLang="zh-CN" dirty="0" err="1"/>
+              <a:t>param</a:t>
+            </a:r>
+            <a:r>
+              <a:rPr lang="en-US" altLang="zh-CN" dirty="0"/>
+              <a:t>-value&gt;</a:t>
+            </a:r>
+            <a:r>
+              <a:rPr lang="en-US" altLang="zh-CN" dirty="0" err="1"/>
+              <a:t>org.frameworkset.web.token.DBTokenStore</a:t>
+            </a:r>
+            <a:r>
+              <a:rPr lang="en-US" altLang="zh-CN" dirty="0"/>
+              <a:t>&lt;/</a:t>
+            </a:r>
+            <a:r>
+              <a:rPr lang="en-US" altLang="zh-CN" dirty="0" err="1"/>
+              <a:t>param</a:t>
+            </a:r>
+            <a:r>
+              <a:rPr lang="en-US" altLang="zh-CN" dirty="0"/>
+              <a:t>-value&gt; --&gt;</a:t>
+            </a:r>
+          </a:p>
+          <a:p>
+            <a:r>
+              <a:rPr lang="en-US" altLang="zh-CN" dirty="0"/>
+              <a:t>&lt;!-- &lt;</a:t>
+            </a:r>
+            <a:r>
+              <a:rPr lang="en-US" altLang="zh-CN" dirty="0" err="1"/>
+              <a:t>param</a:t>
+            </a:r>
+            <a:r>
+              <a:rPr lang="en-US" altLang="zh-CN" dirty="0"/>
+              <a:t>-value&gt;</a:t>
+            </a:r>
+            <a:r>
+              <a:rPr lang="en-US" altLang="zh-CN" u="sng" dirty="0" err="1"/>
+              <a:t>mem</a:t>
+            </a:r>
+            <a:r>
+              <a:rPr lang="en-US" altLang="zh-CN" u="sng" dirty="0"/>
+              <a:t>&lt;/</a:t>
+            </a:r>
+            <a:r>
+              <a:rPr lang="en-US" altLang="zh-CN" u="sng" dirty="0" err="1"/>
+              <a:t>param</a:t>
+            </a:r>
+            <a:r>
+              <a:rPr lang="en-US" altLang="zh-CN" u="sng" dirty="0"/>
+              <a:t>-value&gt; </a:t>
+            </a:r>
+            <a:r>
+              <a:rPr lang="en-US" altLang="zh-CN" u="sng" dirty="0" smtClean="0"/>
+              <a:t>--&gt;</a:t>
+            </a:r>
+            <a:endParaRPr lang="zh-CN" altLang="en-US" dirty="0"/>
+          </a:p>
+          <a:p>
+            <a:r>
+              <a:rPr lang="en-US" altLang="zh-CN" dirty="0"/>
+              <a:t>&lt;/</a:t>
+            </a:r>
+            <a:r>
+              <a:rPr lang="en-US" altLang="zh-CN" dirty="0" err="1"/>
+              <a:t>init-param</a:t>
+            </a:r>
+            <a:r>
+              <a:rPr lang="en-US" altLang="zh-CN" dirty="0"/>
+              <a:t>&gt;</a:t>
+            </a:r>
+            <a:endParaRPr lang="en-US" altLang="zh-CN" dirty="0" smtClean="0">
+              <a:solidFill>
+                <a:srgbClr val="0070C0"/>
+              </a:solidFill>
+            </a:endParaRPr>
+          </a:p>
+          <a:p>
+            <a:endParaRPr lang="zh-CN" altLang="en-US" dirty="0"/>
+          </a:p>
+        </p:txBody>
+      </p:sp>
+    </p:spTree>
+    <p:extLst>
+      <p:ext uri="{BB962C8B-B14F-4D97-AF65-F5344CB8AC3E}">
+        <p14:creationId xmlns:p14="http://schemas.microsoft.com/office/powerpoint/2010/main" val="3241172977"/>
+      </p:ext>
+    </p:extLst>
+  </p:cSld>
+  <p:clrMapOvr>
+    <a:masterClrMapping/>
+  </p:clrMapOvr>
+</p:sld>
+</file>
+
+<file path=ppt/slides/slide19.xml><?xml version="1.0" encoding="utf-8"?>
+<p:sld xmlns:a="http://schemas.openxmlformats.org/drawingml/2006/main" xmlns:r="http://schemas.openxmlformats.org/officeDocument/2006/relationships" xmlns:p="http://schemas.openxmlformats.org/presentationml/2006/main">
+  <p:cSld>
+    <p:spTree>
+      <p:nvGrpSpPr>
+        <p:cNvPr id="1" name=""/>
+        <p:cNvGrpSpPr/>
+        <p:nvPr/>
+      </p:nvGrpSpPr>
+      <p:grpSpPr>
+        <a:xfrm>
+          <a:off x="0" y="0"/>
+          <a:ext cx="0" cy="0"/>
+          <a:chOff x="0" y="0"/>
+          <a:chExt cx="0" cy="0"/>
+        </a:xfrm>
+      </p:grpSpPr>
+      <p:sp>
+        <p:nvSpPr>
+          <p:cNvPr id="2" name="标题 1"/>
+          <p:cNvSpPr>
+            <a:spLocks noGrp="1"/>
+          </p:cNvSpPr>
+          <p:nvPr>
+            <p:ph type="title"/>
+          </p:nvPr>
+        </p:nvSpPr>
+        <p:spPr>
+          <a:xfrm>
+            <a:off x="467544" y="260648"/>
+            <a:ext cx="8229600" cy="1143000"/>
+          </a:xfrm>
+        </p:spPr>
+        <p:txBody>
+          <a:bodyPr/>
+          <a:lstStyle/>
+          <a:p>
+            <a:r>
+              <a:rPr lang="zh-CN" altLang="en-US" dirty="0" smtClean="0"/>
+              <a:t>会话管理</a:t>
+            </a:r>
+            <a:r>
+              <a:rPr lang="en-US" altLang="zh-CN" dirty="0" smtClean="0"/>
+              <a:t>-</a:t>
+            </a:r>
+            <a:r>
+              <a:rPr lang="zh-CN" altLang="en-US" dirty="0" smtClean="0"/>
+              <a:t>基本模型</a:t>
+            </a:r>
+            <a:endParaRPr lang="zh-CN" altLang="en-US" dirty="0"/>
+          </a:p>
+        </p:txBody>
+      </p:sp>
+      <p:sp>
+        <p:nvSpPr>
+          <p:cNvPr id="4" name="矩形 3"/>
           <p:cNvSpPr/>
           <p:nvPr/>
         </p:nvSpPr>
         <p:spPr>
           <a:xfrm>
-            <a:off x="6444208" y="1625647"/>
-            <a:ext cx="1872208" cy="1780225"/>
+            <a:off x="971600" y="1628800"/>
+            <a:ext cx="1872208" cy="2448272"/>
           </a:xfrm>
           <a:prstGeom prst="rect">
             <a:avLst/>
@@ -5633,20 +6174,95 @@
           <a:lstStyle/>
           <a:p>
             <a:pPr algn="ctr"/>
-            <a:endParaRPr lang="zh-CN" altLang="en-US" sz="1200" dirty="0"/>
-          </a:p>
-        </p:txBody>
-      </p:sp>
-      <p:sp>
-        <p:nvSpPr>
-          <p:cNvPr id="21" name="矩形 20"/>
+            <a:endParaRPr lang="zh-CN" altLang="en-US" dirty="0"/>
+          </a:p>
+        </p:txBody>
+      </p:sp>
+      <p:sp>
+        <p:nvSpPr>
+          <p:cNvPr id="5" name="矩形 4"/>
           <p:cNvSpPr/>
           <p:nvPr/>
         </p:nvSpPr>
         <p:spPr>
           <a:xfrm>
-            <a:off x="6749370" y="1693009"/>
-            <a:ext cx="1261884" cy="276999"/>
+            <a:off x="3851920" y="1628800"/>
+            <a:ext cx="1872208" cy="2376264"/>
+          </a:xfrm>
+          <a:prstGeom prst="rect">
+            <a:avLst/>
+          </a:prstGeom>
+        </p:spPr>
+        <p:style>
+          <a:lnRef idx="1">
+            <a:schemeClr val="accent2"/>
+          </a:lnRef>
+          <a:fillRef idx="3">
+            <a:schemeClr val="accent2"/>
+          </a:fillRef>
+          <a:effectRef idx="2">
+            <a:schemeClr val="accent2"/>
+          </a:effectRef>
+          <a:fontRef idx="minor">
+            <a:schemeClr val="lt1"/>
+          </a:fontRef>
+        </p:style>
+        <p:txBody>
+          <a:bodyPr rtlCol="0" anchor="ctr"/>
+          <a:lstStyle/>
+          <a:p>
+            <a:pPr algn="ctr"/>
+            <a:endParaRPr lang="zh-CN" altLang="en-US" dirty="0"/>
+          </a:p>
+        </p:txBody>
+      </p:sp>
+      <p:cxnSp>
+        <p:nvCxnSpPr>
+          <p:cNvPr id="7" name="直接箭头连接符 6"/>
+          <p:cNvCxnSpPr>
+            <a:stCxn id="4" idx="3"/>
+            <a:endCxn id="5" idx="1"/>
+          </p:cNvCxnSpPr>
+          <p:nvPr/>
+        </p:nvCxnSpPr>
+        <p:spPr>
+          <a:xfrm flipV="1">
+            <a:off x="2843808" y="2816932"/>
+            <a:ext cx="1008112" cy="36004"/>
+          </a:xfrm>
+          <a:prstGeom prst="straightConnector1">
+            <a:avLst/>
+          </a:prstGeom>
+          <a:ln>
+            <a:headEnd type="arrow" w="med" len="med"/>
+            <a:tailEnd type="none" w="med" len="med"/>
+          </a:ln>
+        </p:spPr>
+        <p:style>
+          <a:lnRef idx="2">
+            <a:schemeClr val="accent2"/>
+          </a:lnRef>
+          <a:fillRef idx="0">
+            <a:schemeClr val="accent2"/>
+          </a:fillRef>
+          <a:effectRef idx="1">
+            <a:schemeClr val="accent2"/>
+          </a:effectRef>
+          <a:fontRef idx="minor">
+            <a:schemeClr val="tx1"/>
+          </a:fontRef>
+        </p:style>
+      </p:cxnSp>
+      <p:sp>
+        <p:nvSpPr>
+          <p:cNvPr id="10" name="矩形 9"/>
+          <p:cNvSpPr/>
+          <p:nvPr/>
+        </p:nvSpPr>
+        <p:spPr>
+          <a:xfrm>
+            <a:off x="1122874" y="1696162"/>
+            <a:ext cx="1569660" cy="369332"/>
           </a:xfrm>
           <a:prstGeom prst="rect">
             <a:avLst/>
@@ -5674,39 +6290,36 @@
           <a:p>
             <a:pPr algn="ctr"/>
             <a:r>
-              <a:rPr lang="zh-CN" altLang="en-US" sz="1200" dirty="0" smtClean="0"/>
-              <a:t>会话管理过滤器</a:t>
-            </a:r>
-            <a:endParaRPr lang="zh-CN" altLang="en-US" sz="1200" dirty="0"/>
-          </a:p>
-        </p:txBody>
-      </p:sp>
-      <p:sp>
-        <p:nvSpPr>
-          <p:cNvPr id="3" name="圆柱形 2"/>
+              <a:rPr lang="zh-CN" altLang="en-US" dirty="0"/>
+              <a:t>会话基本信息</a:t>
+            </a:r>
+          </a:p>
+        </p:txBody>
+      </p:sp>
+      <p:sp>
+        <p:nvSpPr>
+          <p:cNvPr id="11" name="矩形 10"/>
           <p:cNvSpPr/>
           <p:nvPr/>
         </p:nvSpPr>
         <p:spPr>
           <a:xfrm>
-            <a:off x="470349" y="3405872"/>
-            <a:ext cx="648072" cy="720080"/>
-          </a:xfrm>
-          <a:prstGeom prst="can">
-            <a:avLst/>
-          </a:prstGeom>
-        </p:spPr>
-        <p:style>
-          <a:lnRef idx="2">
-            <a:schemeClr val="accent1">
-              <a:shade val="50000"/>
-            </a:schemeClr>
-          </a:lnRef>
-          <a:fillRef idx="1">
-            <a:schemeClr val="accent1"/>
-          </a:fillRef>
-          <a:effectRef idx="0">
-            <a:schemeClr val="accent1"/>
+            <a:off x="1059170" y="2621596"/>
+            <a:ext cx="1697068" cy="288032"/>
+          </a:xfrm>
+          <a:prstGeom prst="rect">
+            <a:avLst/>
+          </a:prstGeom>
+        </p:spPr>
+        <p:style>
+          <a:lnRef idx="1">
+            <a:schemeClr val="accent4"/>
+          </a:lnRef>
+          <a:fillRef idx="3">
+            <a:schemeClr val="accent4"/>
+          </a:fillRef>
+          <a:effectRef idx="2">
+            <a:schemeClr val="accent4"/>
           </a:effectRef>
           <a:fontRef idx="minor">
             <a:schemeClr val="lt1"/>
@@ -5716,48 +6329,38 @@
           <a:bodyPr rtlCol="0" anchor="ctr"/>
           <a:lstStyle/>
           <a:p>
-            <a:pPr algn="ctr"/>
-            <a:r>
-              <a:rPr lang="zh-CN" altLang="en-US" sz="1200" dirty="0" smtClean="0"/>
-              <a:t>会话</a:t>
-            </a:r>
-            <a:endParaRPr lang="en-US" altLang="zh-CN" sz="1200" dirty="0" smtClean="0"/>
-          </a:p>
-          <a:p>
-            <a:pPr algn="ctr"/>
-            <a:r>
-              <a:rPr lang="zh-CN" altLang="en-US" sz="1200" dirty="0"/>
-              <a:t>存储</a:t>
-            </a:r>
-          </a:p>
-        </p:txBody>
-      </p:sp>
-      <p:sp>
-        <p:nvSpPr>
-          <p:cNvPr id="6" name="矩形 5"/>
+            <a:r>
+              <a:rPr lang="zh-CN" altLang="en-US" dirty="0" smtClean="0"/>
+              <a:t>有效期</a:t>
+            </a:r>
+            <a:endParaRPr lang="zh-CN" altLang="en-US" dirty="0"/>
+          </a:p>
+        </p:txBody>
+      </p:sp>
+      <p:sp>
+        <p:nvSpPr>
+          <p:cNvPr id="12" name="矩形 11"/>
           <p:cNvSpPr/>
           <p:nvPr/>
         </p:nvSpPr>
         <p:spPr>
           <a:xfrm>
-            <a:off x="2341978" y="2339588"/>
-            <a:ext cx="1107996" cy="369580"/>
+            <a:off x="1049088" y="3068960"/>
+            <a:ext cx="1707150" cy="288032"/>
           </a:xfrm>
           <a:prstGeom prst="rect">
             <a:avLst/>
           </a:prstGeom>
         </p:spPr>
         <p:style>
-          <a:lnRef idx="2">
-            <a:schemeClr val="accent1">
-              <a:shade val="50000"/>
-            </a:schemeClr>
-          </a:lnRef>
-          <a:fillRef idx="1">
-            <a:schemeClr val="accent1"/>
-          </a:fillRef>
-          <a:effectRef idx="0">
-            <a:schemeClr val="accent1"/>
+          <a:lnRef idx="1">
+            <a:schemeClr val="accent4"/>
+          </a:lnRef>
+          <a:fillRef idx="3">
+            <a:schemeClr val="accent4"/>
+          </a:fillRef>
+          <a:effectRef idx="2">
+            <a:schemeClr val="accent4"/>
           </a:effectRef>
           <a:fontRef idx="minor">
             <a:schemeClr val="lt1"/>
@@ -5767,41 +6370,38 @@
           <a:bodyPr rtlCol="0" anchor="ctr"/>
           <a:lstStyle/>
           <a:p>
-            <a:pPr algn="ctr"/>
-            <a:r>
-              <a:rPr lang="zh-CN" altLang="en-US" sz="1200" dirty="0" smtClean="0"/>
-              <a:t>创建会话</a:t>
-            </a:r>
-            <a:endParaRPr lang="zh-CN" altLang="en-US" sz="1200" dirty="0"/>
-          </a:p>
-        </p:txBody>
-      </p:sp>
-      <p:sp>
-        <p:nvSpPr>
-          <p:cNvPr id="22" name="矩形 21"/>
+            <a:r>
+              <a:rPr lang="zh-CN" altLang="en-US" dirty="0" smtClean="0"/>
+              <a:t>创建时间</a:t>
+            </a:r>
+            <a:endParaRPr lang="zh-CN" altLang="en-US" dirty="0"/>
+          </a:p>
+        </p:txBody>
+      </p:sp>
+      <p:sp>
+        <p:nvSpPr>
+          <p:cNvPr id="13" name="矩形 12"/>
           <p:cNvSpPr/>
           <p:nvPr/>
         </p:nvSpPr>
         <p:spPr>
           <a:xfrm>
-            <a:off x="727762" y="1700280"/>
-            <a:ext cx="965908" cy="545762"/>
+            <a:off x="1049088" y="3573016"/>
+            <a:ext cx="1707150" cy="288032"/>
           </a:xfrm>
           <a:prstGeom prst="rect">
             <a:avLst/>
           </a:prstGeom>
         </p:spPr>
         <p:style>
-          <a:lnRef idx="2">
-            <a:schemeClr val="accent1">
-              <a:shade val="50000"/>
-            </a:schemeClr>
-          </a:lnRef>
-          <a:fillRef idx="1">
-            <a:schemeClr val="accent1"/>
-          </a:fillRef>
-          <a:effectRef idx="0">
-            <a:schemeClr val="accent1"/>
+          <a:lnRef idx="1">
+            <a:schemeClr val="accent4"/>
+          </a:lnRef>
+          <a:fillRef idx="3">
+            <a:schemeClr val="accent4"/>
+          </a:fillRef>
+          <a:effectRef idx="2">
+            <a:schemeClr val="accent4"/>
           </a:effectRef>
           <a:fontRef idx="minor">
             <a:schemeClr val="lt1"/>
@@ -5811,243 +6411,65 @@
           <a:bodyPr rtlCol="0" anchor="ctr"/>
           <a:lstStyle/>
           <a:p>
-            <a:pPr algn="ctr"/>
-            <a:r>
-              <a:rPr lang="zh-CN" altLang="en-US" sz="1200" dirty="0" smtClean="0"/>
-              <a:t>会话标识管理</a:t>
-            </a:r>
-            <a:endParaRPr lang="zh-CN" altLang="en-US" sz="1200" dirty="0"/>
-          </a:p>
-        </p:txBody>
-      </p:sp>
-      <p:cxnSp>
-        <p:nvCxnSpPr>
-          <p:cNvPr id="9" name="直接箭头连接符 8"/>
-          <p:cNvCxnSpPr>
-            <a:stCxn id="6" idx="1"/>
-            <a:endCxn id="22" idx="2"/>
-          </p:cNvCxnSpPr>
-          <p:nvPr/>
-        </p:nvCxnSpPr>
-        <p:spPr>
-          <a:xfrm flipH="1" flipV="1">
-            <a:off x="1210716" y="2246042"/>
-            <a:ext cx="1131262" cy="278336"/>
-          </a:xfrm>
-          <a:prstGeom prst="straightConnector1">
-            <a:avLst/>
-          </a:prstGeom>
-          <a:ln>
-            <a:tailEnd type="arrow"/>
-          </a:ln>
-        </p:spPr>
-        <p:style>
-          <a:lnRef idx="3">
-            <a:schemeClr val="accent6"/>
-          </a:lnRef>
-          <a:fillRef idx="0">
-            <a:schemeClr val="accent6"/>
+            <a:r>
+              <a:rPr lang="zh-CN" altLang="en-US" dirty="0" smtClean="0"/>
+              <a:t>最后访问时间</a:t>
+            </a:r>
+            <a:endParaRPr lang="zh-CN" altLang="en-US" dirty="0"/>
+          </a:p>
+        </p:txBody>
+      </p:sp>
+      <p:sp>
+        <p:nvSpPr>
+          <p:cNvPr id="14" name="矩形 13"/>
+          <p:cNvSpPr/>
+          <p:nvPr/>
+        </p:nvSpPr>
+        <p:spPr>
+          <a:xfrm>
+            <a:off x="1074732" y="2204864"/>
+            <a:ext cx="1697068" cy="288032"/>
+          </a:xfrm>
+          <a:prstGeom prst="rect">
+            <a:avLst/>
+          </a:prstGeom>
+        </p:spPr>
+        <p:style>
+          <a:lnRef idx="1">
+            <a:schemeClr val="accent4"/>
+          </a:lnRef>
+          <a:fillRef idx="3">
+            <a:schemeClr val="accent4"/>
           </a:fillRef>
           <a:effectRef idx="2">
-            <a:schemeClr val="accent6"/>
-          </a:effectRef>
-          <a:fontRef idx="minor">
-            <a:schemeClr val="tx1"/>
-          </a:fontRef>
-        </p:style>
-      </p:cxnSp>
-      <p:sp>
-        <p:nvSpPr>
-          <p:cNvPr id="23" name="TextBox 22"/>
-          <p:cNvSpPr txBox="1"/>
-          <p:nvPr/>
-        </p:nvSpPr>
-        <p:spPr>
-          <a:xfrm>
-            <a:off x="978858" y="2339588"/>
-            <a:ext cx="1107996" cy="276999"/>
-          </a:xfrm>
-          <a:prstGeom prst="rect">
-            <a:avLst/>
-          </a:prstGeom>
-          <a:noFill/>
-        </p:spPr>
-        <p:txBody>
-          <a:bodyPr wrap="none" rtlCol="0">
-            <a:spAutoFit/>
-          </a:bodyPr>
-          <a:lstStyle/>
-          <a:p>
-            <a:r>
-              <a:rPr lang="zh-CN" altLang="en-US" sz="1200" dirty="0" smtClean="0"/>
-              <a:t>获取会话标识</a:t>
-            </a:r>
-            <a:endParaRPr lang="zh-CN" altLang="en-US" sz="1200" dirty="0"/>
-          </a:p>
-        </p:txBody>
-      </p:sp>
-      <p:sp>
-        <p:nvSpPr>
-          <p:cNvPr id="25" name="矩形 24"/>
+            <a:schemeClr val="accent4"/>
+          </a:effectRef>
+          <a:fontRef idx="minor">
+            <a:schemeClr val="lt1"/>
+          </a:fontRef>
+        </p:style>
+        <p:txBody>
+          <a:bodyPr rtlCol="0" anchor="ctr"/>
+          <a:lstStyle/>
+          <a:p>
+            <a:r>
+              <a:rPr lang="zh-CN" altLang="en-US" dirty="0" smtClean="0"/>
+              <a:t>会话标识</a:t>
+            </a:r>
+            <a:endParaRPr lang="zh-CN" altLang="en-US" dirty="0"/>
+          </a:p>
+        </p:txBody>
+      </p:sp>
+      <p:sp>
+        <p:nvSpPr>
+          <p:cNvPr id="16" name="矩形 15"/>
           <p:cNvSpPr/>
           <p:nvPr/>
         </p:nvSpPr>
         <p:spPr>
           <a:xfrm>
-            <a:off x="6732240" y="2339340"/>
-            <a:ext cx="1368152" cy="545762"/>
-          </a:xfrm>
-          <a:prstGeom prst="rect">
-            <a:avLst/>
-          </a:prstGeom>
-        </p:spPr>
-        <p:style>
-          <a:lnRef idx="2">
-            <a:schemeClr val="accent1">
-              <a:shade val="50000"/>
-            </a:schemeClr>
-          </a:lnRef>
-          <a:fillRef idx="1">
-            <a:schemeClr val="accent1"/>
-          </a:fillRef>
-          <a:effectRef idx="0">
-            <a:schemeClr val="accent1"/>
-          </a:effectRef>
-          <a:fontRef idx="minor">
-            <a:schemeClr val="lt1"/>
-          </a:fontRef>
-        </p:style>
-        <p:txBody>
-          <a:bodyPr rtlCol="0" anchor="ctr"/>
-          <a:lstStyle/>
-          <a:p>
-            <a:pPr algn="ctr"/>
-            <a:r>
-              <a:rPr lang="zh-CN" altLang="en-US" sz="1200" dirty="0" smtClean="0"/>
-              <a:t>设置会话标识</a:t>
-            </a:r>
-            <a:r>
-              <a:rPr lang="en-US" altLang="zh-CN" sz="1200" dirty="0" smtClean="0"/>
-              <a:t>cookie</a:t>
-            </a:r>
-            <a:endParaRPr lang="zh-CN" altLang="en-US" sz="1200" dirty="0"/>
-          </a:p>
-        </p:txBody>
-      </p:sp>
-      <p:cxnSp>
-        <p:nvCxnSpPr>
-          <p:cNvPr id="28" name="直接箭头连接符 27"/>
-          <p:cNvCxnSpPr>
-            <a:stCxn id="6" idx="3"/>
-            <a:endCxn id="25" idx="1"/>
-          </p:cNvCxnSpPr>
-          <p:nvPr/>
-        </p:nvCxnSpPr>
-        <p:spPr>
-          <a:xfrm>
-            <a:off x="3449974" y="2524378"/>
-            <a:ext cx="3282266" cy="87843"/>
-          </a:xfrm>
-          <a:prstGeom prst="straightConnector1">
-            <a:avLst/>
-          </a:prstGeom>
-          <a:ln>
-            <a:tailEnd type="arrow"/>
-          </a:ln>
-        </p:spPr>
-        <p:style>
-          <a:lnRef idx="3">
-            <a:schemeClr val="accent6"/>
-          </a:lnRef>
-          <a:fillRef idx="0">
-            <a:schemeClr val="accent6"/>
-          </a:fillRef>
-          <a:effectRef idx="2">
-            <a:schemeClr val="accent6"/>
-          </a:effectRef>
-          <a:fontRef idx="minor">
-            <a:schemeClr val="tx1"/>
-          </a:fontRef>
-        </p:style>
-      </p:cxnSp>
-      <p:sp>
-        <p:nvSpPr>
-          <p:cNvPr id="29" name="TextBox 28"/>
-          <p:cNvSpPr txBox="1"/>
-          <p:nvPr/>
-        </p:nvSpPr>
-        <p:spPr>
-          <a:xfrm>
-            <a:off x="4427984" y="2162249"/>
-            <a:ext cx="1107996" cy="276999"/>
-          </a:xfrm>
-          <a:prstGeom prst="rect">
-            <a:avLst/>
-          </a:prstGeom>
-          <a:noFill/>
-        </p:spPr>
-        <p:txBody>
-          <a:bodyPr wrap="none" rtlCol="0">
-            <a:spAutoFit/>
-          </a:bodyPr>
-          <a:lstStyle/>
-          <a:p>
-            <a:r>
-              <a:rPr lang="zh-CN" altLang="en-US" sz="1200" dirty="0" smtClean="0"/>
-              <a:t>获取会话标识</a:t>
-            </a:r>
-            <a:endParaRPr lang="zh-CN" altLang="en-US" sz="1200" dirty="0"/>
-          </a:p>
-        </p:txBody>
-      </p:sp>
-      <p:sp>
-        <p:nvSpPr>
-          <p:cNvPr id="32" name="矩形 31"/>
-          <p:cNvSpPr/>
-          <p:nvPr/>
-        </p:nvSpPr>
-        <p:spPr>
-          <a:xfrm>
-            <a:off x="4276711" y="4786571"/>
-            <a:ext cx="1872208" cy="1810780"/>
-          </a:xfrm>
-          <a:prstGeom prst="rect">
-            <a:avLst/>
-          </a:prstGeom>
-        </p:spPr>
-        <p:style>
-          <a:lnRef idx="1">
-            <a:schemeClr val="accent2"/>
-          </a:lnRef>
-          <a:fillRef idx="3">
-            <a:schemeClr val="accent2"/>
-          </a:fillRef>
-          <a:effectRef idx="2">
-            <a:schemeClr val="accent2"/>
-          </a:effectRef>
-          <a:fontRef idx="minor">
-            <a:schemeClr val="lt1"/>
-          </a:fontRef>
-        </p:style>
-        <p:txBody>
-          <a:bodyPr rtlCol="0" anchor="ctr"/>
-          <a:lstStyle/>
-          <a:p>
-            <a:pPr algn="ctr"/>
-            <a:endParaRPr lang="zh-CN" altLang="en-US" sz="1200" dirty="0"/>
-          </a:p>
-        </p:txBody>
-      </p:sp>
-      <p:sp>
-        <p:nvSpPr>
-          <p:cNvPr id="33" name="矩形 32"/>
-          <p:cNvSpPr/>
-          <p:nvPr/>
-        </p:nvSpPr>
-        <p:spPr>
-          <a:xfrm>
-            <a:off x="4698689" y="4931876"/>
-            <a:ext cx="954107" cy="276999"/>
+            <a:off x="4234026" y="1696162"/>
+            <a:ext cx="1107996" cy="369332"/>
           </a:xfrm>
           <a:prstGeom prst="rect">
             <a:avLst/>
@@ -6075,722 +6497,111 @@
           <a:p>
             <a:pPr algn="ctr"/>
             <a:r>
-              <a:rPr lang="zh-CN" altLang="en-US" sz="1200" dirty="0" smtClean="0"/>
-              <a:t>会话监听器</a:t>
-            </a:r>
-            <a:endParaRPr lang="zh-CN" altLang="en-US" sz="1200" dirty="0"/>
-          </a:p>
-        </p:txBody>
-      </p:sp>
-      <p:sp>
-        <p:nvSpPr>
-          <p:cNvPr id="36" name="矩形 35"/>
+              <a:rPr lang="zh-CN" altLang="en-US" dirty="0"/>
+              <a:t>会话</a:t>
+            </a:r>
+            <a:r>
+              <a:rPr lang="zh-CN" altLang="en-US" dirty="0" smtClean="0"/>
+              <a:t>属性</a:t>
+            </a:r>
+            <a:endParaRPr lang="zh-CN" altLang="en-US" dirty="0"/>
+          </a:p>
+        </p:txBody>
+      </p:sp>
+      <p:sp>
+        <p:nvSpPr>
+          <p:cNvPr id="17" name="矩形 16"/>
           <p:cNvSpPr/>
           <p:nvPr/>
         </p:nvSpPr>
         <p:spPr>
           <a:xfrm>
-            <a:off x="4506329" y="5376007"/>
-            <a:ext cx="1107996" cy="369580"/>
+            <a:off x="4003194" y="2164214"/>
+            <a:ext cx="1569661" cy="369332"/>
           </a:xfrm>
           <a:prstGeom prst="rect">
             <a:avLst/>
           </a:prstGeom>
         </p:spPr>
         <p:style>
-          <a:lnRef idx="2">
-            <a:schemeClr val="accent1">
-              <a:shade val="50000"/>
-            </a:schemeClr>
-          </a:lnRef>
-          <a:fillRef idx="1">
-            <a:schemeClr val="accent1"/>
-          </a:fillRef>
-          <a:effectRef idx="0">
-            <a:schemeClr val="accent1"/>
+          <a:lnRef idx="1">
+            <a:schemeClr val="accent4"/>
+          </a:lnRef>
+          <a:fillRef idx="3">
+            <a:schemeClr val="accent4"/>
+          </a:fillRef>
+          <a:effectRef idx="2">
+            <a:schemeClr val="accent4"/>
           </a:effectRef>
           <a:fontRef idx="minor">
             <a:schemeClr val="lt1"/>
           </a:fontRef>
         </p:style>
         <p:txBody>
-          <a:bodyPr rtlCol="0" anchor="ctr"/>
-          <a:lstStyle/>
-          <a:p>
-            <a:pPr algn="ctr"/>
-            <a:r>
-              <a:rPr lang="en-US" altLang="zh-CN" sz="1200" dirty="0" smtClean="0"/>
-              <a:t>create</a:t>
-            </a:r>
-            <a:endParaRPr lang="zh-CN" altLang="en-US" sz="1200" dirty="0"/>
-          </a:p>
-        </p:txBody>
-      </p:sp>
-      <p:sp>
-        <p:nvSpPr>
-          <p:cNvPr id="37" name="矩形 36"/>
+          <a:bodyPr rot="0" spcFirstLastPara="0" vertOverflow="overflow" horzOverflow="overflow" vert="horz" wrap="square" lIns="91440" tIns="45720" rIns="91440" bIns="45720" numCol="1" spcCol="0" rtlCol="0" fromWordArt="0" anchor="ctr" anchorCtr="0" forceAA="0" compatLnSpc="1">
+            <a:prstTxWarp prst="textNoShape">
+              <a:avLst/>
+            </a:prstTxWarp>
+            <a:noAutofit/>
+          </a:bodyPr>
+          <a:lstStyle/>
+          <a:p>
+            <a:r>
+              <a:rPr lang="zh-CN" altLang="en-US" dirty="0"/>
+              <a:t>会话属性名称</a:t>
+            </a:r>
+          </a:p>
+        </p:txBody>
+      </p:sp>
+      <p:sp>
+        <p:nvSpPr>
+          <p:cNvPr id="18" name="矩形 17"/>
           <p:cNvSpPr/>
           <p:nvPr/>
         </p:nvSpPr>
         <p:spPr>
           <a:xfrm>
-            <a:off x="4506329" y="5808071"/>
-            <a:ext cx="1107996" cy="369580"/>
+            <a:off x="4003194" y="2668270"/>
+            <a:ext cx="1454245" cy="369332"/>
           </a:xfrm>
           <a:prstGeom prst="rect">
             <a:avLst/>
           </a:prstGeom>
         </p:spPr>
         <p:style>
-          <a:lnRef idx="2">
-            <a:schemeClr val="accent1">
-              <a:shade val="50000"/>
-            </a:schemeClr>
-          </a:lnRef>
-          <a:fillRef idx="1">
-            <a:schemeClr val="accent1"/>
-          </a:fillRef>
-          <a:effectRef idx="0">
-            <a:schemeClr val="accent1"/>
+          <a:lnRef idx="1">
+            <a:schemeClr val="accent4"/>
+          </a:lnRef>
+          <a:fillRef idx="3">
+            <a:schemeClr val="accent4"/>
+          </a:fillRef>
+          <a:effectRef idx="2">
+            <a:schemeClr val="accent4"/>
           </a:effectRef>
           <a:fontRef idx="minor">
             <a:schemeClr val="lt1"/>
           </a:fontRef>
         </p:style>
         <p:txBody>
-          <a:bodyPr rtlCol="0" anchor="ctr"/>
-          <a:lstStyle/>
-          <a:p>
-            <a:pPr algn="ctr"/>
-            <a:r>
-              <a:rPr lang="en-US" altLang="zh-CN" sz="1200" dirty="0" smtClean="0"/>
-              <a:t>destroy</a:t>
-            </a:r>
-            <a:endParaRPr lang="zh-CN" altLang="en-US" sz="1200" dirty="0"/>
-          </a:p>
-        </p:txBody>
-      </p:sp>
-      <p:sp>
-        <p:nvSpPr>
-          <p:cNvPr id="38" name="矩形 37"/>
-          <p:cNvSpPr/>
-          <p:nvPr/>
-        </p:nvSpPr>
-        <p:spPr>
-          <a:xfrm>
-            <a:off x="4450231" y="6227771"/>
-            <a:ext cx="1345905" cy="369580"/>
-          </a:xfrm>
-          <a:prstGeom prst="rect">
-            <a:avLst/>
-          </a:prstGeom>
-        </p:spPr>
-        <p:style>
-          <a:lnRef idx="2">
-            <a:schemeClr val="accent1">
-              <a:shade val="50000"/>
-            </a:schemeClr>
-          </a:lnRef>
-          <a:fillRef idx="1">
-            <a:schemeClr val="accent1"/>
-          </a:fillRef>
-          <a:effectRef idx="0">
-            <a:schemeClr val="accent1"/>
-          </a:effectRef>
-          <a:fontRef idx="minor">
-            <a:schemeClr val="lt1"/>
-          </a:fontRef>
-        </p:style>
-        <p:txBody>
-          <a:bodyPr rtlCol="0" anchor="ctr"/>
-          <a:lstStyle/>
-          <a:p>
-            <a:pPr algn="ctr"/>
-            <a:r>
-              <a:rPr lang="en-US" altLang="zh-CN" sz="1200" dirty="0" smtClean="0"/>
-              <a:t>Add/</a:t>
-            </a:r>
-            <a:r>
-              <a:rPr lang="en-US" altLang="zh-CN" sz="1200" dirty="0" err="1" smtClean="0"/>
-              <a:t>Romove</a:t>
-            </a:r>
-            <a:endParaRPr lang="en-US" altLang="zh-CN" sz="1200" dirty="0" smtClean="0"/>
-          </a:p>
-          <a:p>
-            <a:pPr algn="ctr"/>
-            <a:r>
-              <a:rPr lang="zh-CN" altLang="en-US" sz="1200" dirty="0"/>
-              <a:t>属性</a:t>
-            </a:r>
-          </a:p>
-        </p:txBody>
-      </p:sp>
-      <p:cxnSp>
-        <p:nvCxnSpPr>
-          <p:cNvPr id="40" name="直接箭头连接符 39"/>
-          <p:cNvCxnSpPr>
-            <a:stCxn id="6" idx="3"/>
-            <a:endCxn id="32" idx="0"/>
-          </p:cNvCxnSpPr>
-          <p:nvPr/>
-        </p:nvCxnSpPr>
-        <p:spPr>
-          <a:xfrm>
-            <a:off x="3449974" y="2524378"/>
-            <a:ext cx="1762841" cy="2262193"/>
-          </a:xfrm>
-          <a:prstGeom prst="straightConnector1">
-            <a:avLst/>
-          </a:prstGeom>
-          <a:ln>
-            <a:tailEnd type="arrow"/>
-          </a:ln>
-        </p:spPr>
-        <p:style>
-          <a:lnRef idx="3">
-            <a:schemeClr val="accent6"/>
-          </a:lnRef>
-          <a:fillRef idx="0">
-            <a:schemeClr val="accent6"/>
-          </a:fillRef>
-          <a:effectRef idx="2">
-            <a:schemeClr val="accent6"/>
-          </a:effectRef>
-          <a:fontRef idx="minor">
-            <a:schemeClr val="tx1"/>
-          </a:fontRef>
-        </p:style>
-      </p:cxnSp>
-      <p:sp>
-        <p:nvSpPr>
-          <p:cNvPr id="44" name="矩形 43"/>
-          <p:cNvSpPr/>
-          <p:nvPr/>
-        </p:nvSpPr>
-        <p:spPr>
-          <a:xfrm>
-            <a:off x="2323557" y="2915404"/>
-            <a:ext cx="1107996" cy="369580"/>
-          </a:xfrm>
-          <a:prstGeom prst="rect">
-            <a:avLst/>
-          </a:prstGeom>
-        </p:spPr>
-        <p:style>
-          <a:lnRef idx="2">
-            <a:schemeClr val="accent1">
-              <a:shade val="50000"/>
-            </a:schemeClr>
-          </a:lnRef>
-          <a:fillRef idx="1">
-            <a:schemeClr val="accent1"/>
-          </a:fillRef>
-          <a:effectRef idx="0">
-            <a:schemeClr val="accent1"/>
-          </a:effectRef>
-          <a:fontRef idx="minor">
-            <a:schemeClr val="lt1"/>
-          </a:fontRef>
-        </p:style>
-        <p:txBody>
-          <a:bodyPr rtlCol="0" anchor="ctr"/>
-          <a:lstStyle/>
-          <a:p>
-            <a:pPr algn="ctr"/>
-            <a:r>
-              <a:rPr lang="zh-CN" altLang="en-US" sz="1200" dirty="0" smtClean="0"/>
-              <a:t>销毁会话</a:t>
-            </a:r>
-            <a:endParaRPr lang="zh-CN" altLang="en-US" sz="1200" dirty="0"/>
-          </a:p>
-        </p:txBody>
-      </p:sp>
-      <p:cxnSp>
-        <p:nvCxnSpPr>
-          <p:cNvPr id="46" name="直接箭头连接符 45"/>
-          <p:cNvCxnSpPr>
-            <a:stCxn id="44" idx="3"/>
-          </p:cNvCxnSpPr>
-          <p:nvPr/>
-        </p:nvCxnSpPr>
-        <p:spPr>
-          <a:xfrm>
-            <a:off x="3431553" y="3100194"/>
-            <a:ext cx="1018678" cy="1624950"/>
-          </a:xfrm>
-          <a:prstGeom prst="straightConnector1">
-            <a:avLst/>
-          </a:prstGeom>
-          <a:ln>
-            <a:tailEnd type="arrow"/>
-          </a:ln>
-        </p:spPr>
-        <p:style>
-          <a:lnRef idx="3">
-            <a:schemeClr val="accent6"/>
-          </a:lnRef>
-          <a:fillRef idx="0">
-            <a:schemeClr val="accent6"/>
-          </a:fillRef>
-          <a:effectRef idx="2">
-            <a:schemeClr val="accent6"/>
-          </a:effectRef>
-          <a:fontRef idx="minor">
-            <a:schemeClr val="tx1"/>
-          </a:fontRef>
-        </p:style>
-      </p:cxnSp>
-      <p:sp>
-        <p:nvSpPr>
-          <p:cNvPr id="47" name="矩形 46"/>
-          <p:cNvSpPr/>
-          <p:nvPr/>
-        </p:nvSpPr>
-        <p:spPr>
-          <a:xfrm>
-            <a:off x="2247904" y="3436941"/>
-            <a:ext cx="1250180" cy="369580"/>
-          </a:xfrm>
-          <a:prstGeom prst="rect">
-            <a:avLst/>
-          </a:prstGeom>
-        </p:spPr>
-        <p:style>
-          <a:lnRef idx="2">
-            <a:schemeClr val="accent1">
-              <a:shade val="50000"/>
-            </a:schemeClr>
-          </a:lnRef>
-          <a:fillRef idx="1">
-            <a:schemeClr val="accent1"/>
-          </a:fillRef>
-          <a:effectRef idx="0">
-            <a:schemeClr val="accent1"/>
-          </a:effectRef>
-          <a:fontRef idx="minor">
-            <a:schemeClr val="lt1"/>
-          </a:fontRef>
-        </p:style>
-        <p:txBody>
-          <a:bodyPr rtlCol="0" anchor="ctr"/>
-          <a:lstStyle/>
-          <a:p>
-            <a:pPr algn="ctr"/>
-            <a:r>
-              <a:rPr lang="en-US" altLang="zh-CN" sz="1200" dirty="0" smtClean="0"/>
-              <a:t>Add/</a:t>
-            </a:r>
-            <a:r>
-              <a:rPr lang="en-US" altLang="zh-CN" sz="1200" dirty="0" err="1" smtClean="0"/>
-              <a:t>Romove</a:t>
-            </a:r>
-            <a:r>
-              <a:rPr lang="en-US" altLang="zh-CN" sz="1200" dirty="0" smtClean="0"/>
-              <a:t>/get</a:t>
-            </a:r>
-          </a:p>
-          <a:p>
-            <a:pPr algn="ctr"/>
-            <a:r>
-              <a:rPr lang="zh-CN" altLang="en-US" sz="1200" dirty="0" smtClean="0"/>
-              <a:t>会话属性</a:t>
-            </a:r>
-            <a:endParaRPr lang="zh-CN" altLang="en-US" sz="1200" dirty="0"/>
-          </a:p>
-        </p:txBody>
-      </p:sp>
-      <p:cxnSp>
-        <p:nvCxnSpPr>
-          <p:cNvPr id="48" name="直接箭头连接符 47"/>
-          <p:cNvCxnSpPr/>
-          <p:nvPr/>
-        </p:nvCxnSpPr>
-        <p:spPr>
-          <a:xfrm>
-            <a:off x="3203848" y="3806521"/>
-            <a:ext cx="1072863" cy="1125355"/>
-          </a:xfrm>
-          <a:prstGeom prst="straightConnector1">
-            <a:avLst/>
-          </a:prstGeom>
-          <a:ln>
-            <a:tailEnd type="arrow"/>
-          </a:ln>
-        </p:spPr>
-        <p:style>
-          <a:lnRef idx="3">
-            <a:schemeClr val="accent6"/>
-          </a:lnRef>
-          <a:fillRef idx="0">
-            <a:schemeClr val="accent6"/>
-          </a:fillRef>
-          <a:effectRef idx="2">
-            <a:schemeClr val="accent6"/>
-          </a:effectRef>
-          <a:fontRef idx="minor">
-            <a:schemeClr val="tx1"/>
-          </a:fontRef>
-        </p:style>
-      </p:cxnSp>
-      <p:sp>
-        <p:nvSpPr>
-          <p:cNvPr id="51" name="矩形 50"/>
-          <p:cNvSpPr/>
-          <p:nvPr/>
-        </p:nvSpPr>
-        <p:spPr>
-          <a:xfrm>
-            <a:off x="637827" y="5745587"/>
-            <a:ext cx="1107996" cy="369580"/>
-          </a:xfrm>
-          <a:prstGeom prst="rect">
-            <a:avLst/>
-          </a:prstGeom>
-        </p:spPr>
-        <p:style>
-          <a:lnRef idx="2">
-            <a:schemeClr val="accent1">
-              <a:shade val="50000"/>
-            </a:schemeClr>
-          </a:lnRef>
-          <a:fillRef idx="1">
-            <a:schemeClr val="accent1"/>
-          </a:fillRef>
-          <a:effectRef idx="0">
-            <a:schemeClr val="accent1"/>
-          </a:effectRef>
-          <a:fontRef idx="minor">
-            <a:schemeClr val="lt1"/>
-          </a:fontRef>
-        </p:style>
-        <p:txBody>
-          <a:bodyPr rtlCol="0" anchor="ctr"/>
-          <a:lstStyle/>
-          <a:p>
-            <a:pPr algn="ctr"/>
-            <a:r>
-              <a:rPr lang="zh-CN" altLang="en-US" sz="1200" dirty="0" smtClean="0"/>
-              <a:t>销毁过期会话</a:t>
-            </a:r>
-            <a:endParaRPr lang="zh-CN" altLang="en-US" sz="1200" dirty="0"/>
-          </a:p>
-        </p:txBody>
-      </p:sp>
-      <p:cxnSp>
-        <p:nvCxnSpPr>
-          <p:cNvPr id="52" name="直接箭头连接符 51"/>
-          <p:cNvCxnSpPr>
-            <a:stCxn id="51" idx="3"/>
-          </p:cNvCxnSpPr>
-          <p:nvPr/>
-        </p:nvCxnSpPr>
-        <p:spPr>
-          <a:xfrm>
-            <a:off x="1745823" y="5930377"/>
-            <a:ext cx="2760506" cy="62484"/>
-          </a:xfrm>
-          <a:prstGeom prst="straightConnector1">
-            <a:avLst/>
-          </a:prstGeom>
-          <a:ln>
-            <a:tailEnd type="arrow"/>
-          </a:ln>
-        </p:spPr>
-        <p:style>
-          <a:lnRef idx="3">
-            <a:schemeClr val="accent6"/>
-          </a:lnRef>
-          <a:fillRef idx="0">
-            <a:schemeClr val="accent6"/>
-          </a:fillRef>
-          <a:effectRef idx="2">
-            <a:schemeClr val="accent6"/>
-          </a:effectRef>
-          <a:fontRef idx="minor">
-            <a:schemeClr val="tx1"/>
-          </a:fontRef>
-        </p:style>
-      </p:cxnSp>
-      <p:cxnSp>
-        <p:nvCxnSpPr>
-          <p:cNvPr id="55" name="直接箭头连接符 54"/>
-          <p:cNvCxnSpPr>
-            <a:stCxn id="15" idx="0"/>
-            <a:endCxn id="3" idx="3"/>
-          </p:cNvCxnSpPr>
-          <p:nvPr/>
-        </p:nvCxnSpPr>
-        <p:spPr>
-          <a:xfrm flipH="1" flipV="1">
-            <a:off x="794385" y="4125952"/>
-            <a:ext cx="393239" cy="955168"/>
-          </a:xfrm>
-          <a:prstGeom prst="straightConnector1">
-            <a:avLst/>
-          </a:prstGeom>
-          <a:ln>
-            <a:tailEnd type="arrow"/>
-          </a:ln>
-        </p:spPr>
-        <p:style>
-          <a:lnRef idx="3">
-            <a:schemeClr val="accent6"/>
-          </a:lnRef>
-          <a:fillRef idx="0">
-            <a:schemeClr val="accent6"/>
-          </a:fillRef>
-          <a:effectRef idx="2">
-            <a:schemeClr val="accent6"/>
-          </a:effectRef>
-          <a:fontRef idx="minor">
-            <a:schemeClr val="tx1"/>
-          </a:fontRef>
-        </p:style>
-      </p:cxnSp>
-      <p:cxnSp>
-        <p:nvCxnSpPr>
-          <p:cNvPr id="57" name="直接箭头连接符 56"/>
-          <p:cNvCxnSpPr>
-            <a:stCxn id="4" idx="1"/>
-            <a:endCxn id="3" idx="1"/>
-          </p:cNvCxnSpPr>
-          <p:nvPr/>
-        </p:nvCxnSpPr>
-        <p:spPr>
-          <a:xfrm flipH="1">
-            <a:off x="794385" y="3176972"/>
-            <a:ext cx="1185327" cy="228900"/>
-          </a:xfrm>
-          <a:prstGeom prst="straightConnector1">
-            <a:avLst/>
-          </a:prstGeom>
-          <a:ln>
-            <a:tailEnd type="arrow"/>
-          </a:ln>
-        </p:spPr>
-        <p:style>
-          <a:lnRef idx="3">
-            <a:schemeClr val="accent6"/>
-          </a:lnRef>
-          <a:fillRef idx="0">
-            <a:schemeClr val="accent6"/>
-          </a:fillRef>
-          <a:effectRef idx="2">
-            <a:schemeClr val="accent6"/>
-          </a:effectRef>
-          <a:fontRef idx="minor">
-            <a:schemeClr val="tx1"/>
-          </a:fontRef>
-        </p:style>
-      </p:cxnSp>
-      <p:sp>
-        <p:nvSpPr>
-          <p:cNvPr id="66" name="矩形 65"/>
-          <p:cNvSpPr/>
-          <p:nvPr/>
-        </p:nvSpPr>
-        <p:spPr>
-          <a:xfrm>
-            <a:off x="2247903" y="4073919"/>
-            <a:ext cx="1202071" cy="369580"/>
-          </a:xfrm>
-          <a:prstGeom prst="rect">
-            <a:avLst/>
-          </a:prstGeom>
-        </p:spPr>
-        <p:style>
-          <a:lnRef idx="2">
-            <a:schemeClr val="accent1">
-              <a:shade val="50000"/>
-            </a:schemeClr>
-          </a:lnRef>
-          <a:fillRef idx="1">
-            <a:schemeClr val="accent1"/>
-          </a:fillRef>
-          <a:effectRef idx="0">
-            <a:schemeClr val="accent1"/>
-          </a:effectRef>
-          <a:fontRef idx="minor">
-            <a:schemeClr val="lt1"/>
-          </a:fontRef>
-        </p:style>
-        <p:txBody>
-          <a:bodyPr rtlCol="0" anchor="ctr"/>
-          <a:lstStyle/>
-          <a:p>
-            <a:pPr algn="ctr"/>
-            <a:r>
-              <a:rPr lang="zh-CN" altLang="en-US" sz="1200" dirty="0" smtClean="0"/>
-              <a:t>获取会话</a:t>
-            </a:r>
-            <a:endParaRPr lang="zh-CN" altLang="en-US" sz="1200" dirty="0"/>
-          </a:p>
-        </p:txBody>
-      </p:sp>
-      <p:cxnSp>
-        <p:nvCxnSpPr>
-          <p:cNvPr id="68" name="直接箭头连接符 67"/>
-          <p:cNvCxnSpPr>
-            <a:stCxn id="69" idx="1"/>
-            <a:endCxn id="66" idx="3"/>
-          </p:cNvCxnSpPr>
-          <p:nvPr/>
-        </p:nvCxnSpPr>
-        <p:spPr>
-          <a:xfrm flipH="1">
-            <a:off x="3449974" y="3840264"/>
-            <a:ext cx="1248715" cy="418445"/>
-          </a:xfrm>
-          <a:prstGeom prst="straightConnector1">
-            <a:avLst/>
-          </a:prstGeom>
-          <a:ln>
-            <a:tailEnd type="arrow"/>
-          </a:ln>
-        </p:spPr>
-        <p:style>
-          <a:lnRef idx="3">
-            <a:schemeClr val="accent6"/>
-          </a:lnRef>
-          <a:fillRef idx="0">
-            <a:schemeClr val="accent6"/>
-          </a:fillRef>
-          <a:effectRef idx="2">
-            <a:schemeClr val="accent6"/>
-          </a:effectRef>
-          <a:fontRef idx="minor">
-            <a:schemeClr val="tx1"/>
-          </a:fontRef>
-        </p:style>
-      </p:cxnSp>
-      <p:sp>
-        <p:nvSpPr>
-          <p:cNvPr id="69" name="矩形 68"/>
-          <p:cNvSpPr/>
-          <p:nvPr/>
-        </p:nvSpPr>
-        <p:spPr>
-          <a:xfrm>
-            <a:off x="4698689" y="3655474"/>
-            <a:ext cx="1112933" cy="369580"/>
-          </a:xfrm>
-          <a:prstGeom prst="rect">
-            <a:avLst/>
-          </a:prstGeom>
-        </p:spPr>
-        <p:style>
-          <a:lnRef idx="2">
-            <a:schemeClr val="accent1">
-              <a:shade val="50000"/>
-            </a:schemeClr>
-          </a:lnRef>
-          <a:fillRef idx="1">
-            <a:schemeClr val="accent1"/>
-          </a:fillRef>
-          <a:effectRef idx="0">
-            <a:schemeClr val="accent1"/>
-          </a:effectRef>
-          <a:fontRef idx="minor">
-            <a:schemeClr val="lt1"/>
-          </a:fontRef>
-        </p:style>
-        <p:txBody>
-          <a:bodyPr rtlCol="0" anchor="ctr"/>
-          <a:lstStyle/>
-          <a:p>
-            <a:pPr algn="ctr"/>
-            <a:r>
-              <a:rPr lang="zh-CN" altLang="en-US" sz="1200" dirty="0" smtClean="0"/>
-              <a:t>获取会话</a:t>
-            </a:r>
-            <a:endParaRPr lang="zh-CN" altLang="en-US" sz="1200" dirty="0"/>
-          </a:p>
-        </p:txBody>
-      </p:sp>
-      <p:sp>
-        <p:nvSpPr>
-          <p:cNvPr id="73" name="矩形 72"/>
-          <p:cNvSpPr/>
-          <p:nvPr/>
-        </p:nvSpPr>
-        <p:spPr>
-          <a:xfrm>
-            <a:off x="4683203" y="2807392"/>
-            <a:ext cx="1112933" cy="369580"/>
-          </a:xfrm>
-          <a:prstGeom prst="rect">
-            <a:avLst/>
-          </a:prstGeom>
-        </p:spPr>
-        <p:style>
-          <a:lnRef idx="2">
-            <a:schemeClr val="accent1">
-              <a:shade val="50000"/>
-            </a:schemeClr>
-          </a:lnRef>
-          <a:fillRef idx="1">
-            <a:schemeClr val="accent1"/>
-          </a:fillRef>
-          <a:effectRef idx="0">
-            <a:schemeClr val="accent1"/>
-          </a:effectRef>
-          <a:fontRef idx="minor">
-            <a:schemeClr val="lt1"/>
-          </a:fontRef>
-        </p:style>
-        <p:txBody>
-          <a:bodyPr rtlCol="0" anchor="ctr"/>
-          <a:lstStyle/>
-          <a:p>
-            <a:pPr algn="ctr"/>
-            <a:r>
-              <a:rPr lang="zh-CN" altLang="en-US" sz="1200" dirty="0" smtClean="0"/>
-              <a:t>获取会话属性</a:t>
-            </a:r>
-            <a:endParaRPr lang="zh-CN" altLang="en-US" sz="1200" dirty="0"/>
-          </a:p>
-        </p:txBody>
-      </p:sp>
-      <p:cxnSp>
-        <p:nvCxnSpPr>
-          <p:cNvPr id="75" name="直接箭头连接符 74"/>
-          <p:cNvCxnSpPr>
-            <a:stCxn id="73" idx="1"/>
-            <a:endCxn id="47" idx="3"/>
-          </p:cNvCxnSpPr>
-          <p:nvPr/>
-        </p:nvCxnSpPr>
-        <p:spPr>
-          <a:xfrm flipH="1">
-            <a:off x="3498084" y="2992182"/>
-            <a:ext cx="1185119" cy="629549"/>
-          </a:xfrm>
-          <a:prstGeom prst="straightConnector1">
-            <a:avLst/>
-          </a:prstGeom>
-          <a:ln>
-            <a:tailEnd type="arrow"/>
-          </a:ln>
-        </p:spPr>
-        <p:style>
-          <a:lnRef idx="3">
-            <a:schemeClr val="accent6"/>
-          </a:lnRef>
-          <a:fillRef idx="0">
-            <a:schemeClr val="accent6"/>
-          </a:fillRef>
-          <a:effectRef idx="2">
-            <a:schemeClr val="accent6"/>
-          </a:effectRef>
-          <a:fontRef idx="minor">
-            <a:schemeClr val="tx1"/>
-          </a:fontRef>
-        </p:style>
-      </p:cxnSp>
+          <a:bodyPr rot="0" spcFirstLastPara="0" vertOverflow="overflow" horzOverflow="overflow" vert="horz" wrap="square" lIns="91440" tIns="45720" rIns="91440" bIns="45720" numCol="1" spcCol="0" rtlCol="0" fromWordArt="0" anchor="ctr" anchorCtr="0" forceAA="0" compatLnSpc="1">
+            <a:prstTxWarp prst="textNoShape">
+              <a:avLst/>
+            </a:prstTxWarp>
+            <a:noAutofit/>
+          </a:bodyPr>
+          <a:lstStyle/>
+          <a:p>
+            <a:r>
+              <a:rPr lang="zh-CN" altLang="en-US" dirty="0"/>
+              <a:t>会话属性值</a:t>
+            </a:r>
+          </a:p>
+        </p:txBody>
+      </p:sp>
     </p:spTree>
     <p:extLst>
       <p:ext uri="{BB962C8B-B14F-4D97-AF65-F5344CB8AC3E}">
-        <p14:creationId xmlns:p14="http://schemas.microsoft.com/office/powerpoint/2010/main" val="805200460"/>
+        <p14:creationId xmlns:p14="http://schemas.microsoft.com/office/powerpoint/2010/main" val="2953062712"/>
       </p:ext>
     </p:extLst>
   </p:cSld>
@@ -9132,6 +8943,2250 @@
     <p:extLst>
       <p:ext uri="{BB962C8B-B14F-4D97-AF65-F5344CB8AC3E}">
         <p14:creationId xmlns:p14="http://schemas.microsoft.com/office/powerpoint/2010/main" val="1407131166"/>
+      </p:ext>
+    </p:extLst>
+  </p:cSld>
+  <p:clrMapOvr>
+    <a:masterClrMapping/>
+  </p:clrMapOvr>
+</p:sld>
+</file>
+
+<file path=ppt/slides/slide20.xml><?xml version="1.0" encoding="utf-8"?>
+<p:sld xmlns:a="http://schemas.openxmlformats.org/drawingml/2006/main" xmlns:r="http://schemas.openxmlformats.org/officeDocument/2006/relationships" xmlns:p="http://schemas.openxmlformats.org/presentationml/2006/main">
+  <p:cSld>
+    <p:spTree>
+      <p:nvGrpSpPr>
+        <p:cNvPr id="1" name=""/>
+        <p:cNvGrpSpPr/>
+        <p:nvPr/>
+      </p:nvGrpSpPr>
+      <p:grpSpPr>
+        <a:xfrm>
+          <a:off x="0" y="0"/>
+          <a:ext cx="0" cy="0"/>
+          <a:chOff x="0" y="0"/>
+          <a:chExt cx="0" cy="0"/>
+        </a:xfrm>
+      </p:grpSpPr>
+      <p:sp>
+        <p:nvSpPr>
+          <p:cNvPr id="2" name="标题 1"/>
+          <p:cNvSpPr>
+            <a:spLocks noGrp="1"/>
+          </p:cNvSpPr>
+          <p:nvPr>
+            <p:ph type="title"/>
+          </p:nvPr>
+        </p:nvSpPr>
+        <p:spPr>
+          <a:xfrm>
+            <a:off x="-324544" y="260648"/>
+            <a:ext cx="8229600" cy="1143000"/>
+          </a:xfrm>
+        </p:spPr>
+        <p:txBody>
+          <a:bodyPr/>
+          <a:lstStyle/>
+          <a:p>
+            <a:r>
+              <a:rPr lang="zh-CN" altLang="en-US" dirty="0" smtClean="0"/>
+              <a:t>会话管理</a:t>
+            </a:r>
+            <a:r>
+              <a:rPr lang="en-US" altLang="zh-CN" dirty="0" smtClean="0"/>
+              <a:t>-</a:t>
+            </a:r>
+            <a:r>
+              <a:rPr lang="zh-CN" altLang="en-US" dirty="0" smtClean="0"/>
+              <a:t>生命周期管理</a:t>
+            </a:r>
+            <a:endParaRPr lang="zh-CN" altLang="en-US" dirty="0"/>
+          </a:p>
+        </p:txBody>
+      </p:sp>
+      <p:sp>
+        <p:nvSpPr>
+          <p:cNvPr id="4" name="矩形 3"/>
+          <p:cNvSpPr/>
+          <p:nvPr/>
+        </p:nvSpPr>
+        <p:spPr>
+          <a:xfrm>
+            <a:off x="3059832" y="1628799"/>
+            <a:ext cx="1872208" cy="3441575"/>
+          </a:xfrm>
+          <a:prstGeom prst="rect">
+            <a:avLst/>
+          </a:prstGeom>
+        </p:spPr>
+        <p:style>
+          <a:lnRef idx="1">
+            <a:schemeClr val="accent2"/>
+          </a:lnRef>
+          <a:fillRef idx="3">
+            <a:schemeClr val="accent2"/>
+          </a:fillRef>
+          <a:effectRef idx="2">
+            <a:schemeClr val="accent2"/>
+          </a:effectRef>
+          <a:fontRef idx="minor">
+            <a:schemeClr val="lt1"/>
+          </a:fontRef>
+        </p:style>
+        <p:txBody>
+          <a:bodyPr rtlCol="0" anchor="ctr"/>
+          <a:lstStyle/>
+          <a:p>
+            <a:pPr algn="ctr"/>
+            <a:endParaRPr lang="zh-CN" altLang="en-US" sz="1200" dirty="0"/>
+          </a:p>
+        </p:txBody>
+      </p:sp>
+      <p:sp>
+        <p:nvSpPr>
+          <p:cNvPr id="10" name="矩形 9"/>
+          <p:cNvSpPr/>
+          <p:nvPr/>
+        </p:nvSpPr>
+        <p:spPr>
+          <a:xfrm>
+            <a:off x="3595826" y="1696162"/>
+            <a:ext cx="800219" cy="276999"/>
+          </a:xfrm>
+          <a:prstGeom prst="rect">
+            <a:avLst/>
+          </a:prstGeom>
+        </p:spPr>
+        <p:style>
+          <a:lnRef idx="1">
+            <a:schemeClr val="accent6"/>
+          </a:lnRef>
+          <a:fillRef idx="3">
+            <a:schemeClr val="accent6"/>
+          </a:fillRef>
+          <a:effectRef idx="2">
+            <a:schemeClr val="accent6"/>
+          </a:effectRef>
+          <a:fontRef idx="minor">
+            <a:schemeClr val="lt1"/>
+          </a:fontRef>
+        </p:style>
+        <p:txBody>
+          <a:bodyPr wrap="none">
+            <a:spAutoFit/>
+          </a:bodyPr>
+          <a:lstStyle/>
+          <a:p>
+            <a:pPr algn="ctr"/>
+            <a:r>
+              <a:rPr lang="zh-CN" altLang="en-US" sz="1200" dirty="0" smtClean="0"/>
+              <a:t>会话工厂</a:t>
+            </a:r>
+            <a:endParaRPr lang="zh-CN" altLang="en-US" sz="1200" dirty="0"/>
+          </a:p>
+        </p:txBody>
+      </p:sp>
+      <p:sp>
+        <p:nvSpPr>
+          <p:cNvPr id="15" name="矩形 14"/>
+          <p:cNvSpPr/>
+          <p:nvPr/>
+        </p:nvSpPr>
+        <p:spPr>
+          <a:xfrm>
+            <a:off x="899592" y="5081120"/>
+            <a:ext cx="1872208" cy="1363506"/>
+          </a:xfrm>
+          <a:prstGeom prst="rect">
+            <a:avLst/>
+          </a:prstGeom>
+        </p:spPr>
+        <p:style>
+          <a:lnRef idx="1">
+            <a:schemeClr val="accent2"/>
+          </a:lnRef>
+          <a:fillRef idx="3">
+            <a:schemeClr val="accent2"/>
+          </a:fillRef>
+          <a:effectRef idx="2">
+            <a:schemeClr val="accent2"/>
+          </a:effectRef>
+          <a:fontRef idx="minor">
+            <a:schemeClr val="lt1"/>
+          </a:fontRef>
+        </p:style>
+        <p:txBody>
+          <a:bodyPr rtlCol="0" anchor="ctr"/>
+          <a:lstStyle/>
+          <a:p>
+            <a:pPr algn="ctr"/>
+            <a:endParaRPr lang="zh-CN" altLang="en-US" sz="1200" dirty="0"/>
+          </a:p>
+        </p:txBody>
+      </p:sp>
+      <p:sp>
+        <p:nvSpPr>
+          <p:cNvPr id="19" name="矩形 18"/>
+          <p:cNvSpPr/>
+          <p:nvPr/>
+        </p:nvSpPr>
+        <p:spPr>
+          <a:xfrm>
+            <a:off x="1435585" y="5148482"/>
+            <a:ext cx="800219" cy="461665"/>
+          </a:xfrm>
+          <a:prstGeom prst="rect">
+            <a:avLst/>
+          </a:prstGeom>
+        </p:spPr>
+        <p:style>
+          <a:lnRef idx="1">
+            <a:schemeClr val="accent6"/>
+          </a:lnRef>
+          <a:fillRef idx="3">
+            <a:schemeClr val="accent6"/>
+          </a:fillRef>
+          <a:effectRef idx="2">
+            <a:schemeClr val="accent6"/>
+          </a:effectRef>
+          <a:fontRef idx="minor">
+            <a:schemeClr val="lt1"/>
+          </a:fontRef>
+        </p:style>
+        <p:txBody>
+          <a:bodyPr wrap="none">
+            <a:spAutoFit/>
+          </a:bodyPr>
+          <a:lstStyle/>
+          <a:p>
+            <a:pPr algn="ctr"/>
+            <a:r>
+              <a:rPr lang="zh-CN" altLang="en-US" sz="1200" dirty="0" smtClean="0"/>
+              <a:t>过期会话</a:t>
+            </a:r>
+            <a:endParaRPr lang="en-US" altLang="zh-CN" sz="1200" dirty="0" smtClean="0"/>
+          </a:p>
+          <a:p>
+            <a:pPr algn="ctr"/>
+            <a:r>
+              <a:rPr lang="zh-CN" altLang="en-US" sz="1200" dirty="0" smtClean="0"/>
+              <a:t>扫描</a:t>
+            </a:r>
+            <a:r>
+              <a:rPr lang="zh-CN" altLang="en-US" sz="1200" dirty="0"/>
+              <a:t>器</a:t>
+            </a:r>
+          </a:p>
+        </p:txBody>
+      </p:sp>
+      <p:sp>
+        <p:nvSpPr>
+          <p:cNvPr id="20" name="矩形 19"/>
+          <p:cNvSpPr/>
+          <p:nvPr/>
+        </p:nvSpPr>
+        <p:spPr>
+          <a:xfrm>
+            <a:off x="6228184" y="1625646"/>
+            <a:ext cx="1872208" cy="2417953"/>
+          </a:xfrm>
+          <a:prstGeom prst="rect">
+            <a:avLst/>
+          </a:prstGeom>
+        </p:spPr>
+        <p:style>
+          <a:lnRef idx="1">
+            <a:schemeClr val="accent2"/>
+          </a:lnRef>
+          <a:fillRef idx="3">
+            <a:schemeClr val="accent2"/>
+          </a:fillRef>
+          <a:effectRef idx="2">
+            <a:schemeClr val="accent2"/>
+          </a:effectRef>
+          <a:fontRef idx="minor">
+            <a:schemeClr val="lt1"/>
+          </a:fontRef>
+        </p:style>
+        <p:txBody>
+          <a:bodyPr rtlCol="0" anchor="ctr"/>
+          <a:lstStyle/>
+          <a:p>
+            <a:pPr algn="ctr"/>
+            <a:endParaRPr lang="zh-CN" altLang="en-US" sz="1200" dirty="0"/>
+          </a:p>
+        </p:txBody>
+      </p:sp>
+      <p:sp>
+        <p:nvSpPr>
+          <p:cNvPr id="21" name="矩形 20"/>
+          <p:cNvSpPr/>
+          <p:nvPr/>
+        </p:nvSpPr>
+        <p:spPr>
+          <a:xfrm>
+            <a:off x="6533346" y="1693008"/>
+            <a:ext cx="1261884" cy="276999"/>
+          </a:xfrm>
+          <a:prstGeom prst="rect">
+            <a:avLst/>
+          </a:prstGeom>
+        </p:spPr>
+        <p:style>
+          <a:lnRef idx="1">
+            <a:schemeClr val="accent6"/>
+          </a:lnRef>
+          <a:fillRef idx="3">
+            <a:schemeClr val="accent6"/>
+          </a:fillRef>
+          <a:effectRef idx="2">
+            <a:schemeClr val="accent6"/>
+          </a:effectRef>
+          <a:fontRef idx="minor">
+            <a:schemeClr val="lt1"/>
+          </a:fontRef>
+        </p:style>
+        <p:txBody>
+          <a:bodyPr wrap="none">
+            <a:spAutoFit/>
+          </a:bodyPr>
+          <a:lstStyle/>
+          <a:p>
+            <a:pPr algn="ctr"/>
+            <a:r>
+              <a:rPr lang="zh-CN" altLang="en-US" sz="1200" dirty="0" smtClean="0"/>
+              <a:t>会话管理过滤器</a:t>
+            </a:r>
+            <a:endParaRPr lang="zh-CN" altLang="en-US" sz="1200" dirty="0"/>
+          </a:p>
+        </p:txBody>
+      </p:sp>
+      <p:sp>
+        <p:nvSpPr>
+          <p:cNvPr id="3" name="圆柱形 2"/>
+          <p:cNvSpPr/>
+          <p:nvPr/>
+        </p:nvSpPr>
+        <p:spPr>
+          <a:xfrm>
+            <a:off x="1587732" y="3168364"/>
+            <a:ext cx="648072" cy="720080"/>
+          </a:xfrm>
+          <a:prstGeom prst="can">
+            <a:avLst/>
+          </a:prstGeom>
+        </p:spPr>
+        <p:style>
+          <a:lnRef idx="2">
+            <a:schemeClr val="accent1">
+              <a:shade val="50000"/>
+            </a:schemeClr>
+          </a:lnRef>
+          <a:fillRef idx="1">
+            <a:schemeClr val="accent1"/>
+          </a:fillRef>
+          <a:effectRef idx="0">
+            <a:schemeClr val="accent1"/>
+          </a:effectRef>
+          <a:fontRef idx="minor">
+            <a:schemeClr val="lt1"/>
+          </a:fontRef>
+        </p:style>
+        <p:txBody>
+          <a:bodyPr rtlCol="0" anchor="ctr"/>
+          <a:lstStyle/>
+          <a:p>
+            <a:pPr algn="ctr"/>
+            <a:r>
+              <a:rPr lang="zh-CN" altLang="en-US" sz="1200" dirty="0" smtClean="0"/>
+              <a:t>会话</a:t>
+            </a:r>
+            <a:endParaRPr lang="en-US" altLang="zh-CN" sz="1200" dirty="0" smtClean="0"/>
+          </a:p>
+          <a:p>
+            <a:pPr algn="ctr"/>
+            <a:r>
+              <a:rPr lang="zh-CN" altLang="en-US" sz="1200" dirty="0"/>
+              <a:t>存储</a:t>
+            </a:r>
+          </a:p>
+        </p:txBody>
+      </p:sp>
+      <p:sp>
+        <p:nvSpPr>
+          <p:cNvPr id="6" name="矩形 5"/>
+          <p:cNvSpPr/>
+          <p:nvPr/>
+        </p:nvSpPr>
+        <p:spPr>
+          <a:xfrm>
+            <a:off x="3403677" y="2108507"/>
+            <a:ext cx="1107996" cy="369580"/>
+          </a:xfrm>
+          <a:prstGeom prst="rect">
+            <a:avLst/>
+          </a:prstGeom>
+        </p:spPr>
+        <p:style>
+          <a:lnRef idx="2">
+            <a:schemeClr val="accent1">
+              <a:shade val="50000"/>
+            </a:schemeClr>
+          </a:lnRef>
+          <a:fillRef idx="1">
+            <a:schemeClr val="accent1"/>
+          </a:fillRef>
+          <a:effectRef idx="0">
+            <a:schemeClr val="accent1"/>
+          </a:effectRef>
+          <a:fontRef idx="minor">
+            <a:schemeClr val="lt1"/>
+          </a:fontRef>
+        </p:style>
+        <p:txBody>
+          <a:bodyPr rtlCol="0" anchor="ctr"/>
+          <a:lstStyle/>
+          <a:p>
+            <a:pPr algn="ctr"/>
+            <a:r>
+              <a:rPr lang="zh-CN" altLang="en-US" sz="1200" dirty="0" smtClean="0"/>
+              <a:t>创建会话</a:t>
+            </a:r>
+            <a:endParaRPr lang="zh-CN" altLang="en-US" sz="1200" dirty="0"/>
+          </a:p>
+        </p:txBody>
+      </p:sp>
+      <p:sp>
+        <p:nvSpPr>
+          <p:cNvPr id="22" name="矩形 21"/>
+          <p:cNvSpPr/>
+          <p:nvPr/>
+        </p:nvSpPr>
+        <p:spPr>
+          <a:xfrm>
+            <a:off x="1807882" y="1700280"/>
+            <a:ext cx="965908" cy="545762"/>
+          </a:xfrm>
+          <a:prstGeom prst="rect">
+            <a:avLst/>
+          </a:prstGeom>
+        </p:spPr>
+        <p:style>
+          <a:lnRef idx="2">
+            <a:schemeClr val="accent1">
+              <a:shade val="50000"/>
+            </a:schemeClr>
+          </a:lnRef>
+          <a:fillRef idx="1">
+            <a:schemeClr val="accent1"/>
+          </a:fillRef>
+          <a:effectRef idx="0">
+            <a:schemeClr val="accent1"/>
+          </a:effectRef>
+          <a:fontRef idx="minor">
+            <a:schemeClr val="lt1"/>
+          </a:fontRef>
+        </p:style>
+        <p:txBody>
+          <a:bodyPr rtlCol="0" anchor="ctr"/>
+          <a:lstStyle/>
+          <a:p>
+            <a:pPr algn="ctr"/>
+            <a:r>
+              <a:rPr lang="zh-CN" altLang="en-US" sz="1200" dirty="0" smtClean="0"/>
+              <a:t>会话标识管理</a:t>
+            </a:r>
+            <a:endParaRPr lang="zh-CN" altLang="en-US" sz="1200" dirty="0"/>
+          </a:p>
+        </p:txBody>
+      </p:sp>
+      <p:cxnSp>
+        <p:nvCxnSpPr>
+          <p:cNvPr id="9" name="直接箭头连接符 8"/>
+          <p:cNvCxnSpPr>
+            <a:stCxn id="6" idx="1"/>
+            <a:endCxn id="22" idx="3"/>
+          </p:cNvCxnSpPr>
+          <p:nvPr/>
+        </p:nvCxnSpPr>
+        <p:spPr>
+          <a:xfrm flipH="1" flipV="1">
+            <a:off x="2773790" y="1973161"/>
+            <a:ext cx="629887" cy="320136"/>
+          </a:xfrm>
+          <a:prstGeom prst="straightConnector1">
+            <a:avLst/>
+          </a:prstGeom>
+          <a:ln>
+            <a:tailEnd type="arrow"/>
+          </a:ln>
+        </p:spPr>
+        <p:style>
+          <a:lnRef idx="3">
+            <a:schemeClr val="accent6"/>
+          </a:lnRef>
+          <a:fillRef idx="0">
+            <a:schemeClr val="accent6"/>
+          </a:fillRef>
+          <a:effectRef idx="2">
+            <a:schemeClr val="accent6"/>
+          </a:effectRef>
+          <a:fontRef idx="minor">
+            <a:schemeClr val="tx1"/>
+          </a:fontRef>
+        </p:style>
+      </p:cxnSp>
+      <p:sp>
+        <p:nvSpPr>
+          <p:cNvPr id="23" name="TextBox 22"/>
+          <p:cNvSpPr txBox="1"/>
+          <p:nvPr/>
+        </p:nvSpPr>
+        <p:spPr>
+          <a:xfrm>
+            <a:off x="2198541" y="2280444"/>
+            <a:ext cx="1107996" cy="276999"/>
+          </a:xfrm>
+          <a:prstGeom prst="rect">
+            <a:avLst/>
+          </a:prstGeom>
+          <a:noFill/>
+        </p:spPr>
+        <p:txBody>
+          <a:bodyPr wrap="none" rtlCol="0">
+            <a:spAutoFit/>
+          </a:bodyPr>
+          <a:lstStyle/>
+          <a:p>
+            <a:r>
+              <a:rPr lang="zh-CN" altLang="en-US" sz="1200" dirty="0" smtClean="0"/>
+              <a:t>获取会话标识</a:t>
+            </a:r>
+            <a:endParaRPr lang="zh-CN" altLang="en-US" sz="1200" dirty="0"/>
+          </a:p>
+        </p:txBody>
+      </p:sp>
+      <p:sp>
+        <p:nvSpPr>
+          <p:cNvPr id="25" name="矩形 24"/>
+          <p:cNvSpPr/>
+          <p:nvPr/>
+        </p:nvSpPr>
+        <p:spPr>
+          <a:xfrm>
+            <a:off x="6533346" y="2162248"/>
+            <a:ext cx="1368152" cy="545762"/>
+          </a:xfrm>
+          <a:prstGeom prst="rect">
+            <a:avLst/>
+          </a:prstGeom>
+        </p:spPr>
+        <p:style>
+          <a:lnRef idx="2">
+            <a:schemeClr val="accent1">
+              <a:shade val="50000"/>
+            </a:schemeClr>
+          </a:lnRef>
+          <a:fillRef idx="1">
+            <a:schemeClr val="accent1"/>
+          </a:fillRef>
+          <a:effectRef idx="0">
+            <a:schemeClr val="accent1"/>
+          </a:effectRef>
+          <a:fontRef idx="minor">
+            <a:schemeClr val="lt1"/>
+          </a:fontRef>
+        </p:style>
+        <p:txBody>
+          <a:bodyPr rtlCol="0" anchor="ctr"/>
+          <a:lstStyle/>
+          <a:p>
+            <a:pPr algn="ctr"/>
+            <a:r>
+              <a:rPr lang="zh-CN" altLang="en-US" sz="1200" dirty="0" smtClean="0"/>
+              <a:t>设置会话标识</a:t>
+            </a:r>
+            <a:r>
+              <a:rPr lang="en-US" altLang="zh-CN" sz="1200" dirty="0" smtClean="0"/>
+              <a:t>cookie</a:t>
+            </a:r>
+            <a:endParaRPr lang="zh-CN" altLang="en-US" sz="1200" dirty="0"/>
+          </a:p>
+        </p:txBody>
+      </p:sp>
+      <p:cxnSp>
+        <p:nvCxnSpPr>
+          <p:cNvPr id="28" name="直接箭头连接符 27"/>
+          <p:cNvCxnSpPr>
+            <a:stCxn id="6" idx="3"/>
+            <a:endCxn id="25" idx="1"/>
+          </p:cNvCxnSpPr>
+          <p:nvPr/>
+        </p:nvCxnSpPr>
+        <p:spPr>
+          <a:xfrm>
+            <a:off x="4511673" y="2293297"/>
+            <a:ext cx="2021673" cy="141832"/>
+          </a:xfrm>
+          <a:prstGeom prst="straightConnector1">
+            <a:avLst/>
+          </a:prstGeom>
+          <a:ln>
+            <a:tailEnd type="arrow"/>
+          </a:ln>
+        </p:spPr>
+        <p:style>
+          <a:lnRef idx="3">
+            <a:schemeClr val="accent6"/>
+          </a:lnRef>
+          <a:fillRef idx="0">
+            <a:schemeClr val="accent6"/>
+          </a:fillRef>
+          <a:effectRef idx="2">
+            <a:schemeClr val="accent6"/>
+          </a:effectRef>
+          <a:fontRef idx="minor">
+            <a:schemeClr val="tx1"/>
+          </a:fontRef>
+        </p:style>
+      </p:cxnSp>
+      <p:sp>
+        <p:nvSpPr>
+          <p:cNvPr id="29" name="TextBox 28"/>
+          <p:cNvSpPr txBox="1"/>
+          <p:nvPr/>
+        </p:nvSpPr>
+        <p:spPr>
+          <a:xfrm>
+            <a:off x="5508104" y="2162249"/>
+            <a:ext cx="1107996" cy="276999"/>
+          </a:xfrm>
+          <a:prstGeom prst="rect">
+            <a:avLst/>
+          </a:prstGeom>
+          <a:noFill/>
+        </p:spPr>
+        <p:txBody>
+          <a:bodyPr wrap="none" rtlCol="0">
+            <a:spAutoFit/>
+          </a:bodyPr>
+          <a:lstStyle/>
+          <a:p>
+            <a:r>
+              <a:rPr lang="zh-CN" altLang="en-US" sz="1200" dirty="0" smtClean="0"/>
+              <a:t>获取会话标识</a:t>
+            </a:r>
+            <a:endParaRPr lang="zh-CN" altLang="en-US" sz="1200" dirty="0"/>
+          </a:p>
+        </p:txBody>
+      </p:sp>
+      <p:sp>
+        <p:nvSpPr>
+          <p:cNvPr id="32" name="矩形 31"/>
+          <p:cNvSpPr/>
+          <p:nvPr/>
+        </p:nvSpPr>
+        <p:spPr>
+          <a:xfrm>
+            <a:off x="5004048" y="4786571"/>
+            <a:ext cx="1872208" cy="1810780"/>
+          </a:xfrm>
+          <a:prstGeom prst="rect">
+            <a:avLst/>
+          </a:prstGeom>
+        </p:spPr>
+        <p:style>
+          <a:lnRef idx="1">
+            <a:schemeClr val="accent2"/>
+          </a:lnRef>
+          <a:fillRef idx="3">
+            <a:schemeClr val="accent2"/>
+          </a:fillRef>
+          <a:effectRef idx="2">
+            <a:schemeClr val="accent2"/>
+          </a:effectRef>
+          <a:fontRef idx="minor">
+            <a:schemeClr val="lt1"/>
+          </a:fontRef>
+        </p:style>
+        <p:txBody>
+          <a:bodyPr rtlCol="0" anchor="ctr"/>
+          <a:lstStyle/>
+          <a:p>
+            <a:pPr algn="ctr"/>
+            <a:endParaRPr lang="zh-CN" altLang="en-US" sz="1200" dirty="0"/>
+          </a:p>
+        </p:txBody>
+      </p:sp>
+      <p:sp>
+        <p:nvSpPr>
+          <p:cNvPr id="33" name="矩形 32"/>
+          <p:cNvSpPr/>
+          <p:nvPr/>
+        </p:nvSpPr>
+        <p:spPr>
+          <a:xfrm>
+            <a:off x="5426026" y="4931876"/>
+            <a:ext cx="954107" cy="276999"/>
+          </a:xfrm>
+          <a:prstGeom prst="rect">
+            <a:avLst/>
+          </a:prstGeom>
+        </p:spPr>
+        <p:style>
+          <a:lnRef idx="1">
+            <a:schemeClr val="accent6"/>
+          </a:lnRef>
+          <a:fillRef idx="3">
+            <a:schemeClr val="accent6"/>
+          </a:fillRef>
+          <a:effectRef idx="2">
+            <a:schemeClr val="accent6"/>
+          </a:effectRef>
+          <a:fontRef idx="minor">
+            <a:schemeClr val="lt1"/>
+          </a:fontRef>
+        </p:style>
+        <p:txBody>
+          <a:bodyPr wrap="none">
+            <a:spAutoFit/>
+          </a:bodyPr>
+          <a:lstStyle/>
+          <a:p>
+            <a:pPr algn="ctr"/>
+            <a:r>
+              <a:rPr lang="zh-CN" altLang="en-US" sz="1200" dirty="0" smtClean="0"/>
+              <a:t>会话监听器</a:t>
+            </a:r>
+            <a:endParaRPr lang="zh-CN" altLang="en-US" sz="1200" dirty="0"/>
+          </a:p>
+        </p:txBody>
+      </p:sp>
+      <p:sp>
+        <p:nvSpPr>
+          <p:cNvPr id="36" name="矩形 35"/>
+          <p:cNvSpPr/>
+          <p:nvPr/>
+        </p:nvSpPr>
+        <p:spPr>
+          <a:xfrm>
+            <a:off x="5233666" y="5376007"/>
+            <a:ext cx="1107996" cy="369580"/>
+          </a:xfrm>
+          <a:prstGeom prst="rect">
+            <a:avLst/>
+          </a:prstGeom>
+        </p:spPr>
+        <p:style>
+          <a:lnRef idx="2">
+            <a:schemeClr val="accent1">
+              <a:shade val="50000"/>
+            </a:schemeClr>
+          </a:lnRef>
+          <a:fillRef idx="1">
+            <a:schemeClr val="accent1"/>
+          </a:fillRef>
+          <a:effectRef idx="0">
+            <a:schemeClr val="accent1"/>
+          </a:effectRef>
+          <a:fontRef idx="minor">
+            <a:schemeClr val="lt1"/>
+          </a:fontRef>
+        </p:style>
+        <p:txBody>
+          <a:bodyPr rtlCol="0" anchor="ctr"/>
+          <a:lstStyle/>
+          <a:p>
+            <a:pPr algn="ctr"/>
+            <a:r>
+              <a:rPr lang="en-US" altLang="zh-CN" sz="1200" dirty="0" smtClean="0"/>
+              <a:t>create</a:t>
+            </a:r>
+            <a:endParaRPr lang="zh-CN" altLang="en-US" sz="1200" dirty="0"/>
+          </a:p>
+        </p:txBody>
+      </p:sp>
+      <p:sp>
+        <p:nvSpPr>
+          <p:cNvPr id="37" name="矩形 36"/>
+          <p:cNvSpPr/>
+          <p:nvPr/>
+        </p:nvSpPr>
+        <p:spPr>
+          <a:xfrm>
+            <a:off x="5233666" y="5808071"/>
+            <a:ext cx="1107996" cy="369580"/>
+          </a:xfrm>
+          <a:prstGeom prst="rect">
+            <a:avLst/>
+          </a:prstGeom>
+        </p:spPr>
+        <p:style>
+          <a:lnRef idx="2">
+            <a:schemeClr val="accent1">
+              <a:shade val="50000"/>
+            </a:schemeClr>
+          </a:lnRef>
+          <a:fillRef idx="1">
+            <a:schemeClr val="accent1"/>
+          </a:fillRef>
+          <a:effectRef idx="0">
+            <a:schemeClr val="accent1"/>
+          </a:effectRef>
+          <a:fontRef idx="minor">
+            <a:schemeClr val="lt1"/>
+          </a:fontRef>
+        </p:style>
+        <p:txBody>
+          <a:bodyPr rtlCol="0" anchor="ctr"/>
+          <a:lstStyle/>
+          <a:p>
+            <a:pPr algn="ctr"/>
+            <a:r>
+              <a:rPr lang="en-US" altLang="zh-CN" sz="1200" dirty="0" smtClean="0"/>
+              <a:t>destroy</a:t>
+            </a:r>
+            <a:endParaRPr lang="zh-CN" altLang="en-US" sz="1200" dirty="0"/>
+          </a:p>
+        </p:txBody>
+      </p:sp>
+      <p:sp>
+        <p:nvSpPr>
+          <p:cNvPr id="38" name="矩形 37"/>
+          <p:cNvSpPr/>
+          <p:nvPr/>
+        </p:nvSpPr>
+        <p:spPr>
+          <a:xfrm>
+            <a:off x="5177568" y="6227771"/>
+            <a:ext cx="1345905" cy="369580"/>
+          </a:xfrm>
+          <a:prstGeom prst="rect">
+            <a:avLst/>
+          </a:prstGeom>
+        </p:spPr>
+        <p:style>
+          <a:lnRef idx="2">
+            <a:schemeClr val="accent1">
+              <a:shade val="50000"/>
+            </a:schemeClr>
+          </a:lnRef>
+          <a:fillRef idx="1">
+            <a:schemeClr val="accent1"/>
+          </a:fillRef>
+          <a:effectRef idx="0">
+            <a:schemeClr val="accent1"/>
+          </a:effectRef>
+          <a:fontRef idx="minor">
+            <a:schemeClr val="lt1"/>
+          </a:fontRef>
+        </p:style>
+        <p:txBody>
+          <a:bodyPr rtlCol="0" anchor="ctr"/>
+          <a:lstStyle/>
+          <a:p>
+            <a:pPr algn="ctr"/>
+            <a:r>
+              <a:rPr lang="en-US" altLang="zh-CN" sz="1200" dirty="0" smtClean="0"/>
+              <a:t>Add/</a:t>
+            </a:r>
+            <a:r>
+              <a:rPr lang="en-US" altLang="zh-CN" sz="1200" dirty="0" err="1" smtClean="0"/>
+              <a:t>Romove</a:t>
+            </a:r>
+            <a:endParaRPr lang="en-US" altLang="zh-CN" sz="1200" dirty="0" smtClean="0"/>
+          </a:p>
+          <a:p>
+            <a:pPr algn="ctr"/>
+            <a:r>
+              <a:rPr lang="zh-CN" altLang="en-US" sz="1200" dirty="0"/>
+              <a:t>属性</a:t>
+            </a:r>
+          </a:p>
+        </p:txBody>
+      </p:sp>
+      <p:cxnSp>
+        <p:nvCxnSpPr>
+          <p:cNvPr id="40" name="直接箭头连接符 39"/>
+          <p:cNvCxnSpPr>
+            <a:stCxn id="6" idx="3"/>
+            <a:endCxn id="32" idx="0"/>
+          </p:cNvCxnSpPr>
+          <p:nvPr/>
+        </p:nvCxnSpPr>
+        <p:spPr>
+          <a:xfrm>
+            <a:off x="4511673" y="2293297"/>
+            <a:ext cx="1428479" cy="2493274"/>
+          </a:xfrm>
+          <a:prstGeom prst="straightConnector1">
+            <a:avLst/>
+          </a:prstGeom>
+          <a:ln>
+            <a:tailEnd type="arrow"/>
+          </a:ln>
+        </p:spPr>
+        <p:style>
+          <a:lnRef idx="3">
+            <a:schemeClr val="accent6"/>
+          </a:lnRef>
+          <a:fillRef idx="0">
+            <a:schemeClr val="accent6"/>
+          </a:fillRef>
+          <a:effectRef idx="2">
+            <a:schemeClr val="accent6"/>
+          </a:effectRef>
+          <a:fontRef idx="minor">
+            <a:schemeClr val="tx1"/>
+          </a:fontRef>
+        </p:style>
+      </p:cxnSp>
+      <p:sp>
+        <p:nvSpPr>
+          <p:cNvPr id="44" name="矩形 43"/>
+          <p:cNvSpPr/>
+          <p:nvPr/>
+        </p:nvSpPr>
+        <p:spPr>
+          <a:xfrm>
+            <a:off x="3403677" y="3168364"/>
+            <a:ext cx="1107996" cy="369580"/>
+          </a:xfrm>
+          <a:prstGeom prst="rect">
+            <a:avLst/>
+          </a:prstGeom>
+        </p:spPr>
+        <p:style>
+          <a:lnRef idx="2">
+            <a:schemeClr val="accent1">
+              <a:shade val="50000"/>
+            </a:schemeClr>
+          </a:lnRef>
+          <a:fillRef idx="1">
+            <a:schemeClr val="accent1"/>
+          </a:fillRef>
+          <a:effectRef idx="0">
+            <a:schemeClr val="accent1"/>
+          </a:effectRef>
+          <a:fontRef idx="minor">
+            <a:schemeClr val="lt1"/>
+          </a:fontRef>
+        </p:style>
+        <p:txBody>
+          <a:bodyPr rtlCol="0" anchor="ctr"/>
+          <a:lstStyle/>
+          <a:p>
+            <a:pPr algn="ctr"/>
+            <a:r>
+              <a:rPr lang="zh-CN" altLang="en-US" sz="1200" dirty="0" smtClean="0"/>
+              <a:t>销毁会话</a:t>
+            </a:r>
+            <a:endParaRPr lang="zh-CN" altLang="en-US" sz="1200" dirty="0"/>
+          </a:p>
+        </p:txBody>
+      </p:sp>
+      <p:cxnSp>
+        <p:nvCxnSpPr>
+          <p:cNvPr id="46" name="直接箭头连接符 45"/>
+          <p:cNvCxnSpPr>
+            <a:stCxn id="44" idx="3"/>
+          </p:cNvCxnSpPr>
+          <p:nvPr/>
+        </p:nvCxnSpPr>
+        <p:spPr>
+          <a:xfrm>
+            <a:off x="4511673" y="3353154"/>
+            <a:ext cx="1275991" cy="1433417"/>
+          </a:xfrm>
+          <a:prstGeom prst="straightConnector1">
+            <a:avLst/>
+          </a:prstGeom>
+          <a:ln>
+            <a:tailEnd type="arrow"/>
+          </a:ln>
+        </p:spPr>
+        <p:style>
+          <a:lnRef idx="3">
+            <a:schemeClr val="accent6"/>
+          </a:lnRef>
+          <a:fillRef idx="0">
+            <a:schemeClr val="accent6"/>
+          </a:fillRef>
+          <a:effectRef idx="2">
+            <a:schemeClr val="accent6"/>
+          </a:effectRef>
+          <a:fontRef idx="minor">
+            <a:schemeClr val="tx1"/>
+          </a:fontRef>
+        </p:style>
+      </p:cxnSp>
+      <p:sp>
+        <p:nvSpPr>
+          <p:cNvPr id="47" name="矩形 46"/>
+          <p:cNvSpPr/>
+          <p:nvPr/>
+        </p:nvSpPr>
+        <p:spPr>
+          <a:xfrm>
+            <a:off x="3328024" y="3657639"/>
+            <a:ext cx="1250180" cy="369580"/>
+          </a:xfrm>
+          <a:prstGeom prst="rect">
+            <a:avLst/>
+          </a:prstGeom>
+        </p:spPr>
+        <p:style>
+          <a:lnRef idx="2">
+            <a:schemeClr val="accent1">
+              <a:shade val="50000"/>
+            </a:schemeClr>
+          </a:lnRef>
+          <a:fillRef idx="1">
+            <a:schemeClr val="accent1"/>
+          </a:fillRef>
+          <a:effectRef idx="0">
+            <a:schemeClr val="accent1"/>
+          </a:effectRef>
+          <a:fontRef idx="minor">
+            <a:schemeClr val="lt1"/>
+          </a:fontRef>
+        </p:style>
+        <p:txBody>
+          <a:bodyPr rtlCol="0" anchor="ctr"/>
+          <a:lstStyle/>
+          <a:p>
+            <a:pPr algn="ctr"/>
+            <a:r>
+              <a:rPr lang="en-US" altLang="zh-CN" sz="1200" dirty="0" smtClean="0"/>
+              <a:t>Add/</a:t>
+            </a:r>
+            <a:r>
+              <a:rPr lang="en-US" altLang="zh-CN" sz="1200" dirty="0" err="1" smtClean="0"/>
+              <a:t>Romove</a:t>
+            </a:r>
+            <a:r>
+              <a:rPr lang="en-US" altLang="zh-CN" sz="1200" dirty="0" smtClean="0"/>
+              <a:t>/get</a:t>
+            </a:r>
+          </a:p>
+          <a:p>
+            <a:pPr algn="ctr"/>
+            <a:r>
+              <a:rPr lang="zh-CN" altLang="en-US" sz="1200" dirty="0" smtClean="0"/>
+              <a:t>会话属性</a:t>
+            </a:r>
+            <a:endParaRPr lang="zh-CN" altLang="en-US" sz="1200" dirty="0"/>
+          </a:p>
+        </p:txBody>
+      </p:sp>
+      <p:cxnSp>
+        <p:nvCxnSpPr>
+          <p:cNvPr id="48" name="直接箭头连接符 47"/>
+          <p:cNvCxnSpPr/>
+          <p:nvPr/>
+        </p:nvCxnSpPr>
+        <p:spPr>
+          <a:xfrm>
+            <a:off x="4283968" y="3806521"/>
+            <a:ext cx="1142058" cy="980050"/>
+          </a:xfrm>
+          <a:prstGeom prst="straightConnector1">
+            <a:avLst/>
+          </a:prstGeom>
+          <a:ln>
+            <a:tailEnd type="arrow"/>
+          </a:ln>
+        </p:spPr>
+        <p:style>
+          <a:lnRef idx="3">
+            <a:schemeClr val="accent6"/>
+          </a:lnRef>
+          <a:fillRef idx="0">
+            <a:schemeClr val="accent6"/>
+          </a:fillRef>
+          <a:effectRef idx="2">
+            <a:schemeClr val="accent6"/>
+          </a:effectRef>
+          <a:fontRef idx="minor">
+            <a:schemeClr val="tx1"/>
+          </a:fontRef>
+        </p:style>
+      </p:cxnSp>
+      <p:sp>
+        <p:nvSpPr>
+          <p:cNvPr id="51" name="矩形 50"/>
+          <p:cNvSpPr/>
+          <p:nvPr/>
+        </p:nvSpPr>
+        <p:spPr>
+          <a:xfrm>
+            <a:off x="1285899" y="5745587"/>
+            <a:ext cx="1107996" cy="369580"/>
+          </a:xfrm>
+          <a:prstGeom prst="rect">
+            <a:avLst/>
+          </a:prstGeom>
+        </p:spPr>
+        <p:style>
+          <a:lnRef idx="2">
+            <a:schemeClr val="accent1">
+              <a:shade val="50000"/>
+            </a:schemeClr>
+          </a:lnRef>
+          <a:fillRef idx="1">
+            <a:schemeClr val="accent1"/>
+          </a:fillRef>
+          <a:effectRef idx="0">
+            <a:schemeClr val="accent1"/>
+          </a:effectRef>
+          <a:fontRef idx="minor">
+            <a:schemeClr val="lt1"/>
+          </a:fontRef>
+        </p:style>
+        <p:txBody>
+          <a:bodyPr rtlCol="0" anchor="ctr"/>
+          <a:lstStyle/>
+          <a:p>
+            <a:pPr algn="ctr"/>
+            <a:r>
+              <a:rPr lang="zh-CN" altLang="en-US" sz="1200" dirty="0" smtClean="0"/>
+              <a:t>销毁过期会话</a:t>
+            </a:r>
+            <a:endParaRPr lang="zh-CN" altLang="en-US" sz="1200" dirty="0"/>
+          </a:p>
+        </p:txBody>
+      </p:sp>
+      <p:cxnSp>
+        <p:nvCxnSpPr>
+          <p:cNvPr id="52" name="直接箭头连接符 51"/>
+          <p:cNvCxnSpPr>
+            <a:stCxn id="51" idx="3"/>
+            <a:endCxn id="37" idx="1"/>
+          </p:cNvCxnSpPr>
+          <p:nvPr/>
+        </p:nvCxnSpPr>
+        <p:spPr>
+          <a:xfrm>
+            <a:off x="2393895" y="5930377"/>
+            <a:ext cx="2839771" cy="62484"/>
+          </a:xfrm>
+          <a:prstGeom prst="straightConnector1">
+            <a:avLst/>
+          </a:prstGeom>
+          <a:ln>
+            <a:tailEnd type="arrow"/>
+          </a:ln>
+        </p:spPr>
+        <p:style>
+          <a:lnRef idx="3">
+            <a:schemeClr val="accent6"/>
+          </a:lnRef>
+          <a:fillRef idx="0">
+            <a:schemeClr val="accent6"/>
+          </a:fillRef>
+          <a:effectRef idx="2">
+            <a:schemeClr val="accent6"/>
+          </a:effectRef>
+          <a:fontRef idx="minor">
+            <a:schemeClr val="tx1"/>
+          </a:fontRef>
+        </p:style>
+      </p:cxnSp>
+      <p:cxnSp>
+        <p:nvCxnSpPr>
+          <p:cNvPr id="55" name="直接箭头连接符 54"/>
+          <p:cNvCxnSpPr>
+            <a:stCxn id="15" idx="0"/>
+            <a:endCxn id="3" idx="3"/>
+          </p:cNvCxnSpPr>
+          <p:nvPr/>
+        </p:nvCxnSpPr>
+        <p:spPr>
+          <a:xfrm flipV="1">
+            <a:off x="1835696" y="3888444"/>
+            <a:ext cx="76072" cy="1192676"/>
+          </a:xfrm>
+          <a:prstGeom prst="straightConnector1">
+            <a:avLst/>
+          </a:prstGeom>
+          <a:ln>
+            <a:tailEnd type="arrow"/>
+          </a:ln>
+        </p:spPr>
+        <p:style>
+          <a:lnRef idx="3">
+            <a:schemeClr val="accent6"/>
+          </a:lnRef>
+          <a:fillRef idx="0">
+            <a:schemeClr val="accent6"/>
+          </a:fillRef>
+          <a:effectRef idx="2">
+            <a:schemeClr val="accent6"/>
+          </a:effectRef>
+          <a:fontRef idx="minor">
+            <a:schemeClr val="tx1"/>
+          </a:fontRef>
+        </p:style>
+      </p:cxnSp>
+      <p:cxnSp>
+        <p:nvCxnSpPr>
+          <p:cNvPr id="57" name="直接箭头连接符 56"/>
+          <p:cNvCxnSpPr>
+            <a:stCxn id="4" idx="1"/>
+            <a:endCxn id="3" idx="4"/>
+          </p:cNvCxnSpPr>
+          <p:nvPr/>
+        </p:nvCxnSpPr>
+        <p:spPr>
+          <a:xfrm flipH="1">
+            <a:off x="2235804" y="3349587"/>
+            <a:ext cx="824028" cy="178817"/>
+          </a:xfrm>
+          <a:prstGeom prst="straightConnector1">
+            <a:avLst/>
+          </a:prstGeom>
+          <a:ln>
+            <a:tailEnd type="arrow"/>
+          </a:ln>
+        </p:spPr>
+        <p:style>
+          <a:lnRef idx="3">
+            <a:schemeClr val="accent6"/>
+          </a:lnRef>
+          <a:fillRef idx="0">
+            <a:schemeClr val="accent6"/>
+          </a:fillRef>
+          <a:effectRef idx="2">
+            <a:schemeClr val="accent6"/>
+          </a:effectRef>
+          <a:fontRef idx="minor">
+            <a:schemeClr val="tx1"/>
+          </a:fontRef>
+        </p:style>
+      </p:cxnSp>
+      <p:sp>
+        <p:nvSpPr>
+          <p:cNvPr id="66" name="矩形 65"/>
+          <p:cNvSpPr/>
+          <p:nvPr/>
+        </p:nvSpPr>
+        <p:spPr>
+          <a:xfrm>
+            <a:off x="3336178" y="4562296"/>
+            <a:ext cx="1202071" cy="369580"/>
+          </a:xfrm>
+          <a:prstGeom prst="rect">
+            <a:avLst/>
+          </a:prstGeom>
+        </p:spPr>
+        <p:style>
+          <a:lnRef idx="2">
+            <a:schemeClr val="accent1">
+              <a:shade val="50000"/>
+            </a:schemeClr>
+          </a:lnRef>
+          <a:fillRef idx="1">
+            <a:schemeClr val="accent1"/>
+          </a:fillRef>
+          <a:effectRef idx="0">
+            <a:schemeClr val="accent1"/>
+          </a:effectRef>
+          <a:fontRef idx="minor">
+            <a:schemeClr val="lt1"/>
+          </a:fontRef>
+        </p:style>
+        <p:txBody>
+          <a:bodyPr rtlCol="0" anchor="ctr"/>
+          <a:lstStyle/>
+          <a:p>
+            <a:pPr algn="ctr"/>
+            <a:r>
+              <a:rPr lang="zh-CN" altLang="en-US" sz="1200" dirty="0" smtClean="0"/>
+              <a:t>获取会话</a:t>
+            </a:r>
+            <a:endParaRPr lang="zh-CN" altLang="en-US" sz="1200" dirty="0"/>
+          </a:p>
+        </p:txBody>
+      </p:sp>
+      <p:cxnSp>
+        <p:nvCxnSpPr>
+          <p:cNvPr id="68" name="直接箭头连接符 67"/>
+          <p:cNvCxnSpPr>
+            <a:stCxn id="69" idx="0"/>
+            <a:endCxn id="66" idx="2"/>
+          </p:cNvCxnSpPr>
+          <p:nvPr/>
+        </p:nvCxnSpPr>
+        <p:spPr>
+          <a:xfrm flipH="1" flipV="1">
+            <a:off x="3937214" y="4931876"/>
+            <a:ext cx="257836" cy="461417"/>
+          </a:xfrm>
+          <a:prstGeom prst="straightConnector1">
+            <a:avLst/>
+          </a:prstGeom>
+          <a:ln>
+            <a:tailEnd type="arrow"/>
+          </a:ln>
+        </p:spPr>
+        <p:style>
+          <a:lnRef idx="3">
+            <a:schemeClr val="accent6"/>
+          </a:lnRef>
+          <a:fillRef idx="0">
+            <a:schemeClr val="accent6"/>
+          </a:fillRef>
+          <a:effectRef idx="2">
+            <a:schemeClr val="accent6"/>
+          </a:effectRef>
+          <a:fontRef idx="minor">
+            <a:schemeClr val="tx1"/>
+          </a:fontRef>
+        </p:style>
+      </p:cxnSp>
+      <p:sp>
+        <p:nvSpPr>
+          <p:cNvPr id="69" name="矩形 68"/>
+          <p:cNvSpPr/>
+          <p:nvPr/>
+        </p:nvSpPr>
+        <p:spPr>
+          <a:xfrm>
+            <a:off x="3638583" y="5393293"/>
+            <a:ext cx="1112933" cy="369580"/>
+          </a:xfrm>
+          <a:prstGeom prst="rect">
+            <a:avLst/>
+          </a:prstGeom>
+        </p:spPr>
+        <p:style>
+          <a:lnRef idx="2">
+            <a:schemeClr val="accent1">
+              <a:shade val="50000"/>
+            </a:schemeClr>
+          </a:lnRef>
+          <a:fillRef idx="1">
+            <a:schemeClr val="accent1"/>
+          </a:fillRef>
+          <a:effectRef idx="0">
+            <a:schemeClr val="accent1"/>
+          </a:effectRef>
+          <a:fontRef idx="minor">
+            <a:schemeClr val="lt1"/>
+          </a:fontRef>
+        </p:style>
+        <p:txBody>
+          <a:bodyPr rtlCol="0" anchor="ctr"/>
+          <a:lstStyle/>
+          <a:p>
+            <a:pPr algn="ctr"/>
+            <a:r>
+              <a:rPr lang="zh-CN" altLang="en-US" sz="1200" dirty="0" smtClean="0"/>
+              <a:t>获取会话</a:t>
+            </a:r>
+            <a:endParaRPr lang="zh-CN" altLang="en-US" sz="1200" dirty="0"/>
+          </a:p>
+        </p:txBody>
+      </p:sp>
+      <p:sp>
+        <p:nvSpPr>
+          <p:cNvPr id="73" name="矩形 72"/>
+          <p:cNvSpPr/>
+          <p:nvPr/>
+        </p:nvSpPr>
+        <p:spPr>
+          <a:xfrm>
+            <a:off x="1946899" y="4516005"/>
+            <a:ext cx="1112933" cy="369580"/>
+          </a:xfrm>
+          <a:prstGeom prst="rect">
+            <a:avLst/>
+          </a:prstGeom>
+        </p:spPr>
+        <p:style>
+          <a:lnRef idx="2">
+            <a:schemeClr val="accent1">
+              <a:shade val="50000"/>
+            </a:schemeClr>
+          </a:lnRef>
+          <a:fillRef idx="1">
+            <a:schemeClr val="accent1"/>
+          </a:fillRef>
+          <a:effectRef idx="0">
+            <a:schemeClr val="accent1"/>
+          </a:effectRef>
+          <a:fontRef idx="minor">
+            <a:schemeClr val="lt1"/>
+          </a:fontRef>
+        </p:style>
+        <p:txBody>
+          <a:bodyPr rtlCol="0" anchor="ctr"/>
+          <a:lstStyle/>
+          <a:p>
+            <a:pPr algn="ctr"/>
+            <a:r>
+              <a:rPr lang="zh-CN" altLang="en-US" sz="1200" dirty="0" smtClean="0"/>
+              <a:t>获取会话属性</a:t>
+            </a:r>
+            <a:endParaRPr lang="zh-CN" altLang="en-US" sz="1200" dirty="0"/>
+          </a:p>
+        </p:txBody>
+      </p:sp>
+      <p:cxnSp>
+        <p:nvCxnSpPr>
+          <p:cNvPr id="75" name="直接箭头连接符 74"/>
+          <p:cNvCxnSpPr>
+            <a:stCxn id="73" idx="0"/>
+            <a:endCxn id="47" idx="1"/>
+          </p:cNvCxnSpPr>
+          <p:nvPr/>
+        </p:nvCxnSpPr>
+        <p:spPr>
+          <a:xfrm flipV="1">
+            <a:off x="2503366" y="3842429"/>
+            <a:ext cx="824658" cy="673576"/>
+          </a:xfrm>
+          <a:prstGeom prst="straightConnector1">
+            <a:avLst/>
+          </a:prstGeom>
+          <a:ln>
+            <a:tailEnd type="arrow"/>
+          </a:ln>
+        </p:spPr>
+        <p:style>
+          <a:lnRef idx="3">
+            <a:schemeClr val="accent6"/>
+          </a:lnRef>
+          <a:fillRef idx="0">
+            <a:schemeClr val="accent6"/>
+          </a:fillRef>
+          <a:effectRef idx="2">
+            <a:schemeClr val="accent6"/>
+          </a:effectRef>
+          <a:fontRef idx="minor">
+            <a:schemeClr val="tx1"/>
+          </a:fontRef>
+        </p:style>
+      </p:cxnSp>
+      <p:sp>
+        <p:nvSpPr>
+          <p:cNvPr id="42" name="矩形 41"/>
+          <p:cNvSpPr/>
+          <p:nvPr/>
+        </p:nvSpPr>
+        <p:spPr>
+          <a:xfrm>
+            <a:off x="6540809" y="2807391"/>
+            <a:ext cx="1368152" cy="545762"/>
+          </a:xfrm>
+          <a:prstGeom prst="rect">
+            <a:avLst/>
+          </a:prstGeom>
+        </p:spPr>
+        <p:style>
+          <a:lnRef idx="2">
+            <a:schemeClr val="accent1">
+              <a:shade val="50000"/>
+            </a:schemeClr>
+          </a:lnRef>
+          <a:fillRef idx="1">
+            <a:schemeClr val="accent1"/>
+          </a:fillRef>
+          <a:effectRef idx="0">
+            <a:schemeClr val="accent1"/>
+          </a:effectRef>
+          <a:fontRef idx="minor">
+            <a:schemeClr val="lt1"/>
+          </a:fontRef>
+        </p:style>
+        <p:txBody>
+          <a:bodyPr rtlCol="0" anchor="ctr"/>
+          <a:lstStyle/>
+          <a:p>
+            <a:pPr algn="ctr"/>
+            <a:r>
+              <a:rPr lang="zh-CN" altLang="en-US" sz="1200" dirty="0" smtClean="0"/>
+              <a:t>更新会话访问</a:t>
+            </a:r>
+            <a:endParaRPr lang="en-US" altLang="zh-CN" sz="1200" dirty="0" smtClean="0"/>
+          </a:p>
+          <a:p>
+            <a:pPr algn="ctr"/>
+            <a:r>
+              <a:rPr lang="zh-CN" altLang="en-US" sz="1200" dirty="0" smtClean="0"/>
+              <a:t>时间</a:t>
+            </a:r>
+            <a:endParaRPr lang="zh-CN" altLang="en-US" sz="1200" dirty="0"/>
+          </a:p>
+        </p:txBody>
+      </p:sp>
+      <p:sp>
+        <p:nvSpPr>
+          <p:cNvPr id="59" name="矩形 58"/>
+          <p:cNvSpPr/>
+          <p:nvPr/>
+        </p:nvSpPr>
+        <p:spPr>
+          <a:xfrm>
+            <a:off x="3403677" y="2557443"/>
+            <a:ext cx="1107996" cy="545762"/>
+          </a:xfrm>
+          <a:prstGeom prst="rect">
+            <a:avLst/>
+          </a:prstGeom>
+        </p:spPr>
+        <p:style>
+          <a:lnRef idx="2">
+            <a:schemeClr val="accent1">
+              <a:shade val="50000"/>
+            </a:schemeClr>
+          </a:lnRef>
+          <a:fillRef idx="1">
+            <a:schemeClr val="accent1"/>
+          </a:fillRef>
+          <a:effectRef idx="0">
+            <a:schemeClr val="accent1"/>
+          </a:effectRef>
+          <a:fontRef idx="minor">
+            <a:schemeClr val="lt1"/>
+          </a:fontRef>
+        </p:style>
+        <p:txBody>
+          <a:bodyPr rtlCol="0" anchor="ctr"/>
+          <a:lstStyle/>
+          <a:p>
+            <a:pPr algn="ctr"/>
+            <a:r>
+              <a:rPr lang="zh-CN" altLang="en-US" sz="1200" dirty="0" smtClean="0"/>
+              <a:t>更新会话访问</a:t>
+            </a:r>
+            <a:endParaRPr lang="en-US" altLang="zh-CN" sz="1200" dirty="0" smtClean="0"/>
+          </a:p>
+          <a:p>
+            <a:pPr algn="ctr"/>
+            <a:r>
+              <a:rPr lang="zh-CN" altLang="en-US" sz="1200" dirty="0" smtClean="0"/>
+              <a:t>时间</a:t>
+            </a:r>
+            <a:endParaRPr lang="zh-CN" altLang="en-US" sz="1200" dirty="0"/>
+          </a:p>
+        </p:txBody>
+      </p:sp>
+      <p:cxnSp>
+        <p:nvCxnSpPr>
+          <p:cNvPr id="61" name="直接箭头连接符 60"/>
+          <p:cNvCxnSpPr>
+            <a:stCxn id="42" idx="1"/>
+            <a:endCxn id="59" idx="3"/>
+          </p:cNvCxnSpPr>
+          <p:nvPr/>
+        </p:nvCxnSpPr>
+        <p:spPr>
+          <a:xfrm flipH="1" flipV="1">
+            <a:off x="4511673" y="2830324"/>
+            <a:ext cx="2029136" cy="249948"/>
+          </a:xfrm>
+          <a:prstGeom prst="straightConnector1">
+            <a:avLst/>
+          </a:prstGeom>
+          <a:ln>
+            <a:tailEnd type="arrow"/>
+          </a:ln>
+        </p:spPr>
+        <p:style>
+          <a:lnRef idx="3">
+            <a:schemeClr val="accent6"/>
+          </a:lnRef>
+          <a:fillRef idx="0">
+            <a:schemeClr val="accent6"/>
+          </a:fillRef>
+          <a:effectRef idx="2">
+            <a:schemeClr val="accent6"/>
+          </a:effectRef>
+          <a:fontRef idx="minor">
+            <a:schemeClr val="tx1"/>
+          </a:fontRef>
+        </p:style>
+      </p:cxnSp>
+      <p:sp>
+        <p:nvSpPr>
+          <p:cNvPr id="54" name="椭圆 53"/>
+          <p:cNvSpPr/>
+          <p:nvPr/>
+        </p:nvSpPr>
+        <p:spPr>
+          <a:xfrm>
+            <a:off x="233593" y="2940405"/>
+            <a:ext cx="1052306" cy="325599"/>
+          </a:xfrm>
+          <a:prstGeom prst="ellipse">
+            <a:avLst/>
+          </a:prstGeom>
+        </p:spPr>
+        <p:style>
+          <a:lnRef idx="1">
+            <a:schemeClr val="accent1"/>
+          </a:lnRef>
+          <a:fillRef idx="3">
+            <a:schemeClr val="accent1"/>
+          </a:fillRef>
+          <a:effectRef idx="2">
+            <a:schemeClr val="accent1"/>
+          </a:effectRef>
+          <a:fontRef idx="minor">
+            <a:schemeClr val="lt1"/>
+          </a:fontRef>
+        </p:style>
+        <p:txBody>
+          <a:bodyPr rtlCol="0" anchor="ctr"/>
+          <a:lstStyle/>
+          <a:p>
+            <a:pPr algn="ctr"/>
+            <a:r>
+              <a:rPr lang="en-US" altLang="zh-CN" sz="1400" dirty="0" err="1"/>
+              <a:t>Mysql</a:t>
+            </a:r>
+            <a:endParaRPr lang="zh-CN" altLang="en-US" sz="1400" dirty="0"/>
+          </a:p>
+        </p:txBody>
+      </p:sp>
+      <p:sp>
+        <p:nvSpPr>
+          <p:cNvPr id="67" name="椭圆 66"/>
+          <p:cNvSpPr/>
+          <p:nvPr/>
+        </p:nvSpPr>
+        <p:spPr>
+          <a:xfrm>
+            <a:off x="241363" y="3405872"/>
+            <a:ext cx="1098008" cy="457671"/>
+          </a:xfrm>
+          <a:prstGeom prst="ellipse">
+            <a:avLst/>
+          </a:prstGeom>
+        </p:spPr>
+        <p:style>
+          <a:lnRef idx="1">
+            <a:schemeClr val="accent1"/>
+          </a:lnRef>
+          <a:fillRef idx="3">
+            <a:schemeClr val="accent1"/>
+          </a:fillRef>
+          <a:effectRef idx="2">
+            <a:schemeClr val="accent1"/>
+          </a:effectRef>
+          <a:fontRef idx="minor">
+            <a:schemeClr val="lt1"/>
+          </a:fontRef>
+        </p:style>
+        <p:txBody>
+          <a:bodyPr rtlCol="0" anchor="ctr"/>
+          <a:lstStyle/>
+          <a:p>
+            <a:pPr algn="ctr"/>
+            <a:r>
+              <a:rPr lang="en-US" altLang="zh-CN" sz="1400" dirty="0" err="1" smtClean="0"/>
+              <a:t>MongoDB</a:t>
+            </a:r>
+            <a:endParaRPr lang="zh-CN" altLang="en-US" sz="1400" dirty="0"/>
+          </a:p>
+        </p:txBody>
+      </p:sp>
+      <p:sp>
+        <p:nvSpPr>
+          <p:cNvPr id="70" name="椭圆 69"/>
+          <p:cNvSpPr/>
+          <p:nvPr/>
+        </p:nvSpPr>
+        <p:spPr>
+          <a:xfrm>
+            <a:off x="233593" y="4043599"/>
+            <a:ext cx="1052306" cy="325599"/>
+          </a:xfrm>
+          <a:prstGeom prst="ellipse">
+            <a:avLst/>
+          </a:prstGeom>
+        </p:spPr>
+        <p:style>
+          <a:lnRef idx="1">
+            <a:schemeClr val="accent1"/>
+          </a:lnRef>
+          <a:fillRef idx="3">
+            <a:schemeClr val="accent1"/>
+          </a:fillRef>
+          <a:effectRef idx="2">
+            <a:schemeClr val="accent1"/>
+          </a:effectRef>
+          <a:fontRef idx="minor">
+            <a:schemeClr val="lt1"/>
+          </a:fontRef>
+        </p:style>
+        <p:txBody>
+          <a:bodyPr rtlCol="0" anchor="ctr"/>
+          <a:lstStyle/>
+          <a:p>
+            <a:pPr algn="ctr"/>
+            <a:r>
+              <a:rPr lang="en-US" altLang="zh-CN" sz="1400" dirty="0" smtClean="0"/>
+              <a:t>MEM</a:t>
+            </a:r>
+            <a:endParaRPr lang="zh-CN" altLang="en-US" sz="1400" dirty="0"/>
+          </a:p>
+        </p:txBody>
+      </p:sp>
+      <p:cxnSp>
+        <p:nvCxnSpPr>
+          <p:cNvPr id="74" name="直接箭头连接符 73"/>
+          <p:cNvCxnSpPr>
+            <a:stCxn id="3" idx="2"/>
+            <a:endCxn id="54" idx="5"/>
+          </p:cNvCxnSpPr>
+          <p:nvPr/>
+        </p:nvCxnSpPr>
+        <p:spPr>
+          <a:xfrm flipH="1" flipV="1">
+            <a:off x="1131792" y="3218321"/>
+            <a:ext cx="455940" cy="310083"/>
+          </a:xfrm>
+          <a:prstGeom prst="straightConnector1">
+            <a:avLst/>
+          </a:prstGeom>
+          <a:ln>
+            <a:tailEnd type="arrow"/>
+          </a:ln>
+        </p:spPr>
+        <p:style>
+          <a:lnRef idx="3">
+            <a:schemeClr val="accent6"/>
+          </a:lnRef>
+          <a:fillRef idx="0">
+            <a:schemeClr val="accent6"/>
+          </a:fillRef>
+          <a:effectRef idx="2">
+            <a:schemeClr val="accent6"/>
+          </a:effectRef>
+          <a:fontRef idx="minor">
+            <a:schemeClr val="tx1"/>
+          </a:fontRef>
+        </p:style>
+      </p:cxnSp>
+      <p:cxnSp>
+        <p:nvCxnSpPr>
+          <p:cNvPr id="77" name="直接箭头连接符 76"/>
+          <p:cNvCxnSpPr>
+            <a:stCxn id="3" idx="2"/>
+            <a:endCxn id="67" idx="6"/>
+          </p:cNvCxnSpPr>
+          <p:nvPr/>
+        </p:nvCxnSpPr>
+        <p:spPr>
+          <a:xfrm flipH="1">
+            <a:off x="1339371" y="3528404"/>
+            <a:ext cx="248361" cy="106304"/>
+          </a:xfrm>
+          <a:prstGeom prst="straightConnector1">
+            <a:avLst/>
+          </a:prstGeom>
+          <a:ln>
+            <a:tailEnd type="arrow"/>
+          </a:ln>
+        </p:spPr>
+        <p:style>
+          <a:lnRef idx="3">
+            <a:schemeClr val="accent6"/>
+          </a:lnRef>
+          <a:fillRef idx="0">
+            <a:schemeClr val="accent6"/>
+          </a:fillRef>
+          <a:effectRef idx="2">
+            <a:schemeClr val="accent6"/>
+          </a:effectRef>
+          <a:fontRef idx="minor">
+            <a:schemeClr val="tx1"/>
+          </a:fontRef>
+        </p:style>
+      </p:cxnSp>
+      <p:cxnSp>
+        <p:nvCxnSpPr>
+          <p:cNvPr id="79" name="直接箭头连接符 78"/>
+          <p:cNvCxnSpPr>
+            <a:stCxn id="3" idx="2"/>
+            <a:endCxn id="70" idx="7"/>
+          </p:cNvCxnSpPr>
+          <p:nvPr/>
+        </p:nvCxnSpPr>
+        <p:spPr>
+          <a:xfrm flipH="1">
+            <a:off x="1131792" y="3528404"/>
+            <a:ext cx="455940" cy="562878"/>
+          </a:xfrm>
+          <a:prstGeom prst="straightConnector1">
+            <a:avLst/>
+          </a:prstGeom>
+          <a:ln>
+            <a:tailEnd type="arrow"/>
+          </a:ln>
+        </p:spPr>
+        <p:style>
+          <a:lnRef idx="3">
+            <a:schemeClr val="accent6"/>
+          </a:lnRef>
+          <a:fillRef idx="0">
+            <a:schemeClr val="accent6"/>
+          </a:fillRef>
+          <a:effectRef idx="2">
+            <a:schemeClr val="accent6"/>
+          </a:effectRef>
+          <a:fontRef idx="minor">
+            <a:schemeClr val="tx1"/>
+          </a:fontRef>
+        </p:style>
+      </p:cxnSp>
+      <p:sp>
+        <p:nvSpPr>
+          <p:cNvPr id="82" name="矩形 81"/>
+          <p:cNvSpPr/>
+          <p:nvPr/>
+        </p:nvSpPr>
+        <p:spPr>
+          <a:xfrm>
+            <a:off x="6533346" y="3481457"/>
+            <a:ext cx="1368152" cy="328386"/>
+          </a:xfrm>
+          <a:prstGeom prst="rect">
+            <a:avLst/>
+          </a:prstGeom>
+        </p:spPr>
+        <p:style>
+          <a:lnRef idx="2">
+            <a:schemeClr val="accent1">
+              <a:shade val="50000"/>
+            </a:schemeClr>
+          </a:lnRef>
+          <a:fillRef idx="1">
+            <a:schemeClr val="accent1"/>
+          </a:fillRef>
+          <a:effectRef idx="0">
+            <a:schemeClr val="accent1"/>
+          </a:effectRef>
+          <a:fontRef idx="minor">
+            <a:schemeClr val="lt1"/>
+          </a:fontRef>
+        </p:style>
+        <p:txBody>
+          <a:bodyPr rtlCol="0" anchor="ctr"/>
+          <a:lstStyle/>
+          <a:p>
+            <a:pPr algn="ctr"/>
+            <a:r>
+              <a:rPr lang="zh-CN" altLang="en-US" sz="1200" dirty="0" smtClean="0"/>
+              <a:t>会话失效检测</a:t>
+            </a:r>
+            <a:endParaRPr lang="zh-CN" altLang="en-US" sz="1200" dirty="0"/>
+          </a:p>
+        </p:txBody>
+      </p:sp>
+      <p:sp>
+        <p:nvSpPr>
+          <p:cNvPr id="86" name="矩形 85"/>
+          <p:cNvSpPr/>
+          <p:nvPr/>
+        </p:nvSpPr>
+        <p:spPr>
+          <a:xfrm>
+            <a:off x="3306537" y="4174859"/>
+            <a:ext cx="1169981" cy="328386"/>
+          </a:xfrm>
+          <a:prstGeom prst="rect">
+            <a:avLst/>
+          </a:prstGeom>
+        </p:spPr>
+        <p:style>
+          <a:lnRef idx="2">
+            <a:schemeClr val="accent1">
+              <a:shade val="50000"/>
+            </a:schemeClr>
+          </a:lnRef>
+          <a:fillRef idx="1">
+            <a:schemeClr val="accent1"/>
+          </a:fillRef>
+          <a:effectRef idx="0">
+            <a:schemeClr val="accent1"/>
+          </a:effectRef>
+          <a:fontRef idx="minor">
+            <a:schemeClr val="lt1"/>
+          </a:fontRef>
+        </p:style>
+        <p:txBody>
+          <a:bodyPr rtlCol="0" anchor="ctr"/>
+          <a:lstStyle/>
+          <a:p>
+            <a:pPr algn="ctr"/>
+            <a:r>
+              <a:rPr lang="zh-CN" altLang="en-US" sz="1200" dirty="0" smtClean="0"/>
+              <a:t>会话失效检测</a:t>
+            </a:r>
+            <a:endParaRPr lang="zh-CN" altLang="en-US" sz="1200" dirty="0"/>
+          </a:p>
+        </p:txBody>
+      </p:sp>
+      <p:cxnSp>
+        <p:nvCxnSpPr>
+          <p:cNvPr id="87" name="直接箭头连接符 86"/>
+          <p:cNvCxnSpPr>
+            <a:stCxn id="82" idx="1"/>
+            <a:endCxn id="86" idx="3"/>
+          </p:cNvCxnSpPr>
+          <p:nvPr/>
+        </p:nvCxnSpPr>
+        <p:spPr>
+          <a:xfrm flipH="1">
+            <a:off x="4476518" y="3645650"/>
+            <a:ext cx="2056828" cy="693402"/>
+          </a:xfrm>
+          <a:prstGeom prst="straightConnector1">
+            <a:avLst/>
+          </a:prstGeom>
+          <a:ln>
+            <a:tailEnd type="arrow"/>
+          </a:ln>
+        </p:spPr>
+        <p:style>
+          <a:lnRef idx="3">
+            <a:schemeClr val="accent6"/>
+          </a:lnRef>
+          <a:fillRef idx="0">
+            <a:schemeClr val="accent6"/>
+          </a:fillRef>
+          <a:effectRef idx="2">
+            <a:schemeClr val="accent6"/>
+          </a:effectRef>
+          <a:fontRef idx="minor">
+            <a:schemeClr val="tx1"/>
+          </a:fontRef>
+        </p:style>
+      </p:cxnSp>
+      <p:sp>
+        <p:nvSpPr>
+          <p:cNvPr id="90" name="椭圆 89"/>
+          <p:cNvSpPr/>
+          <p:nvPr/>
+        </p:nvSpPr>
+        <p:spPr>
+          <a:xfrm>
+            <a:off x="7164288" y="476672"/>
+            <a:ext cx="1019523" cy="648072"/>
+          </a:xfrm>
+          <a:prstGeom prst="ellipse">
+            <a:avLst/>
+          </a:prstGeom>
+        </p:spPr>
+        <p:style>
+          <a:lnRef idx="1">
+            <a:schemeClr val="accent6"/>
+          </a:lnRef>
+          <a:fillRef idx="3">
+            <a:schemeClr val="accent6"/>
+          </a:fillRef>
+          <a:effectRef idx="2">
+            <a:schemeClr val="accent6"/>
+          </a:effectRef>
+          <a:fontRef idx="minor">
+            <a:schemeClr val="lt1"/>
+          </a:fontRef>
+        </p:style>
+        <p:txBody>
+          <a:bodyPr rtlCol="0" anchor="ctr"/>
+          <a:lstStyle/>
+          <a:p>
+            <a:pPr algn="ctr"/>
+            <a:r>
+              <a:rPr lang="zh-CN" altLang="en-US" sz="1400" dirty="0" smtClean="0"/>
+              <a:t>用户请求</a:t>
+            </a:r>
+            <a:endParaRPr lang="zh-CN" altLang="en-US" sz="1400" dirty="0"/>
+          </a:p>
+        </p:txBody>
+      </p:sp>
+      <p:sp>
+        <p:nvSpPr>
+          <p:cNvPr id="91" name="下箭头 90"/>
+          <p:cNvSpPr/>
+          <p:nvPr/>
+        </p:nvSpPr>
+        <p:spPr>
+          <a:xfrm>
+            <a:off x="7577448" y="1124744"/>
+            <a:ext cx="198731" cy="500902"/>
+          </a:xfrm>
+          <a:prstGeom prst="downArrow">
+            <a:avLst/>
+          </a:prstGeom>
+        </p:spPr>
+        <p:style>
+          <a:lnRef idx="1">
+            <a:schemeClr val="accent6"/>
+          </a:lnRef>
+          <a:fillRef idx="3">
+            <a:schemeClr val="accent6"/>
+          </a:fillRef>
+          <a:effectRef idx="2">
+            <a:schemeClr val="accent6"/>
+          </a:effectRef>
+          <a:fontRef idx="minor">
+            <a:schemeClr val="lt1"/>
+          </a:fontRef>
+        </p:style>
+        <p:txBody>
+          <a:bodyPr rtlCol="0" anchor="ctr"/>
+          <a:lstStyle/>
+          <a:p>
+            <a:pPr algn="ctr"/>
+            <a:endParaRPr lang="zh-CN" altLang="en-US"/>
+          </a:p>
+        </p:txBody>
+      </p:sp>
+      <p:sp>
+        <p:nvSpPr>
+          <p:cNvPr id="92" name="椭圆 91"/>
+          <p:cNvSpPr/>
+          <p:nvPr/>
+        </p:nvSpPr>
+        <p:spPr>
+          <a:xfrm>
+            <a:off x="7080869" y="4509120"/>
+            <a:ext cx="1019523" cy="648072"/>
+          </a:xfrm>
+          <a:prstGeom prst="ellipse">
+            <a:avLst/>
+          </a:prstGeom>
+        </p:spPr>
+        <p:style>
+          <a:lnRef idx="1">
+            <a:schemeClr val="accent6"/>
+          </a:lnRef>
+          <a:fillRef idx="3">
+            <a:schemeClr val="accent6"/>
+          </a:fillRef>
+          <a:effectRef idx="2">
+            <a:schemeClr val="accent6"/>
+          </a:effectRef>
+          <a:fontRef idx="minor">
+            <a:schemeClr val="lt1"/>
+          </a:fontRef>
+        </p:style>
+        <p:txBody>
+          <a:bodyPr rtlCol="0" anchor="ctr"/>
+          <a:lstStyle/>
+          <a:p>
+            <a:pPr algn="ctr"/>
+            <a:r>
+              <a:rPr lang="zh-CN" altLang="en-US" sz="1400" dirty="0" smtClean="0"/>
+              <a:t>继续访问系统</a:t>
+            </a:r>
+            <a:endParaRPr lang="zh-CN" altLang="en-US" sz="1400" dirty="0"/>
+          </a:p>
+        </p:txBody>
+      </p:sp>
+      <p:sp>
+        <p:nvSpPr>
+          <p:cNvPr id="93" name="下箭头 92"/>
+          <p:cNvSpPr/>
+          <p:nvPr/>
+        </p:nvSpPr>
+        <p:spPr>
+          <a:xfrm>
+            <a:off x="7506023" y="4027219"/>
+            <a:ext cx="198731" cy="500902"/>
+          </a:xfrm>
+          <a:prstGeom prst="downArrow">
+            <a:avLst/>
+          </a:prstGeom>
+        </p:spPr>
+        <p:style>
+          <a:lnRef idx="1">
+            <a:schemeClr val="accent6"/>
+          </a:lnRef>
+          <a:fillRef idx="3">
+            <a:schemeClr val="accent6"/>
+          </a:fillRef>
+          <a:effectRef idx="2">
+            <a:schemeClr val="accent6"/>
+          </a:effectRef>
+          <a:fontRef idx="minor">
+            <a:schemeClr val="lt1"/>
+          </a:fontRef>
+        </p:style>
+        <p:txBody>
+          <a:bodyPr rtlCol="0" anchor="ctr"/>
+          <a:lstStyle/>
+          <a:p>
+            <a:pPr algn="ctr"/>
+            <a:endParaRPr lang="zh-CN" altLang="en-US"/>
+          </a:p>
+        </p:txBody>
+      </p:sp>
+      <p:sp>
+        <p:nvSpPr>
+          <p:cNvPr id="94" name="TextBox 93"/>
+          <p:cNvSpPr txBox="1"/>
+          <p:nvPr/>
+        </p:nvSpPr>
+        <p:spPr>
+          <a:xfrm>
+            <a:off x="6516216" y="4115450"/>
+            <a:ext cx="1107996" cy="369332"/>
+          </a:xfrm>
+          <a:prstGeom prst="rect">
+            <a:avLst/>
+          </a:prstGeom>
+          <a:noFill/>
+        </p:spPr>
+        <p:txBody>
+          <a:bodyPr wrap="none" rtlCol="0">
+            <a:spAutoFit/>
+          </a:bodyPr>
+          <a:lstStyle/>
+          <a:p>
+            <a:r>
+              <a:rPr lang="zh-CN" altLang="en-US" dirty="0" smtClean="0"/>
+              <a:t>有效请求</a:t>
+            </a:r>
+            <a:endParaRPr lang="zh-CN" altLang="en-US" dirty="0"/>
+          </a:p>
+        </p:txBody>
+      </p:sp>
+      <p:sp>
+        <p:nvSpPr>
+          <p:cNvPr id="97" name="椭圆 96"/>
+          <p:cNvSpPr/>
+          <p:nvPr/>
+        </p:nvSpPr>
+        <p:spPr>
+          <a:xfrm>
+            <a:off x="8630923" y="2940405"/>
+            <a:ext cx="513077" cy="1103193"/>
+          </a:xfrm>
+          <a:prstGeom prst="ellipse">
+            <a:avLst/>
+          </a:prstGeom>
+        </p:spPr>
+        <p:style>
+          <a:lnRef idx="1">
+            <a:schemeClr val="accent6"/>
+          </a:lnRef>
+          <a:fillRef idx="3">
+            <a:schemeClr val="accent6"/>
+          </a:fillRef>
+          <a:effectRef idx="2">
+            <a:schemeClr val="accent6"/>
+          </a:effectRef>
+          <a:fontRef idx="minor">
+            <a:schemeClr val="lt1"/>
+          </a:fontRef>
+        </p:style>
+        <p:txBody>
+          <a:bodyPr rtlCol="0" anchor="ctr"/>
+          <a:lstStyle/>
+          <a:p>
+            <a:pPr algn="ctr"/>
+            <a:r>
+              <a:rPr lang="zh-CN" altLang="en-US" sz="1000" dirty="0" smtClean="0"/>
+              <a:t>无效会话处理</a:t>
+            </a:r>
+            <a:endParaRPr lang="zh-CN" altLang="en-US" sz="1000" dirty="0"/>
+          </a:p>
+        </p:txBody>
+      </p:sp>
+      <p:sp>
+        <p:nvSpPr>
+          <p:cNvPr id="99" name="燕尾形 98"/>
+          <p:cNvSpPr/>
+          <p:nvPr/>
+        </p:nvSpPr>
+        <p:spPr>
+          <a:xfrm>
+            <a:off x="8183811" y="3168364"/>
+            <a:ext cx="242316" cy="484632"/>
+          </a:xfrm>
+          <a:prstGeom prst="chevron">
+            <a:avLst/>
+          </a:prstGeom>
+        </p:spPr>
+        <p:style>
+          <a:lnRef idx="1">
+            <a:schemeClr val="accent6"/>
+          </a:lnRef>
+          <a:fillRef idx="3">
+            <a:schemeClr val="accent6"/>
+          </a:fillRef>
+          <a:effectRef idx="2">
+            <a:schemeClr val="accent6"/>
+          </a:effectRef>
+          <a:fontRef idx="minor">
+            <a:schemeClr val="lt1"/>
+          </a:fontRef>
+        </p:style>
+        <p:txBody>
+          <a:bodyPr rtlCol="0" anchor="ctr"/>
+          <a:lstStyle/>
+          <a:p>
+            <a:pPr algn="ctr"/>
+            <a:endParaRPr lang="zh-CN" altLang="en-US">
+              <a:solidFill>
+                <a:schemeClr val="tx1"/>
+              </a:solidFill>
+            </a:endParaRPr>
+          </a:p>
+        </p:txBody>
+      </p:sp>
+      <p:sp>
+        <p:nvSpPr>
+          <p:cNvPr id="100" name="燕尾形 99"/>
+          <p:cNvSpPr/>
+          <p:nvPr/>
+        </p:nvSpPr>
+        <p:spPr>
+          <a:xfrm>
+            <a:off x="8388607" y="3168364"/>
+            <a:ext cx="242316" cy="484632"/>
+          </a:xfrm>
+          <a:prstGeom prst="chevron">
+            <a:avLst/>
+          </a:prstGeom>
+        </p:spPr>
+        <p:style>
+          <a:lnRef idx="1">
+            <a:schemeClr val="accent6"/>
+          </a:lnRef>
+          <a:fillRef idx="3">
+            <a:schemeClr val="accent6"/>
+          </a:fillRef>
+          <a:effectRef idx="2">
+            <a:schemeClr val="accent6"/>
+          </a:effectRef>
+          <a:fontRef idx="minor">
+            <a:schemeClr val="lt1"/>
+          </a:fontRef>
+        </p:style>
+        <p:txBody>
+          <a:bodyPr rtlCol="0" anchor="ctr"/>
+          <a:lstStyle/>
+          <a:p>
+            <a:pPr algn="ctr"/>
+            <a:endParaRPr lang="zh-CN" altLang="en-US">
+              <a:solidFill>
+                <a:schemeClr val="tx1"/>
+              </a:solidFill>
+            </a:endParaRPr>
+          </a:p>
+        </p:txBody>
+      </p:sp>
+    </p:spTree>
+    <p:extLst>
+      <p:ext uri="{BB962C8B-B14F-4D97-AF65-F5344CB8AC3E}">
+        <p14:creationId xmlns:p14="http://schemas.microsoft.com/office/powerpoint/2010/main" val="805200460"/>
       </p:ext>
     </p:extLst>
   </p:cSld>
@@ -14772,4 +16827,289 @@
   <a:objectDefaults/>
   <a:extraClrSchemeLst/>
 </a:theme>
+</file>
+
+<file path=ppt/theme/theme2.xml><?xml version="1.0" encoding="utf-8"?>
+<a:theme xmlns:a="http://schemas.openxmlformats.org/drawingml/2006/main" name="Office 主题​​">
+  <a:themeElements>
+    <a:clrScheme name="Office">
+      <a:dk1>
+        <a:sysClr val="windowText" lastClr="000000"/>
+      </a:dk1>
+      <a:lt1>
+        <a:sysClr val="window" lastClr="FFFFFF"/>
+      </a:lt1>
+      <a:dk2>
+        <a:srgbClr val="1F497D"/>
+      </a:dk2>
+      <a:lt2>
+        <a:srgbClr val="EEECE1"/>
+      </a:lt2>
+      <a:accent1>
+        <a:srgbClr val="4F81BD"/>
+      </a:accent1>
+      <a:accent2>
+        <a:srgbClr val="C0504D"/>
+      </a:accent2>
+      <a:accent3>
+        <a:srgbClr val="9BBB59"/>
+      </a:accent3>
+      <a:accent4>
+        <a:srgbClr val="8064A2"/>
+      </a:accent4>
+      <a:accent5>
+        <a:srgbClr val="4BACC6"/>
+      </a:accent5>
+      <a:accent6>
+        <a:srgbClr val="F79646"/>
+      </a:accent6>
+      <a:hlink>
+        <a:srgbClr val="0000FF"/>
+      </a:hlink>
+      <a:folHlink>
+        <a:srgbClr val="800080"/>
+      </a:folHlink>
+    </a:clrScheme>
+    <a:fontScheme name="Office">
+      <a:majorFont>
+        <a:latin typeface="Calibri"/>
+        <a:ea typeface=""/>
+        <a:cs typeface=""/>
+        <a:font script="Jpan" typeface="ＭＳ Ｐゴシック"/>
+        <a:font script="Hang" typeface="맑은 고딕"/>
+        <a:font script="Hans" typeface="宋体"/>
+        <a:font script="Hant" typeface="新細明體"/>
+        <a:font script="Arab" typeface="Times New Roman"/>
+        <a:font script="Hebr" typeface="Times New Roman"/>
+        <a:font script="Thai" typeface="Angsana New"/>
+        <a:font script="Ethi" typeface="Nyala"/>
+        <a:font script="Beng" typeface="Vrinda"/>
+        <a:font script="Gujr" typeface="Shruti"/>
+        <a:font script="Khmr" typeface="MoolBoran"/>
+        <a:font script="Knda" typeface="Tunga"/>
+        <a:font script="Guru" typeface="Raavi"/>
+        <a:font script="Cans" typeface="Euphemia"/>
+        <a:font script="Cher" typeface="Plantagenet Cherokee"/>
+        <a:font script="Yiii" typeface="Microsoft Yi Baiti"/>
+        <a:font script="Tibt" typeface="Microsoft Himalaya"/>
+        <a:font script="Thaa" typeface="MV Boli"/>
+        <a:font script="Deva" typeface="Mangal"/>
+        <a:font script="Telu" typeface="Gautami"/>
+        <a:font script="Taml" typeface="Latha"/>
+        <a:font script="Syrc" typeface="Estrangelo Edessa"/>
+        <a:font script="Orya" typeface="Kalinga"/>
+        <a:font script="Mlym" typeface="Kartika"/>
+        <a:font script="Laoo" typeface="DokChampa"/>
+        <a:font script="Sinh" typeface="Iskoola Pota"/>
+        <a:font script="Mong" typeface="Mongolian Baiti"/>
+        <a:font script="Viet" typeface="Times New Roman"/>
+        <a:font script="Uigh" typeface="Microsoft Uighur"/>
+        <a:font script="Geor" typeface="Sylfaen"/>
+      </a:majorFont>
+      <a:minorFont>
+        <a:latin typeface="Calibri"/>
+        <a:ea typeface=""/>
+        <a:cs typeface=""/>
+        <a:font script="Jpan" typeface="ＭＳ Ｐゴシック"/>
+        <a:font script="Hang" typeface="맑은 고딕"/>
+        <a:font script="Hans" typeface="宋体"/>
+        <a:font script="Hant" typeface="新細明體"/>
+        <a:font script="Arab" typeface="Arial"/>
+        <a:font script="Hebr" typeface="Arial"/>
+        <a:font script="Thai" typeface="Cordia New"/>
+        <a:font script="Ethi" typeface="Nyala"/>
+        <a:font script="Beng" typeface="Vrinda"/>
+        <a:font script="Gujr" typeface="Shruti"/>
+        <a:font script="Khmr" typeface="DaunPenh"/>
+        <a:font script="Knda" typeface="Tunga"/>
+        <a:font script="Guru" typeface="Raavi"/>
+        <a:font script="Cans" typeface="Euphemia"/>
+        <a:font script="Cher" typeface="Plantagenet Cherokee"/>
+        <a:font script="Yiii" typeface="Microsoft Yi Baiti"/>
+        <a:font script="Tibt" typeface="Microsoft Himalaya"/>
+        <a:font script="Thaa" typeface="MV Boli"/>
+        <a:font script="Deva" typeface="Mangal"/>
+        <a:font script="Telu" typeface="Gautami"/>
+        <a:font script="Taml" typeface="Latha"/>
+        <a:font script="Syrc" typeface="Estrangelo Edessa"/>
+        <a:font script="Orya" typeface="Kalinga"/>
+        <a:font script="Mlym" typeface="Kartika"/>
+        <a:font script="Laoo" typeface="DokChampa"/>
+        <a:font script="Sinh" typeface="Iskoola Pota"/>
+        <a:font script="Mong" typeface="Mongolian Baiti"/>
+        <a:font script="Viet" typeface="Arial"/>
+        <a:font script="Uigh" typeface="Microsoft Uighur"/>
+        <a:font script="Geor" typeface="Sylfaen"/>
+      </a:minorFont>
+    </a:fontScheme>
+    <a:fmtScheme name="Office">
+      <a:fillStyleLst>
+        <a:solidFill>
+          <a:schemeClr val="phClr"/>
+        </a:solidFill>
+        <a:gradFill rotWithShape="1">
+          <a:gsLst>
+            <a:gs pos="0">
+              <a:schemeClr val="phClr">
+                <a:tint val="50000"/>
+                <a:satMod val="300000"/>
+              </a:schemeClr>
+            </a:gs>
+            <a:gs pos="35000">
+              <a:schemeClr val="phClr">
+                <a:tint val="37000"/>
+                <a:satMod val="300000"/>
+              </a:schemeClr>
+            </a:gs>
+            <a:gs pos="100000">
+              <a:schemeClr val="phClr">
+                <a:tint val="15000"/>
+                <a:satMod val="350000"/>
+              </a:schemeClr>
+            </a:gs>
+          </a:gsLst>
+          <a:lin ang="16200000" scaled="1"/>
+        </a:gradFill>
+        <a:gradFill rotWithShape="1">
+          <a:gsLst>
+            <a:gs pos="0">
+              <a:schemeClr val="phClr">
+                <a:shade val="51000"/>
+                <a:satMod val="130000"/>
+              </a:schemeClr>
+            </a:gs>
+            <a:gs pos="80000">
+              <a:schemeClr val="phClr">
+                <a:shade val="93000"/>
+                <a:satMod val="130000"/>
+              </a:schemeClr>
+            </a:gs>
+            <a:gs pos="100000">
+              <a:schemeClr val="phClr">
+                <a:shade val="94000"/>
+                <a:satMod val="135000"/>
+              </a:schemeClr>
+            </a:gs>
+          </a:gsLst>
+          <a:lin ang="16200000" scaled="0"/>
+        </a:gradFill>
+      </a:fillStyleLst>
+      <a:lnStyleLst>
+        <a:ln w="9525" cap="flat" cmpd="sng" algn="ctr">
+          <a:solidFill>
+            <a:schemeClr val="phClr">
+              <a:shade val="95000"/>
+              <a:satMod val="105000"/>
+            </a:schemeClr>
+          </a:solidFill>
+          <a:prstDash val="solid"/>
+        </a:ln>
+        <a:ln w="25400" cap="flat" cmpd="sng" algn="ctr">
+          <a:solidFill>
+            <a:schemeClr val="phClr"/>
+          </a:solidFill>
+          <a:prstDash val="solid"/>
+        </a:ln>
+        <a:ln w="38100" cap="flat" cmpd="sng" algn="ctr">
+          <a:solidFill>
+            <a:schemeClr val="phClr"/>
+          </a:solidFill>
+          <a:prstDash val="solid"/>
+        </a:ln>
+      </a:lnStyleLst>
+      <a:effectStyleLst>
+        <a:effectStyle>
+          <a:effectLst>
+            <a:outerShdw blurRad="40000" dist="20000" dir="5400000" rotWithShape="0">
+              <a:srgbClr val="000000">
+                <a:alpha val="38000"/>
+              </a:srgbClr>
+            </a:outerShdw>
+          </a:effectLst>
+        </a:effectStyle>
+        <a:effectStyle>
+          <a:effectLst>
+            <a:outerShdw blurRad="40000" dist="23000" dir="5400000" rotWithShape="0">
+              <a:srgbClr val="000000">
+                <a:alpha val="35000"/>
+              </a:srgbClr>
+            </a:outerShdw>
+          </a:effectLst>
+        </a:effectStyle>
+        <a:effectStyle>
+          <a:effectLst>
+            <a:outerShdw blurRad="40000" dist="23000" dir="5400000" rotWithShape="0">
+              <a:srgbClr val="000000">
+                <a:alpha val="35000"/>
+              </a:srgbClr>
+            </a:outerShdw>
+          </a:effectLst>
+          <a:scene3d>
+            <a:camera prst="orthographicFront">
+              <a:rot lat="0" lon="0" rev="0"/>
+            </a:camera>
+            <a:lightRig rig="threePt" dir="t">
+              <a:rot lat="0" lon="0" rev="1200000"/>
+            </a:lightRig>
+          </a:scene3d>
+          <a:sp3d>
+            <a:bevelT w="63500" h="25400"/>
+          </a:sp3d>
+        </a:effectStyle>
+      </a:effectStyleLst>
+      <a:bgFillStyleLst>
+        <a:solidFill>
+          <a:schemeClr val="phClr"/>
+        </a:solidFill>
+        <a:gradFill rotWithShape="1">
+          <a:gsLst>
+            <a:gs pos="0">
+              <a:schemeClr val="phClr">
+                <a:tint val="40000"/>
+                <a:satMod val="350000"/>
+              </a:schemeClr>
+            </a:gs>
+            <a:gs pos="40000">
+              <a:schemeClr val="phClr">
+                <a:tint val="45000"/>
+                <a:shade val="99000"/>
+                <a:satMod val="350000"/>
+              </a:schemeClr>
+            </a:gs>
+            <a:gs pos="100000">
+              <a:schemeClr val="phClr">
+                <a:shade val="20000"/>
+                <a:satMod val="255000"/>
+              </a:schemeClr>
+            </a:gs>
+          </a:gsLst>
+          <a:path path="circle">
+            <a:fillToRect l="50000" t="-80000" r="50000" b="180000"/>
+          </a:path>
+        </a:gradFill>
+        <a:gradFill rotWithShape="1">
+          <a:gsLst>
+            <a:gs pos="0">
+              <a:schemeClr val="phClr">
+                <a:tint val="80000"/>
+                <a:satMod val="300000"/>
+              </a:schemeClr>
+            </a:gs>
+            <a:gs pos="100000">
+              <a:schemeClr val="phClr">
+                <a:shade val="30000"/>
+                <a:satMod val="200000"/>
+              </a:schemeClr>
+            </a:gs>
+          </a:gsLst>
+          <a:path path="circle">
+            <a:fillToRect l="50000" t="50000" r="50000" b="50000"/>
+          </a:path>
+        </a:gradFill>
+      </a:bgFillStyleLst>
+    </a:fmtScheme>
+  </a:themeElements>
+  <a:objectDefaults/>
+  <a:extraClrSchemeLst/>
+</a:theme>
 </file>
--- a/文档/令牌管理.pptx
+++ b/文档/令牌管理.pptx
@@ -5,7 +5,7 @@
     <p:sldMasterId id="2147483648" r:id="rId1"/>
   </p:sldMasterIdLst>
   <p:notesMasterIdLst>
-    <p:notesMasterId r:id="rId24"/>
+    <p:notesMasterId r:id="rId27"/>
   </p:notesMasterIdLst>
   <p:sldIdLst>
     <p:sldId id="256" r:id="rId2"/>
@@ -16,20 +16,23 @@
     <p:sldId id="267" r:id="rId7"/>
     <p:sldId id="264" r:id="rId8"/>
     <p:sldId id="258" r:id="rId9"/>
-    <p:sldId id="259" r:id="rId10"/>
-    <p:sldId id="260" r:id="rId11"/>
-    <p:sldId id="261" r:id="rId12"/>
-    <p:sldId id="263" r:id="rId13"/>
-    <p:sldId id="269" r:id="rId14"/>
-    <p:sldId id="270" r:id="rId15"/>
-    <p:sldId id="271" r:id="rId16"/>
+    <p:sldId id="279" r:id="rId10"/>
+    <p:sldId id="259" r:id="rId11"/>
+    <p:sldId id="260" r:id="rId12"/>
+    <p:sldId id="280" r:id="rId13"/>
+    <p:sldId id="261" r:id="rId14"/>
+    <p:sldId id="263" r:id="rId15"/>
+    <p:sldId id="270" r:id="rId16"/>
     <p:sldId id="265" r:id="rId17"/>
     <p:sldId id="266" r:id="rId18"/>
     <p:sldId id="274" r:id="rId19"/>
     <p:sldId id="275" r:id="rId20"/>
     <p:sldId id="276" r:id="rId21"/>
-    <p:sldId id="272" r:id="rId22"/>
-    <p:sldId id="273" r:id="rId23"/>
+    <p:sldId id="281" r:id="rId22"/>
+    <p:sldId id="282" r:id="rId23"/>
+    <p:sldId id="283" r:id="rId24"/>
+    <p:sldId id="272" r:id="rId25"/>
+    <p:sldId id="273" r:id="rId26"/>
   </p:sldIdLst>
   <p:sldSz cx="9144000" cy="6858000" type="screen4x3"/>
   <p:notesSz cx="6858000" cy="9144000"/>
@@ -213,7 +216,7 @@
           <a:p>
             <a:fld id="{8EF8AF17-AEFD-4E2D-BED8-885C2519CD75}" type="datetimeFigureOut">
               <a:rPr lang="zh-CN" altLang="en-US" smtClean="0"/>
-              <a:t>2014/4/17</a:t>
+              <a:t>2014/4/22</a:t>
             </a:fld>
             <a:endParaRPr lang="zh-CN" altLang="en-US"/>
           </a:p>
@@ -546,7 +549,7 @@
           <a:p>
             <a:fld id="{9B32862A-1A29-43A6-BAAF-E2967D2F5DEF}" type="slidenum">
               <a:rPr lang="zh-CN" altLang="en-US" smtClean="0"/>
-              <a:t>22</a:t>
+              <a:t>25</a:t>
             </a:fld>
             <a:endParaRPr lang="zh-CN" altLang="en-US"/>
           </a:p>
@@ -746,7 +749,7 @@
           <a:p>
             <a:fld id="{530820CF-B880-4189-942D-D702A7CBA730}" type="datetimeFigureOut">
               <a:rPr lang="zh-CN" altLang="en-US" smtClean="0"/>
-              <a:t>2014/4/17</a:t>
+              <a:t>2014/4/22</a:t>
             </a:fld>
             <a:endParaRPr lang="zh-CN" altLang="en-US"/>
           </a:p>
@@ -911,7 +914,7 @@
           <a:p>
             <a:fld id="{530820CF-B880-4189-942D-D702A7CBA730}" type="datetimeFigureOut">
               <a:rPr lang="zh-CN" altLang="en-US" smtClean="0"/>
-              <a:t>2014/4/17</a:t>
+              <a:t>2014/4/22</a:t>
             </a:fld>
             <a:endParaRPr lang="zh-CN" altLang="en-US"/>
           </a:p>
@@ -1086,7 +1089,7 @@
           <a:p>
             <a:fld id="{530820CF-B880-4189-942D-D702A7CBA730}" type="datetimeFigureOut">
               <a:rPr lang="zh-CN" altLang="en-US" smtClean="0"/>
-              <a:t>2014/4/17</a:t>
+              <a:t>2014/4/22</a:t>
             </a:fld>
             <a:endParaRPr lang="zh-CN" altLang="en-US"/>
           </a:p>
@@ -1251,7 +1254,7 @@
           <a:p>
             <a:fld id="{530820CF-B880-4189-942D-D702A7CBA730}" type="datetimeFigureOut">
               <a:rPr lang="zh-CN" altLang="en-US" smtClean="0"/>
-              <a:t>2014/4/17</a:t>
+              <a:t>2014/4/22</a:t>
             </a:fld>
             <a:endParaRPr lang="zh-CN" altLang="en-US"/>
           </a:p>
@@ -1492,7 +1495,7 @@
           <a:p>
             <a:fld id="{530820CF-B880-4189-942D-D702A7CBA730}" type="datetimeFigureOut">
               <a:rPr lang="zh-CN" altLang="en-US" smtClean="0"/>
-              <a:t>2014/4/17</a:t>
+              <a:t>2014/4/22</a:t>
             </a:fld>
             <a:endParaRPr lang="zh-CN" altLang="en-US"/>
           </a:p>
@@ -1775,7 +1778,7 @@
           <a:p>
             <a:fld id="{530820CF-B880-4189-942D-D702A7CBA730}" type="datetimeFigureOut">
               <a:rPr lang="zh-CN" altLang="en-US" smtClean="0"/>
-              <a:t>2014/4/17</a:t>
+              <a:t>2014/4/22</a:t>
             </a:fld>
             <a:endParaRPr lang="zh-CN" altLang="en-US"/>
           </a:p>
@@ -2192,7 +2195,7 @@
           <a:p>
             <a:fld id="{530820CF-B880-4189-942D-D702A7CBA730}" type="datetimeFigureOut">
               <a:rPr lang="zh-CN" altLang="en-US" smtClean="0"/>
-              <a:t>2014/4/17</a:t>
+              <a:t>2014/4/22</a:t>
             </a:fld>
             <a:endParaRPr lang="zh-CN" altLang="en-US"/>
           </a:p>
@@ -2305,7 +2308,7 @@
           <a:p>
             <a:fld id="{530820CF-B880-4189-942D-D702A7CBA730}" type="datetimeFigureOut">
               <a:rPr lang="zh-CN" altLang="en-US" smtClean="0"/>
-              <a:t>2014/4/17</a:t>
+              <a:t>2014/4/22</a:t>
             </a:fld>
             <a:endParaRPr lang="zh-CN" altLang="en-US"/>
           </a:p>
@@ -2395,7 +2398,7 @@
           <a:p>
             <a:fld id="{530820CF-B880-4189-942D-D702A7CBA730}" type="datetimeFigureOut">
               <a:rPr lang="zh-CN" altLang="en-US" smtClean="0"/>
-              <a:t>2014/4/17</a:t>
+              <a:t>2014/4/22</a:t>
             </a:fld>
             <a:endParaRPr lang="zh-CN" altLang="en-US"/>
           </a:p>
@@ -2667,7 +2670,7 @@
           <a:p>
             <a:fld id="{530820CF-B880-4189-942D-D702A7CBA730}" type="datetimeFigureOut">
               <a:rPr lang="zh-CN" altLang="en-US" smtClean="0"/>
-              <a:t>2014/4/17</a:t>
+              <a:t>2014/4/22</a:t>
             </a:fld>
             <a:endParaRPr lang="zh-CN" altLang="en-US"/>
           </a:p>
@@ -2915,7 +2918,7 @@
           <a:p>
             <a:fld id="{530820CF-B880-4189-942D-D702A7CBA730}" type="datetimeFigureOut">
               <a:rPr lang="zh-CN" altLang="en-US" smtClean="0"/>
-              <a:t>2014/4/17</a:t>
+              <a:t>2014/4/22</a:t>
             </a:fld>
             <a:endParaRPr lang="zh-CN" altLang="en-US"/>
           </a:p>
@@ -3123,7 +3126,7 @@
           <a:p>
             <a:fld id="{530820CF-B880-4189-942D-D702A7CBA730}" type="datetimeFigureOut">
               <a:rPr lang="zh-CN" altLang="en-US" smtClean="0"/>
-              <a:t>2014/4/17</a:t>
+              <a:t>2014/4/22</a:t>
             </a:fld>
             <a:endParaRPr lang="zh-CN" altLang="en-US"/>
           </a:p>
@@ -3606,14 +3609,18 @@
             </a:r>
             <a:r>
               <a:rPr lang="en-US" altLang="zh-CN" dirty="0"/>
-              <a:t>- http</a:t>
+              <a:t>- </a:t>
+            </a:r>
+            <a:r>
+              <a:rPr lang="en-US" altLang="zh-CN" dirty="0" err="1"/>
+              <a:t>webservice</a:t>
             </a:r>
             <a:r>
               <a:rPr lang="zh-CN" altLang="en-US" dirty="0"/>
               <a:t>服务方式申请</a:t>
             </a:r>
             <a:r>
-              <a:rPr lang="en-US" altLang="zh-CN" dirty="0" smtClean="0"/>
+              <a:rPr lang="en-US" altLang="zh-CN" dirty="0"/>
               <a:t>token</a:t>
             </a:r>
             <a:endParaRPr lang="zh-CN" altLang="en-US" dirty="0"/>
@@ -3633,7 +3640,7 @@
         <p:spPr/>
         <p:txBody>
           <a:bodyPr>
-            <a:normAutofit fontScale="77500" lnSpcReduction="20000"/>
+            <a:normAutofit fontScale="70000" lnSpcReduction="20000"/>
           </a:bodyPr>
           <a:lstStyle/>
           <a:p>
@@ -3650,8 +3657,8 @@
               <a:t> </a:t>
             </a:r>
             <a:r>
-              <a:rPr lang="en-US" altLang="zh-CN" dirty="0" smtClean="0"/>
-              <a:t>http</a:t>
+              <a:rPr lang="en-US" altLang="zh-CN" dirty="0" err="1" smtClean="0"/>
+              <a:t>webservice</a:t>
             </a:r>
             <a:r>
               <a:rPr lang="zh-CN" altLang="en-US" dirty="0" smtClean="0"/>
@@ -3667,30 +3674,13 @@
             </a:r>
           </a:p>
           <a:p>
-            <a:pPr marL="0" indent="0">
-              <a:buNone/>
-            </a:pPr>
-            <a:endParaRPr lang="en-US" altLang="zh-CN" dirty="0"/>
-          </a:p>
-          <a:p>
-            <a:pPr marL="0" indent="0">
-              <a:buNone/>
-            </a:pPr>
-            <a:r>
-              <a:rPr lang="en-US" altLang="zh-CN" dirty="0" smtClean="0"/>
-              <a:t>String </a:t>
-            </a:r>
-            <a:r>
-              <a:rPr lang="en-US" altLang="zh-CN" dirty="0" err="1" smtClean="0"/>
+            <a:r>
+              <a:rPr lang="en-US" altLang="zh-CN" dirty="0" err="1"/>
               <a:t>url</a:t>
             </a:r>
             <a:r>
-              <a:rPr lang="en-US" altLang="zh-CN" dirty="0" smtClean="0"/>
-              <a:t> </a:t>
-            </a:r>
-            <a:r>
               <a:rPr lang="en-US" altLang="zh-CN" dirty="0"/>
-              <a:t>= "http://10.25.192.142:8081/</a:t>
+              <a:t> = "http://localhost:8081/</a:t>
             </a:r>
             <a:r>
               <a:rPr lang="en-US" altLang="zh-CN" dirty="0" err="1"/>
@@ -3698,15 +3688,163 @@
             </a:r>
             <a:r>
               <a:rPr lang="en-US" altLang="zh-CN" dirty="0"/>
-              <a:t>/token/</a:t>
+              <a:t>/</a:t>
             </a:r>
             <a:r>
               <a:rPr lang="en-US" altLang="zh-CN" dirty="0" err="1"/>
-              <a:t>genAuthTempToken.freepage?appid</a:t>
+              <a:t>cxfservices</a:t>
             </a:r>
             <a:r>
               <a:rPr lang="en-US" altLang="zh-CN" dirty="0"/>
-              <a:t>="+</a:t>
+              <a:t>/</a:t>
+            </a:r>
+            <a:r>
+              <a:rPr lang="en-US" altLang="zh-CN" dirty="0" err="1"/>
+              <a:t>tokenService</a:t>
+            </a:r>
+            <a:r>
+              <a:rPr lang="en-US" altLang="zh-CN" dirty="0"/>
+              <a:t>";</a:t>
+            </a:r>
+          </a:p>
+          <a:p>
+            <a:r>
+              <a:rPr lang="en-US" altLang="zh-CN" dirty="0" err="1"/>
+              <a:t>JaxWsProxyFactoryBean</a:t>
+            </a:r>
+            <a:r>
+              <a:rPr lang="en-US" altLang="zh-CN" dirty="0"/>
+              <a:t> </a:t>
+            </a:r>
+            <a:r>
+              <a:rPr lang="en-US" altLang="zh-CN" dirty="0" err="1"/>
+              <a:t>WSServiceClientFactory</a:t>
+            </a:r>
+            <a:r>
+              <a:rPr lang="en-US" altLang="zh-CN" dirty="0"/>
+              <a:t> = </a:t>
+            </a:r>
+            <a:r>
+              <a:rPr lang="en-US" altLang="zh-CN" b="1" dirty="0"/>
+              <a:t>new  </a:t>
+            </a:r>
+            <a:r>
+              <a:rPr lang="en-US" altLang="zh-CN" b="1" dirty="0" err="1"/>
+              <a:t>JaxWsProxyFactoryBean</a:t>
+            </a:r>
+            <a:r>
+              <a:rPr lang="en-US" altLang="zh-CN" b="1" dirty="0"/>
+              <a:t>();</a:t>
+            </a:r>
+          </a:p>
+          <a:p>
+            <a:r>
+              <a:rPr lang="en-US" altLang="zh-CN" dirty="0" err="1"/>
+              <a:t>WSServiceClientFactory.setAddress</a:t>
+            </a:r>
+            <a:r>
+              <a:rPr lang="en-US" altLang="zh-CN" dirty="0"/>
+              <a:t>(</a:t>
+            </a:r>
+            <a:r>
+              <a:rPr lang="en-US" altLang="zh-CN" dirty="0" err="1"/>
+              <a:t>url</a:t>
+            </a:r>
+            <a:r>
+              <a:rPr lang="en-US" altLang="zh-CN" dirty="0"/>
+              <a:t>);</a:t>
+            </a:r>
+          </a:p>
+          <a:p>
+            <a:r>
+              <a:rPr lang="en-US" altLang="zh-CN" dirty="0" err="1"/>
+              <a:t>WSServiceClientFactory.setServiceClass</a:t>
+            </a:r>
+            <a:r>
+              <a:rPr lang="en-US" altLang="zh-CN" dirty="0"/>
+              <a:t>(</a:t>
+            </a:r>
+            <a:r>
+              <a:rPr lang="en-US" altLang="zh-CN" dirty="0" err="1"/>
+              <a:t>TokenService.</a:t>
+            </a:r>
+            <a:r>
+              <a:rPr lang="en-US" altLang="zh-CN" b="1" dirty="0" err="1"/>
+              <a:t>class</a:t>
+            </a:r>
+            <a:r>
+              <a:rPr lang="en-US" altLang="zh-CN" b="1" dirty="0"/>
+              <a:t>);</a:t>
+            </a:r>
+          </a:p>
+          <a:p>
+            <a:r>
+              <a:rPr lang="en-US" altLang="zh-CN" dirty="0" err="1"/>
+              <a:t>tokenService</a:t>
+            </a:r>
+            <a:r>
+              <a:rPr lang="en-US" altLang="zh-CN" dirty="0"/>
+              <a:t> = (</a:t>
+            </a:r>
+            <a:r>
+              <a:rPr lang="en-US" altLang="zh-CN" dirty="0" err="1"/>
+              <a:t>TokenService</a:t>
+            </a:r>
+            <a:r>
+              <a:rPr lang="en-US" altLang="zh-CN" dirty="0"/>
+              <a:t>)</a:t>
+            </a:r>
+            <a:r>
+              <a:rPr lang="en-US" altLang="zh-CN" dirty="0" err="1"/>
+              <a:t>WSServiceClientFactory.create</a:t>
+            </a:r>
+            <a:r>
+              <a:rPr lang="en-US" altLang="zh-CN" dirty="0"/>
+              <a:t>();</a:t>
+            </a:r>
+          </a:p>
+          <a:p>
+            <a:r>
+              <a:rPr lang="en-US" altLang="zh-CN" dirty="0"/>
+              <a:t>//</a:t>
+            </a:r>
+            <a:r>
+              <a:rPr lang="zh-CN" altLang="en-US" dirty="0"/>
+              <a:t>通过</a:t>
+            </a:r>
+            <a:r>
+              <a:rPr lang="en-US" altLang="zh-CN" dirty="0" err="1"/>
+              <a:t>webservice</a:t>
+            </a:r>
+            <a:r>
+              <a:rPr lang="zh-CN" altLang="en-US" dirty="0"/>
+              <a:t>根据账号或者工号获取</a:t>
+            </a:r>
+            <a:r>
+              <a:rPr lang="en-US" altLang="zh-CN" dirty="0"/>
+              <a:t>ticket</a:t>
+            </a:r>
+          </a:p>
+          <a:p>
+            <a:r>
+              <a:rPr lang="en-US" altLang="zh-CN" dirty="0"/>
+              <a:t>//String ticket = </a:t>
+            </a:r>
+            <a:r>
+              <a:rPr lang="en-US" altLang="zh-CN" dirty="0" err="1"/>
+              <a:t>tokenService.genTicket</a:t>
+            </a:r>
+            <a:r>
+              <a:rPr lang="en-US" altLang="zh-CN" dirty="0"/>
+              <a:t>(account, </a:t>
+            </a:r>
+            <a:r>
+              <a:rPr lang="en-US" altLang="zh-CN" dirty="0" err="1"/>
+              <a:t>worknumber</a:t>
+            </a:r>
+            <a:r>
+              <a:rPr lang="en-US" altLang="zh-CN" dirty="0"/>
+              <a:t>, </a:t>
             </a:r>
             <a:r>
               <a:rPr lang="en-US" altLang="zh-CN" dirty="0" err="1"/>
@@ -3714,40 +3852,21 @@
             </a:r>
             <a:r>
               <a:rPr lang="en-US" altLang="zh-CN" dirty="0"/>
-              <a:t> + "&amp;secret="+secret + "&amp;account="+account;</a:t>
-            </a:r>
-          </a:p>
-          <a:p>
-            <a:pPr marL="0" indent="0">
-              <a:buNone/>
-            </a:pPr>
+              <a:t>, secret);</a:t>
+            </a:r>
+          </a:p>
+          <a:p>
             <a:r>
               <a:rPr lang="en-US" altLang="zh-CN" dirty="0"/>
-              <a:t>//</a:t>
+              <a:t>token = </a:t>
             </a:r>
             <a:r>
               <a:rPr lang="en-US" altLang="zh-CN" dirty="0" err="1"/>
-              <a:t>url</a:t>
+              <a:t>tokenService.genAuthTempToken</a:t>
             </a:r>
             <a:r>
               <a:rPr lang="en-US" altLang="zh-CN" dirty="0"/>
-              <a:t> = "http://10.25.192.142:8081/</a:t>
-            </a:r>
-            <a:r>
-              <a:rPr lang="en-US" altLang="zh-CN" dirty="0" err="1"/>
-              <a:t>SanyPDP</a:t>
-            </a:r>
-            <a:r>
-              <a:rPr lang="en-US" altLang="zh-CN" dirty="0"/>
-              <a:t>/token/</a:t>
-            </a:r>
-            <a:r>
-              <a:rPr lang="en-US" altLang="zh-CN" dirty="0" err="1"/>
-              <a:t>genDualToken.freepage?appid</a:t>
-            </a:r>
-            <a:r>
-              <a:rPr lang="en-US" altLang="zh-CN" dirty="0"/>
-              <a:t>="+</a:t>
+              <a:t>(</a:t>
             </a:r>
             <a:r>
               <a:rPr lang="en-US" altLang="zh-CN" dirty="0" err="1"/>
@@ -3755,36 +3874,7 @@
             </a:r>
             <a:r>
               <a:rPr lang="en-US" altLang="zh-CN" dirty="0"/>
-              <a:t> + "&amp;secret="+secret + "&amp;account="+account;</a:t>
-            </a:r>
-          </a:p>
-          <a:p>
-            <a:pPr marL="0" indent="0">
-              <a:buNone/>
-            </a:pPr>
-            <a:r>
-              <a:rPr lang="en-US" altLang="zh-CN" dirty="0" smtClean="0"/>
-              <a:t>String token </a:t>
-            </a:r>
-            <a:r>
-              <a:rPr lang="en-US" altLang="zh-CN" dirty="0"/>
-              <a:t>= </a:t>
-            </a:r>
-            <a:r>
-              <a:rPr lang="en-US" altLang="zh-CN" dirty="0" err="1"/>
-              <a:t>org.frameworkset.spi.remote.http.HttpReqeust.httpPostforString</a:t>
-            </a:r>
-            <a:r>
-              <a:rPr lang="en-US" altLang="zh-CN" dirty="0"/>
-              <a:t>(</a:t>
-            </a:r>
-            <a:r>
-              <a:rPr lang="en-US" altLang="zh-CN" dirty="0" err="1"/>
-              <a:t>url</a:t>
-            </a:r>
-            <a:r>
-              <a:rPr lang="en-US" altLang="zh-CN" dirty="0"/>
-              <a:t>);</a:t>
+              <a:t>, secret, ticket);</a:t>
             </a:r>
             <a:endParaRPr lang="zh-CN" altLang="en-US" dirty="0"/>
           </a:p>
@@ -3793,7 +3883,7 @@
     </p:spTree>
     <p:extLst>
       <p:ext uri="{BB962C8B-B14F-4D97-AF65-F5344CB8AC3E}">
-        <p14:creationId xmlns:p14="http://schemas.microsoft.com/office/powerpoint/2010/main" val="2291734992"/>
+        <p14:creationId xmlns:p14="http://schemas.microsoft.com/office/powerpoint/2010/main" val="4219826641"/>
       </p:ext>
     </p:extLst>
   </p:cSld>
@@ -3833,7 +3923,7 @@
         <p:spPr/>
         <p:txBody>
           <a:bodyPr>
-            <a:normAutofit/>
+            <a:normAutofit fontScale="90000"/>
           </a:bodyPr>
           <a:lstStyle/>
           <a:p>
@@ -3842,20 +3932,16 @@
               <a:t>令牌使用方法</a:t>
             </a:r>
             <a:r>
+              <a:rPr lang="en-US" altLang="zh-CN" dirty="0"/>
+              <a:t>- http</a:t>
+            </a:r>
+            <a:r>
+              <a:rPr lang="zh-CN" altLang="en-US" dirty="0"/>
+              <a:t>服务方式申请</a:t>
+            </a:r>
+            <a:r>
               <a:rPr lang="en-US" altLang="zh-CN" dirty="0" smtClean="0"/>
-              <a:t>-</a:t>
-            </a:r>
-            <a:r>
-              <a:rPr lang="zh-CN" altLang="en-US" dirty="0" smtClean="0"/>
-              <a:t>构建</a:t>
-            </a:r>
-            <a:r>
-              <a:rPr lang="zh-CN" altLang="en-US" dirty="0"/>
-              <a:t>令牌</a:t>
-            </a:r>
-            <a:r>
-              <a:rPr lang="zh-CN" altLang="en-US" dirty="0" smtClean="0"/>
-              <a:t>参数</a:t>
+              <a:t>token</a:t>
             </a:r>
             <a:endParaRPr lang="zh-CN" altLang="en-US" dirty="0"/>
           </a:p>
@@ -3874,43 +3960,69 @@
         <p:spPr/>
         <p:txBody>
           <a:bodyPr>
-            <a:normAutofit/>
+            <a:normAutofit fontScale="55000" lnSpcReduction="20000"/>
           </a:bodyPr>
           <a:lstStyle/>
           <a:p>
             <a:r>
               <a:rPr lang="zh-CN" altLang="en-US" dirty="0" smtClean="0"/>
-              <a:t>构建令牌参数</a:t>
-            </a:r>
-            <a:endParaRPr lang="en-US" altLang="zh-CN" dirty="0"/>
+              <a:t>客户端获取令牌服务组件</a:t>
+            </a:r>
+            <a:r>
+              <a:rPr lang="en-US" altLang="zh-CN" dirty="0" smtClean="0"/>
+              <a:t>-</a:t>
+            </a:r>
+            <a:r>
+              <a:rPr lang="en-US" altLang="zh-CN" dirty="0"/>
+              <a:t> </a:t>
+            </a:r>
+            <a:r>
+              <a:rPr lang="en-US" altLang="zh-CN" dirty="0" smtClean="0"/>
+              <a:t>http</a:t>
+            </a:r>
+            <a:r>
+              <a:rPr lang="zh-CN" altLang="en-US" dirty="0" smtClean="0"/>
+              <a:t>服务</a:t>
+            </a:r>
+            <a:r>
+              <a:rPr lang="zh-CN" altLang="en-US" dirty="0"/>
+              <a:t>方式申请</a:t>
+            </a:r>
+            <a:r>
+              <a:rPr lang="en-US" altLang="zh-CN" dirty="0"/>
+              <a:t>token</a:t>
+            </a:r>
           </a:p>
           <a:p>
             <a:pPr marL="0" indent="0">
               <a:buNone/>
             </a:pPr>
+            <a:endParaRPr lang="en-US" altLang="zh-CN" dirty="0"/>
+          </a:p>
+          <a:p>
+            <a:r>
+              <a:rPr lang="en-US" altLang="zh-CN" dirty="0" err="1"/>
+              <a:t>url</a:t>
+            </a:r>
             <a:r>
               <a:rPr lang="en-US" altLang="zh-CN" dirty="0"/>
-              <a:t>String </a:t>
+              <a:t> = "http://localhost:8081/</a:t>
             </a:r>
             <a:r>
               <a:rPr lang="en-US" altLang="zh-CN" dirty="0" err="1"/>
-              <a:t>accounttokenrequest</a:t>
+              <a:t>SanyPDP</a:t>
             </a:r>
             <a:r>
               <a:rPr lang="en-US" altLang="zh-CN" dirty="0"/>
-              <a:t> </a:t>
-            </a:r>
-            <a:r>
-              <a:rPr lang="en-US" altLang="zh-CN" dirty="0" smtClean="0"/>
-              <a:t>= </a:t>
+              <a:t>/token/</a:t>
             </a:r>
             <a:r>
               <a:rPr lang="en-US" altLang="zh-CN" dirty="0" err="1"/>
-              <a:t>TokenStore.temptoken_param_name</a:t>
+              <a:t>genAuthTempToken.freepage?appid</a:t>
             </a:r>
             <a:r>
               <a:rPr lang="en-US" altLang="zh-CN" dirty="0"/>
-              <a:t> + "=" + token + "&amp;</a:t>
+              <a:t>="+</a:t>
             </a:r>
             <a:r>
               <a:rPr lang="en-US" altLang="zh-CN" dirty="0" err="1"/>
@@ -3918,7 +4030,37 @@
             </a:r>
             <a:r>
               <a:rPr lang="en-US" altLang="zh-CN" dirty="0"/>
-              <a:t>=" + </a:t>
+              <a:t> + "&amp;secret="+secret + "&amp;ticket="+ticket;</a:t>
+            </a:r>
+          </a:p>
+          <a:p>
+            <a:r>
+              <a:rPr lang="en-US" altLang="zh-CN" dirty="0"/>
+              <a:t>//</a:t>
+            </a:r>
+            <a:r>
+              <a:rPr lang="en-US" altLang="zh-CN" dirty="0" err="1"/>
+              <a:t>url</a:t>
+            </a:r>
+            <a:r>
+              <a:rPr lang="en-US" altLang="zh-CN" dirty="0"/>
+              <a:t> = "http://10.25.192.142:8081/</a:t>
+            </a:r>
+            <a:r>
+              <a:rPr lang="en-US" altLang="zh-CN" dirty="0" err="1"/>
+              <a:t>SanyPDP</a:t>
+            </a:r>
+            <a:r>
+              <a:rPr lang="en-US" altLang="zh-CN" dirty="0"/>
+              <a:t>/token/</a:t>
+            </a:r>
+            <a:r>
+              <a:rPr lang="en-US" altLang="zh-CN" dirty="0" err="1"/>
+              <a:t>genDualToken.freepage?appid</a:t>
+            </a:r>
+            <a:r>
+              <a:rPr lang="en-US" altLang="zh-CN" dirty="0"/>
+              <a:t>="+</a:t>
             </a:r>
             <a:r>
               <a:rPr lang="en-US" altLang="zh-CN" dirty="0" err="1"/>
@@ -3926,7 +4068,127 @@
             </a:r>
             <a:r>
               <a:rPr lang="en-US" altLang="zh-CN" dirty="0"/>
-              <a:t> + "&amp;secret="+secret;</a:t>
+              <a:t> + "&amp;secret="+secret + "&amp;account="+account;</a:t>
+            </a:r>
+          </a:p>
+          <a:p>
+            <a:r>
+              <a:rPr lang="en-US" altLang="zh-CN" dirty="0"/>
+              <a:t>token = </a:t>
+            </a:r>
+            <a:r>
+              <a:rPr lang="en-US" altLang="zh-CN" dirty="0" err="1"/>
+              <a:t>org.frameworkset.spi.remote.http.HttpReqeust.httpPostforString</a:t>
+            </a:r>
+            <a:r>
+              <a:rPr lang="en-US" altLang="zh-CN" dirty="0"/>
+              <a:t>(</a:t>
+            </a:r>
+            <a:r>
+              <a:rPr lang="en-US" altLang="zh-CN" dirty="0" err="1"/>
+              <a:t>url</a:t>
+            </a:r>
+            <a:r>
+              <a:rPr lang="en-US" altLang="zh-CN" dirty="0"/>
+              <a:t>);</a:t>
+            </a:r>
+          </a:p>
+          <a:p>
+            <a:r>
+              <a:rPr lang="en-US" altLang="zh-CN" dirty="0"/>
+              <a:t>//</a:t>
+            </a:r>
+            <a:r>
+              <a:rPr lang="zh-CN" altLang="en-US" dirty="0"/>
+              <a:t>通过</a:t>
+            </a:r>
+            <a:r>
+              <a:rPr lang="en-US" altLang="zh-CN" dirty="0"/>
+              <a:t>http</a:t>
+            </a:r>
+            <a:r>
+              <a:rPr lang="zh-CN" altLang="en-US" dirty="0"/>
+              <a:t>根据账号或者工号获取</a:t>
+            </a:r>
+            <a:r>
+              <a:rPr lang="en-US" altLang="zh-CN" dirty="0"/>
+              <a:t>ticket</a:t>
+            </a:r>
+          </a:p>
+          <a:p>
+            <a:r>
+              <a:rPr lang="en-US" altLang="zh-CN" dirty="0"/>
+              <a:t>//</a:t>
+            </a:r>
+            <a:r>
+              <a:rPr lang="en-US" altLang="zh-CN" dirty="0" err="1"/>
+              <a:t>url</a:t>
+            </a:r>
+            <a:r>
+              <a:rPr lang="en-US" altLang="zh-CN" dirty="0"/>
+              <a:t> = "http://10.25.192.142:8081/</a:t>
+            </a:r>
+            <a:r>
+              <a:rPr lang="en-US" altLang="zh-CN" dirty="0" err="1"/>
+              <a:t>SanyPDP</a:t>
+            </a:r>
+            <a:r>
+              <a:rPr lang="en-US" altLang="zh-CN" dirty="0"/>
+              <a:t>/token/</a:t>
+            </a:r>
+            <a:r>
+              <a:rPr lang="en-US" altLang="zh-CN" dirty="0" err="1"/>
+              <a:t>genTicket.freepage?appid</a:t>
+            </a:r>
+            <a:r>
+              <a:rPr lang="en-US" altLang="zh-CN" dirty="0"/>
+              <a:t>="+</a:t>
+            </a:r>
+            <a:r>
+              <a:rPr lang="en-US" altLang="zh-CN" dirty="0" err="1"/>
+              <a:t>appid</a:t>
+            </a:r>
+            <a:r>
+              <a:rPr lang="en-US" altLang="zh-CN" dirty="0"/>
+              <a:t> + "&amp;secret="+secret + "&amp;account="+account + "&amp;</a:t>
+            </a:r>
+            <a:r>
+              <a:rPr lang="en-US" altLang="zh-CN" dirty="0" err="1"/>
+              <a:t>worknumber</a:t>
+            </a:r>
+            <a:r>
+              <a:rPr lang="en-US" altLang="zh-CN" dirty="0"/>
+              <a:t>="+</a:t>
+            </a:r>
+            <a:r>
+              <a:rPr lang="en-US" altLang="zh-CN" dirty="0" err="1"/>
+              <a:t>worknumber</a:t>
+            </a:r>
+            <a:r>
+              <a:rPr lang="en-US" altLang="zh-CN" dirty="0"/>
+              <a:t>;</a:t>
+            </a:r>
+          </a:p>
+          <a:p>
+            <a:r>
+              <a:rPr lang="en-US" altLang="zh-CN" dirty="0"/>
+              <a:t>//String ticket = = </a:t>
+            </a:r>
+            <a:r>
+              <a:rPr lang="en-US" altLang="zh-CN" dirty="0" err="1"/>
+              <a:t>org.frameworkset.spi.remote.http.HttpReqeust.httpPostforString</a:t>
+            </a:r>
+            <a:r>
+              <a:rPr lang="en-US" altLang="zh-CN" dirty="0"/>
+              <a:t>(</a:t>
+            </a:r>
+            <a:r>
+              <a:rPr lang="en-US" altLang="zh-CN" dirty="0" err="1"/>
+              <a:t>url</a:t>
+            </a:r>
+            <a:r>
+              <a:rPr lang="en-US" altLang="zh-CN" dirty="0"/>
+              <a:t>);</a:t>
             </a:r>
             <a:endParaRPr lang="zh-CN" altLang="en-US" dirty="0"/>
           </a:p>
@@ -3935,7 +4197,7 @@
     </p:spTree>
     <p:extLst>
       <p:ext uri="{BB962C8B-B14F-4D97-AF65-F5344CB8AC3E}">
-        <p14:creationId xmlns:p14="http://schemas.microsoft.com/office/powerpoint/2010/main" val="4024104941"/>
+        <p14:creationId xmlns:p14="http://schemas.microsoft.com/office/powerpoint/2010/main" val="2291734992"/>
       </p:ext>
     </p:extLst>
   </p:cSld>
@@ -3975,7 +4237,7 @@
         <p:spPr/>
         <p:txBody>
           <a:bodyPr>
-            <a:normAutofit/>
+            <a:normAutofit fontScale="90000"/>
           </a:bodyPr>
           <a:lstStyle/>
           <a:p>
@@ -3985,19 +4247,19 @@
             </a:r>
             <a:r>
               <a:rPr lang="en-US" altLang="zh-CN" dirty="0"/>
-              <a:t>-</a:t>
+              <a:t>- </a:t>
+            </a:r>
+            <a:r>
+              <a:rPr lang="zh-CN" altLang="en-US" dirty="0" smtClean="0"/>
+              <a:t>本地服务</a:t>
             </a:r>
             <a:r>
               <a:rPr lang="zh-CN" altLang="en-US" dirty="0"/>
-              <a:t>账号</a:t>
+              <a:t>方式申请</a:t>
             </a:r>
             <a:r>
               <a:rPr lang="en-US" altLang="zh-CN" dirty="0" smtClean="0"/>
-              <a:t>SSO</a:t>
-            </a:r>
-            <a:r>
-              <a:rPr lang="zh-CN" altLang="en-US" dirty="0" smtClean="0"/>
-              <a:t>页面</a:t>
+              <a:t>token</a:t>
             </a:r>
             <a:endParaRPr lang="zh-CN" altLang="en-US" dirty="0"/>
           </a:p>
@@ -4016,153 +4278,175 @@
         <p:spPr/>
         <p:txBody>
           <a:bodyPr>
-            <a:normAutofit/>
+            <a:normAutofit fontScale="70000" lnSpcReduction="20000"/>
           </a:bodyPr>
           <a:lstStyle/>
           <a:p>
             <a:r>
               <a:rPr lang="zh-CN" altLang="en-US" dirty="0" smtClean="0"/>
-              <a:t>依据令牌实现单点登录到指定的页面</a:t>
+              <a:t>客户端获取令牌服务组件</a:t>
             </a:r>
             <a:r>
               <a:rPr lang="en-US" altLang="zh-CN" dirty="0" smtClean="0"/>
               <a:t>-</a:t>
             </a:r>
             <a:r>
+              <a:rPr lang="en-US" altLang="zh-CN" dirty="0"/>
+              <a:t> </a:t>
+            </a:r>
+            <a:r>
               <a:rPr lang="zh-CN" altLang="en-US" dirty="0" smtClean="0"/>
-              <a:t>账号</a:t>
+              <a:t>本地服务</a:t>
+            </a:r>
+            <a:r>
+              <a:rPr lang="zh-CN" altLang="en-US" dirty="0"/>
+              <a:t>方式申请</a:t>
             </a:r>
             <a:r>
               <a:rPr lang="en-US" altLang="zh-CN" dirty="0" smtClean="0"/>
-              <a:t>SSO</a:t>
+              <a:t>token</a:t>
+            </a:r>
+          </a:p>
+          <a:p>
+            <a:r>
+              <a:rPr lang="en-US" altLang="zh-CN" dirty="0" err="1"/>
+              <a:t>org.frameworkset.web.servlet.context.WebApplicationContext</a:t>
+            </a:r>
+            <a:r>
+              <a:rPr lang="en-US" altLang="zh-CN" dirty="0"/>
+              <a:t>  context = org.frameworkset.web.servlet.support.WebApplicationContextUtils.getWebApplicationContext();//</a:t>
             </a:r>
             <a:r>
               <a:rPr lang="zh-CN" altLang="en-US" dirty="0" smtClean="0"/>
-              <a:t>方式</a:t>
-            </a:r>
-            <a:endParaRPr lang="en-US" altLang="zh-CN" dirty="0" smtClean="0"/>
-          </a:p>
-          <a:p>
-            <a:pPr marL="0" indent="0">
-              <a:buNone/>
-            </a:pPr>
-            <a:r>
-              <a:rPr lang="en-US" altLang="zh-CN" dirty="0" smtClean="0"/>
-              <a:t>http://10.0.15.38:9081/SanyPDP/sso/ssowithtoken.page</a:t>
-            </a:r>
+              <a:t>获取</a:t>
+            </a:r>
+            <a:r>
+              <a:rPr lang="en-US" altLang="zh-CN" dirty="0" err="1" smtClean="0"/>
+              <a:t>mvc</a:t>
+            </a:r>
+            <a:r>
+              <a:rPr lang="zh-CN" altLang="en-US" dirty="0" smtClean="0"/>
+              <a:t>容器实例</a:t>
+            </a:r>
+            <a:endParaRPr lang="zh-CN" altLang="en-US" dirty="0"/>
+          </a:p>
+          <a:p>
+            <a:endParaRPr lang="zh-CN" altLang="en-US" dirty="0"/>
+          </a:p>
+          <a:p>
             <a:r>
               <a:rPr lang="en-US" altLang="zh-CN" dirty="0"/>
-              <a:t>?&lt;%=accounttokenrequest %&gt;&amp;</a:t>
+              <a:t>//</a:t>
+            </a:r>
+            <a:r>
+              <a:rPr lang="zh-CN" altLang="en-US" dirty="0"/>
+              <a:t>通过以下方式获取</a:t>
             </a:r>
             <a:r>
               <a:rPr lang="en-US" altLang="zh-CN" dirty="0" err="1"/>
-              <a:t>loginType</a:t>
+              <a:t>mvc</a:t>
+            </a:r>
+            <a:r>
+              <a:rPr lang="zh-CN" altLang="en-US" dirty="0"/>
+              <a:t>容器中的组件实例方法</a:t>
+            </a:r>
+          </a:p>
+          <a:p>
+            <a:r>
+              <a:rPr lang="en-US" altLang="zh-CN" dirty="0" err="1"/>
+              <a:t>tokenService</a:t>
             </a:r>
             <a:r>
               <a:rPr lang="en-US" altLang="zh-CN" dirty="0"/>
-              <a:t>=</a:t>
-            </a:r>
-            <a:r>
-              <a:rPr lang="en-US" altLang="zh-CN" dirty="0">
-                <a:solidFill>
-                  <a:srgbClr val="FF0000"/>
-                </a:solidFill>
-              </a:rPr>
-              <a:t>1</a:t>
+              <a:t> = </a:t>
+            </a:r>
+            <a:r>
+              <a:rPr lang="en-US" altLang="zh-CN" dirty="0" err="1"/>
+              <a:t>context.getTBeanObject</a:t>
             </a:r>
             <a:r>
               <a:rPr lang="en-US" altLang="zh-CN" dirty="0"/>
-              <a:t>&amp;successRedirect=&lt;%=</a:t>
+              <a:t>("/token/*.</a:t>
             </a:r>
             <a:r>
               <a:rPr lang="en-US" altLang="zh-CN" dirty="0" err="1"/>
-              <a:t>URLEncoder.encode</a:t>
+              <a:t>freepage</a:t>
             </a:r>
             <a:r>
               <a:rPr lang="en-US" altLang="zh-CN" dirty="0"/>
-              <a:t>("</a:t>
-            </a:r>
-            <a:r>
-              <a:rPr lang="en-US" altLang="zh-CN" dirty="0">
-                <a:solidFill>
-                  <a:srgbClr val="FF0000"/>
-                </a:solidFill>
-              </a:rPr>
-              <a:t>/</a:t>
-            </a:r>
-            <a:r>
-              <a:rPr lang="en-US" altLang="zh-CN" dirty="0" err="1">
-                <a:solidFill>
-                  <a:srgbClr val="FF0000"/>
-                </a:solidFill>
-              </a:rPr>
-              <a:t>appbom</a:t>
-            </a:r>
-            <a:r>
-              <a:rPr lang="en-US" altLang="zh-CN" dirty="0">
-                <a:solidFill>
-                  <a:srgbClr val="FF0000"/>
-                </a:solidFill>
-              </a:rPr>
-              <a:t>/</a:t>
-            </a:r>
-            <a:r>
-              <a:rPr lang="en-US" altLang="zh-CN" dirty="0" err="1">
-                <a:solidFill>
-                  <a:srgbClr val="FF0000"/>
-                </a:solidFill>
-              </a:rPr>
-              <a:t>aaa.page?a</a:t>
-            </a:r>
-            <a:r>
-              <a:rPr lang="en-US" altLang="zh-CN" dirty="0">
-                <a:solidFill>
-                  <a:srgbClr val="FF0000"/>
-                </a:solidFill>
-              </a:rPr>
-              <a:t>=</a:t>
-            </a:r>
-            <a:r>
-              <a:rPr lang="en-US" altLang="zh-CN" dirty="0" err="1">
-                <a:solidFill>
-                  <a:srgbClr val="FF0000"/>
-                </a:solidFill>
-              </a:rPr>
-              <a:t>b&amp;c</a:t>
-            </a:r>
-            <a:r>
-              <a:rPr lang="en-US" altLang="zh-CN" dirty="0">
-                <a:solidFill>
-                  <a:srgbClr val="FF0000"/>
-                </a:solidFill>
-              </a:rPr>
-              <a:t>=d</a:t>
-            </a:r>
+              <a:t>", </a:t>
+            </a:r>
+            <a:r>
+              <a:rPr lang="en-US" altLang="zh-CN" dirty="0" err="1"/>
+              <a:t>TokenService.</a:t>
+            </a:r>
+            <a:r>
+              <a:rPr lang="en-US" altLang="zh-CN" b="1" dirty="0" err="1"/>
+              <a:t>class</a:t>
+            </a:r>
+            <a:r>
+              <a:rPr lang="en-US" altLang="zh-CN" b="1" dirty="0"/>
+              <a:t>);</a:t>
+            </a:r>
+          </a:p>
+          <a:p>
             <a:r>
               <a:rPr lang="en-US" altLang="zh-CN" dirty="0"/>
-              <a:t>") %&gt;&amp;</a:t>
-            </a:r>
-            <a:r>
-              <a:rPr lang="en-US" altLang="zh-CN" dirty="0" err="1" smtClean="0"/>
-              <a:t>subsystem_id</a:t>
-            </a:r>
-            <a:r>
-              <a:rPr lang="en-US" altLang="zh-CN" dirty="0" smtClean="0"/>
-              <a:t>=module“</a:t>
-            </a:r>
-          </a:p>
-          <a:p>
-            <a:pPr marL="0" indent="0">
-              <a:buNone/>
-            </a:pPr>
-            <a:endParaRPr lang="zh-CN" altLang="en-US" dirty="0"/>
+              <a:t>//String ticket = </a:t>
+            </a:r>
+            <a:r>
+              <a:rPr lang="en-US" altLang="zh-CN" dirty="0" err="1"/>
+              <a:t>tokenService.genTicket</a:t>
+            </a:r>
+            <a:r>
+              <a:rPr lang="en-US" altLang="zh-CN" dirty="0"/>
+              <a:t>(account, </a:t>
+            </a:r>
+            <a:r>
+              <a:rPr lang="en-US" altLang="zh-CN" dirty="0" err="1"/>
+              <a:t>worknumber</a:t>
+            </a:r>
+            <a:r>
+              <a:rPr lang="en-US" altLang="zh-CN" dirty="0"/>
+              <a:t>, </a:t>
+            </a:r>
+            <a:r>
+              <a:rPr lang="en-US" altLang="zh-CN" dirty="0" err="1"/>
+              <a:t>appid</a:t>
+            </a:r>
+            <a:r>
+              <a:rPr lang="en-US" altLang="zh-CN" dirty="0"/>
+              <a:t>, secret);</a:t>
+            </a:r>
+          </a:p>
+          <a:p>
+            <a:r>
+              <a:rPr lang="en-US" altLang="zh-CN" dirty="0"/>
+              <a:t>token = </a:t>
+            </a:r>
+            <a:r>
+              <a:rPr lang="en-US" altLang="zh-CN" dirty="0" err="1"/>
+              <a:t>tokenService.genAuthTempToken</a:t>
+            </a:r>
+            <a:r>
+              <a:rPr lang="en-US" altLang="zh-CN" dirty="0"/>
+              <a:t>(</a:t>
+            </a:r>
+            <a:r>
+              <a:rPr lang="en-US" altLang="zh-CN" dirty="0" err="1"/>
+              <a:t>appid</a:t>
+            </a:r>
+            <a:r>
+              <a:rPr lang="en-US" altLang="zh-CN" dirty="0"/>
+              <a:t>, secret, ticket);</a:t>
+            </a:r>
           </a:p>
         </p:txBody>
       </p:sp>
     </p:spTree>
     <p:extLst>
       <p:ext uri="{BB962C8B-B14F-4D97-AF65-F5344CB8AC3E}">
-        <p14:creationId xmlns:p14="http://schemas.microsoft.com/office/powerpoint/2010/main" val="3594022491"/>
+        <p14:creationId xmlns:p14="http://schemas.microsoft.com/office/powerpoint/2010/main" val="2292037275"/>
       </p:ext>
     </p:extLst>
   </p:cSld>
@@ -4201,7 +4485,9 @@
         </p:nvSpPr>
         <p:spPr/>
         <p:txBody>
-          <a:bodyPr/>
+          <a:bodyPr>
+            <a:normAutofit/>
+          </a:bodyPr>
           <a:lstStyle/>
           <a:p>
             <a:r>
@@ -4209,20 +4495,20 @@
               <a:t>令牌使用方法</a:t>
             </a:r>
             <a:r>
-              <a:rPr lang="en-US" altLang="zh-CN" dirty="0"/>
+              <a:rPr lang="en-US" altLang="zh-CN" dirty="0" smtClean="0"/>
               <a:t>-</a:t>
             </a:r>
             <a:r>
+              <a:rPr lang="zh-CN" altLang="en-US" dirty="0" smtClean="0"/>
+              <a:t>构建</a:t>
+            </a:r>
+            <a:r>
               <a:rPr lang="zh-CN" altLang="en-US" dirty="0"/>
-              <a:t>工号</a:t>
-            </a:r>
-            <a:r>
-              <a:rPr lang="en-US" altLang="zh-CN" dirty="0" smtClean="0"/>
-              <a:t>SSO</a:t>
+              <a:t>令牌</a:t>
             </a:r>
             <a:r>
               <a:rPr lang="zh-CN" altLang="en-US" dirty="0" smtClean="0"/>
-              <a:t>页面</a:t>
+              <a:t>参数</a:t>
             </a:r>
             <a:endParaRPr lang="zh-CN" altLang="en-US" dirty="0"/>
           </a:p>
@@ -4247,143 +4533,62 @@
           <a:p>
             <a:r>
               <a:rPr lang="zh-CN" altLang="en-US" dirty="0" smtClean="0"/>
-              <a:t>依据令牌实现单点登录到指定的页面</a:t>
-            </a:r>
-            <a:r>
-              <a:rPr lang="en-US" altLang="zh-CN" dirty="0" smtClean="0"/>
-              <a:t>-</a:t>
-            </a:r>
-            <a:r>
-              <a:rPr lang="zh-CN" altLang="en-US" dirty="0" smtClean="0"/>
-              <a:t>工号</a:t>
-            </a:r>
-            <a:r>
-              <a:rPr lang="en-US" altLang="zh-CN" dirty="0" smtClean="0"/>
-              <a:t>SSO</a:t>
-            </a:r>
-            <a:r>
-              <a:rPr lang="zh-CN" altLang="en-US" dirty="0" smtClean="0"/>
-              <a:t>方式</a:t>
-            </a:r>
-            <a:endParaRPr lang="en-US" altLang="zh-CN" dirty="0" smtClean="0"/>
+              <a:t>构建令牌参数</a:t>
+            </a:r>
+            <a:endParaRPr lang="en-US" altLang="zh-CN" dirty="0"/>
           </a:p>
           <a:p>
             <a:pPr marL="0" indent="0">
               <a:buNone/>
             </a:pPr>
             <a:r>
+              <a:rPr lang="en-US" altLang="zh-CN" dirty="0"/>
+              <a:t>String </a:t>
+            </a:r>
+            <a:r>
+              <a:rPr lang="en-US" altLang="zh-CN" dirty="0" err="1"/>
+              <a:t>accounttokenrequest</a:t>
+            </a:r>
+            <a:r>
+              <a:rPr lang="en-US" altLang="zh-CN" dirty="0"/>
+              <a:t> </a:t>
+            </a:r>
+            <a:r>
               <a:rPr lang="en-US" altLang="zh-CN" dirty="0" smtClean="0"/>
-              <a:t>http://10.0.15.38:9081/SanyPDP/sso/ssowithtoken.page</a:t>
+              <a:t>= "_</a:t>
+            </a:r>
+            <a:r>
+              <a:rPr lang="en-US" altLang="zh-CN" dirty="0" err="1"/>
+              <a:t>dt_token</a:t>
             </a:r>
             <a:r>
               <a:rPr lang="en-US" altLang="zh-CN" dirty="0"/>
-              <a:t>?&lt;%=accounttokenrequest %&gt;&amp;</a:t>
-            </a:r>
-            <a:r>
-              <a:rPr lang="en-US" altLang="zh-CN" dirty="0" err="1" smtClean="0"/>
-              <a:t>loginType</a:t>
+              <a:t>_</a:t>
             </a:r>
             <a:r>
               <a:rPr lang="en-US" altLang="zh-CN" dirty="0" smtClean="0"/>
-              <a:t>=</a:t>
-            </a:r>
-            <a:r>
-              <a:rPr lang="en-US" altLang="zh-CN" dirty="0" smtClean="0">
-                <a:solidFill>
-                  <a:srgbClr val="FF0000"/>
-                </a:solidFill>
-              </a:rPr>
-              <a:t>2</a:t>
-            </a:r>
-            <a:r>
-              <a:rPr lang="en-US" altLang="zh-CN" dirty="0" smtClean="0"/>
-              <a:t>&amp;successRedirect</a:t>
+              <a:t>=" </a:t>
             </a:r>
             <a:r>
               <a:rPr lang="en-US" altLang="zh-CN" dirty="0"/>
-              <a:t>=&lt;%=</a:t>
+              <a:t>+ token + "&amp;</a:t>
             </a:r>
             <a:r>
               <a:rPr lang="en-US" altLang="zh-CN" dirty="0" err="1"/>
-              <a:t>URLEncoder.encode</a:t>
+              <a:t>appid</a:t>
             </a:r>
             <a:r>
               <a:rPr lang="en-US" altLang="zh-CN" dirty="0"/>
-              <a:t>("</a:t>
-            </a:r>
-            <a:r>
-              <a:rPr lang="en-US" altLang="zh-CN" dirty="0">
-                <a:solidFill>
-                  <a:srgbClr val="FF0000"/>
-                </a:solidFill>
-              </a:rPr>
-              <a:t>/</a:t>
-            </a:r>
-            <a:r>
-              <a:rPr lang="en-US" altLang="zh-CN" dirty="0" err="1">
-                <a:solidFill>
-                  <a:srgbClr val="FF0000"/>
-                </a:solidFill>
-              </a:rPr>
-              <a:t>appbom</a:t>
-            </a:r>
-            <a:r>
-              <a:rPr lang="en-US" altLang="zh-CN" dirty="0">
-                <a:solidFill>
-                  <a:srgbClr val="FF0000"/>
-                </a:solidFill>
-              </a:rPr>
-              <a:t>/</a:t>
-            </a:r>
-            <a:r>
-              <a:rPr lang="en-US" altLang="zh-CN" dirty="0" err="1">
-                <a:solidFill>
-                  <a:srgbClr val="FF0000"/>
-                </a:solidFill>
-              </a:rPr>
-              <a:t>aaa.page?a</a:t>
-            </a:r>
-            <a:r>
-              <a:rPr lang="en-US" altLang="zh-CN" dirty="0">
-                <a:solidFill>
-                  <a:srgbClr val="FF0000"/>
-                </a:solidFill>
-              </a:rPr>
-              <a:t>=</a:t>
-            </a:r>
-            <a:r>
-              <a:rPr lang="en-US" altLang="zh-CN" dirty="0" err="1">
-                <a:solidFill>
-                  <a:srgbClr val="FF0000"/>
-                </a:solidFill>
-              </a:rPr>
-              <a:t>b&amp;c</a:t>
-            </a:r>
-            <a:r>
-              <a:rPr lang="en-US" altLang="zh-CN" dirty="0">
-                <a:solidFill>
-                  <a:srgbClr val="FF0000"/>
-                </a:solidFill>
-              </a:rPr>
-              <a:t>=d</a:t>
+              <a:t>=" + </a:t>
+            </a:r>
+            <a:r>
+              <a:rPr lang="en-US" altLang="zh-CN" dirty="0" err="1"/>
+              <a:t>appid</a:t>
             </a:r>
             <a:r>
               <a:rPr lang="en-US" altLang="zh-CN" dirty="0"/>
-              <a:t>") %&gt;&amp;</a:t>
-            </a:r>
-            <a:r>
-              <a:rPr lang="en-US" altLang="zh-CN" dirty="0" err="1" smtClean="0"/>
-              <a:t>subsystem_id</a:t>
-            </a:r>
-            <a:r>
-              <a:rPr lang="en-US" altLang="zh-CN" dirty="0" smtClean="0"/>
-              <a:t>=module“</a:t>
-            </a:r>
-          </a:p>
-          <a:p>
-            <a:pPr marL="0" indent="0">
-              <a:buNone/>
-            </a:pPr>
+              <a:t> + "&amp;secret="+secret;</a:t>
+            </a:r>
             <a:endParaRPr lang="zh-CN" altLang="en-US" dirty="0"/>
           </a:p>
         </p:txBody>
@@ -4391,7 +4596,7 @@
     </p:spTree>
     <p:extLst>
       <p:ext uri="{BB962C8B-B14F-4D97-AF65-F5344CB8AC3E}">
-        <p14:creationId xmlns:p14="http://schemas.microsoft.com/office/powerpoint/2010/main" val="3505789168"/>
+        <p14:creationId xmlns:p14="http://schemas.microsoft.com/office/powerpoint/2010/main" val="4024104941"/>
       </p:ext>
     </p:extLst>
   </p:cSld>
@@ -4430,7 +4635,9 @@
         </p:nvSpPr>
         <p:spPr/>
         <p:txBody>
-          <a:bodyPr/>
+          <a:bodyPr>
+            <a:normAutofit/>
+          </a:bodyPr>
           <a:lstStyle/>
           <a:p>
             <a:r>
@@ -4438,20 +4645,12 @@
               <a:t>令牌使用方法</a:t>
             </a:r>
             <a:r>
-              <a:rPr lang="en-US" altLang="zh-CN" dirty="0"/>
-              <a:t>-</a:t>
-            </a:r>
-            <a:r>
-              <a:rPr lang="zh-CN" altLang="en-US" dirty="0"/>
-              <a:t>账号</a:t>
-            </a:r>
-            <a:r>
               <a:rPr lang="en-US" altLang="zh-CN" dirty="0" smtClean="0"/>
-              <a:t>SSO</a:t>
+              <a:t>-SSO</a:t>
             </a:r>
             <a:r>
               <a:rPr lang="zh-CN" altLang="en-US" dirty="0" smtClean="0"/>
-              <a:t>模块</a:t>
+              <a:t>页面</a:t>
             </a:r>
             <a:endParaRPr lang="zh-CN" altLang="en-US" dirty="0"/>
           </a:p>
@@ -4476,23 +4675,11 @@
           <a:p>
             <a:r>
               <a:rPr lang="zh-CN" altLang="en-US" dirty="0" smtClean="0"/>
-              <a:t>依据令牌实现单点登录到指定的</a:t>
-            </a:r>
-            <a:r>
-              <a:rPr lang="zh-CN" altLang="en-US" dirty="0"/>
-              <a:t>模块</a:t>
+              <a:t>依据令牌实现单点登录到指定的页面</a:t>
             </a:r>
             <a:r>
               <a:rPr lang="en-US" altLang="zh-CN" dirty="0" smtClean="0"/>
-              <a:t>-</a:t>
-            </a:r>
-            <a:r>
-              <a:rPr lang="zh-CN" altLang="en-US" dirty="0" smtClean="0"/>
-              <a:t>账号</a:t>
-            </a:r>
-            <a:r>
-              <a:rPr lang="en-US" altLang="zh-CN" dirty="0" smtClean="0"/>
-              <a:t>SSO</a:t>
+              <a:t>-SSO</a:t>
             </a:r>
             <a:r>
               <a:rPr lang="zh-CN" altLang="en-US" dirty="0" smtClean="0"/>
@@ -4510,47 +4697,87 @@
             </a:r>
             <a:r>
               <a:rPr lang="en-US" altLang="zh-CN" dirty="0"/>
-              <a:t>?&lt;%=accounttokenrequest %&gt;&amp;</a:t>
-            </a:r>
-            <a:r>
-              <a:rPr lang="en-US" altLang="zh-CN" dirty="0" err="1" smtClean="0"/>
-              <a:t>loginType</a:t>
+              <a:t>?&lt;%=accounttokenrequest </a:t>
             </a:r>
             <a:r>
               <a:rPr lang="en-US" altLang="zh-CN" dirty="0" smtClean="0"/>
-              <a:t>=</a:t>
-            </a:r>
-            <a:r>
-              <a:rPr lang="en-US" altLang="zh-CN" dirty="0" smtClean="0">
+              <a:t>%&gt;&amp;</a:t>
+            </a:r>
+            <a:r>
+              <a:rPr lang="en-US" altLang="zh-CN" dirty="0"/>
+              <a:t>successRedirect=&lt;%=</a:t>
+            </a:r>
+            <a:r>
+              <a:rPr lang="en-US" altLang="zh-CN" dirty="0" err="1"/>
+              <a:t>URLEncoder.encode</a:t>
+            </a:r>
+            <a:r>
+              <a:rPr lang="en-US" altLang="zh-CN" dirty="0"/>
+              <a:t>("</a:t>
+            </a:r>
+            <a:r>
+              <a:rPr lang="en-US" altLang="zh-CN" dirty="0">
                 <a:solidFill>
                   <a:srgbClr val="FF0000"/>
                 </a:solidFill>
               </a:rPr>
-              <a:t>1</a:t>
-            </a:r>
-            <a:r>
-              <a:rPr lang="en-US" altLang="zh-CN" i="1" dirty="0"/>
-              <a:t>&amp;</a:t>
-            </a:r>
-            <a:r>
-              <a:rPr lang="en-US" altLang="zh-CN" i="1" dirty="0">
+              <a:t>/</a:t>
+            </a:r>
+            <a:r>
+              <a:rPr lang="en-US" altLang="zh-CN" dirty="0" err="1">
                 <a:solidFill>
                   <a:srgbClr val="FF0000"/>
                 </a:solidFill>
               </a:rPr>
-              <a:t>loginMenu=</a:t>
-            </a:r>
-            <a:r>
-              <a:rPr lang="en-US" altLang="zh-CN" i="1" dirty="0" err="1">
+              <a:t>appbom</a:t>
+            </a:r>
+            <a:r>
+              <a:rPr lang="en-US" altLang="zh-CN" dirty="0">
                 <a:solidFill>
                   <a:srgbClr val="FF0000"/>
                 </a:solidFill>
               </a:rPr>
-              <a:t>appbommanager</a:t>
+              <a:t>/</a:t>
+            </a:r>
+            <a:r>
+              <a:rPr lang="en-US" altLang="zh-CN" dirty="0" err="1">
+                <a:solidFill>
+                  <a:srgbClr val="FF0000"/>
+                </a:solidFill>
+              </a:rPr>
+              <a:t>aaa.page?a</a:t>
+            </a:r>
+            <a:r>
+              <a:rPr lang="en-US" altLang="zh-CN" dirty="0">
+                <a:solidFill>
+                  <a:srgbClr val="FF0000"/>
+                </a:solidFill>
+              </a:rPr>
+              <a:t>=</a:t>
+            </a:r>
+            <a:r>
+              <a:rPr lang="en-US" altLang="zh-CN" dirty="0" err="1">
+                <a:solidFill>
+                  <a:srgbClr val="FF0000"/>
+                </a:solidFill>
+              </a:rPr>
+              <a:t>b&amp;c</a:t>
+            </a:r>
+            <a:r>
+              <a:rPr lang="en-US" altLang="zh-CN" dirty="0">
+                <a:solidFill>
+                  <a:srgbClr val="FF0000"/>
+                </a:solidFill>
+              </a:rPr>
+              <a:t>=d</a:t>
+            </a:r>
+            <a:r>
+              <a:rPr lang="en-US" altLang="zh-CN" dirty="0"/>
+              <a:t>") %&gt;&amp;</a:t>
             </a:r>
             <a:r>
               <a:rPr lang="en-US" altLang="zh-CN" dirty="0" err="1" smtClean="0"/>
-              <a:t>&amp;subsystem_id</a:t>
+              <a:t>subsystem_id</a:t>
             </a:r>
             <a:r>
               <a:rPr lang="en-US" altLang="zh-CN" dirty="0" smtClean="0"/>
@@ -4568,7 +4795,7 @@
     </p:spTree>
     <p:extLst>
       <p:ext uri="{BB962C8B-B14F-4D97-AF65-F5344CB8AC3E}">
-        <p14:creationId xmlns:p14="http://schemas.microsoft.com/office/powerpoint/2010/main" val="1684593499"/>
+        <p14:creationId xmlns:p14="http://schemas.microsoft.com/office/powerpoint/2010/main" val="3594022491"/>
       </p:ext>
     </p:extLst>
   </p:cSld>
@@ -4616,20 +4843,13 @@
             </a:r>
             <a:r>
               <a:rPr lang="en-US" altLang="zh-CN" dirty="0" smtClean="0"/>
-              <a:t>-</a:t>
-            </a:r>
-            <a:r>
-              <a:rPr lang="zh-CN" altLang="en-US" dirty="0"/>
-              <a:t>工号</a:t>
-            </a:r>
-            <a:r>
-              <a:rPr lang="en-US" altLang="zh-CN" dirty="0" smtClean="0"/>
-              <a:t>SSO</a:t>
-            </a:r>
-            <a:r>
-              <a:rPr lang="zh-CN" altLang="en-US" dirty="0"/>
+              <a:t>-SSO</a:t>
+            </a:r>
+            <a:r>
+              <a:rPr lang="zh-CN" altLang="en-US" dirty="0" smtClean="0"/>
               <a:t>模块</a:t>
             </a:r>
+            <a:endParaRPr lang="zh-CN" altLang="en-US" dirty="0"/>
           </a:p>
         </p:txBody>
       </p:sp>
@@ -4652,7 +4872,11 @@
           <a:p>
             <a:r>
               <a:rPr lang="zh-CN" altLang="en-US" dirty="0" smtClean="0"/>
-              <a:t>依据令牌实现单点登录到指定的模块</a:t>
+              <a:t>依据令牌实现单点登录到指定的</a:t>
+            </a:r>
+            <a:r>
+              <a:rPr lang="zh-CN" altLang="en-US" dirty="0"/>
+              <a:t>模块</a:t>
             </a:r>
             <a:r>
               <a:rPr lang="en-US" altLang="zh-CN" dirty="0" smtClean="0"/>
@@ -4660,7 +4884,7 @@
             </a:r>
             <a:r>
               <a:rPr lang="zh-CN" altLang="en-US" dirty="0" smtClean="0"/>
-              <a:t>工号</a:t>
+              <a:t>账号</a:t>
             </a:r>
             <a:r>
               <a:rPr lang="en-US" altLang="zh-CN" dirty="0" smtClean="0"/>
@@ -4682,30 +4906,18 @@
             </a:r>
             <a:r>
               <a:rPr lang="en-US" altLang="zh-CN" dirty="0"/>
-              <a:t>?&lt;%=accounttokenrequest %&gt;&amp;</a:t>
-            </a:r>
-            <a:r>
-              <a:rPr lang="en-US" altLang="zh-CN" dirty="0" err="1" smtClean="0"/>
-              <a:t>loginType</a:t>
+              <a:t>?&lt;%=accounttokenrequest </a:t>
             </a:r>
             <a:r>
               <a:rPr lang="en-US" altLang="zh-CN" dirty="0" smtClean="0"/>
-              <a:t>=</a:t>
-            </a:r>
-            <a:r>
-              <a:rPr lang="en-US" altLang="zh-CN" dirty="0" smtClean="0">
-                <a:solidFill>
-                  <a:srgbClr val="FF0000"/>
-                </a:solidFill>
-              </a:rPr>
-              <a:t>2</a:t>
+              <a:t>%&gt;</a:t>
             </a:r>
             <a:r>
               <a:rPr lang="en-US" altLang="zh-CN" i="1" dirty="0" smtClean="0"/>
               <a:t>&amp;</a:t>
             </a:r>
             <a:r>
-              <a:rPr lang="en-US" altLang="zh-CN" i="1" dirty="0" smtClean="0">
+              <a:rPr lang="en-US" altLang="zh-CN" i="1" dirty="0">
                 <a:solidFill>
                   <a:srgbClr val="FF0000"/>
                 </a:solidFill>
@@ -4713,7 +4925,7 @@
               <a:t>loginMenu=</a:t>
             </a:r>
             <a:r>
-              <a:rPr lang="en-US" altLang="zh-CN" i="1" dirty="0" err="1" smtClean="0">
+              <a:rPr lang="en-US" altLang="zh-CN" i="1" dirty="0" err="1">
                 <a:solidFill>
                   <a:srgbClr val="FF0000"/>
                 </a:solidFill>
@@ -4740,7 +4952,7 @@
     </p:spTree>
     <p:extLst>
       <p:ext uri="{BB962C8B-B14F-4D97-AF65-F5344CB8AC3E}">
-        <p14:creationId xmlns:p14="http://schemas.microsoft.com/office/powerpoint/2010/main" val="2778835354"/>
+        <p14:creationId xmlns:p14="http://schemas.microsoft.com/office/powerpoint/2010/main" val="1684593499"/>
       </p:ext>
     </p:extLst>
   </p:cSld>
@@ -4854,8 +5066,27 @@
               <a:t>.</a:t>
             </a:r>
             <a:r>
+              <a:rPr lang="en-US" altLang="zh-CN" dirty="0"/>
+              <a:t> </a:t>
+            </a:r>
+            <a:r>
               <a:rPr lang="en-US" altLang="zh-CN" dirty="0" err="1" smtClean="0"/>
-              <a:t>ECCCoder</a:t>
+              <a:t>ECCHelper</a:t>
+            </a:r>
+            <a:endParaRPr lang="en-US" altLang="zh-CN" dirty="0" smtClean="0"/>
+          </a:p>
+          <a:p>
+            <a:r>
+              <a:rPr lang="en-US" altLang="zh-CN" dirty="0" err="1"/>
+              <a:t>org.frameworkset.security.ecc</a:t>
+            </a:r>
+            <a:r>
+              <a:rPr lang="en-US" altLang="zh-CN" dirty="0"/>
+              <a:t> . </a:t>
+            </a:r>
+            <a:r>
+              <a:rPr lang="en-US" altLang="zh-CN" dirty="0" err="1" smtClean="0"/>
+              <a:t>ECCCoderInf</a:t>
             </a:r>
             <a:endParaRPr lang="en-US" altLang="zh-CN" dirty="0" smtClean="0"/>
           </a:p>
@@ -4936,684 +5167,659 @@
         <p:spPr/>
         <p:txBody>
           <a:bodyPr>
-            <a:normAutofit fontScale="25000" lnSpcReduction="20000"/>
+            <a:normAutofit fontScale="32500" lnSpcReduction="20000"/>
           </a:bodyPr>
           <a:lstStyle/>
           <a:p>
-            <a:pPr marL="1828800" lvl="4" indent="0">
-              <a:buNone/>
-            </a:pPr>
-            <a:r>
-              <a:rPr lang="en-US" altLang="zh-CN" sz="3600" dirty="0" smtClean="0"/>
+            <a:r>
+              <a:rPr lang="en-US" altLang="zh-CN" dirty="0"/>
               <a:t>String </a:t>
             </a:r>
             <a:r>
-              <a:rPr lang="en-US" altLang="zh-CN" sz="3600" dirty="0" err="1"/>
+              <a:rPr lang="en-US" altLang="zh-CN" dirty="0" err="1"/>
               <a:t>inputStr</a:t>
             </a:r>
             <a:r>
-              <a:rPr lang="en-US" altLang="zh-CN" sz="3600" dirty="0"/>
+              <a:rPr lang="en-US" altLang="zh-CN" dirty="0"/>
               <a:t> = "</a:t>
             </a:r>
             <a:r>
-              <a:rPr lang="zh-CN" altLang="en-US" sz="3600" dirty="0"/>
+              <a:rPr lang="zh-CN" altLang="en-US" dirty="0"/>
               <a:t>尹标平</a:t>
             </a:r>
             <a:r>
-              <a:rPr lang="en-US" altLang="zh-CN" sz="3600" dirty="0"/>
+              <a:rPr lang="en-US" altLang="zh-CN" dirty="0"/>
               <a:t>";</a:t>
             </a:r>
           </a:p>
           <a:p>
             <a:r>
-              <a:rPr lang="en-US" altLang="zh-CN" sz="4800" dirty="0"/>
-              <a:t>		byte[] data = </a:t>
-            </a:r>
-            <a:r>
-              <a:rPr lang="en-US" altLang="zh-CN" sz="4800" dirty="0" err="1"/>
+              <a:rPr lang="en-US" altLang="zh-CN" b="1" dirty="0"/>
+              <a:t>byte[] data = </a:t>
+            </a:r>
+            <a:r>
+              <a:rPr lang="en-US" altLang="zh-CN" b="1" dirty="0" err="1"/>
               <a:t>inputStr.getBytes</a:t>
             </a:r>
             <a:r>
-              <a:rPr lang="en-US" altLang="zh-CN" sz="4800" dirty="0"/>
+              <a:rPr lang="en-US" altLang="zh-CN" b="1" dirty="0"/>
               <a:t>();</a:t>
             </a:r>
           </a:p>
           <a:p>
-            <a:endParaRPr lang="en-US" altLang="zh-CN" sz="4800" dirty="0"/>
-          </a:p>
-          <a:p>
-            <a:r>
-              <a:rPr lang="en-US" altLang="zh-CN" sz="4800" dirty="0"/>
-              <a:t>		</a:t>
-            </a:r>
-            <a:r>
-              <a:rPr lang="en-US" altLang="zh-CN" sz="4800" dirty="0" err="1"/>
-              <a:t>ECKeyPair</a:t>
-            </a:r>
-            <a:r>
-              <a:rPr lang="en-US" altLang="zh-CN" sz="4800" dirty="0"/>
+            <a:r>
+              <a:rPr lang="en-US" altLang="zh-CN" dirty="0" err="1"/>
+              <a:t>ECCCoderInf</a:t>
+            </a:r>
+            <a:r>
+              <a:rPr lang="en-US" altLang="zh-CN" dirty="0"/>
               <a:t> </a:t>
             </a:r>
             <a:r>
-              <a:rPr lang="en-US" altLang="zh-CN" sz="4800" dirty="0" err="1"/>
+              <a:rPr lang="en-US" altLang="zh-CN" dirty="0" err="1"/>
+              <a:t>ECCCoder</a:t>
+            </a:r>
+            <a:r>
+              <a:rPr lang="en-US" altLang="zh-CN" dirty="0"/>
+              <a:t> = </a:t>
+            </a:r>
+            <a:r>
+              <a:rPr lang="en-US" altLang="zh-CN" dirty="0" err="1"/>
+              <a:t>ECCHelper.</a:t>
+            </a:r>
+            <a:r>
+              <a:rPr lang="en-US" altLang="zh-CN" i="1" dirty="0" err="1"/>
+              <a:t>getECCCoder</a:t>
+            </a:r>
+            <a:r>
+              <a:rPr lang="en-US" altLang="zh-CN" i="1" dirty="0"/>
+              <a:t>(</a:t>
+            </a:r>
+            <a:r>
+              <a:rPr lang="en-US" altLang="zh-CN" i="1" dirty="0" err="1"/>
+              <a:t>ECCHelper.ECC_ECIES</a:t>
+            </a:r>
+            <a:r>
+              <a:rPr lang="en-US" altLang="zh-CN" i="1" dirty="0"/>
+              <a:t>);</a:t>
+            </a:r>
+          </a:p>
+          <a:p>
+            <a:r>
+              <a:rPr lang="en-US" altLang="zh-CN" dirty="0" err="1"/>
+              <a:t>SimpleKeyPair</a:t>
+            </a:r>
+            <a:r>
+              <a:rPr lang="en-US" altLang="zh-CN" dirty="0"/>
+              <a:t> </a:t>
+            </a:r>
+            <a:r>
+              <a:rPr lang="en-US" altLang="zh-CN" dirty="0" err="1"/>
               <a:t>keyMap</a:t>
             </a:r>
             <a:r>
-              <a:rPr lang="en-US" altLang="zh-CN" sz="4800" dirty="0"/>
+              <a:rPr lang="en-US" altLang="zh-CN" dirty="0"/>
               <a:t> = </a:t>
             </a:r>
             <a:r>
-              <a:rPr lang="en-US" altLang="zh-CN" sz="4800" dirty="0" err="1"/>
+              <a:rPr lang="en-US" altLang="zh-CN" dirty="0" err="1"/>
               <a:t>ECCCoder.genECKeyPair</a:t>
             </a:r>
             <a:r>
-              <a:rPr lang="en-US" altLang="zh-CN" sz="4800" dirty="0"/>
+              <a:rPr lang="en-US" altLang="zh-CN" dirty="0"/>
               <a:t>();</a:t>
             </a:r>
           </a:p>
           <a:p>
-            <a:endParaRPr lang="en-US" altLang="zh-CN" sz="4800" dirty="0"/>
-          </a:p>
-          <a:p>
-            <a:r>
-              <a:rPr lang="en-US" altLang="zh-CN" sz="4800" dirty="0"/>
-              <a:t>		</a:t>
-            </a:r>
-            <a:r>
-              <a:rPr lang="en-US" altLang="zh-CN" sz="4800" b="1" dirty="0">
-                <a:solidFill>
-                  <a:srgbClr val="FF0000"/>
-                </a:solidFill>
-              </a:rPr>
+            <a:endParaRPr lang="zh-CN" altLang="en-US" dirty="0"/>
+          </a:p>
+          <a:p>
+            <a:r>
+              <a:rPr lang="en-US" altLang="zh-CN" dirty="0"/>
               <a:t>String </a:t>
             </a:r>
             <a:r>
-              <a:rPr lang="en-US" altLang="zh-CN" sz="4800" b="1" dirty="0" err="1">
-                <a:solidFill>
-                  <a:srgbClr val="FF0000"/>
-                </a:solidFill>
-              </a:rPr>
+              <a:rPr lang="en-US" altLang="zh-CN" dirty="0" err="1"/>
               <a:t>publicKey</a:t>
             </a:r>
             <a:r>
-              <a:rPr lang="en-US" altLang="zh-CN" sz="4800" b="1" dirty="0">
-                <a:solidFill>
-                  <a:srgbClr val="FF0000"/>
-                </a:solidFill>
-              </a:rPr>
+              <a:rPr lang="en-US" altLang="zh-CN" dirty="0"/>
               <a:t> = </a:t>
             </a:r>
             <a:r>
-              <a:rPr lang="en-US" altLang="zh-CN" sz="4800" b="1" dirty="0" err="1">
-                <a:solidFill>
-                  <a:srgbClr val="FF0000"/>
-                </a:solidFill>
-              </a:rPr>
+              <a:rPr lang="en-US" altLang="zh-CN" dirty="0" err="1"/>
               <a:t>keyMap.getPublicKey</a:t>
             </a:r>
             <a:r>
-              <a:rPr lang="en-US" altLang="zh-CN" sz="4800" b="1" dirty="0">
-                <a:solidFill>
-                  <a:srgbClr val="FF0000"/>
-                </a:solidFill>
-              </a:rPr>
+              <a:rPr lang="en-US" altLang="zh-CN" dirty="0"/>
               <a:t>();</a:t>
             </a:r>
           </a:p>
           <a:p>
             <a:r>
-              <a:rPr lang="en-US" altLang="zh-CN" sz="4800" b="1" dirty="0"/>
-              <a:t>		</a:t>
-            </a:r>
-            <a:r>
-              <a:rPr lang="en-US" altLang="zh-CN" sz="4800" b="1" dirty="0">
-                <a:solidFill>
-                  <a:srgbClr val="FF0000"/>
-                </a:solidFill>
-              </a:rPr>
+              <a:rPr lang="en-US" altLang="zh-CN" dirty="0"/>
               <a:t>String </a:t>
             </a:r>
             <a:r>
-              <a:rPr lang="en-US" altLang="zh-CN" sz="4800" b="1" dirty="0" err="1">
-                <a:solidFill>
-                  <a:srgbClr val="FF0000"/>
-                </a:solidFill>
-              </a:rPr>
+              <a:rPr lang="en-US" altLang="zh-CN" dirty="0" err="1"/>
               <a:t>privateKey</a:t>
             </a:r>
             <a:r>
-              <a:rPr lang="en-US" altLang="zh-CN" sz="4800" b="1" dirty="0">
-                <a:solidFill>
-                  <a:srgbClr val="FF0000"/>
-                </a:solidFill>
-              </a:rPr>
+              <a:rPr lang="en-US" altLang="zh-CN" dirty="0"/>
               <a:t> = </a:t>
             </a:r>
             <a:r>
-              <a:rPr lang="en-US" altLang="zh-CN" sz="4800" b="1" dirty="0" err="1">
-                <a:solidFill>
-                  <a:srgbClr val="FF0000"/>
-                </a:solidFill>
-              </a:rPr>
+              <a:rPr lang="en-US" altLang="zh-CN" dirty="0" err="1"/>
               <a:t>keyMap.getPrivateKey</a:t>
             </a:r>
             <a:r>
-              <a:rPr lang="en-US" altLang="zh-CN" sz="4800" b="1" dirty="0">
-                <a:solidFill>
-                  <a:srgbClr val="FF0000"/>
-                </a:solidFill>
-              </a:rPr>
+              <a:rPr lang="en-US" altLang="zh-CN" dirty="0"/>
               <a:t>();</a:t>
             </a:r>
           </a:p>
           <a:p>
             <a:r>
-              <a:rPr lang="en-US" altLang="zh-CN" sz="4800" dirty="0"/>
-              <a:t>		</a:t>
-            </a:r>
-            <a:r>
-              <a:rPr lang="en-US" altLang="zh-CN" sz="4800" dirty="0" err="1"/>
-              <a:t>System.err.println</a:t>
-            </a:r>
-            <a:r>
-              <a:rPr lang="en-US" altLang="zh-CN" sz="4800" dirty="0"/>
+              <a:rPr lang="en-US" altLang="zh-CN" dirty="0" err="1"/>
+              <a:t>System.</a:t>
+            </a:r>
+            <a:r>
+              <a:rPr lang="en-US" altLang="zh-CN" i="1" dirty="0" err="1"/>
+              <a:t>err.println</a:t>
+            </a:r>
+            <a:r>
+              <a:rPr lang="en-US" altLang="zh-CN" i="1" dirty="0"/>
               <a:t>("</a:t>
             </a:r>
             <a:r>
-              <a:rPr lang="zh-CN" altLang="en-US" sz="4800" dirty="0"/>
+              <a:rPr lang="zh-CN" altLang="en-US" i="1" dirty="0"/>
               <a:t>公钥</a:t>
             </a:r>
             <a:r>
-              <a:rPr lang="en-US" altLang="zh-CN" sz="4800" dirty="0"/>
+              <a:rPr lang="en-US" altLang="zh-CN" i="1" dirty="0"/>
               <a:t>: \n" + </a:t>
             </a:r>
             <a:r>
-              <a:rPr lang="en-US" altLang="zh-CN" sz="4800" dirty="0" err="1"/>
+              <a:rPr lang="en-US" altLang="zh-CN" i="1" dirty="0" err="1"/>
               <a:t>publicKey</a:t>
             </a:r>
             <a:r>
-              <a:rPr lang="en-US" altLang="zh-CN" sz="4800" dirty="0"/>
+              <a:rPr lang="en-US" altLang="zh-CN" i="1" dirty="0"/>
               <a:t>);</a:t>
             </a:r>
           </a:p>
           <a:p>
             <a:r>
-              <a:rPr lang="en-US" altLang="zh-CN" sz="4800" dirty="0"/>
-              <a:t>		</a:t>
-            </a:r>
-            <a:r>
-              <a:rPr lang="en-US" altLang="zh-CN" sz="4800" dirty="0" err="1"/>
-              <a:t>System.err.println</a:t>
-            </a:r>
-            <a:r>
-              <a:rPr lang="en-US" altLang="zh-CN" sz="4800" dirty="0"/>
+              <a:rPr lang="en-US" altLang="zh-CN" dirty="0" err="1"/>
+              <a:t>System.</a:t>
+            </a:r>
+            <a:r>
+              <a:rPr lang="en-US" altLang="zh-CN" i="1" dirty="0" err="1"/>
+              <a:t>err.println</a:t>
+            </a:r>
+            <a:r>
+              <a:rPr lang="en-US" altLang="zh-CN" i="1" dirty="0"/>
               <a:t>("</a:t>
             </a:r>
             <a:r>
-              <a:rPr lang="zh-CN" altLang="en-US" sz="4800" dirty="0"/>
+              <a:rPr lang="zh-CN" altLang="en-US" i="1" dirty="0"/>
               <a:t>私钥： </a:t>
             </a:r>
             <a:r>
-              <a:rPr lang="en-US" altLang="zh-CN" sz="4800" dirty="0"/>
+              <a:rPr lang="en-US" altLang="zh-CN" i="1" dirty="0"/>
               <a:t>\n" + </a:t>
             </a:r>
             <a:r>
-              <a:rPr lang="en-US" altLang="zh-CN" sz="4800" dirty="0" err="1"/>
+              <a:rPr lang="en-US" altLang="zh-CN" i="1" dirty="0" err="1"/>
               <a:t>privateKey</a:t>
             </a:r>
             <a:r>
-              <a:rPr lang="en-US" altLang="zh-CN" sz="4800" dirty="0"/>
+              <a:rPr lang="en-US" altLang="zh-CN" i="1" dirty="0"/>
               <a:t>);</a:t>
             </a:r>
           </a:p>
           <a:p>
             <a:r>
-              <a:rPr lang="en-US" altLang="zh-CN" sz="4800" dirty="0"/>
-              <a:t>		byte[] </a:t>
-            </a:r>
-            <a:r>
-              <a:rPr lang="en-US" altLang="zh-CN" sz="4800" dirty="0" err="1"/>
+              <a:rPr lang="en-US" altLang="zh-CN" b="1" dirty="0"/>
+              <a:t>byte[] </a:t>
+            </a:r>
+            <a:r>
+              <a:rPr lang="en-US" altLang="zh-CN" b="1" dirty="0" err="1"/>
               <a:t>encodedData</a:t>
             </a:r>
             <a:r>
-              <a:rPr lang="en-US" altLang="zh-CN" sz="4800" dirty="0"/>
+              <a:rPr lang="en-US" altLang="zh-CN" b="1" dirty="0"/>
               <a:t> = </a:t>
             </a:r>
             <a:r>
-              <a:rPr lang="en-US" altLang="zh-CN" sz="4800" dirty="0" err="1"/>
+              <a:rPr lang="en-US" altLang="zh-CN" b="1" dirty="0" err="1"/>
               <a:t>ECCCoder.encrypt</a:t>
             </a:r>
             <a:r>
-              <a:rPr lang="en-US" altLang="zh-CN" sz="4800" dirty="0"/>
+              <a:rPr lang="en-US" altLang="zh-CN" b="1" dirty="0"/>
               <a:t>(data, </a:t>
             </a:r>
             <a:r>
-              <a:rPr lang="en-US" altLang="zh-CN" sz="4800" dirty="0" err="1"/>
+              <a:rPr lang="en-US" altLang="zh-CN" b="1" dirty="0" err="1"/>
               <a:t>publicKey</a:t>
             </a:r>
             <a:r>
-              <a:rPr lang="en-US" altLang="zh-CN" sz="4800" dirty="0"/>
+              <a:rPr lang="en-US" altLang="zh-CN" b="1" dirty="0"/>
               <a:t>);</a:t>
             </a:r>
           </a:p>
           <a:p>
             <a:r>
-              <a:rPr lang="en-US" altLang="zh-CN" sz="4800" dirty="0"/>
-              <a:t>		byte[] </a:t>
-            </a:r>
-            <a:r>
-              <a:rPr lang="en-US" altLang="zh-CN" sz="4800" dirty="0" err="1"/>
+              <a:rPr lang="en-US" altLang="zh-CN" dirty="0" err="1"/>
+              <a:t>System.</a:t>
+            </a:r>
+            <a:r>
+              <a:rPr lang="en-US" altLang="zh-CN" i="1" dirty="0" err="1"/>
+              <a:t>out.println</a:t>
+            </a:r>
+            <a:r>
+              <a:rPr lang="en-US" altLang="zh-CN" i="1" dirty="0"/>
+              <a:t>("</a:t>
+            </a:r>
+            <a:r>
+              <a:rPr lang="zh-CN" altLang="en-US" i="1" dirty="0"/>
+              <a:t>明文</a:t>
+            </a:r>
+            <a:r>
+              <a:rPr lang="en-US" altLang="zh-CN" i="1" dirty="0"/>
+              <a:t>:"+Base64.encode(</a:t>
+            </a:r>
+            <a:r>
+              <a:rPr lang="en-US" altLang="zh-CN" i="1" dirty="0" err="1"/>
+              <a:t>inputStr.getBytes</a:t>
+            </a:r>
+            <a:r>
+              <a:rPr lang="en-US" altLang="zh-CN" i="1" dirty="0"/>
+              <a:t>()));</a:t>
+            </a:r>
+          </a:p>
+          <a:p>
+            <a:r>
+              <a:rPr lang="en-US" altLang="zh-CN" dirty="0" err="1"/>
+              <a:t>System.</a:t>
+            </a:r>
+            <a:r>
+              <a:rPr lang="en-US" altLang="zh-CN" i="1" dirty="0" err="1"/>
+              <a:t>out.println</a:t>
+            </a:r>
+            <a:r>
+              <a:rPr lang="en-US" altLang="zh-CN" i="1" dirty="0"/>
+              <a:t>("</a:t>
+            </a:r>
+            <a:r>
+              <a:rPr lang="zh-CN" altLang="en-US" i="1" dirty="0"/>
+              <a:t>密文</a:t>
+            </a:r>
+            <a:r>
+              <a:rPr lang="en-US" altLang="zh-CN" i="1" dirty="0"/>
+              <a:t>:"+Base64.encode(</a:t>
+            </a:r>
+            <a:r>
+              <a:rPr lang="en-US" altLang="zh-CN" i="1" dirty="0" err="1"/>
+              <a:t>encodedData</a:t>
+            </a:r>
+            <a:r>
+              <a:rPr lang="en-US" altLang="zh-CN" i="1" dirty="0"/>
+              <a:t>));</a:t>
+            </a:r>
+          </a:p>
+          <a:p>
+            <a:r>
+              <a:rPr lang="en-US" altLang="zh-CN" b="1" dirty="0"/>
+              <a:t>byte[] </a:t>
+            </a:r>
+            <a:r>
+              <a:rPr lang="en-US" altLang="zh-CN" b="1" dirty="0" err="1"/>
               <a:t>decodedData</a:t>
             </a:r>
             <a:r>
-              <a:rPr lang="en-US" altLang="zh-CN" sz="4800" dirty="0"/>
+              <a:rPr lang="en-US" altLang="zh-CN" b="1" dirty="0"/>
               <a:t> = </a:t>
             </a:r>
             <a:r>
-              <a:rPr lang="en-US" altLang="zh-CN" sz="4800" dirty="0" err="1"/>
+              <a:rPr lang="en-US" altLang="zh-CN" b="1" dirty="0" err="1"/>
               <a:t>ECCCoder.decrypt</a:t>
             </a:r>
             <a:r>
-              <a:rPr lang="en-US" altLang="zh-CN" sz="4800" dirty="0"/>
+              <a:rPr lang="en-US" altLang="zh-CN" b="1" dirty="0"/>
               <a:t>(</a:t>
             </a:r>
             <a:r>
-              <a:rPr lang="en-US" altLang="zh-CN" sz="4800" dirty="0" err="1"/>
+              <a:rPr lang="en-US" altLang="zh-CN" b="1" dirty="0" err="1"/>
               <a:t>encodedData</a:t>
             </a:r>
             <a:r>
-              <a:rPr lang="en-US" altLang="zh-CN" sz="4800" dirty="0"/>
+              <a:rPr lang="en-US" altLang="zh-CN" b="1" dirty="0"/>
               <a:t>, </a:t>
             </a:r>
             <a:r>
-              <a:rPr lang="en-US" altLang="zh-CN" sz="4800" dirty="0" err="1"/>
+              <a:rPr lang="en-US" altLang="zh-CN" b="1" dirty="0" err="1"/>
               <a:t>privateKey</a:t>
             </a:r>
             <a:r>
-              <a:rPr lang="en-US" altLang="zh-CN" sz="4800" dirty="0"/>
+              <a:rPr lang="en-US" altLang="zh-CN" b="1" dirty="0"/>
               <a:t>);</a:t>
             </a:r>
           </a:p>
           <a:p>
             <a:r>
-              <a:rPr lang="en-US" altLang="zh-CN" sz="4800" dirty="0"/>
-              <a:t>		</a:t>
-            </a:r>
-            <a:r>
-              <a:rPr lang="en-US" altLang="zh-CN" sz="4800" dirty="0" err="1"/>
+              <a:rPr lang="en-US" altLang="zh-CN" dirty="0" err="1"/>
               <a:t>inputStr</a:t>
             </a:r>
             <a:r>
-              <a:rPr lang="en-US" altLang="zh-CN" sz="4800" dirty="0"/>
+              <a:rPr lang="en-US" altLang="zh-CN" dirty="0"/>
               <a:t> = "</a:t>
             </a:r>
             <a:r>
-              <a:rPr lang="zh-CN" altLang="en-US" sz="4800" dirty="0"/>
+              <a:rPr lang="zh-CN" altLang="en-US" dirty="0"/>
               <a:t>解密局解密局</a:t>
             </a:r>
             <a:r>
-              <a:rPr lang="en-US" altLang="zh-CN" sz="4800" dirty="0"/>
+              <a:rPr lang="en-US" altLang="zh-CN" dirty="0"/>
               <a:t>";</a:t>
             </a:r>
           </a:p>
           <a:p>
             <a:r>
-              <a:rPr lang="en-US" altLang="zh-CN" sz="4800" dirty="0"/>
-              <a:t>		data = </a:t>
-            </a:r>
-            <a:r>
-              <a:rPr lang="en-US" altLang="zh-CN" sz="4800" dirty="0" err="1"/>
+              <a:rPr lang="en-US" altLang="zh-CN" dirty="0"/>
+              <a:t>data = </a:t>
+            </a:r>
+            <a:r>
+              <a:rPr lang="en-US" altLang="zh-CN" dirty="0" err="1"/>
               <a:t>inputStr.getBytes</a:t>
             </a:r>
             <a:r>
-              <a:rPr lang="en-US" altLang="zh-CN" sz="4800" dirty="0"/>
+              <a:rPr lang="en-US" altLang="zh-CN" dirty="0"/>
               <a:t>();</a:t>
             </a:r>
           </a:p>
           <a:p>
             <a:r>
-              <a:rPr lang="en-US" altLang="zh-CN" sz="4800" dirty="0"/>
-              <a:t>		long start = </a:t>
-            </a:r>
-            <a:r>
-              <a:rPr lang="en-US" altLang="zh-CN" sz="4800" dirty="0" err="1"/>
-              <a:t>System.currentTimeMillis</a:t>
-            </a:r>
-            <a:r>
-              <a:rPr lang="en-US" altLang="zh-CN" sz="4800" dirty="0"/>
+              <a:rPr lang="en-US" altLang="zh-CN" b="1" dirty="0"/>
+              <a:t>long start = </a:t>
+            </a:r>
+            <a:r>
+              <a:rPr lang="en-US" altLang="zh-CN" b="1" dirty="0" err="1"/>
+              <a:t>System.</a:t>
+            </a:r>
+            <a:r>
+              <a:rPr lang="en-US" altLang="zh-CN" b="1" i="1" dirty="0" err="1"/>
+              <a:t>currentTimeMillis</a:t>
+            </a:r>
+            <a:r>
+              <a:rPr lang="en-US" altLang="zh-CN" b="1" i="1" dirty="0"/>
               <a:t>();</a:t>
             </a:r>
           </a:p>
           <a:p>
             <a:r>
-              <a:rPr lang="en-US" altLang="zh-CN" sz="4800" dirty="0"/>
-              <a:t>		</a:t>
-            </a:r>
-            <a:r>
-              <a:rPr lang="en-US" altLang="zh-CN" sz="4800" dirty="0" err="1"/>
+              <a:rPr lang="en-US" altLang="zh-CN" dirty="0" err="1"/>
               <a:t>encodedData</a:t>
             </a:r>
             <a:r>
-              <a:rPr lang="en-US" altLang="zh-CN" sz="4800" dirty="0"/>
+              <a:rPr lang="en-US" altLang="zh-CN" dirty="0"/>
               <a:t> = </a:t>
             </a:r>
             <a:r>
-              <a:rPr lang="en-US" altLang="zh-CN" sz="4800" b="1" dirty="0" err="1">
-                <a:solidFill>
-                  <a:srgbClr val="FF0000"/>
-                </a:solidFill>
-              </a:rPr>
+              <a:rPr lang="en-US" altLang="zh-CN" dirty="0" err="1"/>
               <a:t>ECCCoder.encrypt</a:t>
             </a:r>
             <a:r>
-              <a:rPr lang="en-US" altLang="zh-CN" sz="4800" b="1" dirty="0">
-                <a:solidFill>
-                  <a:srgbClr val="FF0000"/>
-                </a:solidFill>
-              </a:rPr>
+              <a:rPr lang="en-US" altLang="zh-CN" dirty="0"/>
               <a:t>(data, </a:t>
             </a:r>
             <a:r>
-              <a:rPr lang="en-US" altLang="zh-CN" sz="4800" b="1" dirty="0" err="1">
-                <a:solidFill>
-                  <a:srgbClr val="FF0000"/>
-                </a:solidFill>
-              </a:rPr>
+              <a:rPr lang="en-US" altLang="zh-CN" dirty="0" err="1"/>
               <a:t>ECCCoder.evalECPublicKey</a:t>
             </a:r>
             <a:r>
-              <a:rPr lang="en-US" altLang="zh-CN" sz="4800" b="1" dirty="0">
-                <a:solidFill>
-                  <a:srgbClr val="FF0000"/>
-                </a:solidFill>
-              </a:rPr>
+              <a:rPr lang="en-US" altLang="zh-CN" dirty="0"/>
               <a:t>(</a:t>
             </a:r>
             <a:r>
-              <a:rPr lang="en-US" altLang="zh-CN" sz="4800" b="1" dirty="0" err="1">
-                <a:solidFill>
-                  <a:srgbClr val="FF0000"/>
-                </a:solidFill>
-              </a:rPr>
+              <a:rPr lang="en-US" altLang="zh-CN" dirty="0" err="1"/>
               <a:t>publicKey</a:t>
             </a:r>
             <a:r>
-              <a:rPr lang="en-US" altLang="zh-CN" sz="4800" b="1" dirty="0">
-                <a:solidFill>
-                  <a:srgbClr val="FF0000"/>
-                </a:solidFill>
-              </a:rPr>
+              <a:rPr lang="en-US" altLang="zh-CN" dirty="0"/>
               <a:t>));</a:t>
             </a:r>
           </a:p>
           <a:p>
             <a:r>
-              <a:rPr lang="en-US" altLang="zh-CN" sz="4800" dirty="0"/>
-              <a:t>		long end = </a:t>
-            </a:r>
-            <a:r>
-              <a:rPr lang="en-US" altLang="zh-CN" sz="4800" dirty="0" err="1"/>
-              <a:t>System.currentTimeMillis</a:t>
-            </a:r>
-            <a:r>
-              <a:rPr lang="en-US" altLang="zh-CN" sz="4800" dirty="0"/>
+              <a:rPr lang="en-US" altLang="zh-CN" b="1" dirty="0"/>
+              <a:t>long end = </a:t>
+            </a:r>
+            <a:r>
+              <a:rPr lang="en-US" altLang="zh-CN" b="1" dirty="0" err="1"/>
+              <a:t>System.</a:t>
+            </a:r>
+            <a:r>
+              <a:rPr lang="en-US" altLang="zh-CN" b="1" i="1" dirty="0" err="1"/>
+              <a:t>currentTimeMillis</a:t>
+            </a:r>
+            <a:r>
+              <a:rPr lang="en-US" altLang="zh-CN" b="1" i="1" dirty="0"/>
               <a:t>();</a:t>
             </a:r>
           </a:p>
           <a:p>
             <a:r>
-              <a:rPr lang="en-US" altLang="zh-CN" sz="4800" dirty="0"/>
-              <a:t>		</a:t>
-            </a:r>
-            <a:r>
-              <a:rPr lang="en-US" altLang="zh-CN" sz="4800" dirty="0" err="1"/>
-              <a:t>System.out.println</a:t>
-            </a:r>
-            <a:r>
-              <a:rPr lang="en-US" altLang="zh-CN" sz="4800" dirty="0"/>
+              <a:rPr lang="en-US" altLang="zh-CN" dirty="0" err="1"/>
+              <a:t>System.</a:t>
+            </a:r>
+            <a:r>
+              <a:rPr lang="en-US" altLang="zh-CN" i="1" dirty="0" err="1"/>
+              <a:t>out.println</a:t>
+            </a:r>
+            <a:r>
+              <a:rPr lang="en-US" altLang="zh-CN" i="1" dirty="0"/>
               <a:t>("</a:t>
             </a:r>
             <a:r>
-              <a:rPr lang="zh-CN" altLang="en-US" sz="4800" dirty="0"/>
+              <a:rPr lang="zh-CN" altLang="en-US" i="1" dirty="0"/>
               <a:t>加密耗时</a:t>
             </a:r>
             <a:r>
-              <a:rPr lang="en-US" altLang="zh-CN" sz="4800" dirty="0"/>
+              <a:rPr lang="en-US" altLang="zh-CN" i="1" dirty="0"/>
               <a:t>:"+(end-start));</a:t>
             </a:r>
           </a:p>
           <a:p>
-            <a:r>
-              <a:rPr lang="en-US" altLang="zh-CN" sz="4800" dirty="0"/>
-              <a:t>		</a:t>
-            </a:r>
-          </a:p>
-          <a:p>
-            <a:r>
-              <a:rPr lang="en-US" altLang="zh-CN" sz="4800" dirty="0"/>
-              <a:t>		start = </a:t>
-            </a:r>
-            <a:r>
-              <a:rPr lang="en-US" altLang="zh-CN" sz="4800" dirty="0" err="1"/>
-              <a:t>System.currentTimeMillis</a:t>
-            </a:r>
-            <a:r>
-              <a:rPr lang="en-US" altLang="zh-CN" sz="4800" dirty="0"/>
+            <a:endParaRPr lang="zh-CN" altLang="en-US" dirty="0"/>
+          </a:p>
+          <a:p>
+            <a:r>
+              <a:rPr lang="en-US" altLang="zh-CN" dirty="0"/>
+              <a:t>start = </a:t>
+            </a:r>
+            <a:r>
+              <a:rPr lang="en-US" altLang="zh-CN" dirty="0" err="1"/>
+              <a:t>System.</a:t>
+            </a:r>
+            <a:r>
+              <a:rPr lang="en-US" altLang="zh-CN" i="1" dirty="0" err="1"/>
+              <a:t>currentTimeMillis</a:t>
+            </a:r>
+            <a:r>
+              <a:rPr lang="en-US" altLang="zh-CN" i="1" dirty="0"/>
               <a:t>();</a:t>
             </a:r>
           </a:p>
           <a:p>
             <a:r>
-              <a:rPr lang="en-US" altLang="zh-CN" sz="4800" dirty="0"/>
-              <a:t>		</a:t>
-            </a:r>
-            <a:r>
-              <a:rPr lang="en-US" altLang="zh-CN" sz="4800" dirty="0" err="1"/>
+              <a:rPr lang="en-US" altLang="zh-CN" dirty="0" err="1"/>
               <a:t>decodedData</a:t>
             </a:r>
             <a:r>
-              <a:rPr lang="en-US" altLang="zh-CN" sz="4800" dirty="0"/>
+              <a:rPr lang="en-US" altLang="zh-CN" dirty="0"/>
               <a:t> = </a:t>
             </a:r>
             <a:r>
-              <a:rPr lang="en-US" altLang="zh-CN" sz="4800" b="1" dirty="0" err="1">
-                <a:solidFill>
-                  <a:srgbClr val="FF0000"/>
-                </a:solidFill>
-              </a:rPr>
+              <a:rPr lang="en-US" altLang="zh-CN" dirty="0" err="1"/>
               <a:t>ECCCoder.decrypt</a:t>
             </a:r>
             <a:r>
-              <a:rPr lang="en-US" altLang="zh-CN" sz="4800" b="1" dirty="0">
-                <a:solidFill>
-                  <a:srgbClr val="FF0000"/>
-                </a:solidFill>
-              </a:rPr>
+              <a:rPr lang="en-US" altLang="zh-CN" dirty="0"/>
               <a:t>(</a:t>
             </a:r>
             <a:r>
-              <a:rPr lang="en-US" altLang="zh-CN" sz="4800" b="1" dirty="0" err="1">
-                <a:solidFill>
-                  <a:srgbClr val="FF0000"/>
-                </a:solidFill>
-              </a:rPr>
+              <a:rPr lang="en-US" altLang="zh-CN" dirty="0" err="1"/>
               <a:t>encodedData</a:t>
             </a:r>
             <a:r>
-              <a:rPr lang="en-US" altLang="zh-CN" sz="4800" b="1" dirty="0">
-                <a:solidFill>
-                  <a:srgbClr val="FF0000"/>
-                </a:solidFill>
-              </a:rPr>
+              <a:rPr lang="en-US" altLang="zh-CN" dirty="0"/>
               <a:t>, </a:t>
             </a:r>
             <a:r>
-              <a:rPr lang="en-US" altLang="zh-CN" sz="4800" b="1" dirty="0" err="1">
-                <a:solidFill>
-                  <a:srgbClr val="FF0000"/>
-                </a:solidFill>
-              </a:rPr>
+              <a:rPr lang="en-US" altLang="zh-CN" dirty="0" err="1"/>
               <a:t>ECCCoder.evalECPrivateKey</a:t>
             </a:r>
             <a:r>
-              <a:rPr lang="en-US" altLang="zh-CN" sz="4800" b="1" dirty="0">
-                <a:solidFill>
-                  <a:srgbClr val="FF0000"/>
-                </a:solidFill>
-              </a:rPr>
+              <a:rPr lang="en-US" altLang="zh-CN" dirty="0"/>
               <a:t>(</a:t>
             </a:r>
             <a:r>
-              <a:rPr lang="en-US" altLang="zh-CN" sz="4800" b="1" dirty="0" err="1">
-                <a:solidFill>
-                  <a:srgbClr val="FF0000"/>
-                </a:solidFill>
-              </a:rPr>
+              <a:rPr lang="en-US" altLang="zh-CN" dirty="0" err="1"/>
               <a:t>privateKey</a:t>
             </a:r>
             <a:r>
-              <a:rPr lang="en-US" altLang="zh-CN" sz="4800" b="1" dirty="0">
-                <a:solidFill>
-                  <a:srgbClr val="FF0000"/>
-                </a:solidFill>
-              </a:rPr>
+              <a:rPr lang="en-US" altLang="zh-CN" dirty="0"/>
               <a:t>));</a:t>
             </a:r>
           </a:p>
           <a:p>
             <a:r>
-              <a:rPr lang="en-US" altLang="zh-CN" sz="4800" dirty="0"/>
-              <a:t>		end = </a:t>
-            </a:r>
-            <a:r>
-              <a:rPr lang="en-US" altLang="zh-CN" sz="4800" dirty="0" err="1"/>
-              <a:t>System.currentTimeMillis</a:t>
-            </a:r>
-            <a:r>
-              <a:rPr lang="en-US" altLang="zh-CN" sz="4800" dirty="0"/>
+              <a:rPr lang="en-US" altLang="zh-CN" dirty="0"/>
+              <a:t>end = </a:t>
+            </a:r>
+            <a:r>
+              <a:rPr lang="en-US" altLang="zh-CN" dirty="0" err="1"/>
+              <a:t>System.</a:t>
+            </a:r>
+            <a:r>
+              <a:rPr lang="en-US" altLang="zh-CN" i="1" dirty="0" err="1"/>
+              <a:t>currentTimeMillis</a:t>
+            </a:r>
+            <a:r>
+              <a:rPr lang="en-US" altLang="zh-CN" i="1" dirty="0"/>
               <a:t>();</a:t>
             </a:r>
           </a:p>
           <a:p>
             <a:r>
-              <a:rPr lang="en-US" altLang="zh-CN" sz="4800" dirty="0"/>
-              <a:t>		</a:t>
-            </a:r>
-            <a:r>
-              <a:rPr lang="en-US" altLang="zh-CN" sz="4800" dirty="0" err="1"/>
-              <a:t>System.out.println</a:t>
-            </a:r>
-            <a:r>
-              <a:rPr lang="en-US" altLang="zh-CN" sz="4800" dirty="0"/>
+              <a:rPr lang="en-US" altLang="zh-CN" dirty="0" err="1"/>
+              <a:t>System.</a:t>
+            </a:r>
+            <a:r>
+              <a:rPr lang="en-US" altLang="zh-CN" i="1" dirty="0" err="1"/>
+              <a:t>out.println</a:t>
+            </a:r>
+            <a:r>
+              <a:rPr lang="en-US" altLang="zh-CN" i="1" dirty="0"/>
               <a:t>("</a:t>
             </a:r>
             <a:r>
-              <a:rPr lang="zh-CN" altLang="en-US" sz="4800" dirty="0"/>
+              <a:rPr lang="zh-CN" altLang="en-US" i="1" dirty="0"/>
               <a:t>解密耗时</a:t>
             </a:r>
             <a:r>
-              <a:rPr lang="en-US" altLang="zh-CN" sz="4800" dirty="0"/>
+              <a:rPr lang="en-US" altLang="zh-CN" i="1" dirty="0"/>
               <a:t>:"+(end-start));</a:t>
             </a:r>
           </a:p>
           <a:p>
             <a:r>
-              <a:rPr lang="en-US" altLang="zh-CN" sz="4800" dirty="0"/>
-              <a:t>		String </a:t>
-            </a:r>
-            <a:r>
-              <a:rPr lang="en-US" altLang="zh-CN" sz="4800" dirty="0" err="1"/>
+              <a:rPr lang="en-US" altLang="zh-CN" dirty="0"/>
+              <a:t>String </a:t>
+            </a:r>
+            <a:r>
+              <a:rPr lang="en-US" altLang="zh-CN" dirty="0" err="1"/>
               <a:t>outputStr</a:t>
             </a:r>
             <a:r>
-              <a:rPr lang="en-US" altLang="zh-CN" sz="4800" dirty="0"/>
-              <a:t> = new String(</a:t>
-            </a:r>
-            <a:r>
-              <a:rPr lang="en-US" altLang="zh-CN" sz="4800" dirty="0" err="1"/>
+              <a:rPr lang="en-US" altLang="zh-CN" dirty="0"/>
+              <a:t> = </a:t>
+            </a:r>
+            <a:r>
+              <a:rPr lang="en-US" altLang="zh-CN" b="1" dirty="0"/>
+              <a:t>new String(</a:t>
+            </a:r>
+            <a:r>
+              <a:rPr lang="en-US" altLang="zh-CN" b="1" dirty="0" err="1"/>
               <a:t>decodedData</a:t>
             </a:r>
             <a:r>
-              <a:rPr lang="en-US" altLang="zh-CN" sz="4800" dirty="0"/>
+              <a:rPr lang="en-US" altLang="zh-CN" b="1" dirty="0"/>
               <a:t>);</a:t>
             </a:r>
           </a:p>
           <a:p>
             <a:r>
-              <a:rPr lang="en-US" altLang="zh-CN" sz="4800" dirty="0"/>
-              <a:t>		</a:t>
-            </a:r>
-            <a:r>
-              <a:rPr lang="en-US" altLang="zh-CN" sz="4800" dirty="0" err="1"/>
-              <a:t>System.err.println</a:t>
-            </a:r>
-            <a:r>
-              <a:rPr lang="en-US" altLang="zh-CN" sz="4800" dirty="0"/>
+              <a:rPr lang="en-US" altLang="zh-CN" dirty="0" err="1"/>
+              <a:t>System.</a:t>
+            </a:r>
+            <a:r>
+              <a:rPr lang="en-US" altLang="zh-CN" i="1" dirty="0" err="1"/>
+              <a:t>err.println</a:t>
+            </a:r>
+            <a:r>
+              <a:rPr lang="en-US" altLang="zh-CN" i="1" dirty="0"/>
               <a:t>("</a:t>
             </a:r>
             <a:r>
-              <a:rPr lang="zh-CN" altLang="en-US" sz="4800" dirty="0"/>
+              <a:rPr lang="zh-CN" altLang="en-US" i="1" dirty="0"/>
               <a:t>加密前</a:t>
             </a:r>
             <a:r>
-              <a:rPr lang="en-US" altLang="zh-CN" sz="4800" dirty="0"/>
-              <a:t>: " + </a:t>
-            </a:r>
-            <a:r>
-              <a:rPr lang="en-US" altLang="zh-CN" sz="4800" dirty="0" err="1"/>
+              <a:rPr lang="en-US" altLang="zh-CN" i="1" dirty="0"/>
+              <a:t>: "</a:t>
+            </a:r>
+            <a:r>
+              <a:rPr lang="zh-CN" altLang="en-US" i="1" dirty="0"/>
+              <a:t> </a:t>
+            </a:r>
+            <a:r>
+              <a:rPr lang="en-US" altLang="zh-CN" i="1" dirty="0"/>
+              <a:t>+ </a:t>
+            </a:r>
+            <a:r>
+              <a:rPr lang="en-US" altLang="zh-CN" i="1" dirty="0" err="1"/>
               <a:t>inputStr</a:t>
             </a:r>
             <a:r>
-              <a:rPr lang="en-US" altLang="zh-CN" sz="4800" dirty="0"/>
+              <a:rPr lang="en-US" altLang="zh-CN" i="1" dirty="0"/>
               <a:t> + "\n\r" + "</a:t>
             </a:r>
             <a:r>
-              <a:rPr lang="zh-CN" altLang="en-US" sz="4800" dirty="0"/>
+              <a:rPr lang="zh-CN" altLang="en-US" i="1" dirty="0"/>
               <a:t>解密后</a:t>
             </a:r>
             <a:r>
-              <a:rPr lang="en-US" altLang="zh-CN" sz="4800" dirty="0"/>
-              <a:t>: " + </a:t>
-            </a:r>
-            <a:r>
-              <a:rPr lang="en-US" altLang="zh-CN" sz="4800" dirty="0" err="1"/>
+              <a:rPr lang="en-US" altLang="zh-CN" i="1" dirty="0"/>
+              <a:t>: "</a:t>
+            </a:r>
+            <a:r>
+              <a:rPr lang="zh-CN" altLang="en-US" i="1" dirty="0"/>
+              <a:t> </a:t>
+            </a:r>
+            <a:r>
+              <a:rPr lang="en-US" altLang="zh-CN" i="1" dirty="0"/>
+              <a:t>+ </a:t>
+            </a:r>
+            <a:r>
+              <a:rPr lang="en-US" altLang="zh-CN" i="1" dirty="0" err="1"/>
               <a:t>outputStr</a:t>
             </a:r>
             <a:r>
-              <a:rPr lang="en-US" altLang="zh-CN" sz="4800" dirty="0"/>
+              <a:rPr lang="en-US" altLang="zh-CN" i="1" dirty="0"/>
               <a:t>);</a:t>
             </a:r>
-          </a:p>
-          <a:p>
-            <a:r>
-              <a:rPr lang="en-US" altLang="zh-CN" sz="4800" dirty="0"/>
-              <a:t>		</a:t>
-            </a:r>
-            <a:r>
-              <a:rPr lang="en-US" altLang="zh-CN" sz="4800" dirty="0" err="1"/>
-              <a:t>org.junit.Assert.assertEquals</a:t>
-            </a:r>
-            <a:r>
-              <a:rPr lang="en-US" altLang="zh-CN" sz="4800" dirty="0"/>
-              <a:t>(</a:t>
-            </a:r>
-            <a:r>
-              <a:rPr lang="en-US" altLang="zh-CN" sz="4800" dirty="0" err="1"/>
-              <a:t>inputStr</a:t>
-            </a:r>
-            <a:r>
-              <a:rPr lang="en-US" altLang="zh-CN" sz="4800" dirty="0"/>
-              <a:t>, </a:t>
-            </a:r>
-            <a:r>
-              <a:rPr lang="en-US" altLang="zh-CN" sz="4800" dirty="0" err="1"/>
-              <a:t>outputStr</a:t>
-            </a:r>
-            <a:r>
-              <a:rPr lang="en-US" altLang="zh-CN" sz="4800" dirty="0"/>
-              <a:t>);</a:t>
-            </a:r>
-            <a:endParaRPr lang="zh-CN" altLang="en-US" sz="4800" dirty="0"/>
+            <a:endParaRPr lang="zh-CN" altLang="en-US" sz="9600" dirty="0"/>
           </a:p>
         </p:txBody>
       </p:sp>
@@ -8514,8 +8720,8 @@
               <a:t>令牌存储机制配置</a:t>
             </a:r>
             <a:r>
-              <a:rPr lang="en-US" altLang="zh-CN" dirty="0" smtClean="0"/>
-              <a:t>-web.xml</a:t>
+              <a:rPr lang="en-US" altLang="zh-CN" dirty="0"/>
+              <a:t>-tokenconf.xml</a:t>
             </a:r>
             <a:endParaRPr lang="zh-CN" altLang="en-US" dirty="0"/>
           </a:p>
@@ -8530,7 +8736,7 @@
         <p:spPr>
           <a:xfrm>
             <a:off x="783036" y="1340768"/>
-            <a:ext cx="7850354" cy="3693319"/>
+            <a:ext cx="8269187" cy="2031325"/>
           </a:xfrm>
           <a:prstGeom prst="rect">
             <a:avLst/>
@@ -8619,193 +8825,27 @@
           <a:p>
             <a:r>
               <a:rPr lang="zh-CN" altLang="en-US" dirty="0"/>
-              <a:t>这三种机制只要在</a:t>
+              <a:t>这三种机制只要</a:t>
+            </a:r>
+            <a:r>
+              <a:rPr lang="zh-CN" altLang="en-US" dirty="0" smtClean="0"/>
+              <a:t>在</a:t>
             </a:r>
             <a:r>
               <a:rPr lang="en-US" altLang="zh-CN" dirty="0" smtClean="0"/>
-              <a:t>web.xml</a:t>
+              <a:t>resources/tokenconf.xml</a:t>
             </a:r>
             <a:r>
               <a:rPr lang="zh-CN" altLang="en-US" dirty="0" smtClean="0"/>
-              <a:t>修改过滤器</a:t>
-            </a:r>
-            <a:r>
-              <a:rPr lang="en-US" altLang="zh-CN" dirty="0" err="1" smtClean="0"/>
-              <a:t>securityFilter</a:t>
-            </a:r>
+              <a:t>中配置即可，支持本地服务方式配置和</a:t>
+            </a:r>
+            <a:endParaRPr lang="en-US" altLang="zh-CN" dirty="0" smtClean="0"/>
+          </a:p>
+          <a:p>
             <a:r>
               <a:rPr lang="zh-CN" altLang="en-US" dirty="0" smtClean="0"/>
-              <a:t>的</a:t>
-            </a:r>
-            <a:r>
-              <a:rPr lang="en-US" altLang="zh-CN" u="sng" dirty="0" err="1" smtClean="0"/>
-              <a:t>tokenstore</a:t>
-            </a:r>
-            <a:r>
-              <a:rPr lang="zh-CN" altLang="en-US" u="sng" dirty="0" smtClean="0"/>
-              <a:t>参数即可：</a:t>
-            </a:r>
-            <a:endParaRPr lang="en-US" altLang="zh-CN" u="sng" dirty="0" smtClean="0"/>
-          </a:p>
-          <a:p>
-            <a:r>
-              <a:rPr lang="en-US" altLang="zh-CN" dirty="0"/>
-              <a:t>&lt;</a:t>
-            </a:r>
-            <a:r>
-              <a:rPr lang="en-US" altLang="zh-CN" dirty="0" err="1"/>
-              <a:t>init-param</a:t>
-            </a:r>
-            <a:r>
-              <a:rPr lang="en-US" altLang="zh-CN" dirty="0"/>
-              <a:t>&gt;</a:t>
-            </a:r>
-          </a:p>
-          <a:p>
-            <a:r>
-              <a:rPr lang="en-US" altLang="zh-CN" dirty="0"/>
-              <a:t>&lt;</a:t>
-            </a:r>
-            <a:r>
-              <a:rPr lang="en-US" altLang="zh-CN" dirty="0" err="1"/>
-              <a:t>param</a:t>
-            </a:r>
-            <a:r>
-              <a:rPr lang="en-US" altLang="zh-CN" dirty="0"/>
-              <a:t>-name&gt;</a:t>
-            </a:r>
-            <a:r>
-              <a:rPr lang="en-US" altLang="zh-CN" u="sng" dirty="0" err="1"/>
-              <a:t>tokenstore</a:t>
-            </a:r>
-            <a:r>
-              <a:rPr lang="en-US" altLang="zh-CN" u="sng" dirty="0"/>
-              <a:t>&lt;/</a:t>
-            </a:r>
-            <a:r>
-              <a:rPr lang="en-US" altLang="zh-CN" u="sng" dirty="0" err="1"/>
-              <a:t>param</a:t>
-            </a:r>
-            <a:r>
-              <a:rPr lang="en-US" altLang="zh-CN" u="sng" dirty="0"/>
-              <a:t>-name&gt;</a:t>
-            </a:r>
-          </a:p>
-          <a:p>
-            <a:r>
-              <a:rPr lang="en-US" altLang="zh-CN" dirty="0"/>
-              <a:t> &lt;</a:t>
-            </a:r>
-            <a:r>
-              <a:rPr lang="en-US" altLang="zh-CN" dirty="0" err="1"/>
-              <a:t>param</a:t>
-            </a:r>
-            <a:r>
-              <a:rPr lang="en-US" altLang="zh-CN" dirty="0"/>
-              <a:t>-value&gt;</a:t>
-            </a:r>
-            <a:r>
-              <a:rPr lang="en-US" altLang="zh-CN" dirty="0" err="1"/>
-              <a:t>org.frameworkset.web.token.MongodbTokenStore</a:t>
-            </a:r>
-            <a:r>
-              <a:rPr lang="en-US" altLang="zh-CN" dirty="0"/>
-              <a:t>&lt;/</a:t>
-            </a:r>
-            <a:r>
-              <a:rPr lang="en-US" altLang="zh-CN" dirty="0" err="1"/>
-              <a:t>param</a:t>
-            </a:r>
-            <a:r>
-              <a:rPr lang="en-US" altLang="zh-CN" dirty="0"/>
-              <a:t>-value&gt;</a:t>
-            </a:r>
-          </a:p>
-          <a:p>
-            <a:r>
-              <a:rPr lang="en-US" altLang="zh-CN" dirty="0"/>
-              <a:t>&lt;!--&lt;</a:t>
-            </a:r>
-            <a:r>
-              <a:rPr lang="en-US" altLang="zh-CN" dirty="0" err="1"/>
-              <a:t>param</a:t>
-            </a:r>
-            <a:r>
-              <a:rPr lang="en-US" altLang="zh-CN" dirty="0"/>
-              <a:t>-value&gt;</a:t>
-            </a:r>
-            <a:r>
-              <a:rPr lang="en-US" altLang="zh-CN" dirty="0" err="1"/>
-              <a:t>org.frameworkset.web.token.DBTokenStore</a:t>
-            </a:r>
-            <a:r>
-              <a:rPr lang="en-US" altLang="zh-CN" dirty="0"/>
-              <a:t>&lt;/</a:t>
-            </a:r>
-            <a:r>
-              <a:rPr lang="en-US" altLang="zh-CN" dirty="0" err="1"/>
-              <a:t>param</a:t>
-            </a:r>
-            <a:r>
-              <a:rPr lang="en-US" altLang="zh-CN" dirty="0"/>
-              <a:t>-value&gt; --&gt;</a:t>
-            </a:r>
-          </a:p>
-          <a:p>
-            <a:r>
-              <a:rPr lang="en-US" altLang="zh-CN" dirty="0"/>
-              <a:t>&lt;!-- &lt;</a:t>
-            </a:r>
-            <a:r>
-              <a:rPr lang="en-US" altLang="zh-CN" dirty="0" err="1"/>
-              <a:t>param</a:t>
-            </a:r>
-            <a:r>
-              <a:rPr lang="en-US" altLang="zh-CN" dirty="0"/>
-              <a:t>-value&gt;</a:t>
-            </a:r>
-            <a:r>
-              <a:rPr lang="en-US" altLang="zh-CN" u="sng" dirty="0" err="1"/>
-              <a:t>mem</a:t>
-            </a:r>
-            <a:r>
-              <a:rPr lang="en-US" altLang="zh-CN" u="sng" dirty="0"/>
-              <a:t>&lt;/</a:t>
-            </a:r>
-            <a:r>
-              <a:rPr lang="en-US" altLang="zh-CN" u="sng" dirty="0" err="1"/>
-              <a:t>param</a:t>
-            </a:r>
-            <a:r>
-              <a:rPr lang="en-US" altLang="zh-CN" u="sng" dirty="0"/>
-              <a:t>-value&gt; </a:t>
-            </a:r>
-            <a:r>
-              <a:rPr lang="en-US" altLang="zh-CN" u="sng" dirty="0" smtClean="0"/>
-              <a:t>--&gt;</a:t>
-            </a:r>
-            <a:endParaRPr lang="zh-CN" altLang="en-US" dirty="0"/>
-          </a:p>
-          <a:p>
-            <a:r>
-              <a:rPr lang="en-US" altLang="zh-CN" dirty="0"/>
-              <a:t>&lt;/</a:t>
-            </a:r>
-            <a:r>
-              <a:rPr lang="en-US" altLang="zh-CN" dirty="0" err="1"/>
-              <a:t>init-param</a:t>
-            </a:r>
-            <a:r>
-              <a:rPr lang="en-US" altLang="zh-CN" dirty="0"/>
-              <a:t>&gt;</a:t>
-            </a:r>
-            <a:endParaRPr lang="en-US" altLang="zh-CN" dirty="0" smtClean="0">
-              <a:solidFill>
-                <a:srgbClr val="0070C0"/>
-              </a:solidFill>
-            </a:endParaRPr>
-          </a:p>
-          <a:p>
+              <a:t>远程服务方式配置</a:t>
+            </a:r>
             <a:endParaRPr lang="zh-CN" altLang="en-US" dirty="0"/>
           </a:p>
         </p:txBody>
@@ -8850,6 +8890,1138 @@
             <p:ph type="title"/>
           </p:nvPr>
         </p:nvSpPr>
+        <p:spPr/>
+        <p:txBody>
+          <a:bodyPr/>
+          <a:lstStyle/>
+          <a:p>
+            <a:r>
+              <a:rPr lang="zh-CN" altLang="en-US" dirty="0" smtClean="0"/>
+              <a:t>令牌存储机制配置</a:t>
+            </a:r>
+            <a:r>
+              <a:rPr lang="en-US" altLang="zh-CN" dirty="0" smtClean="0"/>
+              <a:t>-</a:t>
+            </a:r>
+            <a:r>
+              <a:rPr lang="zh-CN" altLang="en-US" dirty="0" smtClean="0"/>
+              <a:t>本地服务方式</a:t>
+            </a:r>
+            <a:endParaRPr lang="zh-CN" altLang="en-US" dirty="0"/>
+          </a:p>
+        </p:txBody>
+      </p:sp>
+      <p:sp>
+        <p:nvSpPr>
+          <p:cNvPr id="6" name="矩形 5"/>
+          <p:cNvSpPr/>
+          <p:nvPr/>
+        </p:nvSpPr>
+        <p:spPr>
+          <a:xfrm>
+            <a:off x="783036" y="1340768"/>
+            <a:ext cx="3118739" cy="369332"/>
+          </a:xfrm>
+          <a:prstGeom prst="rect">
+            <a:avLst/>
+          </a:prstGeom>
+        </p:spPr>
+        <p:txBody>
+          <a:bodyPr wrap="none">
+            <a:spAutoFit/>
+          </a:bodyPr>
+          <a:lstStyle/>
+          <a:p>
+            <a:r>
+              <a:rPr lang="en-US" altLang="zh-CN" dirty="0"/>
+              <a:t>tokenconf.xml</a:t>
+            </a:r>
+            <a:r>
+              <a:rPr lang="zh-CN" altLang="en-US" dirty="0" smtClean="0"/>
+              <a:t>本地</a:t>
+            </a:r>
+            <a:r>
+              <a:rPr lang="zh-CN" altLang="en-US" dirty="0"/>
+              <a:t>服务方式：</a:t>
+            </a:r>
+            <a:endParaRPr lang="en-US" altLang="zh-CN" dirty="0" smtClean="0"/>
+          </a:p>
+        </p:txBody>
+      </p:sp>
+      <p:sp>
+        <p:nvSpPr>
+          <p:cNvPr id="4" name="TextBox 3"/>
+          <p:cNvSpPr txBox="1"/>
+          <p:nvPr/>
+        </p:nvSpPr>
+        <p:spPr>
+          <a:xfrm>
+            <a:off x="539552" y="1772816"/>
+            <a:ext cx="8784584" cy="5355312"/>
+          </a:xfrm>
+          <a:prstGeom prst="rect">
+            <a:avLst/>
+          </a:prstGeom>
+          <a:noFill/>
+        </p:spPr>
+        <p:txBody>
+          <a:bodyPr wrap="none" rtlCol="0">
+            <a:spAutoFit/>
+          </a:bodyPr>
+          <a:lstStyle/>
+          <a:p>
+            <a:r>
+              <a:rPr lang="en-US" altLang="zh-CN" dirty="0"/>
+              <a:t>&lt;!-- </a:t>
+            </a:r>
+            <a:r>
+              <a:rPr lang="zh-CN" altLang="en-US" dirty="0"/>
+              <a:t>令牌服务配置</a:t>
+            </a:r>
+            <a:r>
+              <a:rPr lang="en-US" altLang="zh-CN" dirty="0"/>
+              <a:t>--&gt;</a:t>
+            </a:r>
+          </a:p>
+          <a:p>
+            <a:r>
+              <a:rPr lang="en-US" altLang="zh-CN" dirty="0"/>
+              <a:t>&lt;property name=</a:t>
+            </a:r>
+            <a:r>
+              <a:rPr lang="en-US" altLang="zh-CN" i="1" dirty="0"/>
+              <a:t>"</a:t>
+            </a:r>
+            <a:r>
+              <a:rPr lang="en-US" altLang="zh-CN" i="1" dirty="0" err="1"/>
+              <a:t>token.TokenService</a:t>
+            </a:r>
+            <a:r>
+              <a:rPr lang="en-US" altLang="zh-CN" i="1" dirty="0"/>
+              <a:t>" class="</a:t>
+            </a:r>
+            <a:r>
+              <a:rPr lang="en-US" altLang="zh-CN" i="1" dirty="0" err="1"/>
+              <a:t>org.frameworkset.web.token.TokenService</a:t>
+            </a:r>
+            <a:r>
+              <a:rPr lang="en-US" altLang="zh-CN" i="1" dirty="0"/>
+              <a:t>"</a:t>
+            </a:r>
+          </a:p>
+          <a:p>
+            <a:r>
+              <a:rPr lang="en-US" altLang="zh-CN" dirty="0"/>
+              <a:t>destroy-method=</a:t>
+            </a:r>
+            <a:r>
+              <a:rPr lang="en-US" altLang="zh-CN" i="1" dirty="0"/>
+              <a:t>"destroy"&gt;</a:t>
+            </a:r>
+          </a:p>
+          <a:p>
+            <a:r>
+              <a:rPr lang="en-US" altLang="zh-CN" dirty="0"/>
+              <a:t>&lt;construction&gt;</a:t>
+            </a:r>
+          </a:p>
+          <a:p>
+            <a:r>
+              <a:rPr lang="en-US" altLang="zh-CN" dirty="0"/>
+              <a:t>&lt;property name=</a:t>
+            </a:r>
+            <a:r>
+              <a:rPr lang="en-US" altLang="zh-CN" i="1" dirty="0"/>
+              <a:t>"</a:t>
+            </a:r>
+            <a:r>
+              <a:rPr lang="en-US" altLang="zh-CN" i="1" dirty="0" err="1"/>
+              <a:t>ticketdualtime</a:t>
+            </a:r>
+            <a:r>
+              <a:rPr lang="en-US" altLang="zh-CN" i="1" dirty="0"/>
+              <a:t>" value="3600000"/&gt;</a:t>
+            </a:r>
+          </a:p>
+          <a:p>
+            <a:r>
+              <a:rPr lang="en-US" altLang="zh-CN" dirty="0"/>
+              <a:t>&lt;property name=</a:t>
+            </a:r>
+            <a:r>
+              <a:rPr lang="en-US" altLang="zh-CN" i="1" dirty="0"/>
+              <a:t>"</a:t>
+            </a:r>
+            <a:r>
+              <a:rPr lang="en-US" altLang="zh-CN" i="1" dirty="0" err="1"/>
+              <a:t>temptokenlivetime</a:t>
+            </a:r>
+            <a:r>
+              <a:rPr lang="en-US" altLang="zh-CN" i="1" dirty="0"/>
+              <a:t>" value="3600000"/&gt;</a:t>
+            </a:r>
+          </a:p>
+          <a:p>
+            <a:r>
+              <a:rPr lang="en-US" altLang="zh-CN" dirty="0"/>
+              <a:t>&lt;property name=</a:t>
+            </a:r>
+            <a:r>
+              <a:rPr lang="en-US" altLang="zh-CN" i="1" dirty="0"/>
+              <a:t>"</a:t>
+            </a:r>
+            <a:r>
+              <a:rPr lang="en-US" altLang="zh-CN" i="1" dirty="0" err="1"/>
+              <a:t>dualtokenlivetime</a:t>
+            </a:r>
+            <a:r>
+              <a:rPr lang="en-US" altLang="zh-CN" i="1" dirty="0"/>
+              <a:t>" value="2592000000"/&gt;</a:t>
+            </a:r>
+          </a:p>
+          <a:p>
+            <a:r>
+              <a:rPr lang="en-US" altLang="zh-CN" dirty="0"/>
+              <a:t>&lt;property name=</a:t>
+            </a:r>
+            <a:r>
+              <a:rPr lang="en-US" altLang="zh-CN" i="1" dirty="0"/>
+              <a:t>"</a:t>
+            </a:r>
+            <a:r>
+              <a:rPr lang="en-US" altLang="zh-CN" i="1" dirty="0" err="1"/>
+              <a:t>tokenscaninterval</a:t>
+            </a:r>
+            <a:r>
+              <a:rPr lang="en-US" altLang="zh-CN" i="1" dirty="0"/>
+              <a:t>" value="1800000"/&gt;</a:t>
+            </a:r>
+          </a:p>
+          <a:p>
+            <a:r>
+              <a:rPr lang="en-US" altLang="zh-CN" dirty="0"/>
+              <a:t>&lt;property name=</a:t>
+            </a:r>
+            <a:r>
+              <a:rPr lang="en-US" altLang="zh-CN" i="1" dirty="0"/>
+              <a:t>"</a:t>
+            </a:r>
+            <a:r>
+              <a:rPr lang="en-US" altLang="zh-CN" i="1" dirty="0" err="1"/>
+              <a:t>tokenstore</a:t>
+            </a:r>
+            <a:r>
+              <a:rPr lang="en-US" altLang="zh-CN" i="1" dirty="0"/>
+              <a:t>" value="</a:t>
+            </a:r>
+            <a:r>
+              <a:rPr lang="en-US" altLang="zh-CN" i="1" dirty="0" err="1"/>
+              <a:t>org.frameworkset.web.token.MongodbTokenStore</a:t>
+            </a:r>
+            <a:r>
+              <a:rPr lang="en-US" altLang="zh-CN" i="1" dirty="0"/>
+              <a:t>"/&gt;</a:t>
+            </a:r>
+          </a:p>
+          <a:p>
+            <a:endParaRPr lang="zh-CN" altLang="en-US" dirty="0"/>
+          </a:p>
+          <a:p>
+            <a:r>
+              <a:rPr lang="en-US" altLang="zh-CN" dirty="0"/>
+              <a:t>&lt;!-- </a:t>
+            </a:r>
+          </a:p>
+          <a:p>
+            <a:r>
+              <a:rPr lang="en-US" altLang="zh-CN" dirty="0"/>
+              <a:t>&lt;property name="</a:t>
+            </a:r>
+            <a:r>
+              <a:rPr lang="en-US" altLang="zh-CN" u="sng" dirty="0" err="1"/>
+              <a:t>tokenstore</a:t>
+            </a:r>
+            <a:r>
+              <a:rPr lang="en-US" altLang="zh-CN" u="sng" dirty="0"/>
+              <a:t>" value="</a:t>
+            </a:r>
+            <a:r>
+              <a:rPr lang="en-US" altLang="zh-CN" u="sng" dirty="0" err="1"/>
+              <a:t>org.frameworkset.web.token.MongodbTokenStore</a:t>
+            </a:r>
+            <a:r>
+              <a:rPr lang="en-US" altLang="zh-CN" u="sng" dirty="0"/>
+              <a:t>"/&gt;</a:t>
+            </a:r>
+          </a:p>
+          <a:p>
+            <a:r>
+              <a:rPr lang="en-US" altLang="zh-CN" dirty="0"/>
+              <a:t>&lt;property name="</a:t>
+            </a:r>
+            <a:r>
+              <a:rPr lang="en-US" altLang="zh-CN" u="sng" dirty="0" err="1"/>
+              <a:t>tokenstore</a:t>
+            </a:r>
+            <a:r>
+              <a:rPr lang="en-US" altLang="zh-CN" u="sng" dirty="0"/>
+              <a:t>" value="</a:t>
+            </a:r>
+            <a:r>
+              <a:rPr lang="en-US" altLang="zh-CN" u="sng" dirty="0" err="1"/>
+              <a:t>org.frameworkset.web.token.DBTokenStore</a:t>
+            </a:r>
+            <a:r>
+              <a:rPr lang="en-US" altLang="zh-CN" u="sng" dirty="0"/>
+              <a:t>"/&gt;</a:t>
+            </a:r>
+          </a:p>
+          <a:p>
+            <a:r>
+              <a:rPr lang="en-US" altLang="zh-CN" dirty="0"/>
+              <a:t>&lt;property name="</a:t>
+            </a:r>
+            <a:r>
+              <a:rPr lang="en-US" altLang="zh-CN" u="sng" dirty="0" err="1"/>
+              <a:t>tokenstore</a:t>
+            </a:r>
+            <a:r>
+              <a:rPr lang="en-US" altLang="zh-CN" u="sng" dirty="0"/>
+              <a:t>" value="</a:t>
+            </a:r>
+            <a:r>
+              <a:rPr lang="en-US" altLang="zh-CN" u="sng" dirty="0" err="1"/>
+              <a:t>mem</a:t>
+            </a:r>
+            <a:r>
+              <a:rPr lang="en-US" altLang="zh-CN" u="sng" dirty="0"/>
+              <a:t>"/&gt;--&gt;</a:t>
+            </a:r>
+          </a:p>
+          <a:p>
+            <a:endParaRPr lang="zh-CN" altLang="en-US" dirty="0"/>
+          </a:p>
+          <a:p>
+            <a:r>
+              <a:rPr lang="en-US" altLang="zh-CN" dirty="0"/>
+              <a:t>&lt;property name=</a:t>
+            </a:r>
+            <a:r>
+              <a:rPr lang="en-US" altLang="zh-CN" i="1" dirty="0"/>
+              <a:t>"</a:t>
+            </a:r>
+            <a:r>
+              <a:rPr lang="en-US" altLang="zh-CN" i="1" dirty="0" err="1"/>
+              <a:t>enableToken</a:t>
+            </a:r>
+            <a:r>
+              <a:rPr lang="en-US" altLang="zh-CN" i="1" dirty="0"/>
+              <a:t>" value="true"/&gt;</a:t>
+            </a:r>
+          </a:p>
+          <a:p>
+            <a:r>
+              <a:rPr lang="en-US" altLang="zh-CN" dirty="0"/>
+              <a:t>&lt;/construction&gt;</a:t>
+            </a:r>
+          </a:p>
+          <a:p>
+            <a:r>
+              <a:rPr lang="en-US" altLang="zh-CN" dirty="0"/>
+              <a:t>&lt;/property</a:t>
+            </a:r>
+            <a:r>
+              <a:rPr lang="en-US" altLang="zh-CN" dirty="0" smtClean="0"/>
+              <a:t>&gt;</a:t>
+            </a:r>
+            <a:endParaRPr lang="zh-CN" altLang="en-US" dirty="0"/>
+          </a:p>
+          <a:p>
+            <a:endParaRPr lang="zh-CN" altLang="en-US" dirty="0"/>
+          </a:p>
+        </p:txBody>
+      </p:sp>
+    </p:spTree>
+    <p:extLst>
+      <p:ext uri="{BB962C8B-B14F-4D97-AF65-F5344CB8AC3E}">
+        <p14:creationId xmlns:p14="http://schemas.microsoft.com/office/powerpoint/2010/main" val="3925508024"/>
+      </p:ext>
+    </p:extLst>
+  </p:cSld>
+  <p:clrMapOvr>
+    <a:masterClrMapping/>
+  </p:clrMapOvr>
+</p:sld>
+</file>
+
+<file path=ppt/slides/slide22.xml><?xml version="1.0" encoding="utf-8"?>
+<p:sld xmlns:a="http://schemas.openxmlformats.org/drawingml/2006/main" xmlns:r="http://schemas.openxmlformats.org/officeDocument/2006/relationships" xmlns:p="http://schemas.openxmlformats.org/presentationml/2006/main">
+  <p:cSld>
+    <p:spTree>
+      <p:nvGrpSpPr>
+        <p:cNvPr id="1" name=""/>
+        <p:cNvGrpSpPr/>
+        <p:nvPr/>
+      </p:nvGrpSpPr>
+      <p:grpSpPr>
+        <a:xfrm>
+          <a:off x="0" y="0"/>
+          <a:ext cx="0" cy="0"/>
+          <a:chOff x="0" y="0"/>
+          <a:chExt cx="0" cy="0"/>
+        </a:xfrm>
+      </p:grpSpPr>
+      <p:sp>
+        <p:nvSpPr>
+          <p:cNvPr id="2" name="标题 1"/>
+          <p:cNvSpPr>
+            <a:spLocks noGrp="1"/>
+          </p:cNvSpPr>
+          <p:nvPr>
+            <p:ph type="title"/>
+          </p:nvPr>
+        </p:nvSpPr>
+        <p:spPr/>
+        <p:txBody>
+          <a:bodyPr/>
+          <a:lstStyle/>
+          <a:p>
+            <a:r>
+              <a:rPr lang="zh-CN" altLang="en-US" dirty="0" smtClean="0"/>
+              <a:t>令牌存储机制配置</a:t>
+            </a:r>
+            <a:r>
+              <a:rPr lang="en-US" altLang="zh-CN" dirty="0" smtClean="0"/>
+              <a:t>-</a:t>
+            </a:r>
+            <a:r>
+              <a:rPr lang="zh-CN" altLang="en-US" dirty="0" smtClean="0"/>
+              <a:t>远程服务方式</a:t>
+            </a:r>
+            <a:endParaRPr lang="zh-CN" altLang="en-US" dirty="0"/>
+          </a:p>
+        </p:txBody>
+      </p:sp>
+      <p:sp>
+        <p:nvSpPr>
+          <p:cNvPr id="6" name="矩形 5"/>
+          <p:cNvSpPr/>
+          <p:nvPr/>
+        </p:nvSpPr>
+        <p:spPr>
+          <a:xfrm>
+            <a:off x="783036" y="1340768"/>
+            <a:ext cx="3118739" cy="369332"/>
+          </a:xfrm>
+          <a:prstGeom prst="rect">
+            <a:avLst/>
+          </a:prstGeom>
+        </p:spPr>
+        <p:txBody>
+          <a:bodyPr wrap="none">
+            <a:spAutoFit/>
+          </a:bodyPr>
+          <a:lstStyle/>
+          <a:p>
+            <a:r>
+              <a:rPr lang="en-US" altLang="zh-CN" dirty="0"/>
+              <a:t>tokenconf.xml</a:t>
+            </a:r>
+            <a:r>
+              <a:rPr lang="zh-CN" altLang="en-US" dirty="0" smtClean="0"/>
+              <a:t>本地</a:t>
+            </a:r>
+            <a:r>
+              <a:rPr lang="zh-CN" altLang="en-US" dirty="0"/>
+              <a:t>服务方式：</a:t>
+            </a:r>
+            <a:endParaRPr lang="en-US" altLang="zh-CN" dirty="0" smtClean="0"/>
+          </a:p>
+        </p:txBody>
+      </p:sp>
+      <p:sp>
+        <p:nvSpPr>
+          <p:cNvPr id="4" name="TextBox 3"/>
+          <p:cNvSpPr txBox="1"/>
+          <p:nvPr/>
+        </p:nvSpPr>
+        <p:spPr>
+          <a:xfrm>
+            <a:off x="179512" y="1752970"/>
+            <a:ext cx="9037859" cy="4801314"/>
+          </a:xfrm>
+          <a:prstGeom prst="rect">
+            <a:avLst/>
+          </a:prstGeom>
+          <a:noFill/>
+        </p:spPr>
+        <p:txBody>
+          <a:bodyPr wrap="none" rtlCol="0">
+            <a:spAutoFit/>
+          </a:bodyPr>
+          <a:lstStyle/>
+          <a:p>
+            <a:r>
+              <a:rPr lang="en-US" altLang="zh-CN" dirty="0"/>
+              <a:t>&lt;!-- </a:t>
+            </a:r>
+            <a:r>
+              <a:rPr lang="zh-CN" altLang="en-US" dirty="0"/>
+              <a:t>令牌服务配置</a:t>
+            </a:r>
+            <a:r>
+              <a:rPr lang="en-US" altLang="zh-CN" dirty="0"/>
+              <a:t>--&gt;</a:t>
+            </a:r>
+          </a:p>
+          <a:p>
+            <a:r>
+              <a:rPr lang="en-US" altLang="zh-CN" dirty="0"/>
+              <a:t>&lt;property name="</a:t>
+            </a:r>
+            <a:r>
+              <a:rPr lang="en-US" altLang="zh-CN" dirty="0" err="1"/>
+              <a:t>token.TokenService</a:t>
+            </a:r>
+            <a:r>
+              <a:rPr lang="en-US" altLang="zh-CN" dirty="0"/>
+              <a:t>" class="</a:t>
+            </a:r>
+            <a:r>
+              <a:rPr lang="en-US" altLang="zh-CN" dirty="0" err="1"/>
+              <a:t>org.frameworkset.web.token.TokenService</a:t>
+            </a:r>
+            <a:r>
+              <a:rPr lang="en-US" altLang="zh-CN" dirty="0"/>
+              <a:t>"</a:t>
+            </a:r>
+          </a:p>
+          <a:p>
+            <a:r>
+              <a:rPr lang="en-US" altLang="zh-CN" dirty="0"/>
+              <a:t>destroy-method="destroy"&gt;</a:t>
+            </a:r>
+          </a:p>
+          <a:p>
+            <a:r>
+              <a:rPr lang="en-US" altLang="zh-CN" dirty="0"/>
+              <a:t>&lt;construction&gt;</a:t>
+            </a:r>
+          </a:p>
+          <a:p>
+            <a:r>
+              <a:rPr lang="en-US" altLang="zh-CN" dirty="0"/>
+              <a:t>&lt;property name="</a:t>
+            </a:r>
+            <a:r>
+              <a:rPr lang="en-US" altLang="zh-CN" u="sng" dirty="0" err="1"/>
+              <a:t>tokenstore</a:t>
+            </a:r>
+            <a:r>
+              <a:rPr lang="en-US" altLang="zh-CN" u="sng" dirty="0"/>
+              <a:t>" factory-class="</a:t>
+            </a:r>
+            <a:r>
+              <a:rPr lang="en-US" altLang="zh-CN" u="sng" dirty="0" err="1"/>
+              <a:t>com.caucho.hessian.client.HessianProxyFactory</a:t>
+            </a:r>
+            <a:r>
+              <a:rPr lang="en-US" altLang="zh-CN" u="sng" dirty="0"/>
+              <a:t>" </a:t>
+            </a:r>
+            <a:endParaRPr lang="en-US" altLang="zh-CN" u="sng" dirty="0" smtClean="0"/>
+          </a:p>
+          <a:p>
+            <a:r>
+              <a:rPr lang="en-US" altLang="zh-CN" u="sng" dirty="0" smtClean="0"/>
+              <a:t>factory-method</a:t>
+            </a:r>
+            <a:r>
+              <a:rPr lang="en-US" altLang="zh-CN" u="sng" dirty="0"/>
+              <a:t>="create"&gt;</a:t>
+            </a:r>
+          </a:p>
+          <a:p>
+            <a:r>
+              <a:rPr lang="en-US" altLang="zh-CN" dirty="0"/>
+              <a:t>&lt;construction&gt;</a:t>
+            </a:r>
+          </a:p>
+          <a:p>
+            <a:r>
+              <a:rPr lang="en-US" altLang="zh-CN" dirty="0"/>
+              <a:t>&lt;property value="</a:t>
+            </a:r>
+            <a:r>
+              <a:rPr lang="en-US" altLang="zh-CN" dirty="0" err="1"/>
+              <a:t>org.frameworkset.web.token.TokenStore</a:t>
+            </a:r>
+            <a:r>
+              <a:rPr lang="en-US" altLang="zh-CN" dirty="0"/>
+              <a:t>"/&gt;</a:t>
+            </a:r>
+          </a:p>
+          <a:p>
+            <a:r>
+              <a:rPr lang="en-US" altLang="zh-CN" dirty="0"/>
+              <a:t>&lt;property&gt;</a:t>
+            </a:r>
+          </a:p>
+          <a:p>
+            <a:r>
+              <a:rPr lang="en-US" altLang="zh-CN" b="1" dirty="0">
+                <a:solidFill>
+                  <a:srgbClr val="FF0000"/>
+                </a:solidFill>
+              </a:rPr>
+              <a:t>&lt;![CDATA[http://localhost:8081/bboss-mvc/hessian</a:t>
+            </a:r>
+            <a:r>
+              <a:rPr lang="en-US" altLang="zh-CN" b="1" dirty="0" smtClean="0">
+                <a:solidFill>
+                  <a:srgbClr val="FF0000"/>
+                </a:solidFill>
+              </a:rPr>
+              <a:t>?</a:t>
+            </a:r>
+          </a:p>
+          <a:p>
+            <a:r>
+              <a:rPr lang="en-US" altLang="zh-CN" b="1" dirty="0" smtClean="0">
+                <a:solidFill>
+                  <a:srgbClr val="FF0000"/>
+                </a:solidFill>
+              </a:rPr>
+              <a:t>service=</a:t>
+            </a:r>
+            <a:r>
+              <a:rPr lang="en-US" altLang="zh-CN" b="1" dirty="0" err="1" smtClean="0">
+                <a:solidFill>
+                  <a:srgbClr val="FF0000"/>
+                </a:solidFill>
+              </a:rPr>
+              <a:t>tokenStoreService&amp;container</a:t>
+            </a:r>
+            <a:r>
+              <a:rPr lang="en-US" altLang="zh-CN" b="1" dirty="0" smtClean="0">
+                <a:solidFill>
+                  <a:srgbClr val="FF0000"/>
+                </a:solidFill>
+              </a:rPr>
+              <a:t>=tokenconf.xml</a:t>
+            </a:r>
+            <a:r>
+              <a:rPr lang="en-US" altLang="zh-CN" b="1" dirty="0">
+                <a:solidFill>
+                  <a:srgbClr val="FF0000"/>
+                </a:solidFill>
+              </a:rPr>
+              <a:t>]]&gt;</a:t>
+            </a:r>
+          </a:p>
+          <a:p>
+            <a:r>
+              <a:rPr lang="en-US" altLang="zh-CN" dirty="0"/>
+              <a:t>&lt;/property&gt;</a:t>
+            </a:r>
+          </a:p>
+          <a:p>
+            <a:r>
+              <a:rPr lang="en-US" altLang="zh-CN" dirty="0"/>
+              <a:t>&lt;/construction&gt;</a:t>
+            </a:r>
+          </a:p>
+          <a:p>
+            <a:r>
+              <a:rPr lang="en-US" altLang="zh-CN" dirty="0"/>
+              <a:t>&lt;/property&gt;</a:t>
+            </a:r>
+          </a:p>
+          <a:p>
+            <a:r>
+              <a:rPr lang="en-US" altLang="zh-CN" dirty="0"/>
+              <a:t>&lt;property name="</a:t>
+            </a:r>
+            <a:r>
+              <a:rPr lang="en-US" altLang="zh-CN" dirty="0" err="1"/>
+              <a:t>enableToken</a:t>
+            </a:r>
+            <a:r>
+              <a:rPr lang="en-US" altLang="zh-CN" dirty="0"/>
+              <a:t>" value="true"/&gt;</a:t>
+            </a:r>
+          </a:p>
+          <a:p>
+            <a:r>
+              <a:rPr lang="en-US" altLang="zh-CN" dirty="0"/>
+              <a:t>&lt;/construction&gt;</a:t>
+            </a:r>
+          </a:p>
+          <a:p>
+            <a:r>
+              <a:rPr lang="en-US" altLang="zh-CN" dirty="0"/>
+              <a:t>&lt;/property</a:t>
+            </a:r>
+            <a:r>
+              <a:rPr lang="en-US" altLang="zh-CN" dirty="0" smtClean="0"/>
+              <a:t>&gt;</a:t>
+            </a:r>
+            <a:endParaRPr lang="zh-CN" altLang="en-US" dirty="0"/>
+          </a:p>
+        </p:txBody>
+      </p:sp>
+    </p:spTree>
+    <p:extLst>
+      <p:ext uri="{BB962C8B-B14F-4D97-AF65-F5344CB8AC3E}">
+        <p14:creationId xmlns:p14="http://schemas.microsoft.com/office/powerpoint/2010/main" val="1311333472"/>
+      </p:ext>
+    </p:extLst>
+  </p:cSld>
+  <p:clrMapOvr>
+    <a:masterClrMapping/>
+  </p:clrMapOvr>
+</p:sld>
+</file>
+
+<file path=ppt/slides/slide23.xml><?xml version="1.0" encoding="utf-8"?>
+<p:sld xmlns:a="http://schemas.openxmlformats.org/drawingml/2006/main" xmlns:r="http://schemas.openxmlformats.org/officeDocument/2006/relationships" xmlns:p="http://schemas.openxmlformats.org/presentationml/2006/main">
+  <p:cSld>
+    <p:spTree>
+      <p:nvGrpSpPr>
+        <p:cNvPr id="1" name=""/>
+        <p:cNvGrpSpPr/>
+        <p:nvPr/>
+      </p:nvGrpSpPr>
+      <p:grpSpPr>
+        <a:xfrm>
+          <a:off x="0" y="0"/>
+          <a:ext cx="0" cy="0"/>
+          <a:chOff x="0" y="0"/>
+          <a:chExt cx="0" cy="0"/>
+        </a:xfrm>
+      </p:grpSpPr>
+      <p:sp>
+        <p:nvSpPr>
+          <p:cNvPr id="2" name="标题 1"/>
+          <p:cNvSpPr>
+            <a:spLocks noGrp="1"/>
+          </p:cNvSpPr>
+          <p:nvPr>
+            <p:ph type="title"/>
+          </p:nvPr>
+        </p:nvSpPr>
+        <p:spPr/>
+        <p:txBody>
+          <a:bodyPr/>
+          <a:lstStyle/>
+          <a:p>
+            <a:r>
+              <a:rPr lang="en-US" altLang="zh-CN" dirty="0" smtClean="0"/>
+              <a:t>JDK</a:t>
+            </a:r>
+            <a:r>
+              <a:rPr lang="zh-CN" altLang="en-US" dirty="0" smtClean="0"/>
+              <a:t>安全补丁包升级</a:t>
+            </a:r>
+            <a:endParaRPr lang="zh-CN" altLang="en-US" dirty="0"/>
+          </a:p>
+        </p:txBody>
+      </p:sp>
+      <p:sp>
+        <p:nvSpPr>
+          <p:cNvPr id="3" name="Rectangle 1"/>
+          <p:cNvSpPr>
+            <a:spLocks noChangeArrowheads="1"/>
+          </p:cNvSpPr>
+          <p:nvPr/>
+        </p:nvSpPr>
+        <p:spPr bwMode="auto">
+          <a:xfrm>
+            <a:off x="5292080" y="5866819"/>
+            <a:ext cx="579005" cy="246221"/>
+          </a:xfrm>
+          <a:prstGeom prst="rect">
+            <a:avLst/>
+          </a:prstGeom>
+          <a:noFill/>
+          <a:ln>
+            <a:noFill/>
+          </a:ln>
+          <a:effectLst/>
+          <a:extLst>
+            <a:ext uri="{909E8E84-426E-40DD-AFC4-6F175D3DCCD1}">
+              <a14:hiddenFill xmlns:a14="http://schemas.microsoft.com/office/drawing/2010/main">
+                <a:solidFill>
+                  <a:schemeClr val="accent1"/>
+                </a:solidFill>
+              </a14:hiddenFill>
+            </a:ext>
+            <a:ext uri="{91240B29-F687-4F45-9708-019B960494DF}">
+              <a14:hiddenLine xmlns:a14="http://schemas.microsoft.com/office/drawing/2010/main" w="9525">
+                <a:solidFill>
+                  <a:schemeClr val="tx1"/>
+                </a:solidFill>
+                <a:miter lim="800000"/>
+                <a:headEnd/>
+                <a:tailEnd/>
+              </a14:hiddenLine>
+            </a:ext>
+            <a:ext uri="{AF507438-7753-43E0-B8FC-AC1667EBCBE1}">
+              <a14:hiddenEffects xmlns:a14="http://schemas.microsoft.com/office/drawing/2010/main">
+                <a:effectLst>
+                  <a:outerShdw dist="35921" dir="2700000" algn="ctr" rotWithShape="0">
+                    <a:schemeClr val="bg2"/>
+                  </a:outerShdw>
+                </a:effectLst>
+              </a14:hiddenEffects>
+            </a:ext>
+          </a:extLst>
+        </p:spPr>
+        <p:txBody>
+          <a:bodyPr vert="horz" wrap="none" lIns="91440" tIns="45720" rIns="91440" bIns="45720" numCol="1" anchor="ctr" anchorCtr="0" compatLnSpc="1">
+            <a:prstTxWarp prst="textNoShape">
+              <a:avLst/>
+            </a:prstTxWarp>
+            <a:spAutoFit/>
+          </a:bodyPr>
+          <a:lstStyle/>
+          <a:p>
+            <a:pPr marL="0" marR="0" lvl="0" indent="0" algn="l" defTabSz="914400" rtl="0" eaLnBrk="0" fontAlgn="base" latinLnBrk="0" hangingPunct="0">
+              <a:lnSpc>
+                <a:spcPct val="100000"/>
+              </a:lnSpc>
+              <a:spcBef>
+                <a:spcPct val="0"/>
+              </a:spcBef>
+              <a:spcAft>
+                <a:spcPct val="0"/>
+              </a:spcAft>
+              <a:buClrTx/>
+              <a:buSzTx/>
+              <a:buFontTx/>
+              <a:buNone/>
+              <a:tabLst/>
+            </a:pPr>
+            <a:r>
+              <a:rPr kumimoji="0" lang="zh-CN" altLang="zh-CN" sz="1000" b="0" i="0" u="none" strike="noStrike" cap="none" normalizeH="0" baseline="0" dirty="0" smtClean="0">
+                <a:ln>
+                  <a:noFill/>
+                </a:ln>
+                <a:solidFill>
+                  <a:srgbClr val="000080"/>
+                </a:solidFill>
+                <a:effectLst/>
+                <a:latin typeface="Verdana" pitchFamily="34" charset="0"/>
+                <a:ea typeface="宋体" pitchFamily="2" charset="-122"/>
+                <a:cs typeface="宋体" pitchFamily="2" charset="-122"/>
+              </a:rPr>
+              <a:t>jre</a:t>
+            </a:r>
+            <a:r>
+              <a:rPr kumimoji="0" lang="zh-CN" sz="1000" b="0" i="0" u="none" strike="noStrike" cap="none" normalizeH="0" baseline="0" dirty="0" smtClean="0">
+                <a:ln>
+                  <a:noFill/>
+                </a:ln>
+                <a:solidFill>
+                  <a:srgbClr val="000080"/>
+                </a:solidFill>
+                <a:effectLst/>
+                <a:latin typeface="Verdana" pitchFamily="34" charset="0"/>
+                <a:ea typeface="宋体" pitchFamily="2" charset="-122"/>
+                <a:cs typeface="宋体" pitchFamily="2" charset="-122"/>
+              </a:rPr>
+              <a:t>：</a:t>
+            </a:r>
+            <a:r>
+              <a:rPr kumimoji="0" lang="zh-CN" sz="1000" b="0" i="0" u="none" strike="noStrike" cap="none" normalizeH="0" baseline="0" dirty="0" smtClean="0">
+                <a:ln>
+                  <a:noFill/>
+                </a:ln>
+                <a:solidFill>
+                  <a:schemeClr val="tx1"/>
+                </a:solidFill>
+                <a:effectLst/>
+                <a:latin typeface="Verdana" pitchFamily="34" charset="0"/>
+                <a:ea typeface="宋体" pitchFamily="2" charset="-122"/>
+                <a:cs typeface="宋体" pitchFamily="2" charset="-122"/>
+              </a:rPr>
+              <a:t>  </a:t>
+            </a:r>
+            <a:endParaRPr kumimoji="0" lang="zh-CN" sz="18600" b="0" i="0" u="none" strike="noStrike" cap="none" normalizeH="0" baseline="0" dirty="0" smtClean="0">
+              <a:ln>
+                <a:noFill/>
+              </a:ln>
+              <a:solidFill>
+                <a:schemeClr val="tx1"/>
+              </a:solidFill>
+              <a:effectLst/>
+              <a:latin typeface="Verdana" pitchFamily="34" charset="0"/>
+              <a:ea typeface="宋体" pitchFamily="2" charset="-122"/>
+              <a:cs typeface="宋体" pitchFamily="2" charset="-122"/>
+            </a:endParaRPr>
+          </a:p>
+        </p:txBody>
+      </p:sp>
+      <p:pic>
+        <p:nvPicPr>
+          <p:cNvPr id="1026" name="Picture 2" descr="C:\Users\yinbp\AppData\Local\Temp\Catch2.jpg"/>
+          <p:cNvPicPr>
+            <a:picLocks noChangeAspect="1" noChangeArrowheads="1"/>
+          </p:cNvPicPr>
+          <p:nvPr/>
+        </p:nvPicPr>
+        <p:blipFill>
+          <a:blip r:embed="rId2">
+            <a:extLst>
+              <a:ext uri="{28A0092B-C50C-407E-A947-70E740481C1C}">
+                <a14:useLocalDpi xmlns:a14="http://schemas.microsoft.com/office/drawing/2010/main" val="0"/>
+              </a:ext>
+            </a:extLst>
+          </a:blip>
+          <a:srcRect/>
+          <a:stretch>
+            <a:fillRect/>
+          </a:stretch>
+        </p:blipFill>
+        <p:spPr bwMode="auto">
+          <a:xfrm>
+            <a:off x="44451" y="2492896"/>
+            <a:ext cx="3663454" cy="2943225"/>
+          </a:xfrm>
+          <a:prstGeom prst="rect">
+            <a:avLst/>
+          </a:prstGeom>
+          <a:noFill/>
+          <a:extLst>
+            <a:ext uri="{909E8E84-426E-40DD-AFC4-6F175D3DCCD1}">
+              <a14:hiddenFill xmlns:a14="http://schemas.microsoft.com/office/drawing/2010/main">
+                <a:solidFill>
+                  <a:srgbClr val="FFFFFF"/>
+                </a:solidFill>
+              </a14:hiddenFill>
+            </a:ext>
+          </a:extLst>
+        </p:spPr>
+      </p:pic>
+      <p:pic>
+        <p:nvPicPr>
+          <p:cNvPr id="1027" name="Picture 3" descr="C:\Users\yinbp\AppData\Local\Temp\Catch3.jpg"/>
+          <p:cNvPicPr>
+            <a:picLocks noChangeAspect="1" noChangeArrowheads="1"/>
+          </p:cNvPicPr>
+          <p:nvPr/>
+        </p:nvPicPr>
+        <p:blipFill>
+          <a:blip r:embed="rId3">
+            <a:extLst>
+              <a:ext uri="{28A0092B-C50C-407E-A947-70E740481C1C}">
+                <a14:useLocalDpi xmlns:a14="http://schemas.microsoft.com/office/drawing/2010/main" val="0"/>
+              </a:ext>
+            </a:extLst>
+          </a:blip>
+          <a:srcRect/>
+          <a:stretch>
+            <a:fillRect/>
+          </a:stretch>
+        </p:blipFill>
+        <p:spPr bwMode="auto">
+          <a:xfrm>
+            <a:off x="4139952" y="2564904"/>
+            <a:ext cx="4680520" cy="2962275"/>
+          </a:xfrm>
+          <a:prstGeom prst="rect">
+            <a:avLst/>
+          </a:prstGeom>
+          <a:noFill/>
+          <a:extLst>
+            <a:ext uri="{909E8E84-426E-40DD-AFC4-6F175D3DCCD1}">
+              <a14:hiddenFill xmlns:a14="http://schemas.microsoft.com/office/drawing/2010/main">
+                <a:solidFill>
+                  <a:srgbClr val="FFFFFF"/>
+                </a:solidFill>
+              </a14:hiddenFill>
+            </a:ext>
+          </a:extLst>
+        </p:spPr>
+      </p:pic>
+      <p:sp>
+        <p:nvSpPr>
+          <p:cNvPr id="5" name="矩形 4"/>
+          <p:cNvSpPr/>
+          <p:nvPr/>
+        </p:nvSpPr>
+        <p:spPr>
+          <a:xfrm>
+            <a:off x="44451" y="1121871"/>
+            <a:ext cx="8920037" cy="1477328"/>
+          </a:xfrm>
+          <a:prstGeom prst="rect">
+            <a:avLst/>
+          </a:prstGeom>
+        </p:spPr>
+        <p:txBody>
+          <a:bodyPr wrap="square">
+            <a:spAutoFit/>
+          </a:bodyPr>
+          <a:lstStyle/>
+          <a:p>
+            <a:pPr lvl="0" fontAlgn="base">
+              <a:spcBef>
+                <a:spcPct val="0"/>
+              </a:spcBef>
+              <a:spcAft>
+                <a:spcPct val="0"/>
+              </a:spcAft>
+            </a:pPr>
+            <a:r>
+              <a:rPr lang="zh-CN" altLang="zh-CN" dirty="0">
+                <a:solidFill>
+                  <a:srgbClr val="000080"/>
+                </a:solidFill>
+                <a:latin typeface="Verdana" pitchFamily="34" charset="0"/>
+                <a:ea typeface="宋体" pitchFamily="2" charset="-122"/>
+                <a:cs typeface="宋体" pitchFamily="2" charset="-122"/>
+              </a:rPr>
+              <a:t>根据jdk版本替换jdk官方安全补丁包：</a:t>
+            </a:r>
+            <a:endParaRPr lang="zh-CN" altLang="zh-CN" dirty="0">
+              <a:latin typeface="Verdana" pitchFamily="34" charset="0"/>
+              <a:ea typeface="宋体" pitchFamily="2" charset="-122"/>
+              <a:cs typeface="宋体" pitchFamily="2" charset="-122"/>
+            </a:endParaRPr>
+          </a:p>
+          <a:p>
+            <a:pPr lvl="0" eaLnBrk="0" fontAlgn="base" hangingPunct="0">
+              <a:spcBef>
+                <a:spcPct val="0"/>
+              </a:spcBef>
+              <a:spcAft>
+                <a:spcPct val="0"/>
+              </a:spcAft>
+            </a:pPr>
+            <a:r>
+              <a:rPr lang="zh-CN" altLang="zh-CN" dirty="0">
+                <a:latin typeface="Verdana" pitchFamily="34" charset="0"/>
+                <a:ea typeface="宋体" pitchFamily="2" charset="-122"/>
+                <a:cs typeface="宋体" pitchFamily="2" charset="-122"/>
+                <a:hlinkClick r:id="rId4"/>
+              </a:rPr>
+              <a:t>http://10.0.15.38:9081/bboss-mvc/tool/download.htm?fileName=jce_policy_update.rar</a:t>
+            </a:r>
+            <a:r>
+              <a:rPr lang="zh-CN" altLang="zh-CN" dirty="0">
+                <a:latin typeface="Verdana" pitchFamily="34" charset="0"/>
+                <a:ea typeface="宋体" pitchFamily="2" charset="-122"/>
+                <a:cs typeface="宋体" pitchFamily="2" charset="-122"/>
+              </a:rPr>
+              <a:t> </a:t>
+            </a:r>
+          </a:p>
+          <a:p>
+            <a:pPr lvl="0" eaLnBrk="0" fontAlgn="base" hangingPunct="0">
+              <a:spcBef>
+                <a:spcPct val="0"/>
+              </a:spcBef>
+              <a:spcAft>
+                <a:spcPct val="0"/>
+              </a:spcAft>
+            </a:pPr>
+            <a:r>
+              <a:rPr lang="zh-CN" altLang="zh-CN" dirty="0">
+                <a:latin typeface="Verdana" pitchFamily="34" charset="0"/>
+                <a:ea typeface="宋体" pitchFamily="2" charset="-122"/>
+                <a:cs typeface="宋体" pitchFamily="2" charset="-122"/>
+              </a:rPr>
+              <a:t>补丁包中包含了jdk1.6，jdk1.7，jdk1.8 的安全包local_policy.jar 和 US_export_policy.jar </a:t>
+            </a:r>
+          </a:p>
+        </p:txBody>
+      </p:sp>
+      <p:sp>
+        <p:nvSpPr>
+          <p:cNvPr id="7" name="矩形 6"/>
+          <p:cNvSpPr/>
+          <p:nvPr/>
+        </p:nvSpPr>
+        <p:spPr>
+          <a:xfrm>
+            <a:off x="489236" y="5805264"/>
+            <a:ext cx="545342" cy="369332"/>
+          </a:xfrm>
+          <a:prstGeom prst="rect">
+            <a:avLst/>
+          </a:prstGeom>
+        </p:spPr>
+        <p:txBody>
+          <a:bodyPr wrap="none">
+            <a:spAutoFit/>
+          </a:bodyPr>
+          <a:lstStyle/>
+          <a:p>
+            <a:pPr lvl="0" eaLnBrk="0" fontAlgn="base" hangingPunct="0">
+              <a:spcBef>
+                <a:spcPct val="0"/>
+              </a:spcBef>
+              <a:spcAft>
+                <a:spcPct val="0"/>
+              </a:spcAft>
+            </a:pPr>
+            <a:r>
+              <a:rPr lang="zh-CN" altLang="zh-CN" dirty="0">
+                <a:latin typeface="Verdana" pitchFamily="34" charset="0"/>
+                <a:ea typeface="宋体" pitchFamily="2" charset="-122"/>
+                <a:cs typeface="宋体" pitchFamily="2" charset="-122"/>
+              </a:rPr>
+              <a:t>jdk</a:t>
+            </a:r>
+            <a:endParaRPr lang="zh-CN" altLang="zh-CN" dirty="0">
+              <a:latin typeface="Verdana" pitchFamily="34" charset="0"/>
+              <a:ea typeface="宋体" pitchFamily="2" charset="-122"/>
+              <a:cs typeface="宋体" pitchFamily="2" charset="-122"/>
+            </a:endParaRPr>
+          </a:p>
+        </p:txBody>
+      </p:sp>
+    </p:spTree>
+    <p:extLst>
+      <p:ext uri="{BB962C8B-B14F-4D97-AF65-F5344CB8AC3E}">
+        <p14:creationId xmlns:p14="http://schemas.microsoft.com/office/powerpoint/2010/main" val="1565210421"/>
+      </p:ext>
+    </p:extLst>
+  </p:cSld>
+  <p:clrMapOvr>
+    <a:masterClrMapping/>
+  </p:clrMapOvr>
+</p:sld>
+</file>
+
+<file path=ppt/slides/slide24.xml><?xml version="1.0" encoding="utf-8"?>
+<p:sld xmlns:a="http://schemas.openxmlformats.org/drawingml/2006/main" xmlns:r="http://schemas.openxmlformats.org/officeDocument/2006/relationships" xmlns:p="http://schemas.openxmlformats.org/presentationml/2006/main">
+  <p:cSld>
+    <p:spTree>
+      <p:nvGrpSpPr>
+        <p:cNvPr id="1" name=""/>
+        <p:cNvGrpSpPr/>
+        <p:nvPr/>
+      </p:nvGrpSpPr>
+      <p:grpSpPr>
+        <a:xfrm>
+          <a:off x="0" y="0"/>
+          <a:ext cx="0" cy="0"/>
+          <a:chOff x="0" y="0"/>
+          <a:chExt cx="0" cy="0"/>
+        </a:xfrm>
+      </p:grpSpPr>
+      <p:sp>
+        <p:nvSpPr>
+          <p:cNvPr id="2" name="标题 1"/>
+          <p:cNvSpPr>
+            <a:spLocks noGrp="1"/>
+          </p:cNvSpPr>
+          <p:nvPr>
+            <p:ph type="title"/>
+          </p:nvPr>
+        </p:nvSpPr>
         <p:spPr>
           <a:xfrm>
             <a:off x="467544" y="260648"/>
@@ -9347,7 +10519,7 @@
 </p:sld>
 </file>
 
-<file path=ppt/slides/slide22.xml><?xml version="1.0" encoding="utf-8"?>
+<file path=ppt/slides/slide25.xml><?xml version="1.0" encoding="utf-8"?>
 <p:sld xmlns:a="http://schemas.openxmlformats.org/drawingml/2006/main" xmlns:r="http://schemas.openxmlformats.org/officeDocument/2006/relationships" xmlns:p="http://schemas.openxmlformats.org/presentationml/2006/main">
   <p:cSld>
     <p:spTree>
@@ -12365,7 +13537,7 @@
         <p:spPr>
           <a:xfrm>
             <a:off x="4335288" y="1990745"/>
-            <a:ext cx="1796582" cy="276999"/>
+            <a:ext cx="2639249" cy="276999"/>
           </a:xfrm>
           <a:prstGeom prst="rect">
             <a:avLst/>
@@ -12380,7 +13552,7 @@
           <a:p>
             <a:r>
               <a:rPr lang="en-US" altLang="zh-CN" sz="1200" dirty="0" err="1" smtClean="0"/>
-              <a:t>Account,AppID,AppSecret</a:t>
+              <a:t>Account,Worknumber,AppID,AppSecret</a:t>
             </a:r>
             <a:endParaRPr lang="zh-CN" altLang="en-US" sz="1200" dirty="0"/>
           </a:p>
@@ -12545,7 +13717,7 @@
         <p:spPr>
           <a:xfrm>
             <a:off x="2393394" y="2843808"/>
-            <a:ext cx="861774" cy="276999"/>
+            <a:ext cx="2000291" cy="461665"/>
           </a:xfrm>
           <a:prstGeom prst="rect">
             <a:avLst/>
@@ -12563,9 +13735,20 @@
               <a:t>包含</a:t>
             </a:r>
             <a:r>
+              <a:rPr lang="en-US" altLang="zh-CN" sz="1200" dirty="0"/>
+              <a:t>Ticket</a:t>
+            </a:r>
+            <a:r>
               <a:rPr lang="en-US" altLang="zh-CN" sz="1200" dirty="0" smtClean="0"/>
-              <a:t>Ticket</a:t>
-            </a:r>
+              <a:t>,,</a:t>
+            </a:r>
+            <a:r>
+              <a:rPr lang="en-US" altLang="zh-CN" sz="1200" dirty="0" err="1"/>
+              <a:t>AppID,AppSecret</a:t>
+            </a:r>
+            <a:endParaRPr lang="zh-CN" altLang="en-US" sz="1200" dirty="0"/>
+          </a:p>
+          <a:p>
             <a:endParaRPr lang="zh-CN" altLang="en-US" sz="1200" dirty="0"/>
           </a:p>
         </p:txBody>
@@ -14782,7 +15965,7 @@
         <p:spPr>
           <a:xfrm>
             <a:off x="4335288" y="1990745"/>
-            <a:ext cx="1796582" cy="276999"/>
+            <a:ext cx="2639249" cy="276999"/>
           </a:xfrm>
           <a:prstGeom prst="rect">
             <a:avLst/>
@@ -14796,8 +15979,8 @@
           <a:lstStyle/>
           <a:p>
             <a:r>
-              <a:rPr lang="en-US" altLang="zh-CN" sz="1200" dirty="0" err="1" smtClean="0"/>
-              <a:t>Account,AppID,AppSecret</a:t>
+              <a:rPr lang="en-US" altLang="zh-CN" sz="1200" dirty="0" err="1"/>
+              <a:t>Account,Worknumber,AppID,AppSecret</a:t>
             </a:r>
             <a:endParaRPr lang="zh-CN" altLang="en-US" sz="1200" dirty="0"/>
           </a:p>
@@ -16577,7 +17760,7 @@
         <p:spPr>
           <a:xfrm>
             <a:off x="1745842" y="1305131"/>
-            <a:ext cx="781048" cy="738664"/>
+            <a:ext cx="641394" cy="738664"/>
           </a:xfrm>
           <a:prstGeom prst="rect">
             <a:avLst/>
@@ -16618,7 +17801,7 @@
           <a:p>
             <a:r>
               <a:rPr lang="en-US" altLang="zh-CN" sz="1400" dirty="0" smtClean="0"/>
-              <a:t>Account</a:t>
+              <a:t>Ticket</a:t>
             </a:r>
             <a:endParaRPr lang="zh-CN" altLang="en-US" sz="1400" dirty="0"/>
           </a:p>
@@ -16632,7 +17815,7 @@
         </p:nvSpPr>
         <p:spPr>
           <a:xfrm>
-            <a:off x="3235844" y="4200914"/>
+            <a:off x="3157907" y="4478645"/>
             <a:ext cx="1261885" cy="307777"/>
           </a:xfrm>
           <a:prstGeom prst="rect">
@@ -16944,7 +18127,7 @@
         </p:nvSpPr>
         <p:spPr>
           <a:xfrm>
-            <a:off x="5861649" y="3028119"/>
+            <a:off x="5880826" y="2693521"/>
             <a:ext cx="2016224" cy="507832"/>
           </a:xfrm>
           <a:prstGeom prst="rect">
@@ -16992,8 +18175,8 @@
         </p:nvCxnSpPr>
         <p:spPr>
           <a:xfrm>
-            <a:off x="4606456" y="2435344"/>
-            <a:ext cx="1255193" cy="846691"/>
+            <a:off x="4921398" y="2435344"/>
+            <a:ext cx="959428" cy="512093"/>
           </a:xfrm>
           <a:prstGeom prst="straightConnector1">
             <a:avLst/>
@@ -17025,7 +18208,7 @@
         </p:nvSpPr>
         <p:spPr>
           <a:xfrm>
-            <a:off x="8168220" y="2958869"/>
+            <a:off x="8168220" y="2663260"/>
             <a:ext cx="987518" cy="523220"/>
           </a:xfrm>
           <a:prstGeom prst="rect">
@@ -17071,8 +18254,8 @@
         </p:nvCxnSpPr>
         <p:spPr>
           <a:xfrm flipV="1">
-            <a:off x="7877873" y="3220479"/>
-            <a:ext cx="290347" cy="61556"/>
+            <a:off x="7897050" y="2924870"/>
+            <a:ext cx="271170" cy="22567"/>
           </a:xfrm>
           <a:prstGeom prst="straightConnector1">
             <a:avLst/>
@@ -17149,9 +18332,9 @@
           <p:nvPr/>
         </p:nvCxnSpPr>
         <p:spPr>
-          <a:xfrm flipH="1">
+          <a:xfrm flipH="1" flipV="1">
             <a:off x="2436340" y="4354803"/>
-            <a:ext cx="799504" cy="0"/>
+            <a:ext cx="721567" cy="277731"/>
           </a:xfrm>
           <a:prstGeom prst="straightConnector1">
             <a:avLst/>
@@ -17862,8 +19045,51 @@
         </p:nvSpPr>
         <p:spPr>
           <a:xfrm>
-            <a:off x="3916077" y="4637697"/>
-            <a:ext cx="887166" cy="307777"/>
+            <a:off x="4425157" y="4717552"/>
+            <a:ext cx="675420" cy="523220"/>
+          </a:xfrm>
+          <a:prstGeom prst="rect">
+            <a:avLst/>
+          </a:prstGeom>
+        </p:spPr>
+        <p:style>
+          <a:lnRef idx="1">
+            <a:schemeClr val="accent6"/>
+          </a:lnRef>
+          <a:fillRef idx="2">
+            <a:schemeClr val="accent6"/>
+          </a:fillRef>
+          <a:effectRef idx="1">
+            <a:schemeClr val="accent6"/>
+          </a:effectRef>
+          <a:fontRef idx="minor">
+            <a:schemeClr val="dk1"/>
+          </a:fontRef>
+        </p:style>
+        <p:txBody>
+          <a:bodyPr wrap="square" rtlCol="0">
+            <a:spAutoFit/>
+          </a:bodyPr>
+          <a:lstStyle/>
+          <a:p>
+            <a:r>
+              <a:rPr lang="en-US" altLang="zh-CN" sz="1400" dirty="0" err="1" smtClean="0"/>
+              <a:t>publicKey</a:t>
+            </a:r>
+            <a:endParaRPr lang="zh-CN" altLang="en-US" sz="1400" dirty="0"/>
+          </a:p>
+        </p:txBody>
+      </p:sp>
+      <p:sp>
+        <p:nvSpPr>
+          <p:cNvPr id="79" name="TextBox 78"/>
+          <p:cNvSpPr txBox="1"/>
+          <p:nvPr/>
+        </p:nvSpPr>
+        <p:spPr>
+          <a:xfrm>
+            <a:off x="4022195" y="2693521"/>
+            <a:ext cx="641394" cy="738664"/>
           </a:xfrm>
           <a:prstGeom prst="rect">
             <a:avLst/>
@@ -17891,49 +19117,6 @@
           <a:p>
             <a:r>
               <a:rPr lang="en-US" altLang="zh-CN" sz="1400" dirty="0" err="1" smtClean="0"/>
-              <a:t>publicKey</a:t>
-            </a:r>
-            <a:endParaRPr lang="zh-CN" altLang="en-US" sz="1400" dirty="0"/>
-          </a:p>
-        </p:txBody>
-      </p:sp>
-      <p:sp>
-        <p:nvSpPr>
-          <p:cNvPr id="79" name="TextBox 78"/>
-          <p:cNvSpPr txBox="1"/>
-          <p:nvPr/>
-        </p:nvSpPr>
-        <p:spPr>
-          <a:xfrm>
-            <a:off x="4022195" y="2693521"/>
-            <a:ext cx="781048" cy="738664"/>
-          </a:xfrm>
-          <a:prstGeom prst="rect">
-            <a:avLst/>
-          </a:prstGeom>
-        </p:spPr>
-        <p:style>
-          <a:lnRef idx="1">
-            <a:schemeClr val="accent6"/>
-          </a:lnRef>
-          <a:fillRef idx="2">
-            <a:schemeClr val="accent6"/>
-          </a:fillRef>
-          <a:effectRef idx="1">
-            <a:schemeClr val="accent6"/>
-          </a:effectRef>
-          <a:fontRef idx="minor">
-            <a:schemeClr val="dk1"/>
-          </a:fontRef>
-        </p:style>
-        <p:txBody>
-          <a:bodyPr wrap="none" rtlCol="0">
-            <a:spAutoFit/>
-          </a:bodyPr>
-          <a:lstStyle/>
-          <a:p>
-            <a:r>
-              <a:rPr lang="en-US" altLang="zh-CN" sz="1400" dirty="0" err="1" smtClean="0"/>
               <a:t>Appid</a:t>
             </a:r>
             <a:endParaRPr lang="en-US" altLang="zh-CN" sz="1400" dirty="0" smtClean="0"/>
@@ -17946,8 +19129,8 @@
           </a:p>
           <a:p>
             <a:r>
-              <a:rPr lang="en-US" altLang="zh-CN" sz="1400" dirty="0" smtClean="0"/>
-              <a:t>Account</a:t>
+              <a:rPr lang="en-US" altLang="zh-CN" sz="1400" dirty="0"/>
+              <a:t>Ticket</a:t>
             </a:r>
             <a:endParaRPr lang="zh-CN" altLang="en-US" sz="1400" dirty="0"/>
           </a:p>
@@ -18265,6 +19448,383 @@
             <a:r>
               <a:rPr lang="en-US" altLang="zh-CN" sz="1400" dirty="0"/>
               <a:t>Token</a:t>
+            </a:r>
+            <a:endParaRPr lang="zh-CN" altLang="en-US" sz="1400" dirty="0"/>
+          </a:p>
+        </p:txBody>
+      </p:sp>
+      <p:sp>
+        <p:nvSpPr>
+          <p:cNvPr id="52" name="矩形 51"/>
+          <p:cNvSpPr/>
+          <p:nvPr/>
+        </p:nvSpPr>
+        <p:spPr>
+          <a:xfrm>
+            <a:off x="5401112" y="3338631"/>
+            <a:ext cx="2016224" cy="507832"/>
+          </a:xfrm>
+          <a:prstGeom prst="rect">
+            <a:avLst/>
+          </a:prstGeom>
+        </p:spPr>
+        <p:style>
+          <a:lnRef idx="1">
+            <a:schemeClr val="accent3"/>
+          </a:lnRef>
+          <a:fillRef idx="3">
+            <a:schemeClr val="accent3"/>
+          </a:fillRef>
+          <a:effectRef idx="2">
+            <a:schemeClr val="accent3"/>
+          </a:effectRef>
+          <a:fontRef idx="minor">
+            <a:schemeClr val="lt1"/>
+          </a:fontRef>
+        </p:style>
+        <p:txBody>
+          <a:bodyPr rtlCol="0" anchor="ctr"/>
+          <a:lstStyle/>
+          <a:p>
+            <a:pPr algn="ctr"/>
+            <a:r>
+              <a:rPr lang="zh-CN" altLang="en-US" sz="1400" dirty="0"/>
+              <a:t>不</a:t>
+            </a:r>
+            <a:r>
+              <a:rPr lang="zh-CN" altLang="en-US" sz="1400" dirty="0" smtClean="0"/>
+              <a:t>合法或过期的</a:t>
+            </a:r>
+            <a:r>
+              <a:rPr lang="en-US" altLang="zh-CN" sz="1400" dirty="0" smtClean="0"/>
+              <a:t>Ticket</a:t>
+            </a:r>
+            <a:endParaRPr lang="zh-CN" altLang="en-US" sz="1400" dirty="0"/>
+          </a:p>
+        </p:txBody>
+      </p:sp>
+      <p:sp>
+        <p:nvSpPr>
+          <p:cNvPr id="56" name="矩形 55"/>
+          <p:cNvSpPr/>
+          <p:nvPr/>
+        </p:nvSpPr>
+        <p:spPr>
+          <a:xfrm>
+            <a:off x="3126151" y="4084202"/>
+            <a:ext cx="1513235" cy="307777"/>
+          </a:xfrm>
+          <a:prstGeom prst="rect">
+            <a:avLst/>
+          </a:prstGeom>
+        </p:spPr>
+        <p:style>
+          <a:lnRef idx="1">
+            <a:schemeClr val="accent4"/>
+          </a:lnRef>
+          <a:fillRef idx="3">
+            <a:schemeClr val="accent4"/>
+          </a:fillRef>
+          <a:effectRef idx="2">
+            <a:schemeClr val="accent4"/>
+          </a:effectRef>
+          <a:fontRef idx="minor">
+            <a:schemeClr val="lt1"/>
+          </a:fontRef>
+        </p:style>
+        <p:txBody>
+          <a:bodyPr wrap="none">
+            <a:spAutoFit/>
+          </a:bodyPr>
+          <a:lstStyle/>
+          <a:p>
+            <a:pPr algn="ctr"/>
+            <a:r>
+              <a:rPr lang="en-US" altLang="zh-CN" sz="1400" dirty="0" smtClean="0"/>
+              <a:t>Ticket</a:t>
+            </a:r>
+            <a:r>
+              <a:rPr lang="zh-CN" altLang="en-US" sz="1400" dirty="0" smtClean="0"/>
+              <a:t>合法性校验</a:t>
+            </a:r>
+            <a:endParaRPr lang="zh-CN" altLang="en-US" sz="1400" dirty="0"/>
+          </a:p>
+        </p:txBody>
+      </p:sp>
+      <p:cxnSp>
+        <p:nvCxnSpPr>
+          <p:cNvPr id="66" name="直接箭头连接符 65"/>
+          <p:cNvCxnSpPr>
+            <a:stCxn id="56" idx="3"/>
+            <a:endCxn id="52" idx="1"/>
+          </p:cNvCxnSpPr>
+          <p:nvPr/>
+        </p:nvCxnSpPr>
+        <p:spPr>
+          <a:xfrm flipV="1">
+            <a:off x="4639386" y="3592547"/>
+            <a:ext cx="761726" cy="645544"/>
+          </a:xfrm>
+          <a:prstGeom prst="straightConnector1">
+            <a:avLst/>
+          </a:prstGeom>
+          <a:ln>
+            <a:tailEnd type="arrow"/>
+          </a:ln>
+        </p:spPr>
+        <p:style>
+          <a:lnRef idx="2">
+            <a:schemeClr val="accent2"/>
+          </a:lnRef>
+          <a:fillRef idx="0">
+            <a:schemeClr val="accent2"/>
+          </a:fillRef>
+          <a:effectRef idx="1">
+            <a:schemeClr val="accent2"/>
+          </a:effectRef>
+          <a:fontRef idx="minor">
+            <a:schemeClr val="tx1"/>
+          </a:fontRef>
+        </p:style>
+      </p:cxnSp>
+      <p:sp>
+        <p:nvSpPr>
+          <p:cNvPr id="68" name="TextBox 67"/>
+          <p:cNvSpPr txBox="1"/>
+          <p:nvPr/>
+        </p:nvSpPr>
+        <p:spPr>
+          <a:xfrm>
+            <a:off x="7897050" y="3510305"/>
+            <a:ext cx="987518" cy="523220"/>
+          </a:xfrm>
+          <a:prstGeom prst="rect">
+            <a:avLst/>
+          </a:prstGeom>
+        </p:spPr>
+        <p:style>
+          <a:lnRef idx="1">
+            <a:schemeClr val="accent5"/>
+          </a:lnRef>
+          <a:fillRef idx="3">
+            <a:schemeClr val="accent5"/>
+          </a:fillRef>
+          <a:effectRef idx="2">
+            <a:schemeClr val="accent5"/>
+          </a:effectRef>
+          <a:fontRef idx="minor">
+            <a:schemeClr val="lt1"/>
+          </a:fontRef>
+        </p:style>
+        <p:txBody>
+          <a:bodyPr wrap="square" rtlCol="0">
+            <a:spAutoFit/>
+          </a:bodyPr>
+          <a:lstStyle/>
+          <a:p>
+            <a:r>
+              <a:rPr lang="zh-CN" altLang="en-US" sz="1400" dirty="0" smtClean="0"/>
+              <a:t>提示请求非法</a:t>
+            </a:r>
+            <a:endParaRPr lang="zh-CN" altLang="en-US" sz="1400" dirty="0"/>
+          </a:p>
+        </p:txBody>
+      </p:sp>
+      <p:cxnSp>
+        <p:nvCxnSpPr>
+          <p:cNvPr id="70" name="直接箭头连接符 69"/>
+          <p:cNvCxnSpPr>
+            <a:stCxn id="52" idx="3"/>
+            <a:endCxn id="68" idx="1"/>
+          </p:cNvCxnSpPr>
+          <p:nvPr/>
+        </p:nvCxnSpPr>
+        <p:spPr>
+          <a:xfrm>
+            <a:off x="7417336" y="3592547"/>
+            <a:ext cx="479714" cy="179368"/>
+          </a:xfrm>
+          <a:prstGeom prst="straightConnector1">
+            <a:avLst/>
+          </a:prstGeom>
+          <a:ln>
+            <a:tailEnd type="arrow"/>
+          </a:ln>
+        </p:spPr>
+        <p:style>
+          <a:lnRef idx="2">
+            <a:schemeClr val="accent2"/>
+          </a:lnRef>
+          <a:fillRef idx="0">
+            <a:schemeClr val="accent2"/>
+          </a:fillRef>
+          <a:effectRef idx="1">
+            <a:schemeClr val="accent2"/>
+          </a:effectRef>
+          <a:fontRef idx="minor">
+            <a:schemeClr val="tx1"/>
+          </a:fontRef>
+        </p:style>
+      </p:cxnSp>
+      <p:sp>
+        <p:nvSpPr>
+          <p:cNvPr id="71" name="矩形 70"/>
+          <p:cNvSpPr/>
+          <p:nvPr/>
+        </p:nvSpPr>
+        <p:spPr>
+          <a:xfrm>
+            <a:off x="5416239" y="3991506"/>
+            <a:ext cx="2016224" cy="507832"/>
+          </a:xfrm>
+          <a:prstGeom prst="rect">
+            <a:avLst/>
+          </a:prstGeom>
+        </p:spPr>
+        <p:style>
+          <a:lnRef idx="1">
+            <a:schemeClr val="accent3"/>
+          </a:lnRef>
+          <a:fillRef idx="3">
+            <a:schemeClr val="accent3"/>
+          </a:fillRef>
+          <a:effectRef idx="2">
+            <a:schemeClr val="accent3"/>
+          </a:effectRef>
+          <a:fontRef idx="minor">
+            <a:schemeClr val="lt1"/>
+          </a:fontRef>
+        </p:style>
+        <p:txBody>
+          <a:bodyPr rtlCol="0" anchor="ctr"/>
+          <a:lstStyle/>
+          <a:p>
+            <a:pPr algn="ctr"/>
+            <a:r>
+              <a:rPr lang="zh-CN" altLang="en-US" sz="1400" dirty="0" smtClean="0"/>
+              <a:t>从</a:t>
+            </a:r>
+            <a:r>
+              <a:rPr lang="en-US" altLang="zh-CN" sz="1400" dirty="0" smtClean="0"/>
+              <a:t>Ticket</a:t>
+            </a:r>
+            <a:r>
+              <a:rPr lang="zh-CN" altLang="en-US" sz="1400" dirty="0" smtClean="0"/>
+              <a:t>中提取账号和工号信息</a:t>
+            </a:r>
+            <a:endParaRPr lang="zh-CN" altLang="en-US" sz="1400" dirty="0"/>
+          </a:p>
+        </p:txBody>
+      </p:sp>
+      <p:cxnSp>
+        <p:nvCxnSpPr>
+          <p:cNvPr id="74" name="直接箭头连接符 73"/>
+          <p:cNvCxnSpPr>
+            <a:stCxn id="56" idx="3"/>
+            <a:endCxn id="71" idx="1"/>
+          </p:cNvCxnSpPr>
+          <p:nvPr/>
+        </p:nvCxnSpPr>
+        <p:spPr>
+          <a:xfrm>
+            <a:off x="4639386" y="4238091"/>
+            <a:ext cx="776853" cy="7331"/>
+          </a:xfrm>
+          <a:prstGeom prst="straightConnector1">
+            <a:avLst/>
+          </a:prstGeom>
+          <a:ln>
+            <a:tailEnd type="arrow"/>
+          </a:ln>
+        </p:spPr>
+        <p:style>
+          <a:lnRef idx="2">
+            <a:schemeClr val="accent2"/>
+          </a:lnRef>
+          <a:fillRef idx="0">
+            <a:schemeClr val="accent2"/>
+          </a:fillRef>
+          <a:effectRef idx="1">
+            <a:schemeClr val="accent2"/>
+          </a:effectRef>
+          <a:fontRef idx="minor">
+            <a:schemeClr val="tx1"/>
+          </a:fontRef>
+        </p:style>
+      </p:cxnSp>
+      <p:cxnSp>
+        <p:nvCxnSpPr>
+          <p:cNvPr id="75" name="直接箭头连接符 74"/>
+          <p:cNvCxnSpPr>
+            <a:stCxn id="71" idx="2"/>
+          </p:cNvCxnSpPr>
+          <p:nvPr/>
+        </p:nvCxnSpPr>
+        <p:spPr>
+          <a:xfrm flipH="1">
+            <a:off x="4860359" y="4499338"/>
+            <a:ext cx="1563992" cy="133195"/>
+          </a:xfrm>
+          <a:prstGeom prst="straightConnector1">
+            <a:avLst/>
+          </a:prstGeom>
+          <a:ln>
+            <a:tailEnd type="arrow"/>
+          </a:ln>
+        </p:spPr>
+        <p:style>
+          <a:lnRef idx="2">
+            <a:schemeClr val="accent2"/>
+          </a:lnRef>
+          <a:fillRef idx="0">
+            <a:schemeClr val="accent2"/>
+          </a:fillRef>
+          <a:effectRef idx="1">
+            <a:schemeClr val="accent2"/>
+          </a:effectRef>
+          <a:fontRef idx="minor">
+            <a:schemeClr val="tx1"/>
+          </a:fontRef>
+        </p:style>
+      </p:cxnSp>
+      <p:sp>
+        <p:nvSpPr>
+          <p:cNvPr id="82" name="TextBox 81"/>
+          <p:cNvSpPr txBox="1"/>
+          <p:nvPr/>
+        </p:nvSpPr>
+        <p:spPr>
+          <a:xfrm>
+            <a:off x="5416239" y="4557044"/>
+            <a:ext cx="2240954" cy="307777"/>
+          </a:xfrm>
+          <a:prstGeom prst="rect">
+            <a:avLst/>
+          </a:prstGeom>
+        </p:spPr>
+        <p:style>
+          <a:lnRef idx="1">
+            <a:schemeClr val="accent6"/>
+          </a:lnRef>
+          <a:fillRef idx="2">
+            <a:schemeClr val="accent6"/>
+          </a:fillRef>
+          <a:effectRef idx="1">
+            <a:schemeClr val="accent6"/>
+          </a:effectRef>
+          <a:fontRef idx="minor">
+            <a:schemeClr val="dk1"/>
+          </a:fontRef>
+        </p:style>
+        <p:txBody>
+          <a:bodyPr wrap="square" rtlCol="0">
+            <a:spAutoFit/>
+          </a:bodyPr>
+          <a:lstStyle/>
+          <a:p>
+            <a:r>
+              <a:rPr lang="en-US" altLang="zh-CN" sz="1400" dirty="0" err="1" smtClean="0"/>
+              <a:t>Account,worknumber</a:t>
             </a:r>
             <a:endParaRPr lang="zh-CN" altLang="en-US" sz="1400" dirty="0"/>
           </a:p>
@@ -19818,7 +21378,7 @@
         </p:nvSpPr>
         <p:spPr>
           <a:xfrm>
-            <a:off x="3016286" y="6277691"/>
+            <a:off x="384894" y="6264588"/>
             <a:ext cx="1893492" cy="548680"/>
           </a:xfrm>
           <a:prstGeom prst="ellipse">
@@ -19860,14 +21420,15 @@
         <p:nvCxnSpPr>
           <p:cNvPr id="77" name="直接箭头连接符 76"/>
           <p:cNvCxnSpPr>
-            <a:endCxn id="76" idx="0"/>
+            <a:stCxn id="49" idx="1"/>
+            <a:endCxn id="76" idx="6"/>
           </p:cNvCxnSpPr>
           <p:nvPr/>
         </p:nvCxnSpPr>
         <p:spPr>
-          <a:xfrm>
-            <a:off x="3914268" y="5951112"/>
-            <a:ext cx="48764" cy="326579"/>
+          <a:xfrm flipH="1" flipV="1">
+            <a:off x="2278386" y="6538928"/>
+            <a:ext cx="688247" cy="20424"/>
           </a:xfrm>
           <a:prstGeom prst="straightConnector1">
             <a:avLst/>
@@ -20193,6 +21754,230 @@
           </a:fontRef>
         </p:style>
       </p:cxnSp>
+      <p:sp>
+        <p:nvSpPr>
+          <p:cNvPr id="49" name="矩形 48"/>
+          <p:cNvSpPr/>
+          <p:nvPr/>
+        </p:nvSpPr>
+        <p:spPr>
+          <a:xfrm>
+            <a:off x="2966633" y="6305436"/>
+            <a:ext cx="2016224" cy="507832"/>
+          </a:xfrm>
+          <a:prstGeom prst="rect">
+            <a:avLst/>
+          </a:prstGeom>
+        </p:spPr>
+        <p:style>
+          <a:lnRef idx="1">
+            <a:schemeClr val="accent3"/>
+          </a:lnRef>
+          <a:fillRef idx="3">
+            <a:schemeClr val="accent3"/>
+          </a:fillRef>
+          <a:effectRef idx="2">
+            <a:schemeClr val="accent3"/>
+          </a:effectRef>
+          <a:fontRef idx="minor">
+            <a:schemeClr val="lt1"/>
+          </a:fontRef>
+        </p:style>
+        <p:txBody>
+          <a:bodyPr rtlCol="0" anchor="ctr"/>
+          <a:lstStyle/>
+          <a:p>
+            <a:pPr algn="ctr"/>
+            <a:r>
+              <a:rPr lang="en-US" altLang="zh-CN" sz="1400" dirty="0" err="1" smtClean="0"/>
+              <a:t>url</a:t>
+            </a:r>
+            <a:r>
+              <a:rPr lang="zh-CN" altLang="en-US" sz="1400" dirty="0" smtClean="0"/>
+              <a:t>访问权限检查</a:t>
+            </a:r>
+            <a:endParaRPr lang="zh-CN" altLang="en-US" sz="1400" dirty="0"/>
+          </a:p>
+        </p:txBody>
+      </p:sp>
+      <p:cxnSp>
+        <p:nvCxnSpPr>
+          <p:cNvPr id="52" name="直接箭头连接符 51"/>
+          <p:cNvCxnSpPr>
+            <a:endCxn id="49" idx="0"/>
+          </p:cNvCxnSpPr>
+          <p:nvPr/>
+        </p:nvCxnSpPr>
+        <p:spPr>
+          <a:xfrm>
+            <a:off x="3869699" y="6085605"/>
+            <a:ext cx="105046" cy="219831"/>
+          </a:xfrm>
+          <a:prstGeom prst="straightConnector1">
+            <a:avLst/>
+          </a:prstGeom>
+          <a:ln>
+            <a:tailEnd type="arrow"/>
+          </a:ln>
+        </p:spPr>
+        <p:style>
+          <a:lnRef idx="2">
+            <a:schemeClr val="accent2"/>
+          </a:lnRef>
+          <a:fillRef idx="0">
+            <a:schemeClr val="accent2"/>
+          </a:fillRef>
+          <a:effectRef idx="1">
+            <a:schemeClr val="accent2"/>
+          </a:effectRef>
+          <a:fontRef idx="minor">
+            <a:schemeClr val="tx1"/>
+          </a:fontRef>
+        </p:style>
+      </p:cxnSp>
+      <p:sp>
+        <p:nvSpPr>
+          <p:cNvPr id="11" name="TextBox 10"/>
+          <p:cNvSpPr txBox="1"/>
+          <p:nvPr/>
+        </p:nvSpPr>
+        <p:spPr>
+          <a:xfrm>
+            <a:off x="2079369" y="6096361"/>
+            <a:ext cx="877163" cy="369332"/>
+          </a:xfrm>
+          <a:prstGeom prst="rect">
+            <a:avLst/>
+          </a:prstGeom>
+          <a:noFill/>
+        </p:spPr>
+        <p:txBody>
+          <a:bodyPr wrap="none" rtlCol="0">
+            <a:spAutoFit/>
+          </a:bodyPr>
+          <a:lstStyle/>
+          <a:p>
+            <a:r>
+              <a:rPr lang="zh-CN" altLang="en-US" dirty="0" smtClean="0"/>
+              <a:t>有权限</a:t>
+            </a:r>
+            <a:endParaRPr lang="zh-CN" altLang="en-US" dirty="0"/>
+          </a:p>
+        </p:txBody>
+      </p:sp>
+      <p:sp>
+        <p:nvSpPr>
+          <p:cNvPr id="56" name="TextBox 55"/>
+          <p:cNvSpPr txBox="1"/>
+          <p:nvPr/>
+        </p:nvSpPr>
+        <p:spPr>
+          <a:xfrm>
+            <a:off x="6968858" y="6210080"/>
+            <a:ext cx="987518" cy="523220"/>
+          </a:xfrm>
+          <a:prstGeom prst="rect">
+            <a:avLst/>
+          </a:prstGeom>
+        </p:spPr>
+        <p:style>
+          <a:lnRef idx="1">
+            <a:schemeClr val="accent5"/>
+          </a:lnRef>
+          <a:fillRef idx="3">
+            <a:schemeClr val="accent5"/>
+          </a:fillRef>
+          <a:effectRef idx="2">
+            <a:schemeClr val="accent5"/>
+          </a:effectRef>
+          <a:fontRef idx="minor">
+            <a:schemeClr val="lt1"/>
+          </a:fontRef>
+        </p:style>
+        <p:txBody>
+          <a:bodyPr wrap="square" rtlCol="0">
+            <a:spAutoFit/>
+          </a:bodyPr>
+          <a:lstStyle/>
+          <a:p>
+            <a:r>
+              <a:rPr lang="zh-CN" altLang="en-US" sz="1400" dirty="0" smtClean="0"/>
+              <a:t>提示用户非法</a:t>
+            </a:r>
+            <a:endParaRPr lang="zh-CN" altLang="en-US" sz="1400" dirty="0"/>
+          </a:p>
+        </p:txBody>
+      </p:sp>
+      <p:cxnSp>
+        <p:nvCxnSpPr>
+          <p:cNvPr id="57" name="直接箭头连接符 56"/>
+          <p:cNvCxnSpPr>
+            <a:stCxn id="49" idx="3"/>
+            <a:endCxn id="56" idx="1"/>
+          </p:cNvCxnSpPr>
+          <p:nvPr/>
+        </p:nvCxnSpPr>
+        <p:spPr>
+          <a:xfrm flipV="1">
+            <a:off x="4982857" y="6471690"/>
+            <a:ext cx="1986001" cy="87662"/>
+          </a:xfrm>
+          <a:prstGeom prst="straightConnector1">
+            <a:avLst/>
+          </a:prstGeom>
+          <a:ln>
+            <a:tailEnd type="arrow"/>
+          </a:ln>
+        </p:spPr>
+        <p:style>
+          <a:lnRef idx="2">
+            <a:schemeClr val="accent2"/>
+          </a:lnRef>
+          <a:fillRef idx="0">
+            <a:schemeClr val="accent2"/>
+          </a:fillRef>
+          <a:effectRef idx="1">
+            <a:schemeClr val="accent2"/>
+          </a:effectRef>
+          <a:fontRef idx="minor">
+            <a:schemeClr val="tx1"/>
+          </a:fontRef>
+        </p:style>
+      </p:cxnSp>
+      <p:sp>
+        <p:nvSpPr>
+          <p:cNvPr id="60" name="TextBox 59"/>
+          <p:cNvSpPr txBox="1"/>
+          <p:nvPr/>
+        </p:nvSpPr>
+        <p:spPr>
+          <a:xfrm>
+            <a:off x="5222933" y="6085605"/>
+            <a:ext cx="877163" cy="369332"/>
+          </a:xfrm>
+          <a:prstGeom prst="rect">
+            <a:avLst/>
+          </a:prstGeom>
+          <a:noFill/>
+        </p:spPr>
+        <p:txBody>
+          <a:bodyPr wrap="none" rtlCol="0">
+            <a:spAutoFit/>
+          </a:bodyPr>
+          <a:lstStyle/>
+          <a:p>
+            <a:r>
+              <a:rPr lang="zh-CN" altLang="en-US" dirty="0"/>
+              <a:t>无</a:t>
+            </a:r>
+            <a:r>
+              <a:rPr lang="zh-CN" altLang="en-US" dirty="0" smtClean="0"/>
+              <a:t>权限</a:t>
+            </a:r>
+            <a:endParaRPr lang="zh-CN" altLang="en-US" dirty="0"/>
+          </a:p>
+        </p:txBody>
+      </p:sp>
     </p:spTree>
     <p:extLst>
       <p:ext uri="{BB962C8B-B14F-4D97-AF65-F5344CB8AC3E}">
@@ -20415,19 +22200,11 @@
             </a:r>
             <a:r>
               <a:rPr lang="en-US" altLang="zh-CN" dirty="0" smtClean="0"/>
-              <a:t>String </a:t>
-            </a:r>
-            <a:r>
-              <a:rPr lang="en-US" altLang="zh-CN" dirty="0"/>
-              <a:t>account</a:t>
-            </a:r>
-            <a:r>
-              <a:rPr lang="en-US" altLang="zh-CN" dirty="0" smtClean="0"/>
-              <a:t>) //</a:t>
+              <a:t>String ticket) //</a:t>
             </a:r>
             <a:r>
               <a:rPr lang="zh-CN" altLang="en-US" dirty="0" smtClean="0"/>
-              <a:t>用户账号</a:t>
+              <a:t>访问票据</a:t>
             </a:r>
             <a:r>
               <a:rPr lang="en-US" altLang="zh-CN" dirty="0" smtClean="0"/>
@@ -20551,30 +22328,14 @@
           <a:p>
             <a:r>
               <a:rPr lang="en-US" altLang="zh-CN" dirty="0"/>
-              <a:t>			</a:t>
+              <a:t>			 String ticket) //</a:t>
+            </a:r>
+            <a:r>
+              <a:rPr lang="zh-CN" altLang="en-US" dirty="0"/>
+              <a:t>访问票据</a:t>
             </a:r>
             <a:r>
               <a:rPr lang="en-US" altLang="zh-CN" dirty="0" smtClean="0"/>
-              <a:t>String </a:t>
-            </a:r>
-            <a:r>
-              <a:rPr lang="en-US" altLang="zh-CN" dirty="0"/>
-              <a:t>account</a:t>
-            </a:r>
-            <a:r>
-              <a:rPr lang="en-US" altLang="zh-CN" dirty="0" smtClean="0"/>
-              <a:t>)</a:t>
-            </a:r>
-            <a:r>
-              <a:rPr lang="en-US" altLang="zh-CN" dirty="0"/>
-              <a:t> //</a:t>
-            </a:r>
-            <a:r>
-              <a:rPr lang="zh-CN" altLang="en-US" dirty="0"/>
-              <a:t>用户账号</a:t>
-            </a:r>
-            <a:r>
-              <a:rPr lang="en-US" altLang="zh-CN" dirty="0"/>
               <a:t>-</a:t>
             </a:r>
             <a:r>
@@ -20747,7 +22508,7 @@
         <p:spPr/>
         <p:txBody>
           <a:bodyPr>
-            <a:normAutofit fontScale="90000"/>
+            <a:normAutofit/>
           </a:bodyPr>
           <a:lstStyle/>
           <a:p>
@@ -20757,15 +22518,11 @@
             </a:r>
             <a:r>
               <a:rPr lang="en-US" altLang="zh-CN" dirty="0"/>
-              <a:t>- hessian</a:t>
-            </a:r>
-            <a:r>
-              <a:rPr lang="zh-CN" altLang="en-US" dirty="0"/>
-              <a:t>服务方式申请</a:t>
-            </a:r>
-            <a:r>
-              <a:rPr lang="en-US" altLang="zh-CN" dirty="0"/>
-              <a:t>token</a:t>
+              <a:t>- </a:t>
+            </a:r>
+            <a:r>
+              <a:rPr lang="zh-CN" altLang="en-US" dirty="0" smtClean="0"/>
+              <a:t>参数准备</a:t>
             </a:r>
             <a:endParaRPr lang="zh-CN" altLang="en-US" dirty="0"/>
           </a:p>
@@ -20784,79 +22541,25 @@
         <p:spPr/>
         <p:txBody>
           <a:bodyPr>
-            <a:normAutofit fontScale="77500" lnSpcReduction="20000"/>
+            <a:normAutofit/>
           </a:bodyPr>
           <a:lstStyle/>
           <a:p>
             <a:r>
-              <a:rPr lang="zh-CN" altLang="en-US" dirty="0" smtClean="0"/>
-              <a:t>客户端获取令牌服务组件</a:t>
-            </a:r>
-            <a:r>
-              <a:rPr lang="en-US" altLang="zh-CN" dirty="0" smtClean="0"/>
-              <a:t>-</a:t>
-            </a:r>
-            <a:r>
               <a:rPr lang="en-US" altLang="zh-CN" dirty="0"/>
-              <a:t> hessian</a:t>
-            </a:r>
-            <a:r>
-              <a:rPr lang="zh-CN" altLang="en-US" dirty="0"/>
-              <a:t>服务方式申请</a:t>
+              <a:t>String </a:t>
+            </a:r>
+            <a:r>
+              <a:rPr lang="en-US" altLang="zh-CN" dirty="0" err="1"/>
+              <a:t>appid</a:t>
             </a:r>
             <a:r>
               <a:rPr lang="en-US" altLang="zh-CN" dirty="0"/>
-              <a:t>token</a:t>
-            </a:r>
-          </a:p>
-          <a:p>
-            <a:pPr marL="0" indent="0">
-              <a:buNone/>
-            </a:pPr>
+              <a:t> = "</a:t>
+            </a:r>
             <a:r>
               <a:rPr lang="en-US" altLang="zh-CN" dirty="0" err="1"/>
-              <a:t>HessianProxyFactory</a:t>
-            </a:r>
-            <a:r>
-              <a:rPr lang="en-US" altLang="zh-CN" dirty="0"/>
-              <a:t> factory = new </a:t>
-            </a:r>
-            <a:r>
-              <a:rPr lang="en-US" altLang="zh-CN" dirty="0" err="1"/>
-              <a:t>HessianProxyFactory</a:t>
-            </a:r>
-            <a:r>
-              <a:rPr lang="en-US" altLang="zh-CN" dirty="0"/>
-              <a:t>();</a:t>
-            </a:r>
-          </a:p>
-          <a:p>
-            <a:pPr marL="0" indent="0">
-              <a:buNone/>
-            </a:pPr>
-            <a:r>
-              <a:rPr lang="en-US" altLang="zh-CN" dirty="0"/>
-              <a:t>//String </a:t>
-            </a:r>
-            <a:r>
-              <a:rPr lang="en-US" altLang="zh-CN" dirty="0" err="1"/>
-              <a:t>url</a:t>
-            </a:r>
-            <a:r>
-              <a:rPr lang="en-US" altLang="zh-CN" dirty="0"/>
-              <a:t> = "http://localhost:8081/context/</a:t>
-            </a:r>
-            <a:r>
-              <a:rPr lang="en-US" altLang="zh-CN" dirty="0" err="1"/>
-              <a:t>hessian?service</a:t>
-            </a:r>
-            <a:r>
-              <a:rPr lang="en-US" altLang="zh-CN" dirty="0"/>
-              <a:t>=</a:t>
-            </a:r>
-            <a:r>
-              <a:rPr lang="en-US" altLang="zh-CN" dirty="0" err="1"/>
-              <a:t>tokenService</a:t>
+              <a:t>appid</a:t>
             </a:r>
             <a:r>
               <a:rPr lang="en-US" altLang="zh-CN" dirty="0"/>
@@ -20864,139 +22567,46 @@
             </a:r>
           </a:p>
           <a:p>
-            <a:pPr marL="0" indent="0">
-              <a:buNone/>
-            </a:pPr>
+            <a:r>
+              <a:rPr lang="en-US" altLang="zh-CN" dirty="0"/>
+              <a:t>String secret = "</a:t>
+            </a:r>
+            <a:r>
+              <a:rPr lang="en-US" altLang="zh-CN" dirty="0" err="1"/>
+              <a:t>xxxxxxxxxxxxxxxxxxxxxx</a:t>
+            </a:r>
+            <a:r>
+              <a:rPr lang="en-US" altLang="zh-CN" dirty="0"/>
+              <a:t>";</a:t>
+            </a:r>
+          </a:p>
+          <a:p>
+            <a:r>
+              <a:rPr lang="en-US" altLang="zh-CN" dirty="0"/>
+              <a:t>String account = "</a:t>
+            </a:r>
+            <a:r>
+              <a:rPr lang="en-US" altLang="zh-CN" dirty="0" err="1"/>
+              <a:t>yinbp</a:t>
+            </a:r>
+            <a:r>
+              <a:rPr lang="en-US" altLang="zh-CN" dirty="0" smtClean="0"/>
+              <a:t>";</a:t>
+            </a:r>
+            <a:endParaRPr lang="en-US" altLang="zh-CN" dirty="0"/>
+          </a:p>
+          <a:p>
             <a:r>
               <a:rPr lang="en-US" altLang="zh-CN" dirty="0"/>
               <a:t>String </a:t>
             </a:r>
             <a:r>
               <a:rPr lang="en-US" altLang="zh-CN" dirty="0" err="1"/>
-              <a:t>url</a:t>
+              <a:t>worknumber</a:t>
             </a:r>
             <a:r>
               <a:rPr lang="en-US" altLang="zh-CN" dirty="0"/>
-              <a:t> = "http://10.25.192.142:8081"+request.getContextPath()+"/</a:t>
-            </a:r>
-            <a:r>
-              <a:rPr lang="en-US" altLang="zh-CN" dirty="0" err="1"/>
-              <a:t>hessian?service</a:t>
-            </a:r>
-            <a:r>
-              <a:rPr lang="en-US" altLang="zh-CN" dirty="0"/>
-              <a:t>=</a:t>
-            </a:r>
-            <a:r>
-              <a:rPr lang="en-US" altLang="zh-CN" dirty="0" err="1"/>
-              <a:t>tokenService</a:t>
-            </a:r>
-            <a:r>
-              <a:rPr lang="en-US" altLang="zh-CN" dirty="0"/>
-              <a:t>";</a:t>
-            </a:r>
-          </a:p>
-          <a:p>
-            <a:pPr marL="0" indent="0">
-              <a:buNone/>
-            </a:pPr>
-            <a:r>
-              <a:rPr lang="en-US" altLang="zh-CN" dirty="0" err="1"/>
-              <a:t>TokenService</a:t>
-            </a:r>
-            <a:r>
-              <a:rPr lang="en-US" altLang="zh-CN" dirty="0"/>
-              <a:t> </a:t>
-            </a:r>
-            <a:r>
-              <a:rPr lang="en-US" altLang="zh-CN" dirty="0" err="1"/>
-              <a:t>tokenService</a:t>
-            </a:r>
-            <a:r>
-              <a:rPr lang="en-US" altLang="zh-CN" dirty="0"/>
-              <a:t> = (</a:t>
-            </a:r>
-            <a:r>
-              <a:rPr lang="en-US" altLang="zh-CN" dirty="0" err="1"/>
-              <a:t>TokenService</a:t>
-            </a:r>
-            <a:r>
-              <a:rPr lang="en-US" altLang="zh-CN" dirty="0"/>
-              <a:t>) </a:t>
-            </a:r>
-            <a:r>
-              <a:rPr lang="en-US" altLang="zh-CN" dirty="0" err="1"/>
-              <a:t>factory.create</a:t>
-            </a:r>
-            <a:r>
-              <a:rPr lang="en-US" altLang="zh-CN" dirty="0"/>
-              <a:t>(</a:t>
-            </a:r>
-            <a:r>
-              <a:rPr lang="en-US" altLang="zh-CN" dirty="0" err="1"/>
-              <a:t>TokenService.class</a:t>
-            </a:r>
-            <a:r>
-              <a:rPr lang="en-US" altLang="zh-CN" dirty="0"/>
-              <a:t>, </a:t>
-            </a:r>
-            <a:r>
-              <a:rPr lang="en-US" altLang="zh-CN" dirty="0" err="1"/>
-              <a:t>url</a:t>
-            </a:r>
-            <a:r>
-              <a:rPr lang="en-US" altLang="zh-CN" dirty="0" smtClean="0"/>
-              <a:t>);</a:t>
-            </a:r>
-          </a:p>
-          <a:p>
-            <a:pPr marL="0" indent="0">
-              <a:buNone/>
-            </a:pPr>
-            <a:r>
-              <a:rPr lang="en-US" altLang="zh-CN" dirty="0"/>
-              <a:t>String token = </a:t>
-            </a:r>
-            <a:r>
-              <a:rPr lang="en-US" altLang="zh-CN" dirty="0" err="1"/>
-              <a:t>tokenService.genAuthTempToken</a:t>
-            </a:r>
-            <a:r>
-              <a:rPr lang="en-US" altLang="zh-CN" dirty="0"/>
-              <a:t>(</a:t>
-            </a:r>
-            <a:r>
-              <a:rPr lang="en-US" altLang="zh-CN" dirty="0" err="1"/>
-              <a:t>appid</a:t>
-            </a:r>
-            <a:r>
-              <a:rPr lang="en-US" altLang="zh-CN" dirty="0"/>
-              <a:t>, secret, account);</a:t>
-            </a:r>
-          </a:p>
-          <a:p>
-            <a:pPr marL="0" indent="0">
-              <a:buNone/>
-            </a:pPr>
-            <a:r>
-              <a:rPr lang="en-US" altLang="zh-CN" dirty="0"/>
-              <a:t>//token = </a:t>
-            </a:r>
-            <a:r>
-              <a:rPr lang="en-US" altLang="zh-CN" dirty="0" err="1"/>
-              <a:t>tokenService.genDualToken</a:t>
-            </a:r>
-            <a:r>
-              <a:rPr lang="en-US" altLang="zh-CN" dirty="0"/>
-              <a:t>(</a:t>
-            </a:r>
-            <a:r>
-              <a:rPr lang="en-US" altLang="zh-CN" dirty="0" err="1"/>
-              <a:t>appid</a:t>
-            </a:r>
-            <a:r>
-              <a:rPr lang="en-US" altLang="zh-CN" dirty="0"/>
-              <a:t>, secret, account);</a:t>
+              <a:t> = "10006673";</a:t>
             </a:r>
             <a:endParaRPr lang="zh-CN" altLang="en-US" dirty="0"/>
           </a:p>
@@ -21055,11 +22665,7 @@
             </a:r>
             <a:r>
               <a:rPr lang="en-US" altLang="zh-CN" dirty="0"/>
-              <a:t>- </a:t>
-            </a:r>
-            <a:r>
-              <a:rPr lang="en-US" altLang="zh-CN" dirty="0" err="1"/>
-              <a:t>webservice</a:t>
+              <a:t>- hessian</a:t>
             </a:r>
             <a:r>
               <a:rPr lang="zh-CN" altLang="en-US" dirty="0"/>
@@ -21086,7 +22692,7 @@
         <p:spPr/>
         <p:txBody>
           <a:bodyPr>
-            <a:normAutofit fontScale="70000" lnSpcReduction="20000"/>
+            <a:normAutofit fontScale="62500" lnSpcReduction="20000"/>
           </a:bodyPr>
           <a:lstStyle/>
           <a:p>
@@ -21100,19 +22706,11 @@
             </a:r>
             <a:r>
               <a:rPr lang="en-US" altLang="zh-CN" dirty="0"/>
-              <a:t> </a:t>
-            </a:r>
-            <a:r>
-              <a:rPr lang="en-US" altLang="zh-CN" dirty="0" err="1" smtClean="0"/>
-              <a:t>webservice</a:t>
-            </a:r>
-            <a:r>
-              <a:rPr lang="zh-CN" altLang="en-US" dirty="0" smtClean="0"/>
-              <a:t>服务</a:t>
+              <a:t> hessian</a:t>
             </a:r>
             <a:r>
               <a:rPr lang="zh-CN" altLang="en-US" dirty="0"/>
-              <a:t>方式申请</a:t>
+              <a:t>服务方式申请</a:t>
             </a:r>
             <a:r>
               <a:rPr lang="en-US" altLang="zh-CN" dirty="0"/>
@@ -21120,16 +22718,83 @@
             </a:r>
           </a:p>
           <a:p>
-            <a:pPr marL="0" indent="0">
-              <a:buNone/>
-            </a:pPr>
+            <a:r>
+              <a:rPr lang="en-US" altLang="zh-CN" dirty="0"/>
+              <a:t>//hessian</a:t>
+            </a:r>
+            <a:r>
+              <a:rPr lang="zh-CN" altLang="en-US" dirty="0"/>
+              <a:t>服务方式申请</a:t>
+            </a:r>
+            <a:r>
+              <a:rPr lang="en-US" altLang="zh-CN" dirty="0"/>
+              <a:t>token</a:t>
+            </a:r>
+          </a:p>
+          <a:p>
+            <a:r>
+              <a:rPr lang="en-US" altLang="zh-CN" dirty="0" err="1"/>
+              <a:t>HessianProxyFactory</a:t>
+            </a:r>
+            <a:r>
+              <a:rPr lang="en-US" altLang="zh-CN" dirty="0"/>
+              <a:t> factory = </a:t>
+            </a:r>
+            <a:r>
+              <a:rPr lang="en-US" altLang="zh-CN" b="1" dirty="0"/>
+              <a:t>new </a:t>
+            </a:r>
+            <a:r>
+              <a:rPr lang="en-US" altLang="zh-CN" b="1" dirty="0" err="1"/>
+              <a:t>HessianProxyFactory</a:t>
+            </a:r>
+            <a:r>
+              <a:rPr lang="en-US" altLang="zh-CN" b="1" dirty="0"/>
+              <a:t>();</a:t>
+            </a:r>
+          </a:p>
+          <a:p>
+            <a:r>
+              <a:rPr lang="en-US" altLang="zh-CN" dirty="0"/>
+              <a:t>//String </a:t>
+            </a:r>
             <a:r>
               <a:rPr lang="en-US" altLang="zh-CN" dirty="0" err="1"/>
               <a:t>url</a:t>
             </a:r>
             <a:r>
               <a:rPr lang="en-US" altLang="zh-CN" dirty="0"/>
-              <a:t> = "http://10.25.192.142:8081/</a:t>
+              <a:t> = "http://localhost:8081/context/</a:t>
+            </a:r>
+            <a:r>
+              <a:rPr lang="en-US" altLang="zh-CN" dirty="0" err="1"/>
+              <a:t>hessian?service</a:t>
+            </a:r>
+            <a:r>
+              <a:rPr lang="en-US" altLang="zh-CN" dirty="0"/>
+              <a:t>=</a:t>
+            </a:r>
+            <a:r>
+              <a:rPr lang="en-US" altLang="zh-CN" dirty="0" err="1"/>
+              <a:t>tokenService</a:t>
+            </a:r>
+            <a:r>
+              <a:rPr lang="en-US" altLang="zh-CN" dirty="0"/>
+              <a:t>";</a:t>
+            </a:r>
+          </a:p>
+          <a:p>
+            <a:r>
+              <a:rPr lang="en-US" altLang="zh-CN" dirty="0"/>
+              <a:t>String </a:t>
+            </a:r>
+            <a:r>
+              <a:rPr lang="en-US" altLang="zh-CN" dirty="0" err="1"/>
+              <a:t>url</a:t>
+            </a:r>
+            <a:r>
+              <a:rPr lang="en-US" altLang="zh-CN" dirty="0"/>
+              <a:t> = "http://localhost:8081/</a:t>
             </a:r>
             <a:r>
               <a:rPr lang="en-US" altLang="zh-CN" dirty="0" err="1"/>
@@ -21141,11 +22806,11 @@
             </a:r>
             <a:r>
               <a:rPr lang="en-US" altLang="zh-CN" dirty="0" err="1"/>
-              <a:t>cxfservices</a:t>
+              <a:t>hessian?service</a:t>
             </a:r>
             <a:r>
               <a:rPr lang="en-US" altLang="zh-CN" dirty="0"/>
-              <a:t>/</a:t>
+              <a:t>=</a:t>
             </a:r>
             <a:r>
               <a:rPr lang="en-US" altLang="zh-CN" dirty="0" err="1"/>
@@ -21157,12 +22822,9 @@
             </a:r>
           </a:p>
           <a:p>
-            <a:pPr marL="0" indent="0">
-              <a:buNone/>
-            </a:pPr>
             <a:r>
               <a:rPr lang="en-US" altLang="zh-CN" dirty="0" err="1"/>
-              <a:t>JaxWsProxyFactoryBean</a:t>
+              <a:t>TokenService</a:t>
             </a:r>
             <a:r>
               <a:rPr lang="en-US" altLang="zh-CN" dirty="0"/>
@@ -21170,28 +22832,23 @@
             </a:r>
             <a:r>
               <a:rPr lang="en-US" altLang="zh-CN" dirty="0" err="1"/>
-              <a:t>WSServiceClientFactory</a:t>
+              <a:t>tokenService</a:t>
             </a:r>
             <a:r>
               <a:rPr lang="en-US" altLang="zh-CN" dirty="0"/>
-              <a:t> = new  </a:t>
+              <a:t> = (</a:t>
             </a:r>
             <a:r>
               <a:rPr lang="en-US" altLang="zh-CN" dirty="0" err="1"/>
-              <a:t>JaxWsProxyFactoryBean</a:t>
+              <a:t>TokenService</a:t>
             </a:r>
             <a:r>
               <a:rPr lang="en-US" altLang="zh-CN" dirty="0"/>
-              <a:t>();</a:t>
-            </a:r>
-          </a:p>
-          <a:p>
-            <a:pPr marL="0" indent="0">
-              <a:buNone/>
-            </a:pPr>
+              <a:t>) </a:t>
+            </a:r>
             <a:r>
               <a:rPr lang="en-US" altLang="zh-CN" dirty="0" err="1"/>
-              <a:t>WSServiceClientFactory.setAddress</a:t>
+              <a:t>factory.create</a:t>
             </a:r>
             <a:r>
               <a:rPr lang="en-US" altLang="zh-CN" dirty="0"/>
@@ -21199,20 +22856,88 @@
             </a:r>
             <a:r>
               <a:rPr lang="en-US" altLang="zh-CN" dirty="0" err="1"/>
+              <a:t>TokenService.</a:t>
+            </a:r>
+            <a:r>
+              <a:rPr lang="en-US" altLang="zh-CN" b="1" dirty="0" err="1"/>
+              <a:t>class</a:t>
+            </a:r>
+            <a:r>
+              <a:rPr lang="en-US" altLang="zh-CN" b="1" dirty="0"/>
+              <a:t>, </a:t>
+            </a:r>
+            <a:r>
+              <a:rPr lang="en-US" altLang="zh-CN" b="1" dirty="0" err="1"/>
               <a:t>url</a:t>
             </a:r>
             <a:r>
+              <a:rPr lang="en-US" altLang="zh-CN" b="1" dirty="0"/>
+              <a:t>);</a:t>
+            </a:r>
+          </a:p>
+          <a:p>
+            <a:r>
               <a:rPr lang="en-US" altLang="zh-CN" dirty="0"/>
-              <a:t>);</a:t>
-            </a:r>
-          </a:p>
-          <a:p>
-            <a:pPr marL="0" indent="0">
-              <a:buNone/>
-            </a:pPr>
+              <a:t>//</a:t>
+            </a:r>
+            <a:r>
+              <a:rPr lang="zh-CN" altLang="en-US" dirty="0"/>
+              <a:t>通过</a:t>
+            </a:r>
+            <a:r>
+              <a:rPr lang="en-US" altLang="zh-CN" dirty="0"/>
+              <a:t>hessian</a:t>
+            </a:r>
+            <a:r>
+              <a:rPr lang="zh-CN" altLang="en-US" dirty="0"/>
+              <a:t>根据账号或者工号获取</a:t>
+            </a:r>
+            <a:r>
+              <a:rPr lang="en-US" altLang="zh-CN" dirty="0"/>
+              <a:t>ticket</a:t>
+            </a:r>
+          </a:p>
+          <a:p>
+            <a:endParaRPr lang="zh-CN" altLang="en-US" dirty="0"/>
+          </a:p>
+          <a:p>
+            <a:r>
+              <a:rPr lang="en-US" altLang="zh-CN" dirty="0"/>
+              <a:t>String ticket = </a:t>
+            </a:r>
             <a:r>
               <a:rPr lang="en-US" altLang="zh-CN" dirty="0" err="1"/>
-              <a:t>WSServiceClientFactory.setServiceClass</a:t>
+              <a:t>tokenService.genTicket</a:t>
+            </a:r>
+            <a:r>
+              <a:rPr lang="en-US" altLang="zh-CN" dirty="0"/>
+              <a:t>(account, </a:t>
+            </a:r>
+            <a:r>
+              <a:rPr lang="en-US" altLang="zh-CN" dirty="0" err="1"/>
+              <a:t>worknumber</a:t>
+            </a:r>
+            <a:r>
+              <a:rPr lang="en-US" altLang="zh-CN" dirty="0"/>
+              <a:t>, </a:t>
+            </a:r>
+            <a:r>
+              <a:rPr lang="en-US" altLang="zh-CN" dirty="0" err="1"/>
+              <a:t>appid</a:t>
+            </a:r>
+            <a:r>
+              <a:rPr lang="en-US" altLang="zh-CN" dirty="0"/>
+              <a:t>, secret);</a:t>
+            </a:r>
+          </a:p>
+          <a:p>
+            <a:r>
+              <a:rPr lang="en-US" altLang="zh-CN" dirty="0"/>
+              <a:t>String token = </a:t>
+            </a:r>
+            <a:r>
+              <a:rPr lang="en-US" altLang="zh-CN" dirty="0" err="1"/>
+              <a:t>tokenService.genAuthTempToken</a:t>
             </a:r>
             <a:r>
               <a:rPr lang="en-US" altLang="zh-CN" dirty="0"/>
@@ -21220,106 +22945,11 @@
             </a:r>
             <a:r>
               <a:rPr lang="en-US" altLang="zh-CN" dirty="0" err="1"/>
-              <a:t>TokenService.class</a:t>
+              <a:t>appid</a:t>
             </a:r>
             <a:r>
               <a:rPr lang="en-US" altLang="zh-CN" dirty="0"/>
-              <a:t>);</a:t>
-            </a:r>
-          </a:p>
-          <a:p>
-            <a:pPr marL="0" indent="0">
-              <a:buNone/>
-            </a:pPr>
-            <a:r>
-              <a:rPr lang="en-US" altLang="zh-CN" dirty="0" err="1"/>
-              <a:t>TokenService</a:t>
-            </a:r>
-            <a:r>
-              <a:rPr lang="en-US" altLang="zh-CN" dirty="0"/>
-              <a:t> </a:t>
-            </a:r>
-            <a:r>
-              <a:rPr lang="en-US" altLang="zh-CN" dirty="0" smtClean="0"/>
-              <a:t> </a:t>
-            </a:r>
-            <a:r>
-              <a:rPr lang="en-US" altLang="zh-CN" dirty="0" err="1" smtClean="0"/>
-              <a:t>tokenService</a:t>
-            </a:r>
-            <a:r>
-              <a:rPr lang="en-US" altLang="zh-CN" dirty="0" smtClean="0"/>
-              <a:t> </a:t>
-            </a:r>
-            <a:r>
-              <a:rPr lang="en-US" altLang="zh-CN" dirty="0"/>
-              <a:t>= (</a:t>
-            </a:r>
-            <a:r>
-              <a:rPr lang="en-US" altLang="zh-CN" dirty="0" err="1"/>
-              <a:t>TokenService</a:t>
-            </a:r>
-            <a:r>
-              <a:rPr lang="en-US" altLang="zh-CN" dirty="0"/>
-              <a:t>)</a:t>
-            </a:r>
-            <a:r>
-              <a:rPr lang="en-US" altLang="zh-CN" dirty="0" err="1"/>
-              <a:t>WSServiceClientFactory.create</a:t>
-            </a:r>
-            <a:r>
-              <a:rPr lang="en-US" altLang="zh-CN" dirty="0" smtClean="0"/>
-              <a:t>();</a:t>
-            </a:r>
-          </a:p>
-          <a:p>
-            <a:pPr marL="0" indent="0">
-              <a:buNone/>
-            </a:pPr>
-            <a:r>
-              <a:rPr lang="en-US" altLang="zh-CN" dirty="0"/>
-              <a:t>String token = </a:t>
-            </a:r>
-            <a:r>
-              <a:rPr lang="en-US" altLang="zh-CN" dirty="0" err="1"/>
-              <a:t>tokenService.genAuthTempToken</a:t>
-            </a:r>
-            <a:r>
-              <a:rPr lang="en-US" altLang="zh-CN" dirty="0"/>
-              <a:t>(</a:t>
-            </a:r>
-            <a:r>
-              <a:rPr lang="en-US" altLang="zh-CN" dirty="0" err="1"/>
-              <a:t>appid</a:t>
-            </a:r>
-            <a:r>
-              <a:rPr lang="en-US" altLang="zh-CN" dirty="0"/>
-              <a:t>, secret, account);</a:t>
-            </a:r>
-          </a:p>
-          <a:p>
-            <a:pPr marL="0" indent="0">
-              <a:buNone/>
-            </a:pPr>
-            <a:r>
-              <a:rPr lang="en-US" altLang="zh-CN" dirty="0"/>
-              <a:t>//token = </a:t>
-            </a:r>
-            <a:r>
-              <a:rPr lang="en-US" altLang="zh-CN" dirty="0" err="1"/>
-              <a:t>tokenService.genDualToken</a:t>
-            </a:r>
-            <a:r>
-              <a:rPr lang="en-US" altLang="zh-CN" dirty="0"/>
-              <a:t>(</a:t>
-            </a:r>
-            <a:r>
-              <a:rPr lang="en-US" altLang="zh-CN" dirty="0" err="1"/>
-              <a:t>appid</a:t>
-            </a:r>
-            <a:r>
-              <a:rPr lang="en-US" altLang="zh-CN" dirty="0"/>
-              <a:t>, secret, account);</a:t>
+              <a:t>, secret, ticket);</a:t>
             </a:r>
             <a:endParaRPr lang="zh-CN" altLang="en-US" dirty="0"/>
           </a:p>
@@ -21328,7 +22958,7 @@
     </p:spTree>
     <p:extLst>
       <p:ext uri="{BB962C8B-B14F-4D97-AF65-F5344CB8AC3E}">
-        <p14:creationId xmlns:p14="http://schemas.microsoft.com/office/powerpoint/2010/main" val="4219826641"/>
+        <p14:creationId xmlns:p14="http://schemas.microsoft.com/office/powerpoint/2010/main" val="1341266549"/>
       </p:ext>
     </p:extLst>
   </p:cSld>

--- a/文档/令牌管理.pptx
+++ b/文档/令牌管理.pptx
@@ -216,7 +216,7 @@
           <a:p>
             <a:fld id="{8EF8AF17-AEFD-4E2D-BED8-885C2519CD75}" type="datetimeFigureOut">
               <a:rPr lang="zh-CN" altLang="en-US" smtClean="0"/>
-              <a:t>2014/4/22</a:t>
+              <a:t>2014/4/26</a:t>
             </a:fld>
             <a:endParaRPr lang="zh-CN" altLang="en-US"/>
           </a:p>
@@ -749,7 +749,7 @@
           <a:p>
             <a:fld id="{530820CF-B880-4189-942D-D702A7CBA730}" type="datetimeFigureOut">
               <a:rPr lang="zh-CN" altLang="en-US" smtClean="0"/>
-              <a:t>2014/4/22</a:t>
+              <a:t>2014/4/26</a:t>
             </a:fld>
             <a:endParaRPr lang="zh-CN" altLang="en-US"/>
           </a:p>
@@ -914,7 +914,7 @@
           <a:p>
             <a:fld id="{530820CF-B880-4189-942D-D702A7CBA730}" type="datetimeFigureOut">
               <a:rPr lang="zh-CN" altLang="en-US" smtClean="0"/>
-              <a:t>2014/4/22</a:t>
+              <a:t>2014/4/26</a:t>
             </a:fld>
             <a:endParaRPr lang="zh-CN" altLang="en-US"/>
           </a:p>
@@ -1089,7 +1089,7 @@
           <a:p>
             <a:fld id="{530820CF-B880-4189-942D-D702A7CBA730}" type="datetimeFigureOut">
               <a:rPr lang="zh-CN" altLang="en-US" smtClean="0"/>
-              <a:t>2014/4/22</a:t>
+              <a:t>2014/4/26</a:t>
             </a:fld>
             <a:endParaRPr lang="zh-CN" altLang="en-US"/>
           </a:p>
@@ -1254,7 +1254,7 @@
           <a:p>
             <a:fld id="{530820CF-B880-4189-942D-D702A7CBA730}" type="datetimeFigureOut">
               <a:rPr lang="zh-CN" altLang="en-US" smtClean="0"/>
-              <a:t>2014/4/22</a:t>
+              <a:t>2014/4/26</a:t>
             </a:fld>
             <a:endParaRPr lang="zh-CN" altLang="en-US"/>
           </a:p>
@@ -1495,7 +1495,7 @@
           <a:p>
             <a:fld id="{530820CF-B880-4189-942D-D702A7CBA730}" type="datetimeFigureOut">
               <a:rPr lang="zh-CN" altLang="en-US" smtClean="0"/>
-              <a:t>2014/4/22</a:t>
+              <a:t>2014/4/26</a:t>
             </a:fld>
             <a:endParaRPr lang="zh-CN" altLang="en-US"/>
           </a:p>
@@ -1778,7 +1778,7 @@
           <a:p>
             <a:fld id="{530820CF-B880-4189-942D-D702A7CBA730}" type="datetimeFigureOut">
               <a:rPr lang="zh-CN" altLang="en-US" smtClean="0"/>
-              <a:t>2014/4/22</a:t>
+              <a:t>2014/4/26</a:t>
             </a:fld>
             <a:endParaRPr lang="zh-CN" altLang="en-US"/>
           </a:p>
@@ -2195,7 +2195,7 @@
           <a:p>
             <a:fld id="{530820CF-B880-4189-942D-D702A7CBA730}" type="datetimeFigureOut">
               <a:rPr lang="zh-CN" altLang="en-US" smtClean="0"/>
-              <a:t>2014/4/22</a:t>
+              <a:t>2014/4/26</a:t>
             </a:fld>
             <a:endParaRPr lang="zh-CN" altLang="en-US"/>
           </a:p>
@@ -2308,7 +2308,7 @@
           <a:p>
             <a:fld id="{530820CF-B880-4189-942D-D702A7CBA730}" type="datetimeFigureOut">
               <a:rPr lang="zh-CN" altLang="en-US" smtClean="0"/>
-              <a:t>2014/4/22</a:t>
+              <a:t>2014/4/26</a:t>
             </a:fld>
             <a:endParaRPr lang="zh-CN" altLang="en-US"/>
           </a:p>
@@ -2398,7 +2398,7 @@
           <a:p>
             <a:fld id="{530820CF-B880-4189-942D-D702A7CBA730}" type="datetimeFigureOut">
               <a:rPr lang="zh-CN" altLang="en-US" smtClean="0"/>
-              <a:t>2014/4/22</a:t>
+              <a:t>2014/4/26</a:t>
             </a:fld>
             <a:endParaRPr lang="zh-CN" altLang="en-US"/>
           </a:p>
@@ -2670,7 +2670,7 @@
           <a:p>
             <a:fld id="{530820CF-B880-4189-942D-D702A7CBA730}" type="datetimeFigureOut">
               <a:rPr lang="zh-CN" altLang="en-US" smtClean="0"/>
-              <a:t>2014/4/22</a:t>
+              <a:t>2014/4/26</a:t>
             </a:fld>
             <a:endParaRPr lang="zh-CN" altLang="en-US"/>
           </a:p>
@@ -2918,7 +2918,7 @@
           <a:p>
             <a:fld id="{530820CF-B880-4189-942D-D702A7CBA730}" type="datetimeFigureOut">
               <a:rPr lang="zh-CN" altLang="en-US" smtClean="0"/>
-              <a:t>2014/4/22</a:t>
+              <a:t>2014/4/26</a:t>
             </a:fld>
             <a:endParaRPr lang="zh-CN" altLang="en-US"/>
           </a:p>
@@ -3126,7 +3126,7 @@
           <a:p>
             <a:fld id="{530820CF-B880-4189-942D-D702A7CBA730}" type="datetimeFigureOut">
               <a:rPr lang="zh-CN" altLang="en-US" smtClean="0"/>
-              <a:t>2014/4/22</a:t>
+              <a:t>2014/4/26</a:t>
             </a:fld>
             <a:endParaRPr lang="zh-CN" altLang="en-US"/>
           </a:p>
@@ -8663,6 +8663,618 @@
           </a:p>
         </p:txBody>
       </p:sp>
+      <p:sp>
+        <p:nvSpPr>
+          <p:cNvPr id="46" name="矩形 45"/>
+          <p:cNvSpPr/>
+          <p:nvPr/>
+        </p:nvSpPr>
+        <p:spPr>
+          <a:xfrm>
+            <a:off x="3446161" y="3753036"/>
+            <a:ext cx="684649" cy="246221"/>
+          </a:xfrm>
+          <a:prstGeom prst="rect">
+            <a:avLst/>
+          </a:prstGeom>
+        </p:spPr>
+        <p:style>
+          <a:lnRef idx="2">
+            <a:schemeClr val="dk1"/>
+          </a:lnRef>
+          <a:fillRef idx="1">
+            <a:schemeClr val="lt1"/>
+          </a:fillRef>
+          <a:effectRef idx="0">
+            <a:schemeClr val="dk1"/>
+          </a:effectRef>
+          <a:fontRef idx="minor">
+            <a:schemeClr val="dk1"/>
+          </a:fontRef>
+        </p:style>
+        <p:txBody>
+          <a:bodyPr wrap="square" rtlCol="0">
+            <a:spAutoFit/>
+          </a:bodyPr>
+          <a:lstStyle/>
+          <a:p>
+            <a:pPr algn="ctr"/>
+            <a:r>
+              <a:rPr lang="en-US" altLang="zh-CN" sz="1000" dirty="0" err="1" smtClean="0">
+                <a:solidFill>
+                  <a:schemeClr val="dk1"/>
+                </a:solidFill>
+              </a:rPr>
+              <a:t>signtoken</a:t>
+            </a:r>
+            <a:endParaRPr lang="zh-CN" altLang="en-US" sz="1000" dirty="0">
+              <a:solidFill>
+                <a:schemeClr val="dk1"/>
+              </a:solidFill>
+            </a:endParaRPr>
+          </a:p>
+        </p:txBody>
+      </p:sp>
+      <p:sp>
+        <p:nvSpPr>
+          <p:cNvPr id="47" name="矩形 46"/>
+          <p:cNvSpPr/>
+          <p:nvPr/>
+        </p:nvSpPr>
+        <p:spPr>
+          <a:xfrm>
+            <a:off x="3494142" y="5074902"/>
+            <a:ext cx="684649" cy="246221"/>
+          </a:xfrm>
+          <a:prstGeom prst="rect">
+            <a:avLst/>
+          </a:prstGeom>
+        </p:spPr>
+        <p:style>
+          <a:lnRef idx="2">
+            <a:schemeClr val="dk1"/>
+          </a:lnRef>
+          <a:fillRef idx="1">
+            <a:schemeClr val="lt1"/>
+          </a:fillRef>
+          <a:effectRef idx="0">
+            <a:schemeClr val="dk1"/>
+          </a:effectRef>
+          <a:fontRef idx="minor">
+            <a:schemeClr val="dk1"/>
+          </a:fontRef>
+        </p:style>
+        <p:txBody>
+          <a:bodyPr wrap="square" rtlCol="0">
+            <a:spAutoFit/>
+          </a:bodyPr>
+          <a:lstStyle/>
+          <a:p>
+            <a:pPr algn="ctr"/>
+            <a:r>
+              <a:rPr lang="en-US" altLang="zh-CN" sz="1000" dirty="0" err="1" smtClean="0">
+                <a:solidFill>
+                  <a:schemeClr val="dk1"/>
+                </a:solidFill>
+              </a:rPr>
+              <a:t>signtoken</a:t>
+            </a:r>
+            <a:endParaRPr lang="zh-CN" altLang="en-US" sz="1000" dirty="0">
+              <a:solidFill>
+                <a:schemeClr val="dk1"/>
+              </a:solidFill>
+            </a:endParaRPr>
+          </a:p>
+        </p:txBody>
+      </p:sp>
+      <p:sp>
+        <p:nvSpPr>
+          <p:cNvPr id="48" name="矩形 47"/>
+          <p:cNvSpPr/>
+          <p:nvPr/>
+        </p:nvSpPr>
+        <p:spPr>
+          <a:xfrm>
+            <a:off x="4613878" y="4964499"/>
+            <a:ext cx="3240360" cy="648072"/>
+          </a:xfrm>
+          <a:prstGeom prst="rect">
+            <a:avLst/>
+          </a:prstGeom>
+        </p:spPr>
+        <p:style>
+          <a:lnRef idx="1">
+            <a:schemeClr val="accent2"/>
+          </a:lnRef>
+          <a:fillRef idx="3">
+            <a:schemeClr val="accent2"/>
+          </a:fillRef>
+          <a:effectRef idx="2">
+            <a:schemeClr val="accent2"/>
+          </a:effectRef>
+          <a:fontRef idx="minor">
+            <a:schemeClr val="lt1"/>
+          </a:fontRef>
+        </p:style>
+        <p:txBody>
+          <a:bodyPr rtlCol="0" anchor="ctr"/>
+          <a:lstStyle/>
+          <a:p>
+            <a:pPr algn="ctr"/>
+            <a:endParaRPr lang="zh-CN" altLang="en-US"/>
+          </a:p>
+        </p:txBody>
+      </p:sp>
+      <p:sp>
+        <p:nvSpPr>
+          <p:cNvPr id="49" name="TextBox 48"/>
+          <p:cNvSpPr txBox="1"/>
+          <p:nvPr/>
+        </p:nvSpPr>
+        <p:spPr>
+          <a:xfrm>
+            <a:off x="4613878" y="4595167"/>
+            <a:ext cx="700192" cy="369332"/>
+          </a:xfrm>
+          <a:prstGeom prst="rect">
+            <a:avLst/>
+          </a:prstGeom>
+        </p:spPr>
+        <p:style>
+          <a:lnRef idx="1">
+            <a:schemeClr val="accent1"/>
+          </a:lnRef>
+          <a:fillRef idx="3">
+            <a:schemeClr val="accent1"/>
+          </a:fillRef>
+          <a:effectRef idx="2">
+            <a:schemeClr val="accent1"/>
+          </a:effectRef>
+          <a:fontRef idx="minor">
+            <a:schemeClr val="lt1"/>
+          </a:fontRef>
+        </p:style>
+        <p:txBody>
+          <a:bodyPr wrap="none" rtlCol="0">
+            <a:spAutoFit/>
+          </a:bodyPr>
+          <a:lstStyle>
+            <a:defPPr>
+              <a:defRPr lang="zh-CN"/>
+            </a:defPPr>
+            <a:lvl1pPr>
+              <a:defRPr>
+                <a:solidFill>
+                  <a:schemeClr val="lt1"/>
+                </a:solidFill>
+              </a:defRPr>
+            </a:lvl1pPr>
+            <a:lvl2pPr>
+              <a:defRPr>
+                <a:solidFill>
+                  <a:schemeClr val="lt1"/>
+                </a:solidFill>
+              </a:defRPr>
+            </a:lvl2pPr>
+            <a:lvl3pPr>
+              <a:defRPr>
+                <a:solidFill>
+                  <a:schemeClr val="lt1"/>
+                </a:solidFill>
+              </a:defRPr>
+            </a:lvl3pPr>
+            <a:lvl4pPr>
+              <a:defRPr>
+                <a:solidFill>
+                  <a:schemeClr val="lt1"/>
+                </a:solidFill>
+              </a:defRPr>
+            </a:lvl4pPr>
+            <a:lvl5pPr>
+              <a:defRPr>
+                <a:solidFill>
+                  <a:schemeClr val="lt1"/>
+                </a:solidFill>
+              </a:defRPr>
+            </a:lvl5pPr>
+            <a:lvl6pPr>
+              <a:defRPr>
+                <a:solidFill>
+                  <a:schemeClr val="lt1"/>
+                </a:solidFill>
+              </a:defRPr>
+            </a:lvl6pPr>
+            <a:lvl7pPr>
+              <a:defRPr>
+                <a:solidFill>
+                  <a:schemeClr val="lt1"/>
+                </a:solidFill>
+              </a:defRPr>
+            </a:lvl7pPr>
+            <a:lvl8pPr>
+              <a:defRPr>
+                <a:solidFill>
+                  <a:schemeClr val="lt1"/>
+                </a:solidFill>
+              </a:defRPr>
+            </a:lvl8pPr>
+            <a:lvl9pPr>
+              <a:defRPr>
+                <a:solidFill>
+                  <a:schemeClr val="lt1"/>
+                </a:solidFill>
+              </a:defRPr>
+            </a:lvl9pPr>
+          </a:lstStyle>
+          <a:p>
+            <a:r>
+              <a:rPr lang="en-US" altLang="zh-CN" dirty="0" smtClean="0"/>
+              <a:t>ticket</a:t>
+            </a:r>
+            <a:endParaRPr lang="zh-CN" altLang="en-US" dirty="0"/>
+          </a:p>
+        </p:txBody>
+      </p:sp>
+      <p:sp>
+        <p:nvSpPr>
+          <p:cNvPr id="50" name="矩形 49"/>
+          <p:cNvSpPr/>
+          <p:nvPr/>
+        </p:nvSpPr>
+        <p:spPr>
+          <a:xfrm>
+            <a:off x="4754362" y="5019188"/>
+            <a:ext cx="484428" cy="246221"/>
+          </a:xfrm>
+          <a:prstGeom prst="rect">
+            <a:avLst/>
+          </a:prstGeom>
+        </p:spPr>
+        <p:style>
+          <a:lnRef idx="2">
+            <a:schemeClr val="dk1"/>
+          </a:lnRef>
+          <a:fillRef idx="1">
+            <a:schemeClr val="lt1"/>
+          </a:fillRef>
+          <a:effectRef idx="0">
+            <a:schemeClr val="dk1"/>
+          </a:effectRef>
+          <a:fontRef idx="minor">
+            <a:schemeClr val="dk1"/>
+          </a:fontRef>
+        </p:style>
+        <p:txBody>
+          <a:bodyPr wrap="square" rtlCol="0">
+            <a:spAutoFit/>
+          </a:bodyPr>
+          <a:lstStyle/>
+          <a:p>
+            <a:pPr algn="ctr"/>
+            <a:r>
+              <a:rPr lang="en-US" altLang="zh-CN" sz="1000" dirty="0" smtClean="0"/>
+              <a:t>token</a:t>
+            </a:r>
+            <a:endParaRPr lang="zh-CN" altLang="en-US" sz="1000" dirty="0">
+              <a:solidFill>
+                <a:schemeClr val="dk1"/>
+              </a:solidFill>
+            </a:endParaRPr>
+          </a:p>
+        </p:txBody>
+      </p:sp>
+      <p:sp>
+        <p:nvSpPr>
+          <p:cNvPr id="51" name="矩形 50"/>
+          <p:cNvSpPr/>
+          <p:nvPr/>
+        </p:nvSpPr>
+        <p:spPr>
+          <a:xfrm>
+            <a:off x="6265846" y="5026054"/>
+            <a:ext cx="774571" cy="246221"/>
+          </a:xfrm>
+          <a:prstGeom prst="rect">
+            <a:avLst/>
+          </a:prstGeom>
+        </p:spPr>
+        <p:style>
+          <a:lnRef idx="2">
+            <a:schemeClr val="dk1"/>
+          </a:lnRef>
+          <a:fillRef idx="1">
+            <a:schemeClr val="lt1"/>
+          </a:fillRef>
+          <a:effectRef idx="0">
+            <a:schemeClr val="dk1"/>
+          </a:effectRef>
+          <a:fontRef idx="minor">
+            <a:schemeClr val="dk1"/>
+          </a:fontRef>
+        </p:style>
+        <p:txBody>
+          <a:bodyPr wrap="square" rtlCol="0">
+            <a:spAutoFit/>
+          </a:bodyPr>
+          <a:lstStyle/>
+          <a:p>
+            <a:pPr algn="ctr"/>
+            <a:r>
+              <a:rPr lang="en-US" altLang="zh-CN" sz="1000" dirty="0" err="1">
+                <a:solidFill>
+                  <a:schemeClr val="dk1"/>
+                </a:solidFill>
+              </a:rPr>
+              <a:t>createTime</a:t>
+            </a:r>
+            <a:endParaRPr lang="zh-CN" altLang="en-US" sz="1000" dirty="0">
+              <a:solidFill>
+                <a:schemeClr val="dk1"/>
+              </a:solidFill>
+            </a:endParaRPr>
+          </a:p>
+        </p:txBody>
+      </p:sp>
+      <p:sp>
+        <p:nvSpPr>
+          <p:cNvPr id="52" name="矩形 51"/>
+          <p:cNvSpPr/>
+          <p:nvPr/>
+        </p:nvSpPr>
+        <p:spPr>
+          <a:xfrm>
+            <a:off x="5470143" y="5324183"/>
+            <a:ext cx="819455" cy="246221"/>
+          </a:xfrm>
+          <a:prstGeom prst="rect">
+            <a:avLst/>
+          </a:prstGeom>
+        </p:spPr>
+        <p:style>
+          <a:lnRef idx="2">
+            <a:schemeClr val="dk1"/>
+          </a:lnRef>
+          <a:fillRef idx="1">
+            <a:schemeClr val="lt1"/>
+          </a:fillRef>
+          <a:effectRef idx="0">
+            <a:schemeClr val="dk1"/>
+          </a:effectRef>
+          <a:fontRef idx="minor">
+            <a:schemeClr val="dk1"/>
+          </a:fontRef>
+        </p:style>
+        <p:txBody>
+          <a:bodyPr wrap="square" rtlCol="0">
+            <a:spAutoFit/>
+          </a:bodyPr>
+          <a:lstStyle/>
+          <a:p>
+            <a:pPr algn="ctr"/>
+            <a:r>
+              <a:rPr lang="en-US" altLang="zh-CN" sz="1000" dirty="0" err="1">
+                <a:solidFill>
+                  <a:schemeClr val="dk1"/>
+                </a:solidFill>
+              </a:rPr>
+              <a:t>lastVistTime</a:t>
+            </a:r>
+            <a:endParaRPr lang="zh-CN" altLang="en-US" sz="1000" dirty="0">
+              <a:solidFill>
+                <a:schemeClr val="dk1"/>
+              </a:solidFill>
+            </a:endParaRPr>
+          </a:p>
+        </p:txBody>
+      </p:sp>
+      <p:sp>
+        <p:nvSpPr>
+          <p:cNvPr id="53" name="矩形 52"/>
+          <p:cNvSpPr/>
+          <p:nvPr/>
+        </p:nvSpPr>
+        <p:spPr>
+          <a:xfrm>
+            <a:off x="5470143" y="5019188"/>
+            <a:ext cx="603050" cy="246221"/>
+          </a:xfrm>
+          <a:prstGeom prst="rect">
+            <a:avLst/>
+          </a:prstGeom>
+        </p:spPr>
+        <p:style>
+          <a:lnRef idx="2">
+            <a:schemeClr val="dk1"/>
+          </a:lnRef>
+          <a:fillRef idx="1">
+            <a:schemeClr val="lt1"/>
+          </a:fillRef>
+          <a:effectRef idx="0">
+            <a:schemeClr val="dk1"/>
+          </a:effectRef>
+          <a:fontRef idx="minor">
+            <a:schemeClr val="dk1"/>
+          </a:fontRef>
+        </p:style>
+        <p:txBody>
+          <a:bodyPr wrap="square" rtlCol="0">
+            <a:spAutoFit/>
+          </a:bodyPr>
+          <a:lstStyle/>
+          <a:p>
+            <a:pPr algn="ctr"/>
+            <a:r>
+              <a:rPr lang="en-US" altLang="zh-CN" sz="1000" dirty="0" err="1">
+                <a:solidFill>
+                  <a:schemeClr val="dk1"/>
+                </a:solidFill>
+              </a:rPr>
+              <a:t>livetime</a:t>
+            </a:r>
+            <a:endParaRPr lang="zh-CN" altLang="en-US" sz="1000" dirty="0">
+              <a:solidFill>
+                <a:schemeClr val="dk1"/>
+              </a:solidFill>
+            </a:endParaRPr>
+          </a:p>
+        </p:txBody>
+      </p:sp>
+      <p:sp>
+        <p:nvSpPr>
+          <p:cNvPr id="54" name="矩形 53"/>
+          <p:cNvSpPr/>
+          <p:nvPr/>
+        </p:nvSpPr>
+        <p:spPr>
+          <a:xfrm>
+            <a:off x="6414925" y="5314257"/>
+            <a:ext cx="476412" cy="246221"/>
+          </a:xfrm>
+          <a:prstGeom prst="rect">
+            <a:avLst/>
+          </a:prstGeom>
+        </p:spPr>
+        <p:style>
+          <a:lnRef idx="2">
+            <a:schemeClr val="dk1"/>
+          </a:lnRef>
+          <a:fillRef idx="1">
+            <a:schemeClr val="lt1"/>
+          </a:fillRef>
+          <a:effectRef idx="0">
+            <a:schemeClr val="dk1"/>
+          </a:effectRef>
+          <a:fontRef idx="minor">
+            <a:schemeClr val="dk1"/>
+          </a:fontRef>
+        </p:style>
+        <p:txBody>
+          <a:bodyPr wrap="square" rtlCol="0">
+            <a:spAutoFit/>
+          </a:bodyPr>
+          <a:lstStyle/>
+          <a:p>
+            <a:pPr algn="ctr"/>
+            <a:r>
+              <a:rPr lang="en-US" altLang="zh-CN" sz="1000" dirty="0" err="1">
+                <a:solidFill>
+                  <a:schemeClr val="dk1"/>
+                </a:solidFill>
+              </a:rPr>
+              <a:t>appid</a:t>
+            </a:r>
+            <a:endParaRPr lang="zh-CN" altLang="en-US" sz="1000" dirty="0">
+              <a:solidFill>
+                <a:schemeClr val="dk1"/>
+              </a:solidFill>
+            </a:endParaRPr>
+          </a:p>
+        </p:txBody>
+      </p:sp>
+      <p:sp>
+        <p:nvSpPr>
+          <p:cNvPr id="56" name="矩形 55"/>
+          <p:cNvSpPr/>
+          <p:nvPr/>
+        </p:nvSpPr>
+        <p:spPr>
+          <a:xfrm>
+            <a:off x="7080448" y="5026054"/>
+            <a:ext cx="596638" cy="246221"/>
+          </a:xfrm>
+          <a:prstGeom prst="rect">
+            <a:avLst/>
+          </a:prstGeom>
+        </p:spPr>
+        <p:style>
+          <a:lnRef idx="2">
+            <a:schemeClr val="dk1"/>
+          </a:lnRef>
+          <a:fillRef idx="1">
+            <a:schemeClr val="lt1"/>
+          </a:fillRef>
+          <a:effectRef idx="0">
+            <a:schemeClr val="dk1"/>
+          </a:effectRef>
+          <a:fontRef idx="minor">
+            <a:schemeClr val="dk1"/>
+          </a:fontRef>
+        </p:style>
+        <p:txBody>
+          <a:bodyPr wrap="square" rtlCol="0">
+            <a:spAutoFit/>
+          </a:bodyPr>
+          <a:lstStyle/>
+          <a:p>
+            <a:pPr algn="ctr"/>
+            <a:r>
+              <a:rPr lang="en-US" altLang="zh-CN" sz="1000" dirty="0">
+                <a:solidFill>
+                  <a:schemeClr val="dk1"/>
+                </a:solidFill>
+              </a:rPr>
+              <a:t>validate</a:t>
+            </a:r>
+            <a:endParaRPr lang="zh-CN" altLang="en-US" sz="1000" dirty="0">
+              <a:solidFill>
+                <a:schemeClr val="dk1"/>
+              </a:solidFill>
+            </a:endParaRPr>
+          </a:p>
+        </p:txBody>
+      </p:sp>
+      <p:sp>
+        <p:nvSpPr>
+          <p:cNvPr id="57" name="矩形 56"/>
+          <p:cNvSpPr/>
+          <p:nvPr/>
+        </p:nvSpPr>
+        <p:spPr>
+          <a:xfrm>
+            <a:off x="7040417" y="5314257"/>
+            <a:ext cx="684649" cy="246221"/>
+          </a:xfrm>
+          <a:prstGeom prst="rect">
+            <a:avLst/>
+          </a:prstGeom>
+        </p:spPr>
+        <p:style>
+          <a:lnRef idx="2">
+            <a:schemeClr val="dk1"/>
+          </a:lnRef>
+          <a:fillRef idx="1">
+            <a:schemeClr val="lt1"/>
+          </a:fillRef>
+          <a:effectRef idx="0">
+            <a:schemeClr val="dk1"/>
+          </a:effectRef>
+          <a:fontRef idx="minor">
+            <a:schemeClr val="dk1"/>
+          </a:fontRef>
+        </p:style>
+        <p:txBody>
+          <a:bodyPr wrap="square" rtlCol="0">
+            <a:spAutoFit/>
+          </a:bodyPr>
+          <a:lstStyle/>
+          <a:p>
+            <a:pPr algn="ctr"/>
+            <a:r>
+              <a:rPr lang="en-US" altLang="zh-CN" sz="1000" dirty="0" err="1" smtClean="0">
+                <a:solidFill>
+                  <a:schemeClr val="dk1"/>
+                </a:solidFill>
+              </a:rPr>
+              <a:t>signtoken</a:t>
+            </a:r>
+            <a:endParaRPr lang="zh-CN" altLang="en-US" sz="1000" dirty="0">
+              <a:solidFill>
+                <a:schemeClr val="dk1"/>
+              </a:solidFill>
+            </a:endParaRPr>
+          </a:p>
+        </p:txBody>
+      </p:sp>
     </p:spTree>
     <p:extLst>
       <p:ext uri="{BB962C8B-B14F-4D97-AF65-F5344CB8AC3E}">
@@ -9974,11 +10586,6 @@
               </a:rPr>
               <a:t>jdk</a:t>
             </a:r>
-            <a:endParaRPr lang="zh-CN" altLang="zh-CN" dirty="0">
-              <a:latin typeface="Verdana" pitchFamily="34" charset="0"/>
-              <a:ea typeface="宋体" pitchFamily="2" charset="-122"/>
-              <a:cs typeface="宋体" pitchFamily="2" charset="-122"/>
-            </a:endParaRPr>
           </a:p>
         </p:txBody>
       </p:sp>

--- a/文档/令牌管理.pptx
+++ b/文档/令牌管理.pptx
@@ -9173,14 +9173,14 @@
       </p:sp>
       <p:sp>
         <p:nvSpPr>
-          <p:cNvPr id="56" name="矩形 55"/>
+          <p:cNvPr id="57" name="矩形 56"/>
           <p:cNvSpPr/>
           <p:nvPr/>
         </p:nvSpPr>
         <p:spPr>
           <a:xfrm>
-            <a:off x="7080448" y="5026054"/>
-            <a:ext cx="596638" cy="246221"/>
+            <a:off x="7040417" y="5314257"/>
+            <a:ext cx="684649" cy="246221"/>
           </a:xfrm>
           <a:prstGeom prst="rect">
             <a:avLst/>
@@ -9208,64 +9208,8 @@
           <a:p>
             <a:pPr algn="ctr"/>
             <a:r>
-              <a:rPr lang="en-US" altLang="zh-CN" sz="1000" dirty="0">
-                <a:solidFill>
-                  <a:schemeClr val="dk1"/>
-                </a:solidFill>
-              </a:rPr>
-              <a:t>validate</a:t>
-            </a:r>
-            <a:endParaRPr lang="zh-CN" altLang="en-US" sz="1000" dirty="0">
-              <a:solidFill>
-                <a:schemeClr val="dk1"/>
-              </a:solidFill>
-            </a:endParaRPr>
-          </a:p>
-        </p:txBody>
-      </p:sp>
-      <p:sp>
-        <p:nvSpPr>
-          <p:cNvPr id="57" name="矩形 56"/>
-          <p:cNvSpPr/>
-          <p:nvPr/>
-        </p:nvSpPr>
-        <p:spPr>
-          <a:xfrm>
-            <a:off x="7040417" y="5314257"/>
-            <a:ext cx="684649" cy="246221"/>
-          </a:xfrm>
-          <a:prstGeom prst="rect">
-            <a:avLst/>
-          </a:prstGeom>
-        </p:spPr>
-        <p:style>
-          <a:lnRef idx="2">
-            <a:schemeClr val="dk1"/>
-          </a:lnRef>
-          <a:fillRef idx="1">
-            <a:schemeClr val="lt1"/>
-          </a:fillRef>
-          <a:effectRef idx="0">
-            <a:schemeClr val="dk1"/>
-          </a:effectRef>
-          <a:fontRef idx="minor">
-            <a:schemeClr val="dk1"/>
-          </a:fontRef>
-        </p:style>
-        <p:txBody>
-          <a:bodyPr wrap="square" rtlCol="0">
-            <a:spAutoFit/>
-          </a:bodyPr>
-          <a:lstStyle/>
-          <a:p>
-            <a:pPr algn="ctr"/>
-            <a:r>
-              <a:rPr lang="en-US" altLang="zh-CN" sz="1000" dirty="0" err="1" smtClean="0">
-                <a:solidFill>
-                  <a:schemeClr val="dk1"/>
-                </a:solidFill>
-              </a:rPr>
-              <a:t>signtoken</a:t>
+              <a:rPr lang="en-US" altLang="zh-CN" sz="1000" u="sng" dirty="0"/>
+              <a:t>ticket</a:t>
             </a:r>
             <a:endParaRPr lang="zh-CN" altLang="en-US" sz="1000" dirty="0">
               <a:solidFill>
